--- a/事前レクチャー_スライド.pptx
+++ b/事前レクチャー_スライド.pptx
@@ -25,10 +25,10 @@
     <p:sldId id="285" r:id="rId16"/>
     <p:sldId id="286" r:id="rId17"/>
     <p:sldId id="268" r:id="rId18"/>
-    <p:sldId id="277" r:id="rId19"/>
-    <p:sldId id="287" r:id="rId20"/>
-    <p:sldId id="288" r:id="rId21"/>
-    <p:sldId id="289" r:id="rId22"/>
+    <p:sldId id="288" r:id="rId19"/>
+    <p:sldId id="289" r:id="rId20"/>
+    <p:sldId id="287" r:id="rId21"/>
+    <p:sldId id="277" r:id="rId22"/>
     <p:sldId id="291" r:id="rId23"/>
     <p:sldId id="282" r:id="rId24"/>
     <p:sldId id="273" r:id="rId25"/>
@@ -161,7 +161,7 @@
   <pc:docChgLst>
     <pc:chgData name="Keisuke Tsugumi" userId="6e4a72d90fa3675d" providerId="LiveId" clId="{54E4F011-C27E-4586-9098-82EB89E0B39E}"/>
     <pc:docChg chg="undo custSel addSld delSld modSld sldOrd modMainMaster">
-      <pc:chgData name="Keisuke Tsugumi" userId="6e4a72d90fa3675d" providerId="LiveId" clId="{54E4F011-C27E-4586-9098-82EB89E0B39E}" dt="2025-08-03T16:37:06.806" v="12708" actId="403"/>
+      <pc:chgData name="Keisuke Tsugumi" userId="6e4a72d90fa3675d" providerId="LiveId" clId="{54E4F011-C27E-4586-9098-82EB89E0B39E}" dt="2025-08-05T13:47:13.288" v="12712"/>
       <pc:docMkLst>
         <pc:docMk/>
       </pc:docMkLst>
@@ -1122,14 +1122,6 @@
             <ac:spMk id="3" creationId="{EB5FD08D-4A21-C939-79A2-A4C5BD36B2FF}"/>
           </ac:spMkLst>
         </pc:spChg>
-        <pc:spChg chg="del">
-          <ac:chgData name="Keisuke Tsugumi" userId="6e4a72d90fa3675d" providerId="LiveId" clId="{54E4F011-C27E-4586-9098-82EB89E0B39E}" dt="2025-08-03T16:35:34.661" v="12680" actId="478"/>
-          <ac:spMkLst>
-            <pc:docMk/>
-            <pc:sldMk cId="2959461253" sldId="273"/>
-            <ac:spMk id="5" creationId="{243B177B-6B74-77C6-9487-8947528495A8}"/>
-          </ac:spMkLst>
-        </pc:spChg>
         <pc:spChg chg="add mod">
           <ac:chgData name="Keisuke Tsugumi" userId="6e4a72d90fa3675d" providerId="LiveId" clId="{54E4F011-C27E-4586-9098-82EB89E0B39E}" dt="2025-08-03T16:35:35.548" v="12681"/>
           <ac:spMkLst>
@@ -1145,14 +1137,6 @@
           <pc:docMk/>
           <pc:sldMk cId="900761329" sldId="274"/>
         </pc:sldMkLst>
-        <pc:spChg chg="mod">
-          <ac:chgData name="Keisuke Tsugumi" userId="6e4a72d90fa3675d" providerId="LiveId" clId="{54E4F011-C27E-4586-9098-82EB89E0B39E}" dt="2025-08-02T07:42:07.451" v="8166"/>
-          <ac:spMkLst>
-            <pc:docMk/>
-            <pc:sldMk cId="900761329" sldId="274"/>
-            <ac:spMk id="2" creationId="{B48F4108-7661-CD9D-752B-A354A1D9409E}"/>
-          </ac:spMkLst>
-        </pc:spChg>
       </pc:sldChg>
       <pc:sldChg chg="addSp delSp modSp add mod">
         <pc:chgData name="Keisuke Tsugumi" userId="6e4a72d90fa3675d" providerId="LiveId" clId="{54E4F011-C27E-4586-9098-82EB89E0B39E}" dt="2025-08-03T16:35:30.294" v="12679"/>
@@ -1176,14 +1160,6 @@
             <ac:spMk id="3" creationId="{818D0803-0CE0-B1C4-E2C3-985774324BDB}"/>
           </ac:spMkLst>
         </pc:spChg>
-        <pc:spChg chg="del">
-          <ac:chgData name="Keisuke Tsugumi" userId="6e4a72d90fa3675d" providerId="LiveId" clId="{54E4F011-C27E-4586-9098-82EB89E0B39E}" dt="2025-08-03T16:35:29.408" v="12678" actId="478"/>
-          <ac:spMkLst>
-            <pc:docMk/>
-            <pc:sldMk cId="204264070" sldId="275"/>
-            <ac:spMk id="5" creationId="{DCD8CAC4-F4DF-9EE6-9E63-8A68E1EC512A}"/>
-          </ac:spMkLst>
-        </pc:spChg>
         <pc:spChg chg="add mod">
           <ac:chgData name="Keisuke Tsugumi" userId="6e4a72d90fa3675d" providerId="LiveId" clId="{54E4F011-C27E-4586-9098-82EB89E0B39E}" dt="2025-08-03T16:35:30.294" v="12679"/>
           <ac:spMkLst>
@@ -1200,20 +1176,12 @@
           <pc:sldMk cId="4218359035" sldId="276"/>
         </pc:sldMkLst>
       </pc:sldChg>
-      <pc:sldChg chg="addSp delSp modSp new mod">
-        <pc:chgData name="Keisuke Tsugumi" userId="6e4a72d90fa3675d" providerId="LiveId" clId="{54E4F011-C27E-4586-9098-82EB89E0B39E}" dt="2025-08-03T07:51:08.444" v="10014"/>
+      <pc:sldChg chg="addSp delSp modSp new mod ord">
+        <pc:chgData name="Keisuke Tsugumi" userId="6e4a72d90fa3675d" providerId="LiveId" clId="{54E4F011-C27E-4586-9098-82EB89E0B39E}" dt="2025-08-05T13:47:03.579" v="12710"/>
         <pc:sldMkLst>
           <pc:docMk/>
           <pc:sldMk cId="2086051827" sldId="277"/>
         </pc:sldMkLst>
-        <pc:spChg chg="del mod">
-          <ac:chgData name="Keisuke Tsugumi" userId="6e4a72d90fa3675d" providerId="LiveId" clId="{54E4F011-C27E-4586-9098-82EB89E0B39E}" dt="2025-08-03T07:50:13.362" v="9961" actId="21"/>
-          <ac:spMkLst>
-            <pc:docMk/>
-            <pc:sldMk cId="2086051827" sldId="277"/>
-            <ac:spMk id="2" creationId="{0A645473-C99A-1EC5-2161-085F066C99BF}"/>
-          </ac:spMkLst>
-        </pc:spChg>
         <pc:spChg chg="mod">
           <ac:chgData name="Keisuke Tsugumi" userId="6e4a72d90fa3675d" providerId="LiveId" clId="{54E4F011-C27E-4586-9098-82EB89E0B39E}" dt="2025-08-03T07:49:48.593" v="9959" actId="14100"/>
           <ac:spMkLst>
@@ -1228,14 +1196,6 @@
             <pc:docMk/>
             <pc:sldMk cId="2086051827" sldId="277"/>
             <ac:spMk id="7" creationId="{DF2752B4-98F8-6B99-2AF8-271E2DCF53BD}"/>
-          </ac:spMkLst>
-        </pc:spChg>
-        <pc:spChg chg="add del mod">
-          <ac:chgData name="Keisuke Tsugumi" userId="6e4a72d90fa3675d" providerId="LiveId" clId="{54E4F011-C27E-4586-9098-82EB89E0B39E}" dt="2025-08-03T07:42:22.443" v="9657" actId="478"/>
-          <ac:spMkLst>
-            <pc:docMk/>
-            <pc:sldMk cId="2086051827" sldId="277"/>
-            <ac:spMk id="10" creationId="{C77ECF97-A510-32CF-AE72-821A67D6D9D0}"/>
           </ac:spMkLst>
         </pc:spChg>
         <pc:spChg chg="add mod">
@@ -1260,14 +1220,6 @@
             <pc:docMk/>
             <pc:sldMk cId="2086051827" sldId="277"/>
             <ac:spMk id="20" creationId="{40D6CDCD-FED2-411B-AE7E-EDCF6788D11F}"/>
-          </ac:spMkLst>
-        </pc:spChg>
-        <pc:spChg chg="add del mod">
-          <ac:chgData name="Keisuke Tsugumi" userId="6e4a72d90fa3675d" providerId="LiveId" clId="{54E4F011-C27E-4586-9098-82EB89E0B39E}" dt="2025-08-03T07:46:58.324" v="9848" actId="11529"/>
-          <ac:spMkLst>
-            <pc:docMk/>
-            <pc:sldMk cId="2086051827" sldId="277"/>
-            <ac:spMk id="25" creationId="{98C2D15E-4BCC-D26E-6ED8-9DB2EF65D67C}"/>
           </ac:spMkLst>
         </pc:spChg>
         <pc:spChg chg="add mod">
@@ -1373,14 +1325,6 @@
             <ac:spMk id="3" creationId="{38E16EDF-0E3D-E72C-FD05-D9891BF80131}"/>
           </ac:spMkLst>
         </pc:spChg>
-        <pc:spChg chg="del">
-          <ac:chgData name="Keisuke Tsugumi" userId="6e4a72d90fa3675d" providerId="LiveId" clId="{54E4F011-C27E-4586-9098-82EB89E0B39E}" dt="2025-08-03T16:35:20.864" v="12676" actId="478"/>
-          <ac:spMkLst>
-            <pc:docMk/>
-            <pc:sldMk cId="3553519535" sldId="278"/>
-            <ac:spMk id="5" creationId="{518E6B6C-1FB4-21DF-E6DF-612D48CE2B23}"/>
-          </ac:spMkLst>
-        </pc:spChg>
         <pc:spChg chg="add mod">
           <ac:chgData name="Keisuke Tsugumi" userId="6e4a72d90fa3675d" providerId="LiveId" clId="{54E4F011-C27E-4586-9098-82EB89E0B39E}" dt="2025-08-03T16:35:21.786" v="12677"/>
           <ac:spMkLst>
@@ -1396,22 +1340,6 @@
           <pc:docMk/>
           <pc:sldMk cId="196795428" sldId="279"/>
         </pc:sldMkLst>
-        <pc:spChg chg="del">
-          <ac:chgData name="Keisuke Tsugumi" userId="6e4a72d90fa3675d" providerId="LiveId" clId="{54E4F011-C27E-4586-9098-82EB89E0B39E}" dt="2025-08-03T16:34:46.777" v="12667" actId="478"/>
-          <ac:spMkLst>
-            <pc:docMk/>
-            <pc:sldMk cId="196795428" sldId="279"/>
-            <ac:spMk id="5" creationId="{8218D83B-643B-A11D-86F2-9B8B838C96D8}"/>
-          </ac:spMkLst>
-        </pc:spChg>
-        <pc:spChg chg="add mod">
-          <ac:chgData name="Keisuke Tsugumi" userId="6e4a72d90fa3675d" providerId="LiveId" clId="{54E4F011-C27E-4586-9098-82EB89E0B39E}" dt="2025-08-03T16:34:50.258" v="12669"/>
-          <ac:spMkLst>
-            <pc:docMk/>
-            <pc:sldMk cId="196795428" sldId="279"/>
-            <ac:spMk id="7" creationId="{B5ADBB99-1F32-1CF8-6970-47C953C17508}"/>
-          </ac:spMkLst>
-        </pc:spChg>
         <pc:spChg chg="add mod">
           <ac:chgData name="Keisuke Tsugumi" userId="6e4a72d90fa3675d" providerId="LiveId" clId="{54E4F011-C27E-4586-9098-82EB89E0B39E}" dt="2025-08-03T16:35:10.314" v="12675" actId="207"/>
           <ac:spMkLst>
@@ -1726,8 +1654,8 @@
           </ac:spMkLst>
         </pc:spChg>
       </pc:sldChg>
-      <pc:sldChg chg="addSp delSp modSp new mod">
-        <pc:chgData name="Keisuke Tsugumi" userId="6e4a72d90fa3675d" providerId="LiveId" clId="{54E4F011-C27E-4586-9098-82EB89E0B39E}" dt="2025-08-03T07:53:20.055" v="10107" actId="121"/>
+      <pc:sldChg chg="addSp delSp modSp new mod ord">
+        <pc:chgData name="Keisuke Tsugumi" userId="6e4a72d90fa3675d" providerId="LiveId" clId="{54E4F011-C27E-4586-9098-82EB89E0B39E}" dt="2025-08-05T13:47:13.288" v="12712"/>
         <pc:sldMkLst>
           <pc:docMk/>
           <pc:sldMk cId="2369658609" sldId="287"/>
@@ -1738,14 +1666,6 @@
             <pc:docMk/>
             <pc:sldMk cId="2369658609" sldId="287"/>
             <ac:spMk id="2" creationId="{B7C0B9A1-4942-CD13-00C3-3756A215832C}"/>
-          </ac:spMkLst>
-        </pc:spChg>
-        <pc:spChg chg="del">
-          <ac:chgData name="Keisuke Tsugumi" userId="6e4a72d90fa3675d" providerId="LiveId" clId="{54E4F011-C27E-4586-9098-82EB89E0B39E}" dt="2025-08-03T07:52:20.335" v="10034" actId="478"/>
-          <ac:spMkLst>
-            <pc:docMk/>
-            <pc:sldMk cId="2369658609" sldId="287"/>
-            <ac:spMk id="3" creationId="{45F8752C-4691-2F62-196B-DAEF08EA7072}"/>
           </ac:spMkLst>
         </pc:spChg>
         <pc:spChg chg="mod">
@@ -1816,14 +1736,6 @@
             <pc:docMk/>
             <pc:sldMk cId="1863005645" sldId="289"/>
             <ac:spMk id="2" creationId="{997ED337-CBBE-4349-0667-1E2F4385A5F0}"/>
-          </ac:spMkLst>
-        </pc:spChg>
-        <pc:spChg chg="del mod">
-          <ac:chgData name="Keisuke Tsugumi" userId="6e4a72d90fa3675d" providerId="LiveId" clId="{54E4F011-C27E-4586-9098-82EB89E0B39E}" dt="2025-08-03T08:02:34.942" v="10647" actId="478"/>
-          <ac:spMkLst>
-            <pc:docMk/>
-            <pc:sldMk cId="1863005645" sldId="289"/>
-            <ac:spMk id="3" creationId="{60D0FB10-729C-5CC3-A793-B57485A23216}"/>
           </ac:spMkLst>
         </pc:spChg>
         <pc:spChg chg="mod">
@@ -1906,22 +1818,6 @@
             <ac:grpSpMk id="34" creationId="{083F37F3-0CB8-9A40-EBA4-82DC02F8333D}"/>
           </ac:grpSpMkLst>
         </pc:grpChg>
-        <pc:picChg chg="add del mod">
-          <ac:chgData name="Keisuke Tsugumi" userId="6e4a72d90fa3675d" providerId="LiveId" clId="{54E4F011-C27E-4586-9098-82EB89E0B39E}" dt="2025-08-03T08:03:07.943" v="10656" actId="478"/>
-          <ac:picMkLst>
-            <pc:docMk/>
-            <pc:sldMk cId="1863005645" sldId="289"/>
-            <ac:picMk id="9" creationId="{C3B440EA-A529-AB8F-7DA3-074677DE2F38}"/>
-          </ac:picMkLst>
-        </pc:picChg>
-        <pc:picChg chg="add del mod">
-          <ac:chgData name="Keisuke Tsugumi" userId="6e4a72d90fa3675d" providerId="LiveId" clId="{54E4F011-C27E-4586-9098-82EB89E0B39E}" dt="2025-08-03T08:03:09.122" v="10657" actId="478"/>
-          <ac:picMkLst>
-            <pc:docMk/>
-            <pc:sldMk cId="1863005645" sldId="289"/>
-            <ac:picMk id="11" creationId="{DBC6E544-0A71-FE8D-B29E-6F647607778B}"/>
-          </ac:picMkLst>
-        </pc:picChg>
         <pc:picChg chg="add mod">
           <ac:chgData name="Keisuke Tsugumi" userId="6e4a72d90fa3675d" providerId="LiveId" clId="{54E4F011-C27E-4586-9098-82EB89E0B39E}" dt="2025-08-03T08:09:53.590" v="10742" actId="571"/>
           <ac:picMkLst>
@@ -2056,14 +1952,6 @@
             <ac:spMk id="18" creationId="{87F759D4-B4E4-A0F4-70D5-4F24840F2097}"/>
           </ac:spMkLst>
         </pc:spChg>
-        <pc:spChg chg="add del mod">
-          <ac:chgData name="Keisuke Tsugumi" userId="6e4a72d90fa3675d" providerId="LiveId" clId="{54E4F011-C27E-4586-9098-82EB89E0B39E}" dt="2025-08-03T08:55:25.306" v="11932"/>
-          <ac:spMkLst>
-            <pc:docMk/>
-            <pc:sldMk cId="1220022916" sldId="291"/>
-            <ac:spMk id="19" creationId="{92E8855C-0835-2879-0825-A4D66EA2ACCA}"/>
-          </ac:spMkLst>
-        </pc:spChg>
         <pc:spChg chg="add mod">
           <ac:chgData name="Keisuke Tsugumi" userId="6e4a72d90fa3675d" providerId="LiveId" clId="{54E4F011-C27E-4586-9098-82EB89E0B39E}" dt="2025-08-03T08:55:51.255" v="11959" actId="1036"/>
           <ac:spMkLst>
@@ -2097,22 +1985,6 @@
           </ac:spMkLst>
         </pc:spChg>
         <pc:spChg chg="add mod">
-          <ac:chgData name="Keisuke Tsugumi" userId="6e4a72d90fa3675d" providerId="LiveId" clId="{54E4F011-C27E-4586-9098-82EB89E0B39E}" dt="2025-08-03T08:58:46.117" v="12037" actId="571"/>
-          <ac:spMkLst>
-            <pc:docMk/>
-            <pc:sldMk cId="1220022916" sldId="291"/>
-            <ac:spMk id="37" creationId="{3327353B-337C-BFAB-D756-1FFAE0322D47}"/>
-          </ac:spMkLst>
-        </pc:spChg>
-        <pc:spChg chg="add mod">
-          <ac:chgData name="Keisuke Tsugumi" userId="6e4a72d90fa3675d" providerId="LiveId" clId="{54E4F011-C27E-4586-9098-82EB89E0B39E}" dt="2025-08-03T08:58:46.117" v="12037" actId="571"/>
-          <ac:spMkLst>
-            <pc:docMk/>
-            <pc:sldMk cId="1220022916" sldId="291"/>
-            <ac:spMk id="38" creationId="{B8A5A00A-9CF3-36E7-A408-54B696EE68B7}"/>
-          </ac:spMkLst>
-        </pc:spChg>
-        <pc:spChg chg="add mod">
           <ac:chgData name="Keisuke Tsugumi" userId="6e4a72d90fa3675d" providerId="LiveId" clId="{54E4F011-C27E-4586-9098-82EB89E0B39E}" dt="2025-08-03T08:58:59.021" v="12042" actId="1076"/>
           <ac:spMkLst>
             <pc:docMk/>
@@ -2128,22 +2000,6 @@
             <ac:spMk id="40" creationId="{DB4FD846-FD0A-DA43-C43C-242EE911E3BE}"/>
           </ac:spMkLst>
         </pc:spChg>
-        <pc:picChg chg="add del mod ord">
-          <ac:chgData name="Keisuke Tsugumi" userId="6e4a72d90fa3675d" providerId="LiveId" clId="{54E4F011-C27E-4586-9098-82EB89E0B39E}" dt="2025-08-03T08:50:58.809" v="11661" actId="22"/>
-          <ac:picMkLst>
-            <pc:docMk/>
-            <pc:sldMk cId="1220022916" sldId="291"/>
-            <ac:picMk id="9" creationId="{6E2412F2-B95D-D9B3-72F6-047D1DAA204D}"/>
-          </ac:picMkLst>
-        </pc:picChg>
-        <pc:picChg chg="add del mod">
-          <ac:chgData name="Keisuke Tsugumi" userId="6e4a72d90fa3675d" providerId="LiveId" clId="{54E4F011-C27E-4586-9098-82EB89E0B39E}" dt="2025-08-03T08:52:56.843" v="11900" actId="478"/>
-          <ac:picMkLst>
-            <pc:docMk/>
-            <pc:sldMk cId="1220022916" sldId="291"/>
-            <ac:picMk id="11" creationId="{9BC40D9E-D45A-B485-EC83-293439907594}"/>
-          </ac:picMkLst>
-        </pc:picChg>
         <pc:picChg chg="add mod">
           <ac:chgData name="Keisuke Tsugumi" userId="6e4a72d90fa3675d" providerId="LiveId" clId="{54E4F011-C27E-4586-9098-82EB89E0B39E}" dt="2025-08-03T08:58:56.220" v="12041" actId="1076"/>
           <ac:picMkLst>
@@ -2166,14 +2022,6 @@
             <pc:docMk/>
             <pc:sldMk cId="1220022916" sldId="291"/>
             <ac:cxnSpMk id="24" creationId="{D0A42878-5C71-E679-0244-1380CA4FF7F8}"/>
-          </ac:cxnSpMkLst>
-        </pc:cxnChg>
-        <pc:cxnChg chg="add del mod">
-          <ac:chgData name="Keisuke Tsugumi" userId="6e4a72d90fa3675d" providerId="LiveId" clId="{54E4F011-C27E-4586-9098-82EB89E0B39E}" dt="2025-08-03T08:59:00.474" v="12043" actId="478"/>
-          <ac:cxnSpMkLst>
-            <pc:docMk/>
-            <pc:sldMk cId="1220022916" sldId="291"/>
-            <ac:cxnSpMk id="35" creationId="{E6465076-DB10-DB43-1A69-B21FD8E33314}"/>
           </ac:cxnSpMkLst>
         </pc:cxnChg>
       </pc:sldChg>
@@ -2320,7 +2168,7 @@
           <a:p>
             <a:fld id="{2588869C-14F4-4112-9733-8CA1F8671A7B}" type="datetimeFigureOut">
               <a:rPr kumimoji="1" lang="ja-JP" altLang="en-US" smtClean="0"/>
-              <a:t>2025/8/4</a:t>
+              <a:t>2025/8/5</a:t>
             </a:fld>
             <a:endParaRPr kumimoji="1" lang="ja-JP" altLang="en-US"/>
           </a:p>
@@ -10420,6 +10268,1574 @@
       </p:grpSpPr>
       <p:sp>
         <p:nvSpPr>
+          <p:cNvPr id="2" name="タイトル 1">
+            <a:extLst>
+              <a:ext uri="{FF2B5EF4-FFF2-40B4-BE49-F238E27FC236}">
+                <a16:creationId xmlns:a16="http://schemas.microsoft.com/office/drawing/2014/main" id="{0421A6FB-03C0-2995-886D-74BCD1768140}"/>
+              </a:ext>
+            </a:extLst>
+          </p:cNvPr>
+          <p:cNvSpPr>
+            <a:spLocks noGrp="1"/>
+          </p:cNvSpPr>
+          <p:nvPr>
+            <p:ph type="title"/>
+          </p:nvPr>
+        </p:nvSpPr>
+        <p:spPr/>
+        <p:txBody>
+          <a:bodyPr/>
+          <a:lstStyle/>
+          <a:p>
+            <a:r>
+              <a:rPr kumimoji="1" lang="ja-JP" altLang="en-US" dirty="0"/>
+              <a:t>　データの接続</a:t>
+            </a:r>
+          </a:p>
+        </p:txBody>
+      </p:sp>
+      <p:sp>
+        <p:nvSpPr>
+          <p:cNvPr id="3" name="コンテンツ プレースホルダー 2">
+            <a:extLst>
+              <a:ext uri="{FF2B5EF4-FFF2-40B4-BE49-F238E27FC236}">
+                <a16:creationId xmlns:a16="http://schemas.microsoft.com/office/drawing/2014/main" id="{BBDA2970-A3E3-B86D-B4B0-2193EB46C445}"/>
+              </a:ext>
+            </a:extLst>
+          </p:cNvPr>
+          <p:cNvSpPr>
+            <a:spLocks noGrp="1"/>
+          </p:cNvSpPr>
+          <p:nvPr>
+            <p:ph idx="1"/>
+          </p:nvPr>
+        </p:nvSpPr>
+        <p:spPr/>
+        <p:txBody>
+          <a:bodyPr/>
+          <a:lstStyle/>
+          <a:p>
+            <a:r>
+              <a:rPr kumimoji="1" lang="en-US" altLang="ja-JP" dirty="0" err="1"/>
+              <a:t>bind_rows</a:t>
+            </a:r>
+            <a:r>
+              <a:rPr kumimoji="1" lang="ja-JP" altLang="en-US" dirty="0"/>
+              <a:t>による</a:t>
+            </a:r>
+            <a:r>
+              <a:rPr lang="ja-JP" altLang="en-US" dirty="0"/>
+              <a:t>接続</a:t>
+            </a:r>
+            <a:endParaRPr lang="en-US" altLang="ja-JP" dirty="0"/>
+          </a:p>
+          <a:p>
+            <a:pPr lvl="1"/>
+            <a:r>
+              <a:rPr lang="en-US" altLang="ja-JP" dirty="0" err="1"/>
+              <a:t>d</a:t>
+            </a:r>
+            <a:r>
+              <a:rPr kumimoji="1" lang="en-US" altLang="ja-JP" dirty="0" err="1"/>
+              <a:t>f</a:t>
+            </a:r>
+            <a:r>
+              <a:rPr kumimoji="1" lang="ja-JP" altLang="en-US" dirty="0"/>
+              <a:t>を縦に積み上げたいときに使用</a:t>
+            </a:r>
+            <a:endParaRPr kumimoji="1" lang="en-US" altLang="ja-JP" dirty="0"/>
+          </a:p>
+          <a:p>
+            <a:pPr lvl="1"/>
+            <a:r>
+              <a:rPr lang="ja-JP" altLang="en-US" dirty="0"/>
+              <a:t>自動的に変数名をキーにして接続</a:t>
+            </a:r>
+            <a:endParaRPr lang="en-US" altLang="ja-JP" dirty="0"/>
+          </a:p>
+          <a:p>
+            <a:r>
+              <a:rPr lang="en-US" altLang="ja-JP" dirty="0" err="1"/>
+              <a:t>l</a:t>
+            </a:r>
+            <a:r>
+              <a:rPr kumimoji="1" lang="en-US" altLang="ja-JP" dirty="0" err="1"/>
+              <a:t>eft_join</a:t>
+            </a:r>
+            <a:r>
+              <a:rPr kumimoji="1" lang="ja-JP" altLang="en-US" dirty="0"/>
+              <a:t>による接続</a:t>
+            </a:r>
+            <a:endParaRPr kumimoji="1" lang="en-US" altLang="ja-JP" dirty="0"/>
+          </a:p>
+          <a:p>
+            <a:pPr lvl="1"/>
+            <a:r>
+              <a:rPr lang="en-US" altLang="ja-JP" dirty="0" err="1"/>
+              <a:t>df</a:t>
+            </a:r>
+            <a:r>
+              <a:rPr lang="ja-JP" altLang="en-US" dirty="0"/>
+              <a:t>を横につなげたい（マッチさせたい）ときに使用</a:t>
+            </a:r>
+            <a:endParaRPr lang="en-US" altLang="ja-JP" dirty="0"/>
+          </a:p>
+          <a:p>
+            <a:pPr lvl="1"/>
+            <a:r>
+              <a:rPr lang="ja-JP" altLang="en-US" dirty="0"/>
+              <a:t>マッチさせるデータを一意に定めるために必要な変数名を指定して接続</a:t>
+            </a:r>
+            <a:endParaRPr lang="en-US" altLang="ja-JP" dirty="0"/>
+          </a:p>
+        </p:txBody>
+      </p:sp>
+      <p:sp>
+        <p:nvSpPr>
+          <p:cNvPr id="4" name="スライド番号プレースホルダー 3">
+            <a:extLst>
+              <a:ext uri="{FF2B5EF4-FFF2-40B4-BE49-F238E27FC236}">
+                <a16:creationId xmlns:a16="http://schemas.microsoft.com/office/drawing/2014/main" id="{FC5BA8D8-9E54-07C0-169D-18678241BEE2}"/>
+              </a:ext>
+            </a:extLst>
+          </p:cNvPr>
+          <p:cNvSpPr>
+            <a:spLocks noGrp="1"/>
+          </p:cNvSpPr>
+          <p:nvPr>
+            <p:ph type="sldNum" sz="quarter" idx="12"/>
+          </p:nvPr>
+        </p:nvSpPr>
+        <p:spPr/>
+        <p:txBody>
+          <a:bodyPr/>
+          <a:lstStyle/>
+          <a:p>
+            <a:fld id="{C46B5F8E-405A-41C5-91DD-ABB74B733BFC}" type="slidenum">
+              <a:rPr kumimoji="1" lang="ja-JP" altLang="en-US" smtClean="0"/>
+              <a:t>18</a:t>
+            </a:fld>
+            <a:endParaRPr kumimoji="1" lang="ja-JP" altLang="en-US" dirty="0"/>
+          </a:p>
+        </p:txBody>
+      </p:sp>
+      <p:sp>
+        <p:nvSpPr>
+          <p:cNvPr id="5" name="フッター プレースホルダー 4">
+            <a:extLst>
+              <a:ext uri="{FF2B5EF4-FFF2-40B4-BE49-F238E27FC236}">
+                <a16:creationId xmlns:a16="http://schemas.microsoft.com/office/drawing/2014/main" id="{244DB2FB-B829-89C9-A33E-CEAEF2556985}"/>
+              </a:ext>
+            </a:extLst>
+          </p:cNvPr>
+          <p:cNvSpPr>
+            <a:spLocks noGrp="1"/>
+          </p:cNvSpPr>
+          <p:nvPr>
+            <p:ph type="ftr" sz="quarter" idx="3"/>
+          </p:nvPr>
+        </p:nvSpPr>
+        <p:spPr/>
+        <p:txBody>
+          <a:bodyPr/>
+          <a:lstStyle/>
+          <a:p>
+            <a:r>
+              <a:rPr kumimoji="1" lang="ja-JP" altLang="en-US"/>
+              <a:t>　</a:t>
+            </a:r>
+            <a:r>
+              <a:rPr kumimoji="1" lang="en-US" altLang="ja-JP"/>
+              <a:t>RA</a:t>
+            </a:r>
+            <a:r>
+              <a:rPr kumimoji="1" lang="ja-JP" altLang="en-US"/>
+              <a:t>ブートキャンプ　事前レクチャー</a:t>
+            </a:r>
+            <a:endParaRPr kumimoji="1" lang="ja-JP" altLang="en-US" dirty="0"/>
+          </a:p>
+        </p:txBody>
+      </p:sp>
+      <p:sp>
+        <p:nvSpPr>
+          <p:cNvPr id="6" name="日付プレースホルダー 5">
+            <a:extLst>
+              <a:ext uri="{FF2B5EF4-FFF2-40B4-BE49-F238E27FC236}">
+                <a16:creationId xmlns:a16="http://schemas.microsoft.com/office/drawing/2014/main" id="{9D368E9E-AC8D-81AD-7D09-8D2F6A93639C}"/>
+              </a:ext>
+            </a:extLst>
+          </p:cNvPr>
+          <p:cNvSpPr>
+            <a:spLocks noGrp="1"/>
+          </p:cNvSpPr>
+          <p:nvPr>
+            <p:ph type="dt" sz="half" idx="2"/>
+          </p:nvPr>
+        </p:nvSpPr>
+        <p:spPr/>
+        <p:txBody>
+          <a:bodyPr/>
+          <a:lstStyle/>
+          <a:p>
+            <a:r>
+              <a:rPr kumimoji="1" lang="en-US" altLang="ja-JP"/>
+              <a:t>2025/8/12</a:t>
+            </a:r>
+            <a:endParaRPr kumimoji="1" lang="ja-JP" altLang="en-US" dirty="0"/>
+          </a:p>
+        </p:txBody>
+      </p:sp>
+      <p:sp>
+        <p:nvSpPr>
+          <p:cNvPr id="7" name="テキスト プレースホルダー 6">
+            <a:extLst>
+              <a:ext uri="{FF2B5EF4-FFF2-40B4-BE49-F238E27FC236}">
+                <a16:creationId xmlns:a16="http://schemas.microsoft.com/office/drawing/2014/main" id="{05E55294-F8A7-3E61-E439-8A7062B34924}"/>
+              </a:ext>
+            </a:extLst>
+          </p:cNvPr>
+          <p:cNvSpPr>
+            <a:spLocks noGrp="1"/>
+          </p:cNvSpPr>
+          <p:nvPr>
+            <p:ph type="body" sz="quarter" idx="13"/>
+          </p:nvPr>
+        </p:nvSpPr>
+        <p:spPr/>
+        <p:txBody>
+          <a:bodyPr/>
+          <a:lstStyle/>
+          <a:p>
+            <a:r>
+              <a:rPr kumimoji="1" lang="ja-JP" altLang="en-US" dirty="0"/>
+              <a:t>　クリーニング</a:t>
+            </a:r>
+          </a:p>
+        </p:txBody>
+      </p:sp>
+    </p:spTree>
+    <p:extLst>
+      <p:ext uri="{BB962C8B-B14F-4D97-AF65-F5344CB8AC3E}">
+        <p14:creationId xmlns:p14="http://schemas.microsoft.com/office/powerpoint/2010/main" val="2602616442"/>
+      </p:ext>
+    </p:extLst>
+  </p:cSld>
+  <p:clrMapOvr>
+    <a:masterClrMapping/>
+  </p:clrMapOvr>
+</p:sld>
+</file>
+
+<file path=ppt/slides/slide19.xml><?xml version="1.0" encoding="utf-8"?>
+<p:sld xmlns:a="http://schemas.openxmlformats.org/drawingml/2006/main" xmlns:r="http://schemas.openxmlformats.org/officeDocument/2006/relationships" xmlns:p="http://schemas.openxmlformats.org/presentationml/2006/main">
+  <p:cSld>
+    <p:spTree>
+      <p:nvGrpSpPr>
+        <p:cNvPr id="1" name=""/>
+        <p:cNvGrpSpPr/>
+        <p:nvPr/>
+      </p:nvGrpSpPr>
+      <p:grpSpPr>
+        <a:xfrm>
+          <a:off x="0" y="0"/>
+          <a:ext cx="0" cy="0"/>
+          <a:chOff x="0" y="0"/>
+          <a:chExt cx="0" cy="0"/>
+        </a:xfrm>
+      </p:grpSpPr>
+      <p:sp>
+        <p:nvSpPr>
+          <p:cNvPr id="2" name="タイトル 1">
+            <a:extLst>
+              <a:ext uri="{FF2B5EF4-FFF2-40B4-BE49-F238E27FC236}">
+                <a16:creationId xmlns:a16="http://schemas.microsoft.com/office/drawing/2014/main" id="{997ED337-CBBE-4349-0667-1E2F4385A5F0}"/>
+              </a:ext>
+            </a:extLst>
+          </p:cNvPr>
+          <p:cNvSpPr>
+            <a:spLocks noGrp="1"/>
+          </p:cNvSpPr>
+          <p:nvPr>
+            <p:ph type="title"/>
+          </p:nvPr>
+        </p:nvSpPr>
+        <p:spPr/>
+        <p:txBody>
+          <a:bodyPr/>
+          <a:lstStyle/>
+          <a:p>
+            <a:r>
+              <a:rPr kumimoji="1" lang="ja-JP" altLang="en-US" dirty="0"/>
+              <a:t>　</a:t>
+            </a:r>
+            <a:r>
+              <a:rPr kumimoji="1" lang="en-US" altLang="ja-JP" dirty="0" err="1"/>
+              <a:t>bind_rows</a:t>
+            </a:r>
+            <a:r>
+              <a:rPr kumimoji="1" lang="ja-JP" altLang="en-US" dirty="0"/>
+              <a:t>と</a:t>
+            </a:r>
+            <a:r>
+              <a:rPr kumimoji="1" lang="en-US" altLang="ja-JP" dirty="0" err="1"/>
+              <a:t>left_join</a:t>
+            </a:r>
+            <a:endParaRPr kumimoji="1" lang="ja-JP" altLang="en-US" dirty="0"/>
+          </a:p>
+        </p:txBody>
+      </p:sp>
+      <p:sp>
+        <p:nvSpPr>
+          <p:cNvPr id="4" name="スライド番号プレースホルダー 3">
+            <a:extLst>
+              <a:ext uri="{FF2B5EF4-FFF2-40B4-BE49-F238E27FC236}">
+                <a16:creationId xmlns:a16="http://schemas.microsoft.com/office/drawing/2014/main" id="{C3AF0C7D-7F90-654C-A966-3F6520E8A54D}"/>
+              </a:ext>
+            </a:extLst>
+          </p:cNvPr>
+          <p:cNvSpPr>
+            <a:spLocks noGrp="1"/>
+          </p:cNvSpPr>
+          <p:nvPr>
+            <p:ph type="sldNum" sz="quarter" idx="12"/>
+          </p:nvPr>
+        </p:nvSpPr>
+        <p:spPr/>
+        <p:txBody>
+          <a:bodyPr/>
+          <a:lstStyle/>
+          <a:p>
+            <a:fld id="{C46B5F8E-405A-41C5-91DD-ABB74B733BFC}" type="slidenum">
+              <a:rPr kumimoji="1" lang="ja-JP" altLang="en-US" smtClean="0"/>
+              <a:t>19</a:t>
+            </a:fld>
+            <a:endParaRPr kumimoji="1" lang="ja-JP" altLang="en-US" dirty="0"/>
+          </a:p>
+        </p:txBody>
+      </p:sp>
+      <p:sp>
+        <p:nvSpPr>
+          <p:cNvPr id="5" name="フッター プレースホルダー 4">
+            <a:extLst>
+              <a:ext uri="{FF2B5EF4-FFF2-40B4-BE49-F238E27FC236}">
+                <a16:creationId xmlns:a16="http://schemas.microsoft.com/office/drawing/2014/main" id="{7F862A1E-55C3-CF21-1A7E-B2FD8F965B06}"/>
+              </a:ext>
+            </a:extLst>
+          </p:cNvPr>
+          <p:cNvSpPr>
+            <a:spLocks noGrp="1"/>
+          </p:cNvSpPr>
+          <p:nvPr>
+            <p:ph type="ftr" sz="quarter" idx="3"/>
+          </p:nvPr>
+        </p:nvSpPr>
+        <p:spPr/>
+        <p:txBody>
+          <a:bodyPr/>
+          <a:lstStyle/>
+          <a:p>
+            <a:r>
+              <a:rPr kumimoji="1" lang="ja-JP" altLang="en-US"/>
+              <a:t>　</a:t>
+            </a:r>
+            <a:r>
+              <a:rPr kumimoji="1" lang="en-US" altLang="ja-JP"/>
+              <a:t>RA</a:t>
+            </a:r>
+            <a:r>
+              <a:rPr kumimoji="1" lang="ja-JP" altLang="en-US"/>
+              <a:t>ブートキャンプ　事前レクチャー</a:t>
+            </a:r>
+            <a:endParaRPr kumimoji="1" lang="ja-JP" altLang="en-US" dirty="0"/>
+          </a:p>
+        </p:txBody>
+      </p:sp>
+      <p:sp>
+        <p:nvSpPr>
+          <p:cNvPr id="6" name="日付プレースホルダー 5">
+            <a:extLst>
+              <a:ext uri="{FF2B5EF4-FFF2-40B4-BE49-F238E27FC236}">
+                <a16:creationId xmlns:a16="http://schemas.microsoft.com/office/drawing/2014/main" id="{B3A100FA-F9F0-6AC9-BB44-476D2E87B8DA}"/>
+              </a:ext>
+            </a:extLst>
+          </p:cNvPr>
+          <p:cNvSpPr>
+            <a:spLocks noGrp="1"/>
+          </p:cNvSpPr>
+          <p:nvPr>
+            <p:ph type="dt" sz="half" idx="2"/>
+          </p:nvPr>
+        </p:nvSpPr>
+        <p:spPr/>
+        <p:txBody>
+          <a:bodyPr/>
+          <a:lstStyle/>
+          <a:p>
+            <a:r>
+              <a:rPr kumimoji="1" lang="en-US" altLang="ja-JP"/>
+              <a:t>2025/8/12</a:t>
+            </a:r>
+            <a:endParaRPr kumimoji="1" lang="ja-JP" altLang="en-US" dirty="0"/>
+          </a:p>
+        </p:txBody>
+      </p:sp>
+      <p:sp>
+        <p:nvSpPr>
+          <p:cNvPr id="7" name="テキスト プレースホルダー 6">
+            <a:extLst>
+              <a:ext uri="{FF2B5EF4-FFF2-40B4-BE49-F238E27FC236}">
+                <a16:creationId xmlns:a16="http://schemas.microsoft.com/office/drawing/2014/main" id="{619E4DC3-5C14-9FBE-B633-057F37E9EE48}"/>
+              </a:ext>
+            </a:extLst>
+          </p:cNvPr>
+          <p:cNvSpPr>
+            <a:spLocks noGrp="1"/>
+          </p:cNvSpPr>
+          <p:nvPr>
+            <p:ph type="body" sz="quarter" idx="13"/>
+          </p:nvPr>
+        </p:nvSpPr>
+        <p:spPr/>
+        <p:txBody>
+          <a:bodyPr/>
+          <a:lstStyle/>
+          <a:p>
+            <a:r>
+              <a:rPr kumimoji="1" lang="ja-JP" altLang="en-US" dirty="0"/>
+              <a:t>　クリーニング</a:t>
+            </a:r>
+          </a:p>
+        </p:txBody>
+      </p:sp>
+      <p:grpSp>
+        <p:nvGrpSpPr>
+          <p:cNvPr id="29" name="グループ化 28">
+            <a:extLst>
+              <a:ext uri="{FF2B5EF4-FFF2-40B4-BE49-F238E27FC236}">
+                <a16:creationId xmlns:a16="http://schemas.microsoft.com/office/drawing/2014/main" id="{4BAC3BAE-3CA3-42BD-28A2-5F7C0A23FD1C}"/>
+              </a:ext>
+            </a:extLst>
+          </p:cNvPr>
+          <p:cNvGrpSpPr/>
+          <p:nvPr/>
+        </p:nvGrpSpPr>
+        <p:grpSpPr>
+          <a:xfrm>
+            <a:off x="514405" y="1544761"/>
+            <a:ext cx="6303560" cy="4437568"/>
+            <a:chOff x="514405" y="1544761"/>
+            <a:chExt cx="6303560" cy="4437568"/>
+          </a:xfrm>
+        </p:grpSpPr>
+        <p:pic>
+          <p:nvPicPr>
+            <p:cNvPr id="13" name="図 12">
+              <a:extLst>
+                <a:ext uri="{FF2B5EF4-FFF2-40B4-BE49-F238E27FC236}">
+                  <a16:creationId xmlns:a16="http://schemas.microsoft.com/office/drawing/2014/main" id="{7E4FAC3D-9924-0FA8-C8D8-D57DB05D919A}"/>
+                </a:ext>
+              </a:extLst>
+            </p:cNvPr>
+            <p:cNvPicPr>
+              <a:picLocks noChangeAspect="1"/>
+            </p:cNvPicPr>
+            <p:nvPr/>
+          </p:nvPicPr>
+          <p:blipFill>
+            <a:blip r:embed="rId2"/>
+            <a:stretch>
+              <a:fillRect/>
+            </a:stretch>
+          </p:blipFill>
+          <p:spPr>
+            <a:xfrm>
+              <a:off x="514405" y="1585269"/>
+              <a:ext cx="1085795" cy="1380511"/>
+            </a:xfrm>
+            <a:prstGeom prst="rect">
+              <a:avLst/>
+            </a:prstGeom>
+          </p:spPr>
+        </p:pic>
+        <p:pic>
+          <p:nvPicPr>
+            <p:cNvPr id="15" name="図 14">
+              <a:extLst>
+                <a:ext uri="{FF2B5EF4-FFF2-40B4-BE49-F238E27FC236}">
+                  <a16:creationId xmlns:a16="http://schemas.microsoft.com/office/drawing/2014/main" id="{C04CC970-49AD-0ECC-9BA0-613E0C2A3931}"/>
+                </a:ext>
+              </a:extLst>
+            </p:cNvPr>
+            <p:cNvPicPr>
+              <a:picLocks noChangeAspect="1"/>
+            </p:cNvPicPr>
+            <p:nvPr/>
+          </p:nvPicPr>
+          <p:blipFill>
+            <a:blip r:embed="rId3"/>
+            <a:stretch>
+              <a:fillRect/>
+            </a:stretch>
+          </p:blipFill>
+          <p:spPr>
+            <a:xfrm>
+              <a:off x="2465917" y="1544761"/>
+              <a:ext cx="1597670" cy="1372755"/>
+            </a:xfrm>
+            <a:prstGeom prst="rect">
+              <a:avLst/>
+            </a:prstGeom>
+          </p:spPr>
+        </p:pic>
+        <p:sp>
+          <p:nvSpPr>
+            <p:cNvPr id="16" name="矢印: 下 15">
+              <a:extLst>
+                <a:ext uri="{FF2B5EF4-FFF2-40B4-BE49-F238E27FC236}">
+                  <a16:creationId xmlns:a16="http://schemas.microsoft.com/office/drawing/2014/main" id="{FD305868-8E61-000A-9740-4F4258B7021D}"/>
+                </a:ext>
+              </a:extLst>
+            </p:cNvPr>
+            <p:cNvSpPr/>
+            <p:nvPr/>
+          </p:nvSpPr>
+          <p:spPr>
+            <a:xfrm>
+              <a:off x="1841702" y="2917516"/>
+              <a:ext cx="400920" cy="486507"/>
+            </a:xfrm>
+            <a:prstGeom prst="downArrow">
+              <a:avLst/>
+            </a:prstGeom>
+            <a:noFill/>
+          </p:spPr>
+          <p:style>
+            <a:lnRef idx="2">
+              <a:schemeClr val="accent1">
+                <a:shade val="15000"/>
+              </a:schemeClr>
+            </a:lnRef>
+            <a:fillRef idx="1">
+              <a:schemeClr val="accent1"/>
+            </a:fillRef>
+            <a:effectRef idx="0">
+              <a:schemeClr val="accent1"/>
+            </a:effectRef>
+            <a:fontRef idx="minor">
+              <a:schemeClr val="lt1"/>
+            </a:fontRef>
+          </p:style>
+          <p:txBody>
+            <a:bodyPr rtlCol="0" anchor="ctr"/>
+            <a:lstStyle/>
+            <a:p>
+              <a:pPr algn="ctr"/>
+              <a:endParaRPr kumimoji="1" lang="ja-JP" altLang="en-US" dirty="0"/>
+            </a:p>
+          </p:txBody>
+        </p:sp>
+        <p:pic>
+          <p:nvPicPr>
+            <p:cNvPr id="18" name="図 17">
+              <a:extLst>
+                <a:ext uri="{FF2B5EF4-FFF2-40B4-BE49-F238E27FC236}">
+                  <a16:creationId xmlns:a16="http://schemas.microsoft.com/office/drawing/2014/main" id="{43E9B104-5626-A25C-340E-A710E028569E}"/>
+                </a:ext>
+              </a:extLst>
+            </p:cNvPr>
+            <p:cNvPicPr>
+              <a:picLocks noChangeAspect="1"/>
+            </p:cNvPicPr>
+            <p:nvPr/>
+          </p:nvPicPr>
+          <p:blipFill>
+            <a:blip r:embed="rId4"/>
+            <a:stretch>
+              <a:fillRect/>
+            </a:stretch>
+          </p:blipFill>
+          <p:spPr>
+            <a:xfrm>
+              <a:off x="1227816" y="3453978"/>
+              <a:ext cx="1628692" cy="2528351"/>
+            </a:xfrm>
+            <a:prstGeom prst="rect">
+              <a:avLst/>
+            </a:prstGeom>
+          </p:spPr>
+        </p:pic>
+        <p:sp>
+          <p:nvSpPr>
+            <p:cNvPr id="19" name="加算記号 18">
+              <a:extLst>
+                <a:ext uri="{FF2B5EF4-FFF2-40B4-BE49-F238E27FC236}">
+                  <a16:creationId xmlns:a16="http://schemas.microsoft.com/office/drawing/2014/main" id="{F7E3FE92-E519-9A02-3CAF-BDEAE7C3FFC9}"/>
+                </a:ext>
+              </a:extLst>
+            </p:cNvPr>
+            <p:cNvSpPr/>
+            <p:nvPr/>
+          </p:nvSpPr>
+          <p:spPr>
+            <a:xfrm>
+              <a:off x="1769005" y="2058647"/>
+              <a:ext cx="473617" cy="433753"/>
+            </a:xfrm>
+            <a:prstGeom prst="mathPlus">
+              <a:avLst/>
+            </a:prstGeom>
+            <a:noFill/>
+          </p:spPr>
+          <p:style>
+            <a:lnRef idx="2">
+              <a:schemeClr val="accent1">
+                <a:shade val="15000"/>
+              </a:schemeClr>
+            </a:lnRef>
+            <a:fillRef idx="1">
+              <a:schemeClr val="accent1"/>
+            </a:fillRef>
+            <a:effectRef idx="0">
+              <a:schemeClr val="accent1"/>
+            </a:effectRef>
+            <a:fontRef idx="minor">
+              <a:schemeClr val="lt1"/>
+            </a:fontRef>
+          </p:style>
+          <p:txBody>
+            <a:bodyPr rtlCol="0" anchor="ctr"/>
+            <a:lstStyle/>
+            <a:p>
+              <a:pPr algn="ctr"/>
+              <a:endParaRPr kumimoji="1" lang="ja-JP" altLang="en-US"/>
+            </a:p>
+          </p:txBody>
+        </p:sp>
+        <p:sp>
+          <p:nvSpPr>
+            <p:cNvPr id="31" name="矢印: 下 30">
+              <a:extLst>
+                <a:ext uri="{FF2B5EF4-FFF2-40B4-BE49-F238E27FC236}">
+                  <a16:creationId xmlns:a16="http://schemas.microsoft.com/office/drawing/2014/main" id="{342BDB5E-1B94-EE6E-F01F-BDA377A511B0}"/>
+                </a:ext>
+              </a:extLst>
+            </p:cNvPr>
+            <p:cNvSpPr/>
+            <p:nvPr/>
+          </p:nvSpPr>
+          <p:spPr>
+            <a:xfrm>
+              <a:off x="6417045" y="3334610"/>
+              <a:ext cx="400920" cy="486507"/>
+            </a:xfrm>
+            <a:prstGeom prst="downArrow">
+              <a:avLst/>
+            </a:prstGeom>
+            <a:noFill/>
+          </p:spPr>
+          <p:style>
+            <a:lnRef idx="2">
+              <a:schemeClr val="accent1">
+                <a:shade val="15000"/>
+              </a:schemeClr>
+            </a:lnRef>
+            <a:fillRef idx="1">
+              <a:schemeClr val="accent1"/>
+            </a:fillRef>
+            <a:effectRef idx="0">
+              <a:schemeClr val="accent1"/>
+            </a:effectRef>
+            <a:fontRef idx="minor">
+              <a:schemeClr val="lt1"/>
+            </a:fontRef>
+          </p:style>
+          <p:txBody>
+            <a:bodyPr rtlCol="0" anchor="ctr"/>
+            <a:lstStyle/>
+            <a:p>
+              <a:pPr algn="ctr"/>
+              <a:endParaRPr kumimoji="1" lang="ja-JP" altLang="en-US" dirty="0"/>
+            </a:p>
+          </p:txBody>
+        </p:sp>
+      </p:grpSp>
+      <p:sp>
+        <p:nvSpPr>
+          <p:cNvPr id="20" name="テキスト ボックス 19">
+            <a:extLst>
+              <a:ext uri="{FF2B5EF4-FFF2-40B4-BE49-F238E27FC236}">
+                <a16:creationId xmlns:a16="http://schemas.microsoft.com/office/drawing/2014/main" id="{7063F952-5206-688E-48A8-6F6EE14E9140}"/>
+              </a:ext>
+            </a:extLst>
+          </p:cNvPr>
+          <p:cNvSpPr txBox="1"/>
+          <p:nvPr/>
+        </p:nvSpPr>
+        <p:spPr>
+          <a:xfrm>
+            <a:off x="514405" y="6067845"/>
+            <a:ext cx="3549182" cy="307777"/>
+          </a:xfrm>
+          <a:prstGeom prst="rect">
+            <a:avLst/>
+          </a:prstGeom>
+          <a:noFill/>
+        </p:spPr>
+        <p:txBody>
+          <a:bodyPr wrap="square" rtlCol="0">
+            <a:spAutoFit/>
+          </a:bodyPr>
+          <a:lstStyle/>
+          <a:p>
+            <a:pPr algn="ctr"/>
+            <a:r>
+              <a:rPr kumimoji="1" lang="en-US" altLang="ja-JP" sz="1400" dirty="0" err="1"/>
+              <a:t>bind_rows</a:t>
+            </a:r>
+            <a:r>
+              <a:rPr kumimoji="1" lang="ja-JP" altLang="en-US" sz="1400" dirty="0"/>
+              <a:t>による接続</a:t>
+            </a:r>
+          </a:p>
+        </p:txBody>
+      </p:sp>
+      <p:cxnSp>
+        <p:nvCxnSpPr>
+          <p:cNvPr id="22" name="直線コネクタ 21">
+            <a:extLst>
+              <a:ext uri="{FF2B5EF4-FFF2-40B4-BE49-F238E27FC236}">
+                <a16:creationId xmlns:a16="http://schemas.microsoft.com/office/drawing/2014/main" id="{63C5E4E6-9D38-04FA-DA19-EA33CD8BB177}"/>
+              </a:ext>
+            </a:extLst>
+          </p:cNvPr>
+          <p:cNvCxnSpPr>
+            <a:cxnSpLocks/>
+          </p:cNvCxnSpPr>
+          <p:nvPr/>
+        </p:nvCxnSpPr>
+        <p:spPr>
+          <a:xfrm>
+            <a:off x="4572000" y="1585269"/>
+            <a:ext cx="0" cy="4567758"/>
+          </a:xfrm>
+          <a:prstGeom prst="line">
+            <a:avLst/>
+          </a:prstGeom>
+          <a:ln w="19050" cap="flat" cmpd="sng" algn="ctr">
+            <a:solidFill>
+              <a:schemeClr val="dk1"/>
+            </a:solidFill>
+            <a:prstDash val="dash"/>
+            <a:round/>
+            <a:headEnd type="none" w="med" len="med"/>
+            <a:tailEnd type="none" w="med" len="med"/>
+          </a:ln>
+        </p:spPr>
+        <p:style>
+          <a:lnRef idx="0">
+            <a:scrgbClr r="0" g="0" b="0"/>
+          </a:lnRef>
+          <a:fillRef idx="0">
+            <a:scrgbClr r="0" g="0" b="0"/>
+          </a:fillRef>
+          <a:effectRef idx="0">
+            <a:scrgbClr r="0" g="0" b="0"/>
+          </a:effectRef>
+          <a:fontRef idx="minor">
+            <a:schemeClr val="tx1"/>
+          </a:fontRef>
+        </p:style>
+      </p:cxnSp>
+      <p:grpSp>
+        <p:nvGrpSpPr>
+          <p:cNvPr id="34" name="グループ化 33">
+            <a:extLst>
+              <a:ext uri="{FF2B5EF4-FFF2-40B4-BE49-F238E27FC236}">
+                <a16:creationId xmlns:a16="http://schemas.microsoft.com/office/drawing/2014/main" id="{083F37F3-0CB8-9A40-EBA4-82DC02F8333D}"/>
+              </a:ext>
+            </a:extLst>
+          </p:cNvPr>
+          <p:cNvGrpSpPr/>
+          <p:nvPr/>
+        </p:nvGrpSpPr>
+        <p:grpSpPr>
+          <a:xfrm>
+            <a:off x="4933329" y="1582365"/>
+            <a:ext cx="4058968" cy="4233281"/>
+            <a:chOff x="4933329" y="1582365"/>
+            <a:chExt cx="4058968" cy="4233281"/>
+          </a:xfrm>
+        </p:grpSpPr>
+        <p:grpSp>
+          <p:nvGrpSpPr>
+            <p:cNvPr id="30" name="グループ化 29">
+              <a:extLst>
+                <a:ext uri="{FF2B5EF4-FFF2-40B4-BE49-F238E27FC236}">
+                  <a16:creationId xmlns:a16="http://schemas.microsoft.com/office/drawing/2014/main" id="{FD64E8A7-175E-5669-8128-9FF03AB337AE}"/>
+                </a:ext>
+              </a:extLst>
+            </p:cNvPr>
+            <p:cNvGrpSpPr/>
+            <p:nvPr/>
+          </p:nvGrpSpPr>
+          <p:grpSpPr>
+            <a:xfrm>
+              <a:off x="4933329" y="1582365"/>
+              <a:ext cx="4058968" cy="1483848"/>
+              <a:chOff x="5077204" y="1482537"/>
+              <a:chExt cx="4058968" cy="1483848"/>
+            </a:xfrm>
+          </p:grpSpPr>
+          <p:pic>
+            <p:nvPicPr>
+              <p:cNvPr id="25" name="図 24">
+                <a:extLst>
+                  <a:ext uri="{FF2B5EF4-FFF2-40B4-BE49-F238E27FC236}">
+                    <a16:creationId xmlns:a16="http://schemas.microsoft.com/office/drawing/2014/main" id="{AFAF727D-98E1-567B-C88A-922580482E6E}"/>
+                  </a:ext>
+                </a:extLst>
+              </p:cNvPr>
+              <p:cNvPicPr>
+                <a:picLocks noChangeAspect="1"/>
+              </p:cNvPicPr>
+              <p:nvPr/>
+            </p:nvPicPr>
+            <p:blipFill>
+              <a:blip r:embed="rId5"/>
+              <a:stretch>
+                <a:fillRect/>
+              </a:stretch>
+            </p:blipFill>
+            <p:spPr>
+              <a:xfrm>
+                <a:off x="5077204" y="1482537"/>
+                <a:ext cx="1210289" cy="1483848"/>
+              </a:xfrm>
+              <a:prstGeom prst="rect">
+                <a:avLst/>
+              </a:prstGeom>
+            </p:spPr>
+          </p:pic>
+          <p:sp>
+            <p:nvSpPr>
+              <p:cNvPr id="26" name="加算記号 25">
+                <a:extLst>
+                  <a:ext uri="{FF2B5EF4-FFF2-40B4-BE49-F238E27FC236}">
+                    <a16:creationId xmlns:a16="http://schemas.microsoft.com/office/drawing/2014/main" id="{E7C1A0F9-342E-39C2-308E-C70C18FD5951}"/>
+                  </a:ext>
+                </a:extLst>
+              </p:cNvPr>
+              <p:cNvSpPr/>
+              <p:nvPr/>
+            </p:nvSpPr>
+            <p:spPr>
+              <a:xfrm>
+                <a:off x="6488223" y="2058647"/>
+                <a:ext cx="473617" cy="433753"/>
+              </a:xfrm>
+              <a:prstGeom prst="mathPlus">
+                <a:avLst/>
+              </a:prstGeom>
+              <a:noFill/>
+            </p:spPr>
+            <p:style>
+              <a:lnRef idx="2">
+                <a:schemeClr val="accent1">
+                  <a:shade val="15000"/>
+                </a:schemeClr>
+              </a:lnRef>
+              <a:fillRef idx="1">
+                <a:schemeClr val="accent1"/>
+              </a:fillRef>
+              <a:effectRef idx="0">
+                <a:schemeClr val="accent1"/>
+              </a:effectRef>
+              <a:fontRef idx="minor">
+                <a:schemeClr val="lt1"/>
+              </a:fontRef>
+            </p:style>
+            <p:txBody>
+              <a:bodyPr rtlCol="0" anchor="ctr"/>
+              <a:lstStyle/>
+              <a:p>
+                <a:pPr algn="ctr"/>
+                <a:endParaRPr kumimoji="1" lang="ja-JP" altLang="en-US"/>
+              </a:p>
+            </p:txBody>
+          </p:sp>
+          <p:pic>
+            <p:nvPicPr>
+              <p:cNvPr id="28" name="図 27">
+                <a:extLst>
+                  <a:ext uri="{FF2B5EF4-FFF2-40B4-BE49-F238E27FC236}">
+                    <a16:creationId xmlns:a16="http://schemas.microsoft.com/office/drawing/2014/main" id="{0548D20B-DEF4-9E06-8333-154369DB39DF}"/>
+                  </a:ext>
+                </a:extLst>
+              </p:cNvPr>
+              <p:cNvPicPr>
+                <a:picLocks noChangeAspect="1"/>
+              </p:cNvPicPr>
+              <p:nvPr/>
+            </p:nvPicPr>
+            <p:blipFill>
+              <a:blip r:embed="rId6"/>
+              <a:stretch>
+                <a:fillRect/>
+              </a:stretch>
+            </p:blipFill>
+            <p:spPr>
+              <a:xfrm>
+                <a:off x="7062157" y="1482537"/>
+                <a:ext cx="2074015" cy="1483848"/>
+              </a:xfrm>
+              <a:prstGeom prst="rect">
+                <a:avLst/>
+              </a:prstGeom>
+            </p:spPr>
+          </p:pic>
+        </p:grpSp>
+        <p:pic>
+          <p:nvPicPr>
+            <p:cNvPr id="33" name="図 32">
+              <a:extLst>
+                <a:ext uri="{FF2B5EF4-FFF2-40B4-BE49-F238E27FC236}">
+                  <a16:creationId xmlns:a16="http://schemas.microsoft.com/office/drawing/2014/main" id="{46382421-09CD-BF16-65C0-7FFDA3942BB2}"/>
+                </a:ext>
+              </a:extLst>
+            </p:cNvPr>
+            <p:cNvPicPr>
+              <a:picLocks noChangeAspect="1"/>
+            </p:cNvPicPr>
+            <p:nvPr/>
+          </p:nvPicPr>
+          <p:blipFill>
+            <a:blip r:embed="rId7"/>
+            <a:stretch>
+              <a:fillRect/>
+            </a:stretch>
+          </p:blipFill>
+          <p:spPr>
+            <a:xfrm>
+              <a:off x="5080414" y="4014736"/>
+              <a:ext cx="3249918" cy="1800910"/>
+            </a:xfrm>
+            <a:prstGeom prst="rect">
+              <a:avLst/>
+            </a:prstGeom>
+          </p:spPr>
+        </p:pic>
+      </p:grpSp>
+      <p:sp>
+        <p:nvSpPr>
+          <p:cNvPr id="35" name="テキスト ボックス 34">
+            <a:extLst>
+              <a:ext uri="{FF2B5EF4-FFF2-40B4-BE49-F238E27FC236}">
+                <a16:creationId xmlns:a16="http://schemas.microsoft.com/office/drawing/2014/main" id="{79D33640-9745-0D82-71BF-F8E6242CE58E}"/>
+              </a:ext>
+            </a:extLst>
+          </p:cNvPr>
+          <p:cNvSpPr txBox="1"/>
+          <p:nvPr/>
+        </p:nvSpPr>
+        <p:spPr>
+          <a:xfrm>
+            <a:off x="4933329" y="6067845"/>
+            <a:ext cx="4058968" cy="307777"/>
+          </a:xfrm>
+          <a:prstGeom prst="rect">
+            <a:avLst/>
+          </a:prstGeom>
+          <a:noFill/>
+        </p:spPr>
+        <p:txBody>
+          <a:bodyPr wrap="square" rtlCol="0">
+            <a:spAutoFit/>
+          </a:bodyPr>
+          <a:lstStyle/>
+          <a:p>
+            <a:pPr algn="ctr"/>
+            <a:r>
+              <a:rPr kumimoji="1" lang="en-US" altLang="ja-JP" sz="1400" dirty="0" err="1"/>
+              <a:t>left_join</a:t>
+            </a:r>
+            <a:r>
+              <a:rPr kumimoji="1" lang="ja-JP" altLang="en-US" sz="1400" dirty="0"/>
+              <a:t>による接続</a:t>
+            </a:r>
+          </a:p>
+        </p:txBody>
+      </p:sp>
+    </p:spTree>
+    <p:extLst>
+      <p:ext uri="{BB962C8B-B14F-4D97-AF65-F5344CB8AC3E}">
+        <p14:creationId xmlns:p14="http://schemas.microsoft.com/office/powerpoint/2010/main" val="1863005645"/>
+      </p:ext>
+    </p:extLst>
+  </p:cSld>
+  <p:clrMapOvr>
+    <a:masterClrMapping/>
+  </p:clrMapOvr>
+</p:sld>
+</file>
+
+<file path=ppt/slides/slide2.xml><?xml version="1.0" encoding="utf-8"?>
+<p:sld xmlns:a="http://schemas.openxmlformats.org/drawingml/2006/main" xmlns:r="http://schemas.openxmlformats.org/officeDocument/2006/relationships" xmlns:p="http://schemas.openxmlformats.org/presentationml/2006/main">
+  <p:cSld>
+    <p:spTree>
+      <p:nvGrpSpPr>
+        <p:cNvPr id="1" name=""/>
+        <p:cNvGrpSpPr/>
+        <p:nvPr/>
+      </p:nvGrpSpPr>
+      <p:grpSpPr>
+        <a:xfrm>
+          <a:off x="0" y="0"/>
+          <a:ext cx="0" cy="0"/>
+          <a:chOff x="0" y="0"/>
+          <a:chExt cx="0" cy="0"/>
+        </a:xfrm>
+      </p:grpSpPr>
+      <p:sp>
+        <p:nvSpPr>
+          <p:cNvPr id="2" name="タイトル 1">
+            <a:extLst>
+              <a:ext uri="{FF2B5EF4-FFF2-40B4-BE49-F238E27FC236}">
+                <a16:creationId xmlns:a16="http://schemas.microsoft.com/office/drawing/2014/main" id="{AB0CCF40-625B-BD2C-42A9-65A0FB1CDED7}"/>
+              </a:ext>
+            </a:extLst>
+          </p:cNvPr>
+          <p:cNvSpPr>
+            <a:spLocks noGrp="1"/>
+          </p:cNvSpPr>
+          <p:nvPr>
+            <p:ph type="title"/>
+          </p:nvPr>
+        </p:nvSpPr>
+        <p:spPr/>
+        <p:txBody>
+          <a:bodyPr/>
+          <a:lstStyle/>
+          <a:p>
+            <a:r>
+              <a:rPr lang="ja-JP" altLang="en-US" dirty="0"/>
+              <a:t>　レクチャーのルール</a:t>
+            </a:r>
+            <a:endParaRPr kumimoji="1" lang="ja-JP" altLang="en-US" dirty="0"/>
+          </a:p>
+        </p:txBody>
+      </p:sp>
+      <p:sp>
+        <p:nvSpPr>
+          <p:cNvPr id="3" name="コンテンツ プレースホルダー 2">
+            <a:extLst>
+              <a:ext uri="{FF2B5EF4-FFF2-40B4-BE49-F238E27FC236}">
+                <a16:creationId xmlns:a16="http://schemas.microsoft.com/office/drawing/2014/main" id="{0B67E832-9BA2-523B-3086-CB6EEEB1344E}"/>
+              </a:ext>
+            </a:extLst>
+          </p:cNvPr>
+          <p:cNvSpPr>
+            <a:spLocks noGrp="1"/>
+          </p:cNvSpPr>
+          <p:nvPr>
+            <p:ph idx="1"/>
+          </p:nvPr>
+        </p:nvSpPr>
+        <p:spPr/>
+        <p:txBody>
+          <a:bodyPr/>
+          <a:lstStyle/>
+          <a:p>
+            <a:r>
+              <a:rPr lang="ja-JP" altLang="en-US" dirty="0"/>
+              <a:t>原則カメラはオン、マイクはオフでお願いします</a:t>
+            </a:r>
+            <a:endParaRPr lang="en-US" altLang="ja-JP" dirty="0"/>
+          </a:p>
+          <a:p>
+            <a:pPr lvl="1"/>
+            <a:r>
+              <a:rPr lang="ja-JP" altLang="en-US" dirty="0"/>
+              <a:t>ご質問等ある場合は挙手をお願いします</a:t>
+            </a:r>
+            <a:endParaRPr lang="en-US" altLang="ja-JP" dirty="0"/>
+          </a:p>
+          <a:p>
+            <a:r>
+              <a:rPr lang="ja-JP" altLang="en-US" dirty="0"/>
+              <a:t>レクチャーはレコーディングし、後日配布いたします</a:t>
+            </a:r>
+            <a:endParaRPr lang="en-US" altLang="ja-JP" dirty="0"/>
+          </a:p>
+          <a:p>
+            <a:pPr lvl="1"/>
+            <a:r>
+              <a:rPr lang="ja-JP" altLang="en-US" dirty="0"/>
+              <a:t>各パートの終わりにレコーディングを停止した状態での質疑応答</a:t>
+            </a:r>
+            <a:br>
+              <a:rPr lang="en-US" altLang="ja-JP" dirty="0"/>
+            </a:br>
+            <a:r>
+              <a:rPr lang="ja-JP" altLang="en-US" dirty="0"/>
+              <a:t>時間を設けます</a:t>
+            </a:r>
+            <a:endParaRPr lang="en-US" altLang="ja-JP" dirty="0"/>
+          </a:p>
+          <a:p>
+            <a:r>
+              <a:rPr kumimoji="1" lang="ja-JP" altLang="en-US" dirty="0"/>
+              <a:t>途中入室・途中退室・飲食可です</a:t>
+            </a:r>
+            <a:endParaRPr kumimoji="1" lang="en-US" altLang="ja-JP" dirty="0"/>
+          </a:p>
+          <a:p>
+            <a:r>
+              <a:rPr lang="ja-JP" altLang="en-US" dirty="0"/>
+              <a:t>前半パート終了後に</a:t>
+            </a:r>
+            <a:r>
+              <a:rPr lang="en-US" altLang="ja-JP" dirty="0"/>
+              <a:t>10</a:t>
+            </a:r>
+            <a:r>
+              <a:rPr lang="ja-JP" altLang="en-US" dirty="0"/>
+              <a:t>分程度の休憩時間を設けます</a:t>
+            </a:r>
+            <a:endParaRPr kumimoji="1" lang="en-US" altLang="ja-JP" dirty="0"/>
+          </a:p>
+          <a:p>
+            <a:endParaRPr kumimoji="1" lang="ja-JP" altLang="en-US" dirty="0"/>
+          </a:p>
+        </p:txBody>
+      </p:sp>
+      <p:sp>
+        <p:nvSpPr>
+          <p:cNvPr id="4" name="スライド番号プレースホルダー 3">
+            <a:extLst>
+              <a:ext uri="{FF2B5EF4-FFF2-40B4-BE49-F238E27FC236}">
+                <a16:creationId xmlns:a16="http://schemas.microsoft.com/office/drawing/2014/main" id="{B36897F5-8124-C017-F6E4-D533B7CDBFB0}"/>
+              </a:ext>
+            </a:extLst>
+          </p:cNvPr>
+          <p:cNvSpPr>
+            <a:spLocks noGrp="1"/>
+          </p:cNvSpPr>
+          <p:nvPr>
+            <p:ph type="sldNum" sz="quarter" idx="12"/>
+          </p:nvPr>
+        </p:nvSpPr>
+        <p:spPr/>
+        <p:txBody>
+          <a:bodyPr/>
+          <a:lstStyle/>
+          <a:p>
+            <a:fld id="{C46B5F8E-405A-41C5-91DD-ABB74B733BFC}" type="slidenum">
+              <a:rPr kumimoji="1" lang="ja-JP" altLang="en-US" smtClean="0"/>
+              <a:t>2</a:t>
+            </a:fld>
+            <a:endParaRPr kumimoji="1" lang="ja-JP" altLang="en-US" dirty="0"/>
+          </a:p>
+        </p:txBody>
+      </p:sp>
+      <p:sp>
+        <p:nvSpPr>
+          <p:cNvPr id="5" name="フッター プレースホルダー 4">
+            <a:extLst>
+              <a:ext uri="{FF2B5EF4-FFF2-40B4-BE49-F238E27FC236}">
+                <a16:creationId xmlns:a16="http://schemas.microsoft.com/office/drawing/2014/main" id="{5533A872-798A-3B5B-4343-502EB201D0DE}"/>
+              </a:ext>
+            </a:extLst>
+          </p:cNvPr>
+          <p:cNvSpPr>
+            <a:spLocks noGrp="1"/>
+          </p:cNvSpPr>
+          <p:nvPr>
+            <p:ph type="ftr" sz="quarter" idx="3"/>
+          </p:nvPr>
+        </p:nvSpPr>
+        <p:spPr/>
+        <p:txBody>
+          <a:bodyPr/>
+          <a:lstStyle/>
+          <a:p>
+            <a:r>
+              <a:rPr kumimoji="1" lang="ja-JP" altLang="en-US"/>
+              <a:t>　</a:t>
+            </a:r>
+            <a:r>
+              <a:rPr kumimoji="1" lang="en-US" altLang="ja-JP"/>
+              <a:t>RA</a:t>
+            </a:r>
+            <a:r>
+              <a:rPr kumimoji="1" lang="ja-JP" altLang="en-US"/>
+              <a:t>ブートキャンプ　事前レクチャー</a:t>
+            </a:r>
+            <a:endParaRPr kumimoji="1" lang="ja-JP" altLang="en-US" dirty="0"/>
+          </a:p>
+        </p:txBody>
+      </p:sp>
+      <p:sp>
+        <p:nvSpPr>
+          <p:cNvPr id="6" name="日付プレースホルダー 5">
+            <a:extLst>
+              <a:ext uri="{FF2B5EF4-FFF2-40B4-BE49-F238E27FC236}">
+                <a16:creationId xmlns:a16="http://schemas.microsoft.com/office/drawing/2014/main" id="{A974DA9E-8263-D52C-4528-61F659433760}"/>
+              </a:ext>
+            </a:extLst>
+          </p:cNvPr>
+          <p:cNvSpPr>
+            <a:spLocks noGrp="1"/>
+          </p:cNvSpPr>
+          <p:nvPr>
+            <p:ph type="dt" sz="half" idx="2"/>
+          </p:nvPr>
+        </p:nvSpPr>
+        <p:spPr/>
+        <p:txBody>
+          <a:bodyPr/>
+          <a:lstStyle/>
+          <a:p>
+            <a:r>
+              <a:rPr kumimoji="1" lang="en-US" altLang="ja-JP"/>
+              <a:t>2025/8/12</a:t>
+            </a:r>
+            <a:endParaRPr kumimoji="1" lang="ja-JP" altLang="en-US" dirty="0"/>
+          </a:p>
+        </p:txBody>
+      </p:sp>
+      <p:sp>
+        <p:nvSpPr>
+          <p:cNvPr id="7" name="テキスト プレースホルダー 6">
+            <a:extLst>
+              <a:ext uri="{FF2B5EF4-FFF2-40B4-BE49-F238E27FC236}">
+                <a16:creationId xmlns:a16="http://schemas.microsoft.com/office/drawing/2014/main" id="{4019C165-BACB-6928-97A9-69F775D6381D}"/>
+              </a:ext>
+            </a:extLst>
+          </p:cNvPr>
+          <p:cNvSpPr>
+            <a:spLocks noGrp="1"/>
+          </p:cNvSpPr>
+          <p:nvPr>
+            <p:ph type="body" sz="quarter" idx="13"/>
+          </p:nvPr>
+        </p:nvSpPr>
+        <p:spPr/>
+        <p:txBody>
+          <a:bodyPr/>
+          <a:lstStyle/>
+          <a:p>
+            <a:r>
+              <a:rPr kumimoji="1" lang="ja-JP" altLang="en-US" dirty="0"/>
+              <a:t>　はじめに</a:t>
+            </a:r>
+          </a:p>
+        </p:txBody>
+      </p:sp>
+    </p:spTree>
+    <p:extLst>
+      <p:ext uri="{BB962C8B-B14F-4D97-AF65-F5344CB8AC3E}">
+        <p14:creationId xmlns:p14="http://schemas.microsoft.com/office/powerpoint/2010/main" val="3925800016"/>
+      </p:ext>
+    </p:extLst>
+  </p:cSld>
+  <p:clrMapOvr>
+    <a:masterClrMapping/>
+  </p:clrMapOvr>
+</p:sld>
+</file>
+
+<file path=ppt/slides/slide20.xml><?xml version="1.0" encoding="utf-8"?>
+<p:sld xmlns:a="http://schemas.openxmlformats.org/drawingml/2006/main" xmlns:r="http://schemas.openxmlformats.org/officeDocument/2006/relationships" xmlns:p="http://schemas.openxmlformats.org/presentationml/2006/main">
+  <p:cSld>
+    <p:spTree>
+      <p:nvGrpSpPr>
+        <p:cNvPr id="1" name=""/>
+        <p:cNvGrpSpPr/>
+        <p:nvPr/>
+      </p:nvGrpSpPr>
+      <p:grpSpPr>
+        <a:xfrm>
+          <a:off x="0" y="0"/>
+          <a:ext cx="0" cy="0"/>
+          <a:chOff x="0" y="0"/>
+          <a:chExt cx="0" cy="0"/>
+        </a:xfrm>
+      </p:grpSpPr>
+      <p:sp>
+        <p:nvSpPr>
+          <p:cNvPr id="2" name="タイトル 1">
+            <a:extLst>
+              <a:ext uri="{FF2B5EF4-FFF2-40B4-BE49-F238E27FC236}">
+                <a16:creationId xmlns:a16="http://schemas.microsoft.com/office/drawing/2014/main" id="{B7C0B9A1-4942-CD13-00C3-3756A215832C}"/>
+              </a:ext>
+            </a:extLst>
+          </p:cNvPr>
+          <p:cNvSpPr>
+            <a:spLocks noGrp="1"/>
+          </p:cNvSpPr>
+          <p:nvPr>
+            <p:ph type="title"/>
+          </p:nvPr>
+        </p:nvSpPr>
+        <p:spPr/>
+        <p:txBody>
+          <a:bodyPr/>
+          <a:lstStyle/>
+          <a:p>
+            <a:r>
+              <a:rPr kumimoji="1" lang="ja-JP" altLang="en-US" dirty="0"/>
+              <a:t>　</a:t>
+            </a:r>
+            <a:r>
+              <a:rPr kumimoji="1" lang="en-US" altLang="ja-JP" dirty="0" err="1"/>
+              <a:t>df</a:t>
+            </a:r>
+            <a:r>
+              <a:rPr lang="ja-JP" altLang="en-US" dirty="0"/>
+              <a:t>の縦横変形</a:t>
+            </a:r>
+            <a:endParaRPr kumimoji="1" lang="ja-JP" altLang="en-US" dirty="0"/>
+          </a:p>
+        </p:txBody>
+      </p:sp>
+      <p:sp>
+        <p:nvSpPr>
+          <p:cNvPr id="4" name="スライド番号プレースホルダー 3">
+            <a:extLst>
+              <a:ext uri="{FF2B5EF4-FFF2-40B4-BE49-F238E27FC236}">
+                <a16:creationId xmlns:a16="http://schemas.microsoft.com/office/drawing/2014/main" id="{C2FB2E17-41B1-AF88-558B-3536B8031A0C}"/>
+              </a:ext>
+            </a:extLst>
+          </p:cNvPr>
+          <p:cNvSpPr>
+            <a:spLocks noGrp="1"/>
+          </p:cNvSpPr>
+          <p:nvPr>
+            <p:ph type="sldNum" sz="quarter" idx="12"/>
+          </p:nvPr>
+        </p:nvSpPr>
+        <p:spPr/>
+        <p:txBody>
+          <a:bodyPr/>
+          <a:lstStyle/>
+          <a:p>
+            <a:fld id="{C46B5F8E-405A-41C5-91DD-ABB74B733BFC}" type="slidenum">
+              <a:rPr kumimoji="1" lang="ja-JP" altLang="en-US" smtClean="0"/>
+              <a:t>20</a:t>
+            </a:fld>
+            <a:endParaRPr kumimoji="1" lang="ja-JP" altLang="en-US" dirty="0"/>
+          </a:p>
+        </p:txBody>
+      </p:sp>
+      <p:sp>
+        <p:nvSpPr>
+          <p:cNvPr id="5" name="フッター プレースホルダー 4">
+            <a:extLst>
+              <a:ext uri="{FF2B5EF4-FFF2-40B4-BE49-F238E27FC236}">
+                <a16:creationId xmlns:a16="http://schemas.microsoft.com/office/drawing/2014/main" id="{6305C40E-8634-0F89-AE90-F23519E6E503}"/>
+              </a:ext>
+            </a:extLst>
+          </p:cNvPr>
+          <p:cNvSpPr>
+            <a:spLocks noGrp="1"/>
+          </p:cNvSpPr>
+          <p:nvPr>
+            <p:ph type="ftr" sz="quarter" idx="3"/>
+          </p:nvPr>
+        </p:nvSpPr>
+        <p:spPr/>
+        <p:txBody>
+          <a:bodyPr/>
+          <a:lstStyle/>
+          <a:p>
+            <a:r>
+              <a:rPr kumimoji="1" lang="ja-JP" altLang="en-US"/>
+              <a:t>　</a:t>
+            </a:r>
+            <a:r>
+              <a:rPr kumimoji="1" lang="en-US" altLang="ja-JP"/>
+              <a:t>RA</a:t>
+            </a:r>
+            <a:r>
+              <a:rPr kumimoji="1" lang="ja-JP" altLang="en-US"/>
+              <a:t>ブートキャンプ　事前レクチャー</a:t>
+            </a:r>
+            <a:endParaRPr kumimoji="1" lang="ja-JP" altLang="en-US" dirty="0"/>
+          </a:p>
+        </p:txBody>
+      </p:sp>
+      <p:sp>
+        <p:nvSpPr>
+          <p:cNvPr id="6" name="日付プレースホルダー 5">
+            <a:extLst>
+              <a:ext uri="{FF2B5EF4-FFF2-40B4-BE49-F238E27FC236}">
+                <a16:creationId xmlns:a16="http://schemas.microsoft.com/office/drawing/2014/main" id="{AC59445B-EE0C-BB9A-CA0C-F8F1606D8D1E}"/>
+              </a:ext>
+            </a:extLst>
+          </p:cNvPr>
+          <p:cNvSpPr>
+            <a:spLocks noGrp="1"/>
+          </p:cNvSpPr>
+          <p:nvPr>
+            <p:ph type="dt" sz="half" idx="2"/>
+          </p:nvPr>
+        </p:nvSpPr>
+        <p:spPr/>
+        <p:txBody>
+          <a:bodyPr/>
+          <a:lstStyle/>
+          <a:p>
+            <a:r>
+              <a:rPr kumimoji="1" lang="en-US" altLang="ja-JP"/>
+              <a:t>2025/8/12</a:t>
+            </a:r>
+            <a:endParaRPr kumimoji="1" lang="ja-JP" altLang="en-US" dirty="0"/>
+          </a:p>
+        </p:txBody>
+      </p:sp>
+      <p:sp>
+        <p:nvSpPr>
+          <p:cNvPr id="7" name="テキスト プレースホルダー 6">
+            <a:extLst>
+              <a:ext uri="{FF2B5EF4-FFF2-40B4-BE49-F238E27FC236}">
+                <a16:creationId xmlns:a16="http://schemas.microsoft.com/office/drawing/2014/main" id="{B21194DC-C1F3-3076-0A6A-4004E177D530}"/>
+              </a:ext>
+            </a:extLst>
+          </p:cNvPr>
+          <p:cNvSpPr>
+            <a:spLocks noGrp="1"/>
+          </p:cNvSpPr>
+          <p:nvPr>
+            <p:ph type="body" sz="quarter" idx="13"/>
+          </p:nvPr>
+        </p:nvSpPr>
+        <p:spPr/>
+        <p:txBody>
+          <a:bodyPr/>
+          <a:lstStyle/>
+          <a:p>
+            <a:r>
+              <a:rPr kumimoji="1" lang="ja-JP" altLang="en-US" dirty="0"/>
+              <a:t>　クリーニング</a:t>
+            </a:r>
+          </a:p>
+        </p:txBody>
+      </p:sp>
+      <p:pic>
+        <p:nvPicPr>
+          <p:cNvPr id="1026" name="Picture 2">
+            <a:extLst>
+              <a:ext uri="{FF2B5EF4-FFF2-40B4-BE49-F238E27FC236}">
+                <a16:creationId xmlns:a16="http://schemas.microsoft.com/office/drawing/2014/main" id="{53817FFE-D2B6-4E9B-BCE3-013A627EE92F}"/>
+              </a:ext>
+            </a:extLst>
+          </p:cNvPr>
+          <p:cNvPicPr>
+            <a:picLocks noChangeAspect="1" noChangeArrowheads="1"/>
+          </p:cNvPicPr>
+          <p:nvPr/>
+        </p:nvPicPr>
+        <p:blipFill>
+          <a:blip r:embed="rId2">
+            <a:extLst>
+              <a:ext uri="{28A0092B-C50C-407E-A947-70E740481C1C}">
+                <a14:useLocalDpi xmlns:a14="http://schemas.microsoft.com/office/drawing/2010/main" val="0"/>
+              </a:ext>
+            </a:extLst>
+          </a:blip>
+          <a:srcRect/>
+          <a:stretch>
+            <a:fillRect/>
+          </a:stretch>
+        </p:blipFill>
+        <p:spPr bwMode="auto">
+          <a:xfrm>
+            <a:off x="1068016" y="1666673"/>
+            <a:ext cx="7007968" cy="3941982"/>
+          </a:xfrm>
+          <a:prstGeom prst="rect">
+            <a:avLst/>
+          </a:prstGeom>
+          <a:noFill/>
+          <a:extLst>
+            <a:ext uri="{909E8E84-426E-40DD-AFC4-6F175D3DCCD1}">
+              <a14:hiddenFill xmlns:a14="http://schemas.microsoft.com/office/drawing/2010/main">
+                <a:solidFill>
+                  <a:srgbClr val="FFFFFF"/>
+                </a:solidFill>
+              </a14:hiddenFill>
+            </a:ext>
+          </a:extLst>
+        </p:spPr>
+      </p:pic>
+      <p:sp>
+        <p:nvSpPr>
+          <p:cNvPr id="8" name="テキスト ボックス 7">
+            <a:extLst>
+              <a:ext uri="{FF2B5EF4-FFF2-40B4-BE49-F238E27FC236}">
+                <a16:creationId xmlns:a16="http://schemas.microsoft.com/office/drawing/2014/main" id="{D53B16E9-D49E-BF63-FC1D-68FD967FC31C}"/>
+              </a:ext>
+            </a:extLst>
+          </p:cNvPr>
+          <p:cNvSpPr txBox="1"/>
+          <p:nvPr/>
+        </p:nvSpPr>
+        <p:spPr>
+          <a:xfrm>
+            <a:off x="1068016" y="5843081"/>
+            <a:ext cx="6577924" cy="307777"/>
+          </a:xfrm>
+          <a:prstGeom prst="rect">
+            <a:avLst/>
+          </a:prstGeom>
+          <a:noFill/>
+        </p:spPr>
+        <p:txBody>
+          <a:bodyPr wrap="square" rtlCol="0">
+            <a:spAutoFit/>
+          </a:bodyPr>
+          <a:lstStyle/>
+          <a:p>
+            <a:pPr algn="r"/>
+            <a:r>
+              <a:rPr kumimoji="1" lang="ja-JP" altLang="en-US" sz="1400" dirty="0"/>
+              <a:t>（出所）データサイエンスの道標より引用</a:t>
+            </a:r>
+          </a:p>
+        </p:txBody>
+      </p:sp>
+    </p:spTree>
+    <p:extLst>
+      <p:ext uri="{BB962C8B-B14F-4D97-AF65-F5344CB8AC3E}">
+        <p14:creationId xmlns:p14="http://schemas.microsoft.com/office/powerpoint/2010/main" val="2369658609"/>
+      </p:ext>
+    </p:extLst>
+  </p:cSld>
+  <p:clrMapOvr>
+    <a:masterClrMapping/>
+  </p:clrMapOvr>
+</p:sld>
+</file>
+
+<file path=ppt/slides/slide21.xml><?xml version="1.0" encoding="utf-8"?>
+<p:sld xmlns:a="http://schemas.openxmlformats.org/drawingml/2006/main" xmlns:r="http://schemas.openxmlformats.org/officeDocument/2006/relationships" xmlns:p="http://schemas.openxmlformats.org/presentationml/2006/main">
+  <p:cSld>
+    <p:spTree>
+      <p:nvGrpSpPr>
+        <p:cNvPr id="1" name=""/>
+        <p:cNvGrpSpPr/>
+        <p:nvPr/>
+      </p:nvGrpSpPr>
+      <p:grpSpPr>
+        <a:xfrm>
+          <a:off x="0" y="0"/>
+          <a:ext cx="0" cy="0"/>
+          <a:chOff x="0" y="0"/>
+          <a:chExt cx="0" cy="0"/>
+        </a:xfrm>
+      </p:grpSpPr>
+      <p:sp>
+        <p:nvSpPr>
           <p:cNvPr id="3" name="コンテンツ プレースホルダー 2">
             <a:extLst>
               <a:ext uri="{FF2B5EF4-FFF2-40B4-BE49-F238E27FC236}">
@@ -10527,7 +11943,7 @@
           <a:p>
             <a:fld id="{C46B5F8E-405A-41C5-91DD-ABB74B733BFC}" type="slidenum">
               <a:rPr kumimoji="1" lang="ja-JP" altLang="en-US" smtClean="0"/>
-              <a:t>18</a:t>
+              <a:t>21</a:t>
             </a:fld>
             <a:endParaRPr kumimoji="1" lang="ja-JP" altLang="en-US" dirty="0"/>
           </a:p>
@@ -11124,1574 +12540,6 @@
     <p:extLst>
       <p:ext uri="{BB962C8B-B14F-4D97-AF65-F5344CB8AC3E}">
         <p14:creationId xmlns:p14="http://schemas.microsoft.com/office/powerpoint/2010/main" val="2086051827"/>
-      </p:ext>
-    </p:extLst>
-  </p:cSld>
-  <p:clrMapOvr>
-    <a:masterClrMapping/>
-  </p:clrMapOvr>
-</p:sld>
-</file>
-
-<file path=ppt/slides/slide19.xml><?xml version="1.0" encoding="utf-8"?>
-<p:sld xmlns:a="http://schemas.openxmlformats.org/drawingml/2006/main" xmlns:r="http://schemas.openxmlformats.org/officeDocument/2006/relationships" xmlns:p="http://schemas.openxmlformats.org/presentationml/2006/main">
-  <p:cSld>
-    <p:spTree>
-      <p:nvGrpSpPr>
-        <p:cNvPr id="1" name=""/>
-        <p:cNvGrpSpPr/>
-        <p:nvPr/>
-      </p:nvGrpSpPr>
-      <p:grpSpPr>
-        <a:xfrm>
-          <a:off x="0" y="0"/>
-          <a:ext cx="0" cy="0"/>
-          <a:chOff x="0" y="0"/>
-          <a:chExt cx="0" cy="0"/>
-        </a:xfrm>
-      </p:grpSpPr>
-      <p:sp>
-        <p:nvSpPr>
-          <p:cNvPr id="2" name="タイトル 1">
-            <a:extLst>
-              <a:ext uri="{FF2B5EF4-FFF2-40B4-BE49-F238E27FC236}">
-                <a16:creationId xmlns:a16="http://schemas.microsoft.com/office/drawing/2014/main" id="{B7C0B9A1-4942-CD13-00C3-3756A215832C}"/>
-              </a:ext>
-            </a:extLst>
-          </p:cNvPr>
-          <p:cNvSpPr>
-            <a:spLocks noGrp="1"/>
-          </p:cNvSpPr>
-          <p:nvPr>
-            <p:ph type="title"/>
-          </p:nvPr>
-        </p:nvSpPr>
-        <p:spPr/>
-        <p:txBody>
-          <a:bodyPr/>
-          <a:lstStyle/>
-          <a:p>
-            <a:r>
-              <a:rPr kumimoji="1" lang="ja-JP" altLang="en-US" dirty="0"/>
-              <a:t>　</a:t>
-            </a:r>
-            <a:r>
-              <a:rPr kumimoji="1" lang="en-US" altLang="ja-JP" dirty="0" err="1"/>
-              <a:t>df</a:t>
-            </a:r>
-            <a:r>
-              <a:rPr lang="ja-JP" altLang="en-US" dirty="0"/>
-              <a:t>の縦横変形</a:t>
-            </a:r>
-            <a:endParaRPr kumimoji="1" lang="ja-JP" altLang="en-US" dirty="0"/>
-          </a:p>
-        </p:txBody>
-      </p:sp>
-      <p:sp>
-        <p:nvSpPr>
-          <p:cNvPr id="4" name="スライド番号プレースホルダー 3">
-            <a:extLst>
-              <a:ext uri="{FF2B5EF4-FFF2-40B4-BE49-F238E27FC236}">
-                <a16:creationId xmlns:a16="http://schemas.microsoft.com/office/drawing/2014/main" id="{C2FB2E17-41B1-AF88-558B-3536B8031A0C}"/>
-              </a:ext>
-            </a:extLst>
-          </p:cNvPr>
-          <p:cNvSpPr>
-            <a:spLocks noGrp="1"/>
-          </p:cNvSpPr>
-          <p:nvPr>
-            <p:ph type="sldNum" sz="quarter" idx="12"/>
-          </p:nvPr>
-        </p:nvSpPr>
-        <p:spPr/>
-        <p:txBody>
-          <a:bodyPr/>
-          <a:lstStyle/>
-          <a:p>
-            <a:fld id="{C46B5F8E-405A-41C5-91DD-ABB74B733BFC}" type="slidenum">
-              <a:rPr kumimoji="1" lang="ja-JP" altLang="en-US" smtClean="0"/>
-              <a:t>19</a:t>
-            </a:fld>
-            <a:endParaRPr kumimoji="1" lang="ja-JP" altLang="en-US" dirty="0"/>
-          </a:p>
-        </p:txBody>
-      </p:sp>
-      <p:sp>
-        <p:nvSpPr>
-          <p:cNvPr id="5" name="フッター プレースホルダー 4">
-            <a:extLst>
-              <a:ext uri="{FF2B5EF4-FFF2-40B4-BE49-F238E27FC236}">
-                <a16:creationId xmlns:a16="http://schemas.microsoft.com/office/drawing/2014/main" id="{6305C40E-8634-0F89-AE90-F23519E6E503}"/>
-              </a:ext>
-            </a:extLst>
-          </p:cNvPr>
-          <p:cNvSpPr>
-            <a:spLocks noGrp="1"/>
-          </p:cNvSpPr>
-          <p:nvPr>
-            <p:ph type="ftr" sz="quarter" idx="3"/>
-          </p:nvPr>
-        </p:nvSpPr>
-        <p:spPr/>
-        <p:txBody>
-          <a:bodyPr/>
-          <a:lstStyle/>
-          <a:p>
-            <a:r>
-              <a:rPr kumimoji="1" lang="ja-JP" altLang="en-US"/>
-              <a:t>　</a:t>
-            </a:r>
-            <a:r>
-              <a:rPr kumimoji="1" lang="en-US" altLang="ja-JP"/>
-              <a:t>RA</a:t>
-            </a:r>
-            <a:r>
-              <a:rPr kumimoji="1" lang="ja-JP" altLang="en-US"/>
-              <a:t>ブートキャンプ　事前レクチャー</a:t>
-            </a:r>
-            <a:endParaRPr kumimoji="1" lang="ja-JP" altLang="en-US" dirty="0"/>
-          </a:p>
-        </p:txBody>
-      </p:sp>
-      <p:sp>
-        <p:nvSpPr>
-          <p:cNvPr id="6" name="日付プレースホルダー 5">
-            <a:extLst>
-              <a:ext uri="{FF2B5EF4-FFF2-40B4-BE49-F238E27FC236}">
-                <a16:creationId xmlns:a16="http://schemas.microsoft.com/office/drawing/2014/main" id="{AC59445B-EE0C-BB9A-CA0C-F8F1606D8D1E}"/>
-              </a:ext>
-            </a:extLst>
-          </p:cNvPr>
-          <p:cNvSpPr>
-            <a:spLocks noGrp="1"/>
-          </p:cNvSpPr>
-          <p:nvPr>
-            <p:ph type="dt" sz="half" idx="2"/>
-          </p:nvPr>
-        </p:nvSpPr>
-        <p:spPr/>
-        <p:txBody>
-          <a:bodyPr/>
-          <a:lstStyle/>
-          <a:p>
-            <a:r>
-              <a:rPr kumimoji="1" lang="en-US" altLang="ja-JP"/>
-              <a:t>2025/8/12</a:t>
-            </a:r>
-            <a:endParaRPr kumimoji="1" lang="ja-JP" altLang="en-US" dirty="0"/>
-          </a:p>
-        </p:txBody>
-      </p:sp>
-      <p:sp>
-        <p:nvSpPr>
-          <p:cNvPr id="7" name="テキスト プレースホルダー 6">
-            <a:extLst>
-              <a:ext uri="{FF2B5EF4-FFF2-40B4-BE49-F238E27FC236}">
-                <a16:creationId xmlns:a16="http://schemas.microsoft.com/office/drawing/2014/main" id="{B21194DC-C1F3-3076-0A6A-4004E177D530}"/>
-              </a:ext>
-            </a:extLst>
-          </p:cNvPr>
-          <p:cNvSpPr>
-            <a:spLocks noGrp="1"/>
-          </p:cNvSpPr>
-          <p:nvPr>
-            <p:ph type="body" sz="quarter" idx="13"/>
-          </p:nvPr>
-        </p:nvSpPr>
-        <p:spPr/>
-        <p:txBody>
-          <a:bodyPr/>
-          <a:lstStyle/>
-          <a:p>
-            <a:r>
-              <a:rPr kumimoji="1" lang="ja-JP" altLang="en-US" dirty="0"/>
-              <a:t>　クリーニング</a:t>
-            </a:r>
-          </a:p>
-        </p:txBody>
-      </p:sp>
-      <p:pic>
-        <p:nvPicPr>
-          <p:cNvPr id="1026" name="Picture 2">
-            <a:extLst>
-              <a:ext uri="{FF2B5EF4-FFF2-40B4-BE49-F238E27FC236}">
-                <a16:creationId xmlns:a16="http://schemas.microsoft.com/office/drawing/2014/main" id="{53817FFE-D2B6-4E9B-BCE3-013A627EE92F}"/>
-              </a:ext>
-            </a:extLst>
-          </p:cNvPr>
-          <p:cNvPicPr>
-            <a:picLocks noChangeAspect="1" noChangeArrowheads="1"/>
-          </p:cNvPicPr>
-          <p:nvPr/>
-        </p:nvPicPr>
-        <p:blipFill>
-          <a:blip r:embed="rId2">
-            <a:extLst>
-              <a:ext uri="{28A0092B-C50C-407E-A947-70E740481C1C}">
-                <a14:useLocalDpi xmlns:a14="http://schemas.microsoft.com/office/drawing/2010/main" val="0"/>
-              </a:ext>
-            </a:extLst>
-          </a:blip>
-          <a:srcRect/>
-          <a:stretch>
-            <a:fillRect/>
-          </a:stretch>
-        </p:blipFill>
-        <p:spPr bwMode="auto">
-          <a:xfrm>
-            <a:off x="1068016" y="1666673"/>
-            <a:ext cx="7007968" cy="3941982"/>
-          </a:xfrm>
-          <a:prstGeom prst="rect">
-            <a:avLst/>
-          </a:prstGeom>
-          <a:noFill/>
-          <a:extLst>
-            <a:ext uri="{909E8E84-426E-40DD-AFC4-6F175D3DCCD1}">
-              <a14:hiddenFill xmlns:a14="http://schemas.microsoft.com/office/drawing/2010/main">
-                <a:solidFill>
-                  <a:srgbClr val="FFFFFF"/>
-                </a:solidFill>
-              </a14:hiddenFill>
-            </a:ext>
-          </a:extLst>
-        </p:spPr>
-      </p:pic>
-      <p:sp>
-        <p:nvSpPr>
-          <p:cNvPr id="8" name="テキスト ボックス 7">
-            <a:extLst>
-              <a:ext uri="{FF2B5EF4-FFF2-40B4-BE49-F238E27FC236}">
-                <a16:creationId xmlns:a16="http://schemas.microsoft.com/office/drawing/2014/main" id="{D53B16E9-D49E-BF63-FC1D-68FD967FC31C}"/>
-              </a:ext>
-            </a:extLst>
-          </p:cNvPr>
-          <p:cNvSpPr txBox="1"/>
-          <p:nvPr/>
-        </p:nvSpPr>
-        <p:spPr>
-          <a:xfrm>
-            <a:off x="1068016" y="5843081"/>
-            <a:ext cx="6577924" cy="307777"/>
-          </a:xfrm>
-          <a:prstGeom prst="rect">
-            <a:avLst/>
-          </a:prstGeom>
-          <a:noFill/>
-        </p:spPr>
-        <p:txBody>
-          <a:bodyPr wrap="square" rtlCol="0">
-            <a:spAutoFit/>
-          </a:bodyPr>
-          <a:lstStyle/>
-          <a:p>
-            <a:pPr algn="r"/>
-            <a:r>
-              <a:rPr kumimoji="1" lang="ja-JP" altLang="en-US" sz="1400" dirty="0"/>
-              <a:t>（出所）データサイエンスの道標より引用</a:t>
-            </a:r>
-          </a:p>
-        </p:txBody>
-      </p:sp>
-    </p:spTree>
-    <p:extLst>
-      <p:ext uri="{BB962C8B-B14F-4D97-AF65-F5344CB8AC3E}">
-        <p14:creationId xmlns:p14="http://schemas.microsoft.com/office/powerpoint/2010/main" val="2369658609"/>
-      </p:ext>
-    </p:extLst>
-  </p:cSld>
-  <p:clrMapOvr>
-    <a:masterClrMapping/>
-  </p:clrMapOvr>
-</p:sld>
-</file>
-
-<file path=ppt/slides/slide2.xml><?xml version="1.0" encoding="utf-8"?>
-<p:sld xmlns:a="http://schemas.openxmlformats.org/drawingml/2006/main" xmlns:r="http://schemas.openxmlformats.org/officeDocument/2006/relationships" xmlns:p="http://schemas.openxmlformats.org/presentationml/2006/main">
-  <p:cSld>
-    <p:spTree>
-      <p:nvGrpSpPr>
-        <p:cNvPr id="1" name=""/>
-        <p:cNvGrpSpPr/>
-        <p:nvPr/>
-      </p:nvGrpSpPr>
-      <p:grpSpPr>
-        <a:xfrm>
-          <a:off x="0" y="0"/>
-          <a:ext cx="0" cy="0"/>
-          <a:chOff x="0" y="0"/>
-          <a:chExt cx="0" cy="0"/>
-        </a:xfrm>
-      </p:grpSpPr>
-      <p:sp>
-        <p:nvSpPr>
-          <p:cNvPr id="2" name="タイトル 1">
-            <a:extLst>
-              <a:ext uri="{FF2B5EF4-FFF2-40B4-BE49-F238E27FC236}">
-                <a16:creationId xmlns:a16="http://schemas.microsoft.com/office/drawing/2014/main" id="{AB0CCF40-625B-BD2C-42A9-65A0FB1CDED7}"/>
-              </a:ext>
-            </a:extLst>
-          </p:cNvPr>
-          <p:cNvSpPr>
-            <a:spLocks noGrp="1"/>
-          </p:cNvSpPr>
-          <p:nvPr>
-            <p:ph type="title"/>
-          </p:nvPr>
-        </p:nvSpPr>
-        <p:spPr/>
-        <p:txBody>
-          <a:bodyPr/>
-          <a:lstStyle/>
-          <a:p>
-            <a:r>
-              <a:rPr lang="ja-JP" altLang="en-US" dirty="0"/>
-              <a:t>　レクチャーのルール</a:t>
-            </a:r>
-            <a:endParaRPr kumimoji="1" lang="ja-JP" altLang="en-US" dirty="0"/>
-          </a:p>
-        </p:txBody>
-      </p:sp>
-      <p:sp>
-        <p:nvSpPr>
-          <p:cNvPr id="3" name="コンテンツ プレースホルダー 2">
-            <a:extLst>
-              <a:ext uri="{FF2B5EF4-FFF2-40B4-BE49-F238E27FC236}">
-                <a16:creationId xmlns:a16="http://schemas.microsoft.com/office/drawing/2014/main" id="{0B67E832-9BA2-523B-3086-CB6EEEB1344E}"/>
-              </a:ext>
-            </a:extLst>
-          </p:cNvPr>
-          <p:cNvSpPr>
-            <a:spLocks noGrp="1"/>
-          </p:cNvSpPr>
-          <p:nvPr>
-            <p:ph idx="1"/>
-          </p:nvPr>
-        </p:nvSpPr>
-        <p:spPr/>
-        <p:txBody>
-          <a:bodyPr/>
-          <a:lstStyle/>
-          <a:p>
-            <a:r>
-              <a:rPr lang="ja-JP" altLang="en-US" dirty="0"/>
-              <a:t>原則カメラはオン、マイクはオフでお願いします</a:t>
-            </a:r>
-            <a:endParaRPr lang="en-US" altLang="ja-JP" dirty="0"/>
-          </a:p>
-          <a:p>
-            <a:pPr lvl="1"/>
-            <a:r>
-              <a:rPr lang="ja-JP" altLang="en-US" dirty="0"/>
-              <a:t>ご質問等ある場合は挙手をお願いします</a:t>
-            </a:r>
-            <a:endParaRPr lang="en-US" altLang="ja-JP" dirty="0"/>
-          </a:p>
-          <a:p>
-            <a:r>
-              <a:rPr lang="ja-JP" altLang="en-US" dirty="0"/>
-              <a:t>レクチャーはレコーディングし、後日配布いたします</a:t>
-            </a:r>
-            <a:endParaRPr lang="en-US" altLang="ja-JP" dirty="0"/>
-          </a:p>
-          <a:p>
-            <a:pPr lvl="1"/>
-            <a:r>
-              <a:rPr lang="ja-JP" altLang="en-US" dirty="0"/>
-              <a:t>各パートの終わりにレコーディングを停止した状態での質疑応答</a:t>
-            </a:r>
-            <a:br>
-              <a:rPr lang="en-US" altLang="ja-JP" dirty="0"/>
-            </a:br>
-            <a:r>
-              <a:rPr lang="ja-JP" altLang="en-US" dirty="0"/>
-              <a:t>時間を設けます</a:t>
-            </a:r>
-            <a:endParaRPr lang="en-US" altLang="ja-JP" dirty="0"/>
-          </a:p>
-          <a:p>
-            <a:r>
-              <a:rPr kumimoji="1" lang="ja-JP" altLang="en-US" dirty="0"/>
-              <a:t>途中入室・途中退室・飲食可です</a:t>
-            </a:r>
-            <a:endParaRPr kumimoji="1" lang="en-US" altLang="ja-JP" dirty="0"/>
-          </a:p>
-          <a:p>
-            <a:r>
-              <a:rPr lang="ja-JP" altLang="en-US" dirty="0"/>
-              <a:t>前半パート終了後に</a:t>
-            </a:r>
-            <a:r>
-              <a:rPr lang="en-US" altLang="ja-JP" dirty="0"/>
-              <a:t>10</a:t>
-            </a:r>
-            <a:r>
-              <a:rPr lang="ja-JP" altLang="en-US" dirty="0"/>
-              <a:t>分程度の休憩時間を設けます</a:t>
-            </a:r>
-            <a:endParaRPr kumimoji="1" lang="en-US" altLang="ja-JP" dirty="0"/>
-          </a:p>
-          <a:p>
-            <a:endParaRPr kumimoji="1" lang="ja-JP" altLang="en-US" dirty="0"/>
-          </a:p>
-        </p:txBody>
-      </p:sp>
-      <p:sp>
-        <p:nvSpPr>
-          <p:cNvPr id="4" name="スライド番号プレースホルダー 3">
-            <a:extLst>
-              <a:ext uri="{FF2B5EF4-FFF2-40B4-BE49-F238E27FC236}">
-                <a16:creationId xmlns:a16="http://schemas.microsoft.com/office/drawing/2014/main" id="{B36897F5-8124-C017-F6E4-D533B7CDBFB0}"/>
-              </a:ext>
-            </a:extLst>
-          </p:cNvPr>
-          <p:cNvSpPr>
-            <a:spLocks noGrp="1"/>
-          </p:cNvSpPr>
-          <p:nvPr>
-            <p:ph type="sldNum" sz="quarter" idx="12"/>
-          </p:nvPr>
-        </p:nvSpPr>
-        <p:spPr/>
-        <p:txBody>
-          <a:bodyPr/>
-          <a:lstStyle/>
-          <a:p>
-            <a:fld id="{C46B5F8E-405A-41C5-91DD-ABB74B733BFC}" type="slidenum">
-              <a:rPr kumimoji="1" lang="ja-JP" altLang="en-US" smtClean="0"/>
-              <a:t>2</a:t>
-            </a:fld>
-            <a:endParaRPr kumimoji="1" lang="ja-JP" altLang="en-US" dirty="0"/>
-          </a:p>
-        </p:txBody>
-      </p:sp>
-      <p:sp>
-        <p:nvSpPr>
-          <p:cNvPr id="5" name="フッター プレースホルダー 4">
-            <a:extLst>
-              <a:ext uri="{FF2B5EF4-FFF2-40B4-BE49-F238E27FC236}">
-                <a16:creationId xmlns:a16="http://schemas.microsoft.com/office/drawing/2014/main" id="{5533A872-798A-3B5B-4343-502EB201D0DE}"/>
-              </a:ext>
-            </a:extLst>
-          </p:cNvPr>
-          <p:cNvSpPr>
-            <a:spLocks noGrp="1"/>
-          </p:cNvSpPr>
-          <p:nvPr>
-            <p:ph type="ftr" sz="quarter" idx="3"/>
-          </p:nvPr>
-        </p:nvSpPr>
-        <p:spPr/>
-        <p:txBody>
-          <a:bodyPr/>
-          <a:lstStyle/>
-          <a:p>
-            <a:r>
-              <a:rPr kumimoji="1" lang="ja-JP" altLang="en-US"/>
-              <a:t>　</a:t>
-            </a:r>
-            <a:r>
-              <a:rPr kumimoji="1" lang="en-US" altLang="ja-JP"/>
-              <a:t>RA</a:t>
-            </a:r>
-            <a:r>
-              <a:rPr kumimoji="1" lang="ja-JP" altLang="en-US"/>
-              <a:t>ブートキャンプ　事前レクチャー</a:t>
-            </a:r>
-            <a:endParaRPr kumimoji="1" lang="ja-JP" altLang="en-US" dirty="0"/>
-          </a:p>
-        </p:txBody>
-      </p:sp>
-      <p:sp>
-        <p:nvSpPr>
-          <p:cNvPr id="6" name="日付プレースホルダー 5">
-            <a:extLst>
-              <a:ext uri="{FF2B5EF4-FFF2-40B4-BE49-F238E27FC236}">
-                <a16:creationId xmlns:a16="http://schemas.microsoft.com/office/drawing/2014/main" id="{A974DA9E-8263-D52C-4528-61F659433760}"/>
-              </a:ext>
-            </a:extLst>
-          </p:cNvPr>
-          <p:cNvSpPr>
-            <a:spLocks noGrp="1"/>
-          </p:cNvSpPr>
-          <p:nvPr>
-            <p:ph type="dt" sz="half" idx="2"/>
-          </p:nvPr>
-        </p:nvSpPr>
-        <p:spPr/>
-        <p:txBody>
-          <a:bodyPr/>
-          <a:lstStyle/>
-          <a:p>
-            <a:r>
-              <a:rPr kumimoji="1" lang="en-US" altLang="ja-JP"/>
-              <a:t>2025/8/12</a:t>
-            </a:r>
-            <a:endParaRPr kumimoji="1" lang="ja-JP" altLang="en-US" dirty="0"/>
-          </a:p>
-        </p:txBody>
-      </p:sp>
-      <p:sp>
-        <p:nvSpPr>
-          <p:cNvPr id="7" name="テキスト プレースホルダー 6">
-            <a:extLst>
-              <a:ext uri="{FF2B5EF4-FFF2-40B4-BE49-F238E27FC236}">
-                <a16:creationId xmlns:a16="http://schemas.microsoft.com/office/drawing/2014/main" id="{4019C165-BACB-6928-97A9-69F775D6381D}"/>
-              </a:ext>
-            </a:extLst>
-          </p:cNvPr>
-          <p:cNvSpPr>
-            <a:spLocks noGrp="1"/>
-          </p:cNvSpPr>
-          <p:nvPr>
-            <p:ph type="body" sz="quarter" idx="13"/>
-          </p:nvPr>
-        </p:nvSpPr>
-        <p:spPr/>
-        <p:txBody>
-          <a:bodyPr/>
-          <a:lstStyle/>
-          <a:p>
-            <a:r>
-              <a:rPr kumimoji="1" lang="ja-JP" altLang="en-US" dirty="0"/>
-              <a:t>　はじめに</a:t>
-            </a:r>
-          </a:p>
-        </p:txBody>
-      </p:sp>
-    </p:spTree>
-    <p:extLst>
-      <p:ext uri="{BB962C8B-B14F-4D97-AF65-F5344CB8AC3E}">
-        <p14:creationId xmlns:p14="http://schemas.microsoft.com/office/powerpoint/2010/main" val="3925800016"/>
-      </p:ext>
-    </p:extLst>
-  </p:cSld>
-  <p:clrMapOvr>
-    <a:masterClrMapping/>
-  </p:clrMapOvr>
-</p:sld>
-</file>
-
-<file path=ppt/slides/slide20.xml><?xml version="1.0" encoding="utf-8"?>
-<p:sld xmlns:a="http://schemas.openxmlformats.org/drawingml/2006/main" xmlns:r="http://schemas.openxmlformats.org/officeDocument/2006/relationships" xmlns:p="http://schemas.openxmlformats.org/presentationml/2006/main">
-  <p:cSld>
-    <p:spTree>
-      <p:nvGrpSpPr>
-        <p:cNvPr id="1" name=""/>
-        <p:cNvGrpSpPr/>
-        <p:nvPr/>
-      </p:nvGrpSpPr>
-      <p:grpSpPr>
-        <a:xfrm>
-          <a:off x="0" y="0"/>
-          <a:ext cx="0" cy="0"/>
-          <a:chOff x="0" y="0"/>
-          <a:chExt cx="0" cy="0"/>
-        </a:xfrm>
-      </p:grpSpPr>
-      <p:sp>
-        <p:nvSpPr>
-          <p:cNvPr id="2" name="タイトル 1">
-            <a:extLst>
-              <a:ext uri="{FF2B5EF4-FFF2-40B4-BE49-F238E27FC236}">
-                <a16:creationId xmlns:a16="http://schemas.microsoft.com/office/drawing/2014/main" id="{0421A6FB-03C0-2995-886D-74BCD1768140}"/>
-              </a:ext>
-            </a:extLst>
-          </p:cNvPr>
-          <p:cNvSpPr>
-            <a:spLocks noGrp="1"/>
-          </p:cNvSpPr>
-          <p:nvPr>
-            <p:ph type="title"/>
-          </p:nvPr>
-        </p:nvSpPr>
-        <p:spPr/>
-        <p:txBody>
-          <a:bodyPr/>
-          <a:lstStyle/>
-          <a:p>
-            <a:r>
-              <a:rPr kumimoji="1" lang="ja-JP" altLang="en-US" dirty="0"/>
-              <a:t>　データの接続</a:t>
-            </a:r>
-          </a:p>
-        </p:txBody>
-      </p:sp>
-      <p:sp>
-        <p:nvSpPr>
-          <p:cNvPr id="3" name="コンテンツ プレースホルダー 2">
-            <a:extLst>
-              <a:ext uri="{FF2B5EF4-FFF2-40B4-BE49-F238E27FC236}">
-                <a16:creationId xmlns:a16="http://schemas.microsoft.com/office/drawing/2014/main" id="{BBDA2970-A3E3-B86D-B4B0-2193EB46C445}"/>
-              </a:ext>
-            </a:extLst>
-          </p:cNvPr>
-          <p:cNvSpPr>
-            <a:spLocks noGrp="1"/>
-          </p:cNvSpPr>
-          <p:nvPr>
-            <p:ph idx="1"/>
-          </p:nvPr>
-        </p:nvSpPr>
-        <p:spPr/>
-        <p:txBody>
-          <a:bodyPr/>
-          <a:lstStyle/>
-          <a:p>
-            <a:r>
-              <a:rPr kumimoji="1" lang="en-US" altLang="ja-JP" dirty="0" err="1"/>
-              <a:t>bind_rows</a:t>
-            </a:r>
-            <a:r>
-              <a:rPr kumimoji="1" lang="ja-JP" altLang="en-US" dirty="0"/>
-              <a:t>による</a:t>
-            </a:r>
-            <a:r>
-              <a:rPr lang="ja-JP" altLang="en-US" dirty="0"/>
-              <a:t>接続</a:t>
-            </a:r>
-            <a:endParaRPr lang="en-US" altLang="ja-JP" dirty="0"/>
-          </a:p>
-          <a:p>
-            <a:pPr lvl="1"/>
-            <a:r>
-              <a:rPr lang="en-US" altLang="ja-JP" dirty="0" err="1"/>
-              <a:t>d</a:t>
-            </a:r>
-            <a:r>
-              <a:rPr kumimoji="1" lang="en-US" altLang="ja-JP" dirty="0" err="1"/>
-              <a:t>f</a:t>
-            </a:r>
-            <a:r>
-              <a:rPr kumimoji="1" lang="ja-JP" altLang="en-US" dirty="0"/>
-              <a:t>を縦に積み上げたいときに使用</a:t>
-            </a:r>
-            <a:endParaRPr kumimoji="1" lang="en-US" altLang="ja-JP" dirty="0"/>
-          </a:p>
-          <a:p>
-            <a:pPr lvl="1"/>
-            <a:r>
-              <a:rPr lang="ja-JP" altLang="en-US" dirty="0"/>
-              <a:t>自動的に変数名をキーにして接続</a:t>
-            </a:r>
-            <a:endParaRPr lang="en-US" altLang="ja-JP" dirty="0"/>
-          </a:p>
-          <a:p>
-            <a:r>
-              <a:rPr lang="en-US" altLang="ja-JP" dirty="0" err="1"/>
-              <a:t>l</a:t>
-            </a:r>
-            <a:r>
-              <a:rPr kumimoji="1" lang="en-US" altLang="ja-JP" dirty="0" err="1"/>
-              <a:t>eft_join</a:t>
-            </a:r>
-            <a:r>
-              <a:rPr kumimoji="1" lang="ja-JP" altLang="en-US" dirty="0"/>
-              <a:t>による接続</a:t>
-            </a:r>
-            <a:endParaRPr kumimoji="1" lang="en-US" altLang="ja-JP" dirty="0"/>
-          </a:p>
-          <a:p>
-            <a:pPr lvl="1"/>
-            <a:r>
-              <a:rPr lang="en-US" altLang="ja-JP" dirty="0" err="1"/>
-              <a:t>df</a:t>
-            </a:r>
-            <a:r>
-              <a:rPr lang="ja-JP" altLang="en-US" dirty="0"/>
-              <a:t>を横につなげたい（マッチさせたい）ときに使用</a:t>
-            </a:r>
-            <a:endParaRPr lang="en-US" altLang="ja-JP" dirty="0"/>
-          </a:p>
-          <a:p>
-            <a:pPr lvl="1"/>
-            <a:r>
-              <a:rPr lang="ja-JP" altLang="en-US" dirty="0"/>
-              <a:t>マッチさせるデータを一意に定めるために必要な変数名を指定して接続</a:t>
-            </a:r>
-            <a:endParaRPr lang="en-US" altLang="ja-JP" dirty="0"/>
-          </a:p>
-        </p:txBody>
-      </p:sp>
-      <p:sp>
-        <p:nvSpPr>
-          <p:cNvPr id="4" name="スライド番号プレースホルダー 3">
-            <a:extLst>
-              <a:ext uri="{FF2B5EF4-FFF2-40B4-BE49-F238E27FC236}">
-                <a16:creationId xmlns:a16="http://schemas.microsoft.com/office/drawing/2014/main" id="{FC5BA8D8-9E54-07C0-169D-18678241BEE2}"/>
-              </a:ext>
-            </a:extLst>
-          </p:cNvPr>
-          <p:cNvSpPr>
-            <a:spLocks noGrp="1"/>
-          </p:cNvSpPr>
-          <p:nvPr>
-            <p:ph type="sldNum" sz="quarter" idx="12"/>
-          </p:nvPr>
-        </p:nvSpPr>
-        <p:spPr/>
-        <p:txBody>
-          <a:bodyPr/>
-          <a:lstStyle/>
-          <a:p>
-            <a:fld id="{C46B5F8E-405A-41C5-91DD-ABB74B733BFC}" type="slidenum">
-              <a:rPr kumimoji="1" lang="ja-JP" altLang="en-US" smtClean="0"/>
-              <a:t>20</a:t>
-            </a:fld>
-            <a:endParaRPr kumimoji="1" lang="ja-JP" altLang="en-US" dirty="0"/>
-          </a:p>
-        </p:txBody>
-      </p:sp>
-      <p:sp>
-        <p:nvSpPr>
-          <p:cNvPr id="5" name="フッター プレースホルダー 4">
-            <a:extLst>
-              <a:ext uri="{FF2B5EF4-FFF2-40B4-BE49-F238E27FC236}">
-                <a16:creationId xmlns:a16="http://schemas.microsoft.com/office/drawing/2014/main" id="{244DB2FB-B829-89C9-A33E-CEAEF2556985}"/>
-              </a:ext>
-            </a:extLst>
-          </p:cNvPr>
-          <p:cNvSpPr>
-            <a:spLocks noGrp="1"/>
-          </p:cNvSpPr>
-          <p:nvPr>
-            <p:ph type="ftr" sz="quarter" idx="3"/>
-          </p:nvPr>
-        </p:nvSpPr>
-        <p:spPr/>
-        <p:txBody>
-          <a:bodyPr/>
-          <a:lstStyle/>
-          <a:p>
-            <a:r>
-              <a:rPr kumimoji="1" lang="ja-JP" altLang="en-US"/>
-              <a:t>　</a:t>
-            </a:r>
-            <a:r>
-              <a:rPr kumimoji="1" lang="en-US" altLang="ja-JP"/>
-              <a:t>RA</a:t>
-            </a:r>
-            <a:r>
-              <a:rPr kumimoji="1" lang="ja-JP" altLang="en-US"/>
-              <a:t>ブートキャンプ　事前レクチャー</a:t>
-            </a:r>
-            <a:endParaRPr kumimoji="1" lang="ja-JP" altLang="en-US" dirty="0"/>
-          </a:p>
-        </p:txBody>
-      </p:sp>
-      <p:sp>
-        <p:nvSpPr>
-          <p:cNvPr id="6" name="日付プレースホルダー 5">
-            <a:extLst>
-              <a:ext uri="{FF2B5EF4-FFF2-40B4-BE49-F238E27FC236}">
-                <a16:creationId xmlns:a16="http://schemas.microsoft.com/office/drawing/2014/main" id="{9D368E9E-AC8D-81AD-7D09-8D2F6A93639C}"/>
-              </a:ext>
-            </a:extLst>
-          </p:cNvPr>
-          <p:cNvSpPr>
-            <a:spLocks noGrp="1"/>
-          </p:cNvSpPr>
-          <p:nvPr>
-            <p:ph type="dt" sz="half" idx="2"/>
-          </p:nvPr>
-        </p:nvSpPr>
-        <p:spPr/>
-        <p:txBody>
-          <a:bodyPr/>
-          <a:lstStyle/>
-          <a:p>
-            <a:r>
-              <a:rPr kumimoji="1" lang="en-US" altLang="ja-JP"/>
-              <a:t>2025/8/12</a:t>
-            </a:r>
-            <a:endParaRPr kumimoji="1" lang="ja-JP" altLang="en-US" dirty="0"/>
-          </a:p>
-        </p:txBody>
-      </p:sp>
-      <p:sp>
-        <p:nvSpPr>
-          <p:cNvPr id="7" name="テキスト プレースホルダー 6">
-            <a:extLst>
-              <a:ext uri="{FF2B5EF4-FFF2-40B4-BE49-F238E27FC236}">
-                <a16:creationId xmlns:a16="http://schemas.microsoft.com/office/drawing/2014/main" id="{05E55294-F8A7-3E61-E439-8A7062B34924}"/>
-              </a:ext>
-            </a:extLst>
-          </p:cNvPr>
-          <p:cNvSpPr>
-            <a:spLocks noGrp="1"/>
-          </p:cNvSpPr>
-          <p:nvPr>
-            <p:ph type="body" sz="quarter" idx="13"/>
-          </p:nvPr>
-        </p:nvSpPr>
-        <p:spPr/>
-        <p:txBody>
-          <a:bodyPr/>
-          <a:lstStyle/>
-          <a:p>
-            <a:r>
-              <a:rPr kumimoji="1" lang="ja-JP" altLang="en-US" dirty="0"/>
-              <a:t>　クリーニング</a:t>
-            </a:r>
-          </a:p>
-        </p:txBody>
-      </p:sp>
-    </p:spTree>
-    <p:extLst>
-      <p:ext uri="{BB962C8B-B14F-4D97-AF65-F5344CB8AC3E}">
-        <p14:creationId xmlns:p14="http://schemas.microsoft.com/office/powerpoint/2010/main" val="2602616442"/>
-      </p:ext>
-    </p:extLst>
-  </p:cSld>
-  <p:clrMapOvr>
-    <a:masterClrMapping/>
-  </p:clrMapOvr>
-</p:sld>
-</file>
-
-<file path=ppt/slides/slide21.xml><?xml version="1.0" encoding="utf-8"?>
-<p:sld xmlns:a="http://schemas.openxmlformats.org/drawingml/2006/main" xmlns:r="http://schemas.openxmlformats.org/officeDocument/2006/relationships" xmlns:p="http://schemas.openxmlformats.org/presentationml/2006/main">
-  <p:cSld>
-    <p:spTree>
-      <p:nvGrpSpPr>
-        <p:cNvPr id="1" name=""/>
-        <p:cNvGrpSpPr/>
-        <p:nvPr/>
-      </p:nvGrpSpPr>
-      <p:grpSpPr>
-        <a:xfrm>
-          <a:off x="0" y="0"/>
-          <a:ext cx="0" cy="0"/>
-          <a:chOff x="0" y="0"/>
-          <a:chExt cx="0" cy="0"/>
-        </a:xfrm>
-      </p:grpSpPr>
-      <p:sp>
-        <p:nvSpPr>
-          <p:cNvPr id="2" name="タイトル 1">
-            <a:extLst>
-              <a:ext uri="{FF2B5EF4-FFF2-40B4-BE49-F238E27FC236}">
-                <a16:creationId xmlns:a16="http://schemas.microsoft.com/office/drawing/2014/main" id="{997ED337-CBBE-4349-0667-1E2F4385A5F0}"/>
-              </a:ext>
-            </a:extLst>
-          </p:cNvPr>
-          <p:cNvSpPr>
-            <a:spLocks noGrp="1"/>
-          </p:cNvSpPr>
-          <p:nvPr>
-            <p:ph type="title"/>
-          </p:nvPr>
-        </p:nvSpPr>
-        <p:spPr/>
-        <p:txBody>
-          <a:bodyPr/>
-          <a:lstStyle/>
-          <a:p>
-            <a:r>
-              <a:rPr kumimoji="1" lang="ja-JP" altLang="en-US" dirty="0"/>
-              <a:t>　</a:t>
-            </a:r>
-            <a:r>
-              <a:rPr kumimoji="1" lang="en-US" altLang="ja-JP" dirty="0" err="1"/>
-              <a:t>bind_rows</a:t>
-            </a:r>
-            <a:r>
-              <a:rPr kumimoji="1" lang="ja-JP" altLang="en-US" dirty="0"/>
-              <a:t>と</a:t>
-            </a:r>
-            <a:r>
-              <a:rPr kumimoji="1" lang="en-US" altLang="ja-JP" dirty="0" err="1"/>
-              <a:t>left_join</a:t>
-            </a:r>
-            <a:endParaRPr kumimoji="1" lang="ja-JP" altLang="en-US" dirty="0"/>
-          </a:p>
-        </p:txBody>
-      </p:sp>
-      <p:sp>
-        <p:nvSpPr>
-          <p:cNvPr id="4" name="スライド番号プレースホルダー 3">
-            <a:extLst>
-              <a:ext uri="{FF2B5EF4-FFF2-40B4-BE49-F238E27FC236}">
-                <a16:creationId xmlns:a16="http://schemas.microsoft.com/office/drawing/2014/main" id="{C3AF0C7D-7F90-654C-A966-3F6520E8A54D}"/>
-              </a:ext>
-            </a:extLst>
-          </p:cNvPr>
-          <p:cNvSpPr>
-            <a:spLocks noGrp="1"/>
-          </p:cNvSpPr>
-          <p:nvPr>
-            <p:ph type="sldNum" sz="quarter" idx="12"/>
-          </p:nvPr>
-        </p:nvSpPr>
-        <p:spPr/>
-        <p:txBody>
-          <a:bodyPr/>
-          <a:lstStyle/>
-          <a:p>
-            <a:fld id="{C46B5F8E-405A-41C5-91DD-ABB74B733BFC}" type="slidenum">
-              <a:rPr kumimoji="1" lang="ja-JP" altLang="en-US" smtClean="0"/>
-              <a:t>21</a:t>
-            </a:fld>
-            <a:endParaRPr kumimoji="1" lang="ja-JP" altLang="en-US" dirty="0"/>
-          </a:p>
-        </p:txBody>
-      </p:sp>
-      <p:sp>
-        <p:nvSpPr>
-          <p:cNvPr id="5" name="フッター プレースホルダー 4">
-            <a:extLst>
-              <a:ext uri="{FF2B5EF4-FFF2-40B4-BE49-F238E27FC236}">
-                <a16:creationId xmlns:a16="http://schemas.microsoft.com/office/drawing/2014/main" id="{7F862A1E-55C3-CF21-1A7E-B2FD8F965B06}"/>
-              </a:ext>
-            </a:extLst>
-          </p:cNvPr>
-          <p:cNvSpPr>
-            <a:spLocks noGrp="1"/>
-          </p:cNvSpPr>
-          <p:nvPr>
-            <p:ph type="ftr" sz="quarter" idx="3"/>
-          </p:nvPr>
-        </p:nvSpPr>
-        <p:spPr/>
-        <p:txBody>
-          <a:bodyPr/>
-          <a:lstStyle/>
-          <a:p>
-            <a:r>
-              <a:rPr kumimoji="1" lang="ja-JP" altLang="en-US"/>
-              <a:t>　</a:t>
-            </a:r>
-            <a:r>
-              <a:rPr kumimoji="1" lang="en-US" altLang="ja-JP"/>
-              <a:t>RA</a:t>
-            </a:r>
-            <a:r>
-              <a:rPr kumimoji="1" lang="ja-JP" altLang="en-US"/>
-              <a:t>ブートキャンプ　事前レクチャー</a:t>
-            </a:r>
-            <a:endParaRPr kumimoji="1" lang="ja-JP" altLang="en-US" dirty="0"/>
-          </a:p>
-        </p:txBody>
-      </p:sp>
-      <p:sp>
-        <p:nvSpPr>
-          <p:cNvPr id="6" name="日付プレースホルダー 5">
-            <a:extLst>
-              <a:ext uri="{FF2B5EF4-FFF2-40B4-BE49-F238E27FC236}">
-                <a16:creationId xmlns:a16="http://schemas.microsoft.com/office/drawing/2014/main" id="{B3A100FA-F9F0-6AC9-BB44-476D2E87B8DA}"/>
-              </a:ext>
-            </a:extLst>
-          </p:cNvPr>
-          <p:cNvSpPr>
-            <a:spLocks noGrp="1"/>
-          </p:cNvSpPr>
-          <p:nvPr>
-            <p:ph type="dt" sz="half" idx="2"/>
-          </p:nvPr>
-        </p:nvSpPr>
-        <p:spPr/>
-        <p:txBody>
-          <a:bodyPr/>
-          <a:lstStyle/>
-          <a:p>
-            <a:r>
-              <a:rPr kumimoji="1" lang="en-US" altLang="ja-JP"/>
-              <a:t>2025/8/12</a:t>
-            </a:r>
-            <a:endParaRPr kumimoji="1" lang="ja-JP" altLang="en-US" dirty="0"/>
-          </a:p>
-        </p:txBody>
-      </p:sp>
-      <p:sp>
-        <p:nvSpPr>
-          <p:cNvPr id="7" name="テキスト プレースホルダー 6">
-            <a:extLst>
-              <a:ext uri="{FF2B5EF4-FFF2-40B4-BE49-F238E27FC236}">
-                <a16:creationId xmlns:a16="http://schemas.microsoft.com/office/drawing/2014/main" id="{619E4DC3-5C14-9FBE-B633-057F37E9EE48}"/>
-              </a:ext>
-            </a:extLst>
-          </p:cNvPr>
-          <p:cNvSpPr>
-            <a:spLocks noGrp="1"/>
-          </p:cNvSpPr>
-          <p:nvPr>
-            <p:ph type="body" sz="quarter" idx="13"/>
-          </p:nvPr>
-        </p:nvSpPr>
-        <p:spPr/>
-        <p:txBody>
-          <a:bodyPr/>
-          <a:lstStyle/>
-          <a:p>
-            <a:r>
-              <a:rPr kumimoji="1" lang="ja-JP" altLang="en-US" dirty="0"/>
-              <a:t>　クリーニング</a:t>
-            </a:r>
-          </a:p>
-        </p:txBody>
-      </p:sp>
-      <p:grpSp>
-        <p:nvGrpSpPr>
-          <p:cNvPr id="29" name="グループ化 28">
-            <a:extLst>
-              <a:ext uri="{FF2B5EF4-FFF2-40B4-BE49-F238E27FC236}">
-                <a16:creationId xmlns:a16="http://schemas.microsoft.com/office/drawing/2014/main" id="{4BAC3BAE-3CA3-42BD-28A2-5F7C0A23FD1C}"/>
-              </a:ext>
-            </a:extLst>
-          </p:cNvPr>
-          <p:cNvGrpSpPr/>
-          <p:nvPr/>
-        </p:nvGrpSpPr>
-        <p:grpSpPr>
-          <a:xfrm>
-            <a:off x="514405" y="1544761"/>
-            <a:ext cx="6303560" cy="4437568"/>
-            <a:chOff x="514405" y="1544761"/>
-            <a:chExt cx="6303560" cy="4437568"/>
-          </a:xfrm>
-        </p:grpSpPr>
-        <p:pic>
-          <p:nvPicPr>
-            <p:cNvPr id="13" name="図 12">
-              <a:extLst>
-                <a:ext uri="{FF2B5EF4-FFF2-40B4-BE49-F238E27FC236}">
-                  <a16:creationId xmlns:a16="http://schemas.microsoft.com/office/drawing/2014/main" id="{7E4FAC3D-9924-0FA8-C8D8-D57DB05D919A}"/>
-                </a:ext>
-              </a:extLst>
-            </p:cNvPr>
-            <p:cNvPicPr>
-              <a:picLocks noChangeAspect="1"/>
-            </p:cNvPicPr>
-            <p:nvPr/>
-          </p:nvPicPr>
-          <p:blipFill>
-            <a:blip r:embed="rId2"/>
-            <a:stretch>
-              <a:fillRect/>
-            </a:stretch>
-          </p:blipFill>
-          <p:spPr>
-            <a:xfrm>
-              <a:off x="514405" y="1585269"/>
-              <a:ext cx="1085795" cy="1380511"/>
-            </a:xfrm>
-            <a:prstGeom prst="rect">
-              <a:avLst/>
-            </a:prstGeom>
-          </p:spPr>
-        </p:pic>
-        <p:pic>
-          <p:nvPicPr>
-            <p:cNvPr id="15" name="図 14">
-              <a:extLst>
-                <a:ext uri="{FF2B5EF4-FFF2-40B4-BE49-F238E27FC236}">
-                  <a16:creationId xmlns:a16="http://schemas.microsoft.com/office/drawing/2014/main" id="{C04CC970-49AD-0ECC-9BA0-613E0C2A3931}"/>
-                </a:ext>
-              </a:extLst>
-            </p:cNvPr>
-            <p:cNvPicPr>
-              <a:picLocks noChangeAspect="1"/>
-            </p:cNvPicPr>
-            <p:nvPr/>
-          </p:nvPicPr>
-          <p:blipFill>
-            <a:blip r:embed="rId3"/>
-            <a:stretch>
-              <a:fillRect/>
-            </a:stretch>
-          </p:blipFill>
-          <p:spPr>
-            <a:xfrm>
-              <a:off x="2465917" y="1544761"/>
-              <a:ext cx="1597670" cy="1372755"/>
-            </a:xfrm>
-            <a:prstGeom prst="rect">
-              <a:avLst/>
-            </a:prstGeom>
-          </p:spPr>
-        </p:pic>
-        <p:sp>
-          <p:nvSpPr>
-            <p:cNvPr id="16" name="矢印: 下 15">
-              <a:extLst>
-                <a:ext uri="{FF2B5EF4-FFF2-40B4-BE49-F238E27FC236}">
-                  <a16:creationId xmlns:a16="http://schemas.microsoft.com/office/drawing/2014/main" id="{FD305868-8E61-000A-9740-4F4258B7021D}"/>
-                </a:ext>
-              </a:extLst>
-            </p:cNvPr>
-            <p:cNvSpPr/>
-            <p:nvPr/>
-          </p:nvSpPr>
-          <p:spPr>
-            <a:xfrm>
-              <a:off x="1841702" y="2917516"/>
-              <a:ext cx="400920" cy="486507"/>
-            </a:xfrm>
-            <a:prstGeom prst="downArrow">
-              <a:avLst/>
-            </a:prstGeom>
-            <a:noFill/>
-          </p:spPr>
-          <p:style>
-            <a:lnRef idx="2">
-              <a:schemeClr val="accent1">
-                <a:shade val="15000"/>
-              </a:schemeClr>
-            </a:lnRef>
-            <a:fillRef idx="1">
-              <a:schemeClr val="accent1"/>
-            </a:fillRef>
-            <a:effectRef idx="0">
-              <a:schemeClr val="accent1"/>
-            </a:effectRef>
-            <a:fontRef idx="minor">
-              <a:schemeClr val="lt1"/>
-            </a:fontRef>
-          </p:style>
-          <p:txBody>
-            <a:bodyPr rtlCol="0" anchor="ctr"/>
-            <a:lstStyle/>
-            <a:p>
-              <a:pPr algn="ctr"/>
-              <a:endParaRPr kumimoji="1" lang="ja-JP" altLang="en-US" dirty="0"/>
-            </a:p>
-          </p:txBody>
-        </p:sp>
-        <p:pic>
-          <p:nvPicPr>
-            <p:cNvPr id="18" name="図 17">
-              <a:extLst>
-                <a:ext uri="{FF2B5EF4-FFF2-40B4-BE49-F238E27FC236}">
-                  <a16:creationId xmlns:a16="http://schemas.microsoft.com/office/drawing/2014/main" id="{43E9B104-5626-A25C-340E-A710E028569E}"/>
-                </a:ext>
-              </a:extLst>
-            </p:cNvPr>
-            <p:cNvPicPr>
-              <a:picLocks noChangeAspect="1"/>
-            </p:cNvPicPr>
-            <p:nvPr/>
-          </p:nvPicPr>
-          <p:blipFill>
-            <a:blip r:embed="rId4"/>
-            <a:stretch>
-              <a:fillRect/>
-            </a:stretch>
-          </p:blipFill>
-          <p:spPr>
-            <a:xfrm>
-              <a:off x="1227816" y="3453978"/>
-              <a:ext cx="1628692" cy="2528351"/>
-            </a:xfrm>
-            <a:prstGeom prst="rect">
-              <a:avLst/>
-            </a:prstGeom>
-          </p:spPr>
-        </p:pic>
-        <p:sp>
-          <p:nvSpPr>
-            <p:cNvPr id="19" name="加算記号 18">
-              <a:extLst>
-                <a:ext uri="{FF2B5EF4-FFF2-40B4-BE49-F238E27FC236}">
-                  <a16:creationId xmlns:a16="http://schemas.microsoft.com/office/drawing/2014/main" id="{F7E3FE92-E519-9A02-3CAF-BDEAE7C3FFC9}"/>
-                </a:ext>
-              </a:extLst>
-            </p:cNvPr>
-            <p:cNvSpPr/>
-            <p:nvPr/>
-          </p:nvSpPr>
-          <p:spPr>
-            <a:xfrm>
-              <a:off x="1769005" y="2058647"/>
-              <a:ext cx="473617" cy="433753"/>
-            </a:xfrm>
-            <a:prstGeom prst="mathPlus">
-              <a:avLst/>
-            </a:prstGeom>
-            <a:noFill/>
-          </p:spPr>
-          <p:style>
-            <a:lnRef idx="2">
-              <a:schemeClr val="accent1">
-                <a:shade val="15000"/>
-              </a:schemeClr>
-            </a:lnRef>
-            <a:fillRef idx="1">
-              <a:schemeClr val="accent1"/>
-            </a:fillRef>
-            <a:effectRef idx="0">
-              <a:schemeClr val="accent1"/>
-            </a:effectRef>
-            <a:fontRef idx="minor">
-              <a:schemeClr val="lt1"/>
-            </a:fontRef>
-          </p:style>
-          <p:txBody>
-            <a:bodyPr rtlCol="0" anchor="ctr"/>
-            <a:lstStyle/>
-            <a:p>
-              <a:pPr algn="ctr"/>
-              <a:endParaRPr kumimoji="1" lang="ja-JP" altLang="en-US"/>
-            </a:p>
-          </p:txBody>
-        </p:sp>
-        <p:sp>
-          <p:nvSpPr>
-            <p:cNvPr id="31" name="矢印: 下 30">
-              <a:extLst>
-                <a:ext uri="{FF2B5EF4-FFF2-40B4-BE49-F238E27FC236}">
-                  <a16:creationId xmlns:a16="http://schemas.microsoft.com/office/drawing/2014/main" id="{342BDB5E-1B94-EE6E-F01F-BDA377A511B0}"/>
-                </a:ext>
-              </a:extLst>
-            </p:cNvPr>
-            <p:cNvSpPr/>
-            <p:nvPr/>
-          </p:nvSpPr>
-          <p:spPr>
-            <a:xfrm>
-              <a:off x="6417045" y="3334610"/>
-              <a:ext cx="400920" cy="486507"/>
-            </a:xfrm>
-            <a:prstGeom prst="downArrow">
-              <a:avLst/>
-            </a:prstGeom>
-            <a:noFill/>
-          </p:spPr>
-          <p:style>
-            <a:lnRef idx="2">
-              <a:schemeClr val="accent1">
-                <a:shade val="15000"/>
-              </a:schemeClr>
-            </a:lnRef>
-            <a:fillRef idx="1">
-              <a:schemeClr val="accent1"/>
-            </a:fillRef>
-            <a:effectRef idx="0">
-              <a:schemeClr val="accent1"/>
-            </a:effectRef>
-            <a:fontRef idx="minor">
-              <a:schemeClr val="lt1"/>
-            </a:fontRef>
-          </p:style>
-          <p:txBody>
-            <a:bodyPr rtlCol="0" anchor="ctr"/>
-            <a:lstStyle/>
-            <a:p>
-              <a:pPr algn="ctr"/>
-              <a:endParaRPr kumimoji="1" lang="ja-JP" altLang="en-US" dirty="0"/>
-            </a:p>
-          </p:txBody>
-        </p:sp>
-      </p:grpSp>
-      <p:sp>
-        <p:nvSpPr>
-          <p:cNvPr id="20" name="テキスト ボックス 19">
-            <a:extLst>
-              <a:ext uri="{FF2B5EF4-FFF2-40B4-BE49-F238E27FC236}">
-                <a16:creationId xmlns:a16="http://schemas.microsoft.com/office/drawing/2014/main" id="{7063F952-5206-688E-48A8-6F6EE14E9140}"/>
-              </a:ext>
-            </a:extLst>
-          </p:cNvPr>
-          <p:cNvSpPr txBox="1"/>
-          <p:nvPr/>
-        </p:nvSpPr>
-        <p:spPr>
-          <a:xfrm>
-            <a:off x="514405" y="6067845"/>
-            <a:ext cx="3549182" cy="307777"/>
-          </a:xfrm>
-          <a:prstGeom prst="rect">
-            <a:avLst/>
-          </a:prstGeom>
-          <a:noFill/>
-        </p:spPr>
-        <p:txBody>
-          <a:bodyPr wrap="square" rtlCol="0">
-            <a:spAutoFit/>
-          </a:bodyPr>
-          <a:lstStyle/>
-          <a:p>
-            <a:pPr algn="ctr"/>
-            <a:r>
-              <a:rPr kumimoji="1" lang="en-US" altLang="ja-JP" sz="1400" dirty="0" err="1"/>
-              <a:t>bind_rows</a:t>
-            </a:r>
-            <a:r>
-              <a:rPr kumimoji="1" lang="ja-JP" altLang="en-US" sz="1400" dirty="0"/>
-              <a:t>による接続</a:t>
-            </a:r>
-          </a:p>
-        </p:txBody>
-      </p:sp>
-      <p:cxnSp>
-        <p:nvCxnSpPr>
-          <p:cNvPr id="22" name="直線コネクタ 21">
-            <a:extLst>
-              <a:ext uri="{FF2B5EF4-FFF2-40B4-BE49-F238E27FC236}">
-                <a16:creationId xmlns:a16="http://schemas.microsoft.com/office/drawing/2014/main" id="{63C5E4E6-9D38-04FA-DA19-EA33CD8BB177}"/>
-              </a:ext>
-            </a:extLst>
-          </p:cNvPr>
-          <p:cNvCxnSpPr>
-            <a:cxnSpLocks/>
-          </p:cNvCxnSpPr>
-          <p:nvPr/>
-        </p:nvCxnSpPr>
-        <p:spPr>
-          <a:xfrm>
-            <a:off x="4572000" y="1585269"/>
-            <a:ext cx="0" cy="4567758"/>
-          </a:xfrm>
-          <a:prstGeom prst="line">
-            <a:avLst/>
-          </a:prstGeom>
-          <a:ln w="19050" cap="flat" cmpd="sng" algn="ctr">
-            <a:solidFill>
-              <a:schemeClr val="dk1"/>
-            </a:solidFill>
-            <a:prstDash val="dash"/>
-            <a:round/>
-            <a:headEnd type="none" w="med" len="med"/>
-            <a:tailEnd type="none" w="med" len="med"/>
-          </a:ln>
-        </p:spPr>
-        <p:style>
-          <a:lnRef idx="0">
-            <a:scrgbClr r="0" g="0" b="0"/>
-          </a:lnRef>
-          <a:fillRef idx="0">
-            <a:scrgbClr r="0" g="0" b="0"/>
-          </a:fillRef>
-          <a:effectRef idx="0">
-            <a:scrgbClr r="0" g="0" b="0"/>
-          </a:effectRef>
-          <a:fontRef idx="minor">
-            <a:schemeClr val="tx1"/>
-          </a:fontRef>
-        </p:style>
-      </p:cxnSp>
-      <p:grpSp>
-        <p:nvGrpSpPr>
-          <p:cNvPr id="34" name="グループ化 33">
-            <a:extLst>
-              <a:ext uri="{FF2B5EF4-FFF2-40B4-BE49-F238E27FC236}">
-                <a16:creationId xmlns:a16="http://schemas.microsoft.com/office/drawing/2014/main" id="{083F37F3-0CB8-9A40-EBA4-82DC02F8333D}"/>
-              </a:ext>
-            </a:extLst>
-          </p:cNvPr>
-          <p:cNvGrpSpPr/>
-          <p:nvPr/>
-        </p:nvGrpSpPr>
-        <p:grpSpPr>
-          <a:xfrm>
-            <a:off x="4933329" y="1582365"/>
-            <a:ext cx="4058968" cy="4233281"/>
-            <a:chOff x="4933329" y="1582365"/>
-            <a:chExt cx="4058968" cy="4233281"/>
-          </a:xfrm>
-        </p:grpSpPr>
-        <p:grpSp>
-          <p:nvGrpSpPr>
-            <p:cNvPr id="30" name="グループ化 29">
-              <a:extLst>
-                <a:ext uri="{FF2B5EF4-FFF2-40B4-BE49-F238E27FC236}">
-                  <a16:creationId xmlns:a16="http://schemas.microsoft.com/office/drawing/2014/main" id="{FD64E8A7-175E-5669-8128-9FF03AB337AE}"/>
-                </a:ext>
-              </a:extLst>
-            </p:cNvPr>
-            <p:cNvGrpSpPr/>
-            <p:nvPr/>
-          </p:nvGrpSpPr>
-          <p:grpSpPr>
-            <a:xfrm>
-              <a:off x="4933329" y="1582365"/>
-              <a:ext cx="4058968" cy="1483848"/>
-              <a:chOff x="5077204" y="1482537"/>
-              <a:chExt cx="4058968" cy="1483848"/>
-            </a:xfrm>
-          </p:grpSpPr>
-          <p:pic>
-            <p:nvPicPr>
-              <p:cNvPr id="25" name="図 24">
-                <a:extLst>
-                  <a:ext uri="{FF2B5EF4-FFF2-40B4-BE49-F238E27FC236}">
-                    <a16:creationId xmlns:a16="http://schemas.microsoft.com/office/drawing/2014/main" id="{AFAF727D-98E1-567B-C88A-922580482E6E}"/>
-                  </a:ext>
-                </a:extLst>
-              </p:cNvPr>
-              <p:cNvPicPr>
-                <a:picLocks noChangeAspect="1"/>
-              </p:cNvPicPr>
-              <p:nvPr/>
-            </p:nvPicPr>
-            <p:blipFill>
-              <a:blip r:embed="rId5"/>
-              <a:stretch>
-                <a:fillRect/>
-              </a:stretch>
-            </p:blipFill>
-            <p:spPr>
-              <a:xfrm>
-                <a:off x="5077204" y="1482537"/>
-                <a:ext cx="1210289" cy="1483848"/>
-              </a:xfrm>
-              <a:prstGeom prst="rect">
-                <a:avLst/>
-              </a:prstGeom>
-            </p:spPr>
-          </p:pic>
-          <p:sp>
-            <p:nvSpPr>
-              <p:cNvPr id="26" name="加算記号 25">
-                <a:extLst>
-                  <a:ext uri="{FF2B5EF4-FFF2-40B4-BE49-F238E27FC236}">
-                    <a16:creationId xmlns:a16="http://schemas.microsoft.com/office/drawing/2014/main" id="{E7C1A0F9-342E-39C2-308E-C70C18FD5951}"/>
-                  </a:ext>
-                </a:extLst>
-              </p:cNvPr>
-              <p:cNvSpPr/>
-              <p:nvPr/>
-            </p:nvSpPr>
-            <p:spPr>
-              <a:xfrm>
-                <a:off x="6488223" y="2058647"/>
-                <a:ext cx="473617" cy="433753"/>
-              </a:xfrm>
-              <a:prstGeom prst="mathPlus">
-                <a:avLst/>
-              </a:prstGeom>
-              <a:noFill/>
-            </p:spPr>
-            <p:style>
-              <a:lnRef idx="2">
-                <a:schemeClr val="accent1">
-                  <a:shade val="15000"/>
-                </a:schemeClr>
-              </a:lnRef>
-              <a:fillRef idx="1">
-                <a:schemeClr val="accent1"/>
-              </a:fillRef>
-              <a:effectRef idx="0">
-                <a:schemeClr val="accent1"/>
-              </a:effectRef>
-              <a:fontRef idx="minor">
-                <a:schemeClr val="lt1"/>
-              </a:fontRef>
-            </p:style>
-            <p:txBody>
-              <a:bodyPr rtlCol="0" anchor="ctr"/>
-              <a:lstStyle/>
-              <a:p>
-                <a:pPr algn="ctr"/>
-                <a:endParaRPr kumimoji="1" lang="ja-JP" altLang="en-US"/>
-              </a:p>
-            </p:txBody>
-          </p:sp>
-          <p:pic>
-            <p:nvPicPr>
-              <p:cNvPr id="28" name="図 27">
-                <a:extLst>
-                  <a:ext uri="{FF2B5EF4-FFF2-40B4-BE49-F238E27FC236}">
-                    <a16:creationId xmlns:a16="http://schemas.microsoft.com/office/drawing/2014/main" id="{0548D20B-DEF4-9E06-8333-154369DB39DF}"/>
-                  </a:ext>
-                </a:extLst>
-              </p:cNvPr>
-              <p:cNvPicPr>
-                <a:picLocks noChangeAspect="1"/>
-              </p:cNvPicPr>
-              <p:nvPr/>
-            </p:nvPicPr>
-            <p:blipFill>
-              <a:blip r:embed="rId6"/>
-              <a:stretch>
-                <a:fillRect/>
-              </a:stretch>
-            </p:blipFill>
-            <p:spPr>
-              <a:xfrm>
-                <a:off x="7062157" y="1482537"/>
-                <a:ext cx="2074015" cy="1483848"/>
-              </a:xfrm>
-              <a:prstGeom prst="rect">
-                <a:avLst/>
-              </a:prstGeom>
-            </p:spPr>
-          </p:pic>
-        </p:grpSp>
-        <p:pic>
-          <p:nvPicPr>
-            <p:cNvPr id="33" name="図 32">
-              <a:extLst>
-                <a:ext uri="{FF2B5EF4-FFF2-40B4-BE49-F238E27FC236}">
-                  <a16:creationId xmlns:a16="http://schemas.microsoft.com/office/drawing/2014/main" id="{46382421-09CD-BF16-65C0-7FFDA3942BB2}"/>
-                </a:ext>
-              </a:extLst>
-            </p:cNvPr>
-            <p:cNvPicPr>
-              <a:picLocks noChangeAspect="1"/>
-            </p:cNvPicPr>
-            <p:nvPr/>
-          </p:nvPicPr>
-          <p:blipFill>
-            <a:blip r:embed="rId7"/>
-            <a:stretch>
-              <a:fillRect/>
-            </a:stretch>
-          </p:blipFill>
-          <p:spPr>
-            <a:xfrm>
-              <a:off x="5080414" y="4014736"/>
-              <a:ext cx="3249918" cy="1800910"/>
-            </a:xfrm>
-            <a:prstGeom prst="rect">
-              <a:avLst/>
-            </a:prstGeom>
-          </p:spPr>
-        </p:pic>
-      </p:grpSp>
-      <p:sp>
-        <p:nvSpPr>
-          <p:cNvPr id="35" name="テキスト ボックス 34">
-            <a:extLst>
-              <a:ext uri="{FF2B5EF4-FFF2-40B4-BE49-F238E27FC236}">
-                <a16:creationId xmlns:a16="http://schemas.microsoft.com/office/drawing/2014/main" id="{79D33640-9745-0D82-71BF-F8E6242CE58E}"/>
-              </a:ext>
-            </a:extLst>
-          </p:cNvPr>
-          <p:cNvSpPr txBox="1"/>
-          <p:nvPr/>
-        </p:nvSpPr>
-        <p:spPr>
-          <a:xfrm>
-            <a:off x="4933329" y="6067845"/>
-            <a:ext cx="4058968" cy="307777"/>
-          </a:xfrm>
-          <a:prstGeom prst="rect">
-            <a:avLst/>
-          </a:prstGeom>
-          <a:noFill/>
-        </p:spPr>
-        <p:txBody>
-          <a:bodyPr wrap="square" rtlCol="0">
-            <a:spAutoFit/>
-          </a:bodyPr>
-          <a:lstStyle/>
-          <a:p>
-            <a:pPr algn="ctr"/>
-            <a:r>
-              <a:rPr kumimoji="1" lang="en-US" altLang="ja-JP" sz="1400" dirty="0" err="1"/>
-              <a:t>left_join</a:t>
-            </a:r>
-            <a:r>
-              <a:rPr kumimoji="1" lang="ja-JP" altLang="en-US" sz="1400" dirty="0"/>
-              <a:t>による接続</a:t>
-            </a:r>
-          </a:p>
-        </p:txBody>
-      </p:sp>
-    </p:spTree>
-    <p:extLst>
-      <p:ext uri="{BB962C8B-B14F-4D97-AF65-F5344CB8AC3E}">
-        <p14:creationId xmlns:p14="http://schemas.microsoft.com/office/powerpoint/2010/main" val="1863005645"/>
       </p:ext>
     </p:extLst>
   </p:cSld>

--- a/事前レクチャー_スライド.pptx
+++ b/事前レクチャー_スライド.pptx
@@ -5,7 +5,7 @@
     <p:sldMasterId id="2147483660" r:id="rId1"/>
   </p:sldMasterIdLst>
   <p:notesMasterIdLst>
-    <p:notesMasterId r:id="rId35"/>
+    <p:notesMasterId r:id="rId36"/>
   </p:notesMasterIdLst>
   <p:sldIdLst>
     <p:sldId id="256" r:id="rId2"/>
@@ -15,32 +15,33 @@
     <p:sldId id="260" r:id="rId6"/>
     <p:sldId id="261" r:id="rId7"/>
     <p:sldId id="263" r:id="rId8"/>
-    <p:sldId id="264" r:id="rId9"/>
-    <p:sldId id="265" r:id="rId10"/>
-    <p:sldId id="283" r:id="rId11"/>
-    <p:sldId id="266" r:id="rId12"/>
-    <p:sldId id="267" r:id="rId13"/>
-    <p:sldId id="280" r:id="rId14"/>
-    <p:sldId id="285" r:id="rId15"/>
-    <p:sldId id="286" r:id="rId16"/>
-    <p:sldId id="268" r:id="rId17"/>
-    <p:sldId id="288" r:id="rId18"/>
-    <p:sldId id="289" r:id="rId19"/>
-    <p:sldId id="287" r:id="rId20"/>
-    <p:sldId id="277" r:id="rId21"/>
-    <p:sldId id="291" r:id="rId22"/>
-    <p:sldId id="273" r:id="rId23"/>
-    <p:sldId id="275" r:id="rId24"/>
-    <p:sldId id="269" r:id="rId25"/>
-    <p:sldId id="290" r:id="rId26"/>
-    <p:sldId id="270" r:id="rId27"/>
-    <p:sldId id="281" r:id="rId28"/>
-    <p:sldId id="271" r:id="rId29"/>
-    <p:sldId id="272" r:id="rId30"/>
-    <p:sldId id="282" r:id="rId31"/>
-    <p:sldId id="278" r:id="rId32"/>
-    <p:sldId id="279" r:id="rId33"/>
-    <p:sldId id="262" r:id="rId34"/>
+    <p:sldId id="292" r:id="rId9"/>
+    <p:sldId id="264" r:id="rId10"/>
+    <p:sldId id="265" r:id="rId11"/>
+    <p:sldId id="283" r:id="rId12"/>
+    <p:sldId id="266" r:id="rId13"/>
+    <p:sldId id="267" r:id="rId14"/>
+    <p:sldId id="280" r:id="rId15"/>
+    <p:sldId id="285" r:id="rId16"/>
+    <p:sldId id="286" r:id="rId17"/>
+    <p:sldId id="268" r:id="rId18"/>
+    <p:sldId id="288" r:id="rId19"/>
+    <p:sldId id="289" r:id="rId20"/>
+    <p:sldId id="287" r:id="rId21"/>
+    <p:sldId id="277" r:id="rId22"/>
+    <p:sldId id="291" r:id="rId23"/>
+    <p:sldId id="273" r:id="rId24"/>
+    <p:sldId id="275" r:id="rId25"/>
+    <p:sldId id="269" r:id="rId26"/>
+    <p:sldId id="290" r:id="rId27"/>
+    <p:sldId id="270" r:id="rId28"/>
+    <p:sldId id="281" r:id="rId29"/>
+    <p:sldId id="271" r:id="rId30"/>
+    <p:sldId id="272" r:id="rId31"/>
+    <p:sldId id="282" r:id="rId32"/>
+    <p:sldId id="278" r:id="rId33"/>
+    <p:sldId id="279" r:id="rId34"/>
+    <p:sldId id="262" r:id="rId35"/>
   </p:sldIdLst>
   <p:sldSz cx="9144000" cy="6858000" type="screen4x3"/>
   <p:notesSz cx="6858000" cy="9144000"/>
@@ -150,7 +151,7 @@
 <file path=ppt/revisionInfo.xml><?xml version="1.0" encoding="utf-8"?>
 <p1510:revInfo xmlns:a="http://schemas.openxmlformats.org/drawingml/2006/main" xmlns:r="http://schemas.openxmlformats.org/officeDocument/2006/relationships" xmlns:p1510="http://schemas.microsoft.com/office/powerpoint/2015/10/main">
   <p1510:revLst>
-    <p1510:client id="{54E4F011-C27E-4586-9098-82EB89E0B39E}" v="2287" dt="2025-08-08T11:47:26.501"/>
+    <p1510:client id="{54E4F011-C27E-4586-9098-82EB89E0B39E}" v="2319" dt="2025-08-10T12:29:40.647"/>
   </p1510:revLst>
 </p1510:revInfo>
 </file>
@@ -160,7 +161,7 @@
   <pc:docChgLst>
     <pc:chgData name="Keisuke Tsugumi" userId="6e4a72d90fa3675d" providerId="LiveId" clId="{54E4F011-C27E-4586-9098-82EB89E0B39E}"/>
     <pc:docChg chg="undo custSel addSld delSld modSld sldOrd modMainMaster">
-      <pc:chgData name="Keisuke Tsugumi" userId="6e4a72d90fa3675d" providerId="LiveId" clId="{54E4F011-C27E-4586-9098-82EB89E0B39E}" dt="2025-08-08T11:57:36.442" v="15549" actId="14100"/>
+      <pc:chgData name="Keisuke Tsugumi" userId="6e4a72d90fa3675d" providerId="LiveId" clId="{54E4F011-C27E-4586-9098-82EB89E0B39E}" dt="2025-08-10T12:29:40.646" v="15769"/>
       <pc:docMkLst>
         <pc:docMk/>
       </pc:docMkLst>
@@ -235,7 +236,7 @@
         </pc:spChg>
       </pc:sldChg>
       <pc:sldChg chg="modSp new mod">
-        <pc:chgData name="Keisuke Tsugumi" userId="6e4a72d90fa3675d" providerId="LiveId" clId="{54E4F011-C27E-4586-9098-82EB89E0B39E}" dt="2025-08-08T11:09:59.518" v="14525" actId="27636"/>
+        <pc:chgData name="Keisuke Tsugumi" userId="6e4a72d90fa3675d" providerId="LiveId" clId="{54E4F011-C27E-4586-9098-82EB89E0B39E}" dt="2025-08-10T11:52:50.819" v="15551" actId="27636"/>
         <pc:sldMkLst>
           <pc:docMk/>
           <pc:sldMk cId="389935206" sldId="258"/>
@@ -249,7 +250,7 @@
           </ac:spMkLst>
         </pc:spChg>
         <pc:spChg chg="mod">
-          <ac:chgData name="Keisuke Tsugumi" userId="6e4a72d90fa3675d" providerId="LiveId" clId="{54E4F011-C27E-4586-9098-82EB89E0B39E}" dt="2025-08-08T11:09:59.518" v="14525" actId="27636"/>
+          <ac:chgData name="Keisuke Tsugumi" userId="6e4a72d90fa3675d" providerId="LiveId" clId="{54E4F011-C27E-4586-9098-82EB89E0B39E}" dt="2025-08-10T11:52:50.819" v="15551" actId="27636"/>
           <ac:spMkLst>
             <pc:docMk/>
             <pc:sldMk cId="389935206" sldId="258"/>
@@ -363,14 +364,6 @@
             <pc:docMk/>
             <pc:sldMk cId="1944166823" sldId="261"/>
             <ac:spMk id="7" creationId="{D5396574-7E73-0535-9F50-52D76D666FB2}"/>
-          </ac:spMkLst>
-        </pc:spChg>
-        <pc:spChg chg="add del mod">
-          <ac:chgData name="Keisuke Tsugumi" userId="6e4a72d90fa3675d" providerId="LiveId" clId="{54E4F011-C27E-4586-9098-82EB89E0B39E}" dt="2025-08-08T11:12:07.332" v="14619" actId="478"/>
-          <ac:spMkLst>
-            <pc:docMk/>
-            <pc:sldMk cId="1944166823" sldId="261"/>
-            <ac:spMk id="8" creationId="{BA3D77BA-60CB-4C28-98ED-7F428AB1F925}"/>
           </ac:spMkLst>
         </pc:spChg>
         <pc:spChg chg="add mod">
@@ -561,14 +554,6 @@
             <pc:docMk/>
             <pc:sldMk cId="2539422550" sldId="263"/>
             <ac:spMk id="7" creationId="{21DF9980-A5B1-F537-BB43-B1670B373F2A}"/>
-          </ac:spMkLst>
-        </pc:spChg>
-        <pc:spChg chg="add del mod">
-          <ac:chgData name="Keisuke Tsugumi" userId="6e4a72d90fa3675d" providerId="LiveId" clId="{54E4F011-C27E-4586-9098-82EB89E0B39E}" dt="2025-08-08T11:19:02.958" v="14697" actId="478"/>
-          <ac:spMkLst>
-            <pc:docMk/>
-            <pc:sldMk cId="2539422550" sldId="263"/>
-            <ac:spMk id="9" creationId="{4402F960-85DF-4980-3559-F45877499676}"/>
           </ac:spMkLst>
         </pc:spChg>
         <pc:spChg chg="add mod">
@@ -816,14 +801,6 @@
             <ac:spMk id="7" creationId="{B2620C09-492F-4985-981F-6BC39815B51C}"/>
           </ac:spMkLst>
         </pc:spChg>
-        <pc:spChg chg="add del mod">
-          <ac:chgData name="Keisuke Tsugumi" userId="6e4a72d90fa3675d" providerId="LiveId" clId="{54E4F011-C27E-4586-9098-82EB89E0B39E}" dt="2025-08-08T11:28:22.927" v="14832" actId="478"/>
-          <ac:spMkLst>
-            <pc:docMk/>
-            <pc:sldMk cId="98827348" sldId="266"/>
-            <ac:spMk id="8" creationId="{362E1D76-9A33-FD85-DDFD-8E317A85316A}"/>
-          </ac:spMkLst>
-        </pc:spChg>
       </pc:sldChg>
       <pc:sldChg chg="addSp delSp modSp new mod ord">
         <pc:chgData name="Keisuke Tsugumi" userId="6e4a72d90fa3675d" providerId="LiveId" clId="{54E4F011-C27E-4586-9098-82EB89E0B39E}" dt="2025-08-02T07:32:03.511" v="7919"/>
@@ -1045,14 +1022,6 @@
             <ac:spMk id="7" creationId="{CD8D773C-2BDE-9491-04E3-757AB9AAC5E6}"/>
           </ac:spMkLst>
         </pc:spChg>
-        <pc:spChg chg="add del mod">
-          <ac:chgData name="Keisuke Tsugumi" userId="6e4a72d90fa3675d" providerId="LiveId" clId="{54E4F011-C27E-4586-9098-82EB89E0B39E}" dt="2025-08-08T11:45:15.911" v="15389" actId="478"/>
-          <ac:spMkLst>
-            <pc:docMk/>
-            <pc:sldMk cId="4079320506" sldId="269"/>
-            <ac:spMk id="8" creationId="{D248213C-B280-461F-5AE6-BFC20CCD22D0}"/>
-          </ac:spMkLst>
-        </pc:spChg>
       </pc:sldChg>
       <pc:sldChg chg="addSp modSp new mod">
         <pc:chgData name="Keisuke Tsugumi" userId="6e4a72d90fa3675d" providerId="LiveId" clId="{54E4F011-C27E-4586-9098-82EB89E0B39E}" dt="2025-07-30T00:32:06.642" v="6702"/>
@@ -1131,14 +1100,6 @@
             <ac:spMk id="7" creationId="{566DAA07-ABBB-26A4-8F53-185C866746E5}"/>
           </ac:spMkLst>
         </pc:spChg>
-        <pc:spChg chg="add del mod">
-          <ac:chgData name="Keisuke Tsugumi" userId="6e4a72d90fa3675d" providerId="LiveId" clId="{54E4F011-C27E-4586-9098-82EB89E0B39E}" dt="2025-08-08T05:39:40.725" v="14275" actId="478"/>
-          <ac:spMkLst>
-            <pc:docMk/>
-            <pc:sldMk cId="2766573722" sldId="271"/>
-            <ac:spMk id="8" creationId="{F6A2FC8D-8794-8F14-37D8-79A03DD960CF}"/>
-          </ac:spMkLst>
-        </pc:spChg>
       </pc:sldChg>
       <pc:sldChg chg="addSp delSp modSp new mod">
         <pc:chgData name="Keisuke Tsugumi" userId="6e4a72d90fa3675d" providerId="LiveId" clId="{54E4F011-C27E-4586-9098-82EB89E0B39E}" dt="2025-08-08T11:48:40.158" v="15544" actId="478"/>
@@ -1168,14 +1129,6 @@
             <pc:docMk/>
             <pc:sldMk cId="2452703291" sldId="272"/>
             <ac:spMk id="7" creationId="{6A93B0C3-4536-ACED-3C29-75FF6FCE8F10}"/>
-          </ac:spMkLst>
-        </pc:spChg>
-        <pc:spChg chg="add del mod">
-          <ac:chgData name="Keisuke Tsugumi" userId="6e4a72d90fa3675d" providerId="LiveId" clId="{54E4F011-C27E-4586-9098-82EB89E0B39E}" dt="2025-08-08T11:48:40.158" v="15544" actId="478"/>
-          <ac:spMkLst>
-            <pc:docMk/>
-            <pc:sldMk cId="2452703291" sldId="272"/>
-            <ac:spMk id="8" creationId="{DE022358-E327-1D88-4A8E-2CBABA4DCD68}"/>
           </ac:spMkLst>
         </pc:spChg>
       </pc:sldChg>
@@ -1261,14 +1214,6 @@
           <pc:docMk/>
           <pc:sldMk cId="2086051827" sldId="277"/>
         </pc:sldMkLst>
-        <pc:spChg chg="add del mod">
-          <ac:chgData name="Keisuke Tsugumi" userId="6e4a72d90fa3675d" providerId="LiveId" clId="{54E4F011-C27E-4586-9098-82EB89E0B39E}" dt="2025-08-08T11:36:20.014" v="15257" actId="478"/>
-          <ac:spMkLst>
-            <pc:docMk/>
-            <pc:sldMk cId="2086051827" sldId="277"/>
-            <ac:spMk id="2" creationId="{BCC817D9-B6C8-9682-508A-A9124D3A1160}"/>
-          </ac:spMkLst>
-        </pc:spChg>
         <pc:spChg chg="mod">
           <ac:chgData name="Keisuke Tsugumi" userId="6e4a72d90fa3675d" providerId="LiveId" clId="{54E4F011-C27E-4586-9098-82EB89E0B39E}" dt="2025-08-08T11:35:54.315" v="15250" actId="21"/>
           <ac:spMkLst>
@@ -1474,14 +1419,6 @@
             <ac:spMk id="7" creationId="{0D8A2CC1-99E7-A15E-D9FF-623E1719EFD5}"/>
           </ac:spMkLst>
         </pc:spChg>
-        <pc:spChg chg="add del mod">
-          <ac:chgData name="Keisuke Tsugumi" userId="6e4a72d90fa3675d" providerId="LiveId" clId="{54E4F011-C27E-4586-9098-82EB89E0B39E}" dt="2025-08-08T11:28:39.230" v="14833" actId="21"/>
-          <ac:spMkLst>
-            <pc:docMk/>
-            <pc:sldMk cId="440599276" sldId="280"/>
-            <ac:spMk id="8" creationId="{4165D1D5-303E-3C1E-CC22-73F20A974570}"/>
-          </ac:spMkLst>
-        </pc:spChg>
       </pc:sldChg>
       <pc:sldChg chg="addSp delSp modSp new mod">
         <pc:chgData name="Keisuke Tsugumi" userId="6e4a72d90fa3675d" providerId="LiveId" clId="{54E4F011-C27E-4586-9098-82EB89E0B39E}" dt="2025-08-08T11:47:31.055" v="15542" actId="478"/>
@@ -1511,14 +1448,6 @@
             <pc:docMk/>
             <pc:sldMk cId="870584933" sldId="281"/>
             <ac:spMk id="7" creationId="{B517C053-ED9E-A3F8-B12E-104252467CEE}"/>
-          </ac:spMkLst>
-        </pc:spChg>
-        <pc:spChg chg="add del mod">
-          <ac:chgData name="Keisuke Tsugumi" userId="6e4a72d90fa3675d" providerId="LiveId" clId="{54E4F011-C27E-4586-9098-82EB89E0B39E}" dt="2025-08-08T11:47:31.055" v="15542" actId="478"/>
-          <ac:spMkLst>
-            <pc:docMk/>
-            <pc:sldMk cId="870584933" sldId="281"/>
-            <ac:spMk id="8" creationId="{0C5E4822-F14C-D215-89C8-BCD970E09E5B}"/>
           </ac:spMkLst>
         </pc:spChg>
         <pc:spChg chg="add mod">
@@ -1632,14 +1561,6 @@
             <ac:spMk id="7" creationId="{890A51F2-9924-0E09-6BC2-769BC24E0594}"/>
           </ac:spMkLst>
         </pc:spChg>
-        <pc:spChg chg="add del mod">
-          <ac:chgData name="Keisuke Tsugumi" userId="6e4a72d90fa3675d" providerId="LiveId" clId="{54E4F011-C27E-4586-9098-82EB89E0B39E}" dt="2025-08-08T11:48:01.334" v="15543" actId="478"/>
-          <ac:spMkLst>
-            <pc:docMk/>
-            <pc:sldMk cId="1625559093" sldId="282"/>
-            <ac:spMk id="8" creationId="{AAE17C5C-5C41-BECC-D384-F132FE16D093}"/>
-          </ac:spMkLst>
-        </pc:spChg>
       </pc:sldChg>
       <pc:sldChg chg="addSp delSp modSp new mod">
         <pc:chgData name="Keisuke Tsugumi" userId="6e4a72d90fa3675d" providerId="LiveId" clId="{54E4F011-C27E-4586-9098-82EB89E0B39E}" dt="2025-08-08T11:27:40.758" v="14790" actId="14100"/>
@@ -1671,14 +1592,6 @@
             <ac:spMk id="7" creationId="{7FABE403-6B12-A7A7-A058-0A52D29BA409}"/>
           </ac:spMkLst>
         </pc:spChg>
-        <pc:spChg chg="add del mod">
-          <ac:chgData name="Keisuke Tsugumi" userId="6e4a72d90fa3675d" providerId="LiveId" clId="{54E4F011-C27E-4586-9098-82EB89E0B39E}" dt="2025-08-08T11:26:20.336" v="14778" actId="478"/>
-          <ac:spMkLst>
-            <pc:docMk/>
-            <pc:sldMk cId="3680009585" sldId="283"/>
-            <ac:spMk id="8" creationId="{C1C4BC0B-7D74-E689-63CF-15BC5042BE83}"/>
-          </ac:spMkLst>
-        </pc:spChg>
         <pc:spChg chg="add mod topLvl">
           <ac:chgData name="Keisuke Tsugumi" userId="6e4a72d90fa3675d" providerId="LiveId" clId="{54E4F011-C27E-4586-9098-82EB89E0B39E}" dt="2025-08-08T11:27:06.049" v="14782" actId="14100"/>
           <ac:spMkLst>
@@ -1695,22 +1608,6 @@
             <ac:spMk id="13" creationId="{E6D50FE1-5958-A80C-6C8E-4109029A9DCC}"/>
           </ac:spMkLst>
         </pc:spChg>
-        <pc:grpChg chg="add del mod">
-          <ac:chgData name="Keisuke Tsugumi" userId="6e4a72d90fa3675d" providerId="LiveId" clId="{54E4F011-C27E-4586-9098-82EB89E0B39E}" dt="2025-08-08T11:24:42.729" v="14741" actId="165"/>
-          <ac:grpSpMkLst>
-            <pc:docMk/>
-            <pc:sldMk cId="3680009585" sldId="283"/>
-            <ac:grpSpMk id="14" creationId="{C18BF749-4DE1-56B7-9B54-9EBE772C351F}"/>
-          </ac:grpSpMkLst>
-        </pc:grpChg>
-        <pc:grpChg chg="add mod">
-          <ac:chgData name="Keisuke Tsugumi" userId="6e4a72d90fa3675d" providerId="LiveId" clId="{54E4F011-C27E-4586-9098-82EB89E0B39E}" dt="2025-08-08T11:25:08.895" v="14754" actId="164"/>
-          <ac:grpSpMkLst>
-            <pc:docMk/>
-            <pc:sldMk cId="3680009585" sldId="283"/>
-            <ac:grpSpMk id="16" creationId="{0EED71CA-706A-083E-58DB-07B785CF5F46}"/>
-          </ac:grpSpMkLst>
-        </pc:grpChg>
         <pc:picChg chg="add del mod topLvl modCrop">
           <ac:chgData name="Keisuke Tsugumi" userId="6e4a72d90fa3675d" providerId="LiveId" clId="{54E4F011-C27E-4586-9098-82EB89E0B39E}" dt="2025-08-08T11:27:30.899" v="14787" actId="1076"/>
           <ac:picMkLst>
@@ -1725,14 +1622,6 @@
             <pc:docMk/>
             <pc:sldMk cId="3680009585" sldId="283"/>
             <ac:picMk id="11" creationId="{C5595CDB-9EB7-5911-F750-D4730070BAB9}"/>
-          </ac:picMkLst>
-        </pc:picChg>
-        <pc:picChg chg="add del mod">
-          <ac:chgData name="Keisuke Tsugumi" userId="6e4a72d90fa3675d" providerId="LiveId" clId="{54E4F011-C27E-4586-9098-82EB89E0B39E}" dt="2025-08-08T11:25:10.219" v="14756" actId="22"/>
-          <ac:picMkLst>
-            <pc:docMk/>
-            <pc:sldMk cId="3680009585" sldId="283"/>
-            <ac:picMk id="15" creationId="{974927F3-DA81-2692-B687-550A15522892}"/>
           </ac:picMkLst>
         </pc:picChg>
         <pc:picChg chg="add mod modCrop">
@@ -1872,14 +1761,6 @@
             <pc:docMk/>
             <pc:sldMk cId="2602616442" sldId="288"/>
             <ac:spMk id="7" creationId="{05E55294-F8A7-3E61-E439-8A7062B34924}"/>
-          </ac:spMkLst>
-        </pc:spChg>
-        <pc:spChg chg="add del mod">
-          <ac:chgData name="Keisuke Tsugumi" userId="6e4a72d90fa3675d" providerId="LiveId" clId="{54E4F011-C27E-4586-9098-82EB89E0B39E}" dt="2025-08-08T11:34:08.096" v="15161" actId="478"/>
-          <ac:spMkLst>
-            <pc:docMk/>
-            <pc:sldMk cId="2602616442" sldId="288"/>
-            <ac:spMk id="8" creationId="{7081D506-2308-0DF0-39F2-4FB4A7D34862}"/>
           </ac:spMkLst>
         </pc:spChg>
       </pc:sldChg>
@@ -2064,14 +1945,6 @@
             <ac:spMk id="7" creationId="{80B16DD7-BD85-9DA0-B437-22C7CE76E88F}"/>
           </ac:spMkLst>
         </pc:spChg>
-        <pc:spChg chg="add del mod">
-          <ac:chgData name="Keisuke Tsugumi" userId="6e4a72d90fa3675d" providerId="LiveId" clId="{54E4F011-C27E-4586-9098-82EB89E0B39E}" dt="2025-08-08T11:46:00.138" v="15484" actId="478"/>
-          <ac:spMkLst>
-            <pc:docMk/>
-            <pc:sldMk cId="3590036358" sldId="290"/>
-            <ac:spMk id="8" creationId="{5C519EF0-213B-992B-F73A-BD8B5646EAB0}"/>
-          </ac:spMkLst>
-        </pc:spChg>
       </pc:sldChg>
       <pc:sldChg chg="addSp delSp modSp new mod">
         <pc:chgData name="Keisuke Tsugumi" userId="6e4a72d90fa3675d" providerId="LiveId" clId="{54E4F011-C27E-4586-9098-82EB89E0B39E}" dt="2025-08-08T11:43:40.619" v="15286" actId="1076"/>
@@ -2101,22 +1974,6 @@
             <pc:docMk/>
             <pc:sldMk cId="1220022916" sldId="291"/>
             <ac:spMk id="7" creationId="{C0DD140A-32B7-1110-7EAE-1DCB40A62DAD}"/>
-          </ac:spMkLst>
-        </pc:spChg>
-        <pc:spChg chg="add del mod">
-          <ac:chgData name="Keisuke Tsugumi" userId="6e4a72d90fa3675d" providerId="LiveId" clId="{54E4F011-C27E-4586-9098-82EB89E0B39E}" dt="2025-08-08T05:22:28.732" v="14101" actId="478"/>
-          <ac:spMkLst>
-            <pc:docMk/>
-            <pc:sldMk cId="1220022916" sldId="291"/>
-            <ac:spMk id="8" creationId="{DC11A54B-D1F7-178A-8BCC-684052B096AB}"/>
-          </ac:spMkLst>
-        </pc:spChg>
-        <pc:spChg chg="add del mod">
-          <ac:chgData name="Keisuke Tsugumi" userId="6e4a72d90fa3675d" providerId="LiveId" clId="{54E4F011-C27E-4586-9098-82EB89E0B39E}" dt="2025-08-08T11:42:38.987" v="15279" actId="478"/>
-          <ac:spMkLst>
-            <pc:docMk/>
-            <pc:sldMk cId="1220022916" sldId="291"/>
-            <ac:spMk id="9" creationId="{CD698E1E-C132-52A7-88FD-C7BCDE26E993}"/>
           </ac:spMkLst>
         </pc:spChg>
         <pc:spChg chg="add mod">
@@ -2191,28 +2048,12 @@
             <ac:grpSpMk id="16" creationId="{2EE692C4-044E-BA3F-8D7B-A171D24C5539}"/>
           </ac:grpSpMkLst>
         </pc:grpChg>
-        <pc:picChg chg="add del mod ord">
-          <ac:chgData name="Keisuke Tsugumi" userId="6e4a72d90fa3675d" providerId="LiveId" clId="{54E4F011-C27E-4586-9098-82EB89E0B39E}" dt="2025-08-08T11:41:15.395" v="15265" actId="478"/>
-          <ac:picMkLst>
-            <pc:docMk/>
-            <pc:sldMk cId="1220022916" sldId="291"/>
-            <ac:picMk id="10" creationId="{9BA235F9-4117-846B-3B67-652A681778DF}"/>
-          </ac:picMkLst>
-        </pc:picChg>
         <pc:picChg chg="add mod ord">
           <ac:chgData name="Keisuke Tsugumi" userId="6e4a72d90fa3675d" providerId="LiveId" clId="{54E4F011-C27E-4586-9098-82EB89E0B39E}" dt="2025-08-08T11:43:27.015" v="15284" actId="164"/>
           <ac:picMkLst>
             <pc:docMk/>
             <pc:sldMk cId="1220022916" sldId="291"/>
             <ac:picMk id="12" creationId="{0641A1CD-72BB-E3F6-8A64-BAD5AAA5F042}"/>
-          </ac:picMkLst>
-        </pc:picChg>
-        <pc:picChg chg="add del mod">
-          <ac:chgData name="Keisuke Tsugumi" userId="6e4a72d90fa3675d" providerId="LiveId" clId="{54E4F011-C27E-4586-9098-82EB89E0B39E}" dt="2025-08-08T11:40:47.533" v="15258" actId="478"/>
-          <ac:picMkLst>
-            <pc:docMk/>
-            <pc:sldMk cId="1220022916" sldId="291"/>
-            <ac:picMk id="13" creationId="{B832BA19-80C1-8EBD-F649-3DFA517CF25E}"/>
           </ac:picMkLst>
         </pc:picChg>
         <pc:cxnChg chg="add mod">
@@ -2231,6 +2072,37 @@
             <ac:cxnSpMk id="24" creationId="{D0A42878-5C71-E679-0244-1380CA4FF7F8}"/>
           </ac:cxnSpMkLst>
         </pc:cxnChg>
+      </pc:sldChg>
+      <pc:sldChg chg="modSp new mod">
+        <pc:chgData name="Keisuke Tsugumi" userId="6e4a72d90fa3675d" providerId="LiveId" clId="{54E4F011-C27E-4586-9098-82EB89E0B39E}" dt="2025-08-10T12:29:40.646" v="15769"/>
+        <pc:sldMkLst>
+          <pc:docMk/>
+          <pc:sldMk cId="3231024277" sldId="292"/>
+        </pc:sldMkLst>
+        <pc:spChg chg="mod">
+          <ac:chgData name="Keisuke Tsugumi" userId="6e4a72d90fa3675d" providerId="LiveId" clId="{54E4F011-C27E-4586-9098-82EB89E0B39E}" dt="2025-08-10T12:29:03.792" v="15590"/>
+          <ac:spMkLst>
+            <pc:docMk/>
+            <pc:sldMk cId="3231024277" sldId="292"/>
+            <ac:spMk id="2" creationId="{691C8450-77F9-D78E-7946-B2DB273C44B6}"/>
+          </ac:spMkLst>
+        </pc:spChg>
+        <pc:spChg chg="mod">
+          <ac:chgData name="Keisuke Tsugumi" userId="6e4a72d90fa3675d" providerId="LiveId" clId="{54E4F011-C27E-4586-9098-82EB89E0B39E}" dt="2025-08-10T12:29:40.646" v="15769"/>
+          <ac:spMkLst>
+            <pc:docMk/>
+            <pc:sldMk cId="3231024277" sldId="292"/>
+            <ac:spMk id="3" creationId="{501F15B2-31E2-06E9-4541-7BF7F3097125}"/>
+          </ac:spMkLst>
+        </pc:spChg>
+        <pc:spChg chg="mod">
+          <ac:chgData name="Keisuke Tsugumi" userId="6e4a72d90fa3675d" providerId="LiveId" clId="{54E4F011-C27E-4586-9098-82EB89E0B39E}" dt="2025-08-10T12:28:56.607" v="15563" actId="20577"/>
+          <ac:spMkLst>
+            <pc:docMk/>
+            <pc:sldMk cId="3231024277" sldId="292"/>
+            <ac:spMk id="7" creationId="{533704B0-AEA3-C9C0-01B5-EF1C72342A45}"/>
+          </ac:spMkLst>
+        </pc:spChg>
       </pc:sldChg>
       <pc:sldMasterChg chg="modSp mod modSldLayout">
         <pc:chgData name="Keisuke Tsugumi" userId="6e4a72d90fa3675d" providerId="LiveId" clId="{54E4F011-C27E-4586-9098-82EB89E0B39E}" dt="2025-08-03T16:36:31.470" v="12700"/>
@@ -2375,7 +2247,7 @@
           <a:p>
             <a:fld id="{2588869C-14F4-4112-9733-8CA1F8671A7B}" type="datetimeFigureOut">
               <a:rPr kumimoji="1" lang="ja-JP" altLang="en-US" smtClean="0"/>
-              <a:t>2025/8/8</a:t>
+              <a:t>2025/8/10</a:t>
             </a:fld>
             <a:endParaRPr kumimoji="1" lang="ja-JP" altLang="en-US"/>
           </a:p>
@@ -7575,6 +7447,306 @@
           <p:cNvPr id="2" name="タイトル 1">
             <a:extLst>
               <a:ext uri="{FF2B5EF4-FFF2-40B4-BE49-F238E27FC236}">
+                <a16:creationId xmlns:a16="http://schemas.microsoft.com/office/drawing/2014/main" id="{E2125510-5FA7-7A34-C346-DEC5B387F9C0}"/>
+              </a:ext>
+            </a:extLst>
+          </p:cNvPr>
+          <p:cNvSpPr>
+            <a:spLocks noGrp="1"/>
+          </p:cNvSpPr>
+          <p:nvPr>
+            <p:ph type="title"/>
+          </p:nvPr>
+        </p:nvSpPr>
+        <p:spPr/>
+        <p:txBody>
+          <a:bodyPr/>
+          <a:lstStyle/>
+          <a:p>
+            <a:r>
+              <a:rPr kumimoji="1" lang="ja-JP" altLang="en-US" dirty="0"/>
+              <a:t>　段階を</a:t>
+            </a:r>
+            <a:r>
+              <a:rPr lang="ja-JP" altLang="en-US" dirty="0"/>
+              <a:t>踏む</a:t>
+            </a:r>
+            <a:r>
+              <a:rPr kumimoji="1" lang="ja-JP" altLang="en-US" dirty="0"/>
+              <a:t>意味</a:t>
+            </a:r>
+          </a:p>
+        </p:txBody>
+      </p:sp>
+      <p:sp>
+        <p:nvSpPr>
+          <p:cNvPr id="3" name="コンテンツ プレースホルダー 2">
+            <a:extLst>
+              <a:ext uri="{FF2B5EF4-FFF2-40B4-BE49-F238E27FC236}">
+                <a16:creationId xmlns:a16="http://schemas.microsoft.com/office/drawing/2014/main" id="{FC886630-4260-F926-DE0D-0EA9346ACEBD}"/>
+              </a:ext>
+            </a:extLst>
+          </p:cNvPr>
+          <p:cNvSpPr>
+            <a:spLocks noGrp="1"/>
+          </p:cNvSpPr>
+          <p:nvPr>
+            <p:ph idx="1"/>
+          </p:nvPr>
+        </p:nvSpPr>
+        <p:spPr>
+          <a:xfrm>
+            <a:off x="628649" y="1825625"/>
+            <a:ext cx="8049683" cy="4351338"/>
+          </a:xfrm>
+        </p:spPr>
+        <p:txBody>
+          <a:bodyPr>
+            <a:normAutofit fontScale="92500" lnSpcReduction="10000"/>
+          </a:bodyPr>
+          <a:lstStyle/>
+          <a:p>
+            <a:r>
+              <a:rPr kumimoji="1" lang="ja-JP" altLang="en-US" dirty="0"/>
+              <a:t>ローデータの保持</a:t>
+            </a:r>
+            <a:endParaRPr kumimoji="1" lang="en-US" altLang="ja-JP" dirty="0"/>
+          </a:p>
+          <a:p>
+            <a:pPr lvl="1"/>
+            <a:r>
+              <a:rPr kumimoji="1" lang="ja-JP" altLang="en-US" dirty="0"/>
+              <a:t>ローデータを加工するとミスの追跡が困難に</a:t>
+            </a:r>
+            <a:r>
+              <a:rPr kumimoji="1" lang="en-US" altLang="ja-JP" dirty="0"/>
+              <a:t>…</a:t>
+            </a:r>
+          </a:p>
+          <a:p>
+            <a:r>
+              <a:rPr lang="ja-JP" altLang="en-US" dirty="0"/>
+              <a:t>コードの可読性・デバッグ可能性の向上</a:t>
+            </a:r>
+            <a:endParaRPr lang="en-US" altLang="ja-JP" dirty="0"/>
+          </a:p>
+          <a:p>
+            <a:pPr lvl="1"/>
+            <a:r>
+              <a:rPr lang="ja-JP" altLang="en-US" dirty="0"/>
+              <a:t>汚いデータの場合処理が複雑に⇒コードが長くなり読みにくい</a:t>
+            </a:r>
+            <a:endParaRPr lang="en-US" altLang="ja-JP" dirty="0"/>
+          </a:p>
+          <a:p>
+            <a:pPr lvl="1"/>
+            <a:r>
+              <a:rPr lang="ja-JP" altLang="en-US" dirty="0"/>
+              <a:t>ミスが見つかった場合に中間生成物を確認することでミスを発見しやすい</a:t>
+            </a:r>
+            <a:endParaRPr lang="en-US" altLang="ja-JP" dirty="0"/>
+          </a:p>
+          <a:p>
+            <a:r>
+              <a:rPr lang="ja-JP" altLang="en-US" dirty="0"/>
+              <a:t>中間データの再利用可能性向上</a:t>
+            </a:r>
+            <a:endParaRPr lang="en-US" altLang="ja-JP" dirty="0"/>
+          </a:p>
+          <a:p>
+            <a:pPr lvl="1"/>
+            <a:r>
+              <a:rPr lang="ja-JP" altLang="en-US" dirty="0"/>
+              <a:t>途中のデータが欲しい</a:t>
+            </a:r>
+            <a:r>
+              <a:rPr lang="en-US" altLang="ja-JP" dirty="0"/>
+              <a:t>…</a:t>
+            </a:r>
+            <a:r>
+              <a:rPr lang="ja-JP" altLang="en-US" dirty="0"/>
+              <a:t>という場面も</a:t>
+            </a:r>
+            <a:endParaRPr lang="en-US" altLang="ja-JP" dirty="0"/>
+          </a:p>
+          <a:p>
+            <a:r>
+              <a:rPr lang="ja-JP" altLang="en-US" dirty="0"/>
+              <a:t>処理時間の節約</a:t>
+            </a:r>
+            <a:endParaRPr lang="en-US" altLang="ja-JP" dirty="0"/>
+          </a:p>
+          <a:p>
+            <a:pPr lvl="1"/>
+            <a:r>
+              <a:rPr lang="ja-JP" altLang="en-US" dirty="0"/>
+              <a:t>コードを修正した場合すべてを回し直すのは手間がかかる</a:t>
+            </a:r>
+            <a:endParaRPr lang="en-US" altLang="ja-JP" dirty="0"/>
+          </a:p>
+          <a:p>
+            <a:endParaRPr kumimoji="1" lang="ja-JP" altLang="en-US" dirty="0"/>
+          </a:p>
+        </p:txBody>
+      </p:sp>
+      <p:sp>
+        <p:nvSpPr>
+          <p:cNvPr id="4" name="スライド番号プレースホルダー 3">
+            <a:extLst>
+              <a:ext uri="{FF2B5EF4-FFF2-40B4-BE49-F238E27FC236}">
+                <a16:creationId xmlns:a16="http://schemas.microsoft.com/office/drawing/2014/main" id="{BAA594B3-0F02-DE00-F5B8-81FD9729606C}"/>
+              </a:ext>
+            </a:extLst>
+          </p:cNvPr>
+          <p:cNvSpPr>
+            <a:spLocks noGrp="1"/>
+          </p:cNvSpPr>
+          <p:nvPr>
+            <p:ph type="sldNum" sz="quarter" idx="12"/>
+          </p:nvPr>
+        </p:nvSpPr>
+        <p:spPr/>
+        <p:txBody>
+          <a:bodyPr/>
+          <a:lstStyle/>
+          <a:p>
+            <a:fld id="{C46B5F8E-405A-41C5-91DD-ABB74B733BFC}" type="slidenum">
+              <a:rPr kumimoji="1" lang="ja-JP" altLang="en-US" smtClean="0"/>
+              <a:t>10</a:t>
+            </a:fld>
+            <a:endParaRPr kumimoji="1" lang="ja-JP" altLang="en-US" dirty="0"/>
+          </a:p>
+        </p:txBody>
+      </p:sp>
+      <p:sp>
+        <p:nvSpPr>
+          <p:cNvPr id="5" name="フッター プレースホルダー 4">
+            <a:extLst>
+              <a:ext uri="{FF2B5EF4-FFF2-40B4-BE49-F238E27FC236}">
+                <a16:creationId xmlns:a16="http://schemas.microsoft.com/office/drawing/2014/main" id="{CA416993-2169-459A-D00E-7884014242E2}"/>
+              </a:ext>
+            </a:extLst>
+          </p:cNvPr>
+          <p:cNvSpPr>
+            <a:spLocks noGrp="1"/>
+          </p:cNvSpPr>
+          <p:nvPr>
+            <p:ph type="ftr" sz="quarter" idx="3"/>
+          </p:nvPr>
+        </p:nvSpPr>
+        <p:spPr/>
+        <p:txBody>
+          <a:bodyPr/>
+          <a:lstStyle/>
+          <a:p>
+            <a:r>
+              <a:rPr kumimoji="1" lang="ja-JP" altLang="en-US"/>
+              <a:t>　</a:t>
+            </a:r>
+            <a:r>
+              <a:rPr kumimoji="1" lang="en-US" altLang="ja-JP"/>
+              <a:t>RA</a:t>
+            </a:r>
+            <a:r>
+              <a:rPr kumimoji="1" lang="ja-JP" altLang="en-US"/>
+              <a:t>ブートキャンプ　事前レクチャー</a:t>
+            </a:r>
+            <a:endParaRPr kumimoji="1" lang="ja-JP" altLang="en-US" dirty="0"/>
+          </a:p>
+        </p:txBody>
+      </p:sp>
+      <p:sp>
+        <p:nvSpPr>
+          <p:cNvPr id="6" name="日付プレースホルダー 5">
+            <a:extLst>
+              <a:ext uri="{FF2B5EF4-FFF2-40B4-BE49-F238E27FC236}">
+                <a16:creationId xmlns:a16="http://schemas.microsoft.com/office/drawing/2014/main" id="{00B50F90-6965-EA79-09FD-2579652BCC4A}"/>
+              </a:ext>
+            </a:extLst>
+          </p:cNvPr>
+          <p:cNvSpPr>
+            <a:spLocks noGrp="1"/>
+          </p:cNvSpPr>
+          <p:nvPr>
+            <p:ph type="dt" sz="half" idx="2"/>
+          </p:nvPr>
+        </p:nvSpPr>
+        <p:spPr/>
+        <p:txBody>
+          <a:bodyPr/>
+          <a:lstStyle/>
+          <a:p>
+            <a:r>
+              <a:rPr kumimoji="1" lang="en-US" altLang="ja-JP"/>
+              <a:t>2025/8/12</a:t>
+            </a:r>
+            <a:endParaRPr kumimoji="1" lang="ja-JP" altLang="en-US" dirty="0"/>
+          </a:p>
+        </p:txBody>
+      </p:sp>
+      <p:sp>
+        <p:nvSpPr>
+          <p:cNvPr id="7" name="テキスト プレースホルダー 6">
+            <a:extLst>
+              <a:ext uri="{FF2B5EF4-FFF2-40B4-BE49-F238E27FC236}">
+                <a16:creationId xmlns:a16="http://schemas.microsoft.com/office/drawing/2014/main" id="{B07A92B3-5071-D702-362E-E435091D5437}"/>
+              </a:ext>
+            </a:extLst>
+          </p:cNvPr>
+          <p:cNvSpPr>
+            <a:spLocks noGrp="1"/>
+          </p:cNvSpPr>
+          <p:nvPr>
+            <p:ph type="body" sz="quarter" idx="13"/>
+          </p:nvPr>
+        </p:nvSpPr>
+        <p:spPr/>
+        <p:txBody>
+          <a:bodyPr/>
+          <a:lstStyle/>
+          <a:p>
+            <a:r>
+              <a:rPr kumimoji="1" lang="ja-JP" altLang="en-US" dirty="0"/>
+              <a:t>　クリーニング</a:t>
+            </a:r>
+          </a:p>
+        </p:txBody>
+      </p:sp>
+    </p:spTree>
+    <p:extLst>
+      <p:ext uri="{BB962C8B-B14F-4D97-AF65-F5344CB8AC3E}">
+        <p14:creationId xmlns:p14="http://schemas.microsoft.com/office/powerpoint/2010/main" val="3976483614"/>
+      </p:ext>
+    </p:extLst>
+  </p:cSld>
+  <p:clrMapOvr>
+    <a:masterClrMapping/>
+  </p:clrMapOvr>
+</p:sld>
+</file>
+
+<file path=ppt/slides/slide11.xml><?xml version="1.0" encoding="utf-8"?>
+<p:sld xmlns:a="http://schemas.openxmlformats.org/drawingml/2006/main" xmlns:r="http://schemas.openxmlformats.org/officeDocument/2006/relationships" xmlns:p="http://schemas.openxmlformats.org/presentationml/2006/main">
+  <p:cSld>
+    <p:spTree>
+      <p:nvGrpSpPr>
+        <p:cNvPr id="1" name=""/>
+        <p:cNvGrpSpPr/>
+        <p:nvPr/>
+      </p:nvGrpSpPr>
+      <p:grpSpPr>
+        <a:xfrm>
+          <a:off x="0" y="0"/>
+          <a:ext cx="0" cy="0"/>
+          <a:chOff x="0" y="0"/>
+          <a:chExt cx="0" cy="0"/>
+        </a:xfrm>
+      </p:grpSpPr>
+      <p:sp>
+        <p:nvSpPr>
+          <p:cNvPr id="2" name="タイトル 1">
+            <a:extLst>
+              <a:ext uri="{FF2B5EF4-FFF2-40B4-BE49-F238E27FC236}">
                 <a16:creationId xmlns:a16="http://schemas.microsoft.com/office/drawing/2014/main" id="{E13365E3-0962-30AC-51D0-F8875602F4F2}"/>
               </a:ext>
             </a:extLst>
@@ -7770,7 +7942,7 @@
           <a:p>
             <a:fld id="{C46B5F8E-405A-41C5-91DD-ABB74B733BFC}" type="slidenum">
               <a:rPr kumimoji="1" lang="ja-JP" altLang="en-US" smtClean="0"/>
-              <a:t>10</a:t>
+              <a:t>11</a:t>
             </a:fld>
             <a:endParaRPr kumimoji="1" lang="ja-JP" altLang="en-US" dirty="0"/>
           </a:p>
@@ -8050,341 +8222,6 @@
 </p:sld>
 </file>
 
-<file path=ppt/slides/slide11.xml><?xml version="1.0" encoding="utf-8"?>
-<p:sld xmlns:a="http://schemas.openxmlformats.org/drawingml/2006/main" xmlns:r="http://schemas.openxmlformats.org/officeDocument/2006/relationships" xmlns:p="http://schemas.openxmlformats.org/presentationml/2006/main">
-  <p:cSld>
-    <p:spTree>
-      <p:nvGrpSpPr>
-        <p:cNvPr id="1" name=""/>
-        <p:cNvGrpSpPr/>
-        <p:nvPr/>
-      </p:nvGrpSpPr>
-      <p:grpSpPr>
-        <a:xfrm>
-          <a:off x="0" y="0"/>
-          <a:ext cx="0" cy="0"/>
-          <a:chOff x="0" y="0"/>
-          <a:chExt cx="0" cy="0"/>
-        </a:xfrm>
-      </p:grpSpPr>
-      <p:sp>
-        <p:nvSpPr>
-          <p:cNvPr id="2" name="タイトル 1">
-            <a:extLst>
-              <a:ext uri="{FF2B5EF4-FFF2-40B4-BE49-F238E27FC236}">
-                <a16:creationId xmlns:a16="http://schemas.microsoft.com/office/drawing/2014/main" id="{0867BCFC-9BF1-DA51-467A-4FD6969FE62A}"/>
-              </a:ext>
-            </a:extLst>
-          </p:cNvPr>
-          <p:cNvSpPr>
-            <a:spLocks noGrp="1"/>
-          </p:cNvSpPr>
-          <p:nvPr>
-            <p:ph type="title"/>
-          </p:nvPr>
-        </p:nvSpPr>
-        <p:spPr/>
-        <p:txBody>
-          <a:bodyPr/>
-          <a:lstStyle/>
-          <a:p>
-            <a:r>
-              <a:rPr kumimoji="1" lang="ja-JP" altLang="en-US" dirty="0"/>
-              <a:t>　よく利用するオブジェクト（データ構造）</a:t>
-            </a:r>
-          </a:p>
-        </p:txBody>
-      </p:sp>
-      <p:sp>
-        <p:nvSpPr>
-          <p:cNvPr id="3" name="コンテンツ プレースホルダー 2">
-            <a:extLst>
-              <a:ext uri="{FF2B5EF4-FFF2-40B4-BE49-F238E27FC236}">
-                <a16:creationId xmlns:a16="http://schemas.microsoft.com/office/drawing/2014/main" id="{34B1360C-26EA-79B6-A8DF-3216EC6C2F52}"/>
-              </a:ext>
-            </a:extLst>
-          </p:cNvPr>
-          <p:cNvSpPr>
-            <a:spLocks noGrp="1"/>
-          </p:cNvSpPr>
-          <p:nvPr>
-            <p:ph idx="1"/>
-          </p:nvPr>
-        </p:nvSpPr>
-        <p:spPr/>
-        <p:txBody>
-          <a:bodyPr>
-            <a:normAutofit fontScale="85000" lnSpcReduction="10000"/>
-          </a:bodyPr>
-          <a:lstStyle/>
-          <a:p>
-            <a:r>
-              <a:rPr lang="ja-JP" altLang="en-US" dirty="0"/>
-              <a:t>ベクトル（</a:t>
-            </a:r>
-            <a:r>
-              <a:rPr lang="en-US" altLang="ja-JP" dirty="0"/>
-              <a:t>vector</a:t>
-            </a:r>
-            <a:r>
-              <a:rPr lang="ja-JP" altLang="en-US" dirty="0"/>
-              <a:t>）</a:t>
-            </a:r>
-            <a:endParaRPr lang="en-US" altLang="ja-JP" dirty="0"/>
-          </a:p>
-          <a:p>
-            <a:pPr lvl="1"/>
-            <a:r>
-              <a:rPr kumimoji="1" lang="ja-JP" altLang="en-US" dirty="0"/>
-              <a:t>データ構造の最小単位、同じデータ型の要素が</a:t>
-            </a:r>
-            <a:r>
-              <a:rPr kumimoji="1" lang="en-US" altLang="ja-JP" dirty="0"/>
-              <a:t>1</a:t>
-            </a:r>
-            <a:r>
-              <a:rPr kumimoji="1" lang="ja-JP" altLang="en-US" dirty="0"/>
-              <a:t>つ以上格納されたもの</a:t>
-            </a:r>
-            <a:endParaRPr kumimoji="1" lang="en-US" altLang="ja-JP" dirty="0"/>
-          </a:p>
-          <a:p>
-            <a:pPr lvl="1"/>
-            <a:r>
-              <a:rPr kumimoji="1" lang="ja-JP" altLang="en-US" dirty="0"/>
-              <a:t>値が</a:t>
-            </a:r>
-            <a:r>
-              <a:rPr kumimoji="1" lang="en-US" altLang="ja-JP" dirty="0"/>
-              <a:t>1</a:t>
-            </a:r>
-            <a:r>
-              <a:rPr kumimoji="1" lang="ja-JP" altLang="en-US" dirty="0"/>
-              <a:t>つの場合も含む</a:t>
-            </a:r>
-            <a:endParaRPr kumimoji="1" lang="en-US" altLang="ja-JP" dirty="0"/>
-          </a:p>
-          <a:p>
-            <a:r>
-              <a:rPr kumimoji="1" lang="ja-JP" altLang="en-US" dirty="0"/>
-              <a:t>データフレーム（</a:t>
-            </a:r>
-            <a:r>
-              <a:rPr kumimoji="1" lang="en-US" altLang="ja-JP" dirty="0" err="1"/>
-              <a:t>df</a:t>
-            </a:r>
-            <a:r>
-              <a:rPr kumimoji="1" lang="ja-JP" altLang="en-US" dirty="0"/>
-              <a:t>）</a:t>
-            </a:r>
-            <a:endParaRPr kumimoji="1" lang="en-US" altLang="ja-JP" dirty="0"/>
-          </a:p>
-          <a:p>
-            <a:pPr lvl="1"/>
-            <a:r>
-              <a:rPr kumimoji="1" lang="ja-JP" altLang="en-US" dirty="0"/>
-              <a:t>異なるデータ型の縦ベクトルを横に並べたもの</a:t>
-            </a:r>
-            <a:endParaRPr kumimoji="1" lang="en-US" altLang="ja-JP" dirty="0"/>
-          </a:p>
-          <a:p>
-            <a:pPr lvl="1"/>
-            <a:r>
-              <a:rPr lang="ja-JP" altLang="en-US" dirty="0"/>
-              <a:t>データ分析において最も一般的に用いられる</a:t>
-            </a:r>
-            <a:endParaRPr kumimoji="1" lang="en-US" altLang="ja-JP" dirty="0"/>
-          </a:p>
-          <a:p>
-            <a:r>
-              <a:rPr lang="ja-JP" altLang="en-US" dirty="0"/>
-              <a:t>リスト（</a:t>
-            </a:r>
-            <a:r>
-              <a:rPr lang="en-US" altLang="ja-JP" dirty="0"/>
-              <a:t>list</a:t>
-            </a:r>
-            <a:r>
-              <a:rPr lang="ja-JP" altLang="en-US" dirty="0"/>
-              <a:t>）</a:t>
-            </a:r>
-            <a:endParaRPr lang="en-US" altLang="ja-JP" dirty="0"/>
-          </a:p>
-          <a:p>
-            <a:pPr lvl="1"/>
-            <a:r>
-              <a:rPr lang="ja-JP" altLang="en-US" dirty="0"/>
-              <a:t>複数のオブジェクトを</a:t>
-            </a:r>
-            <a:r>
-              <a:rPr lang="en-US" altLang="ja-JP" dirty="0"/>
-              <a:t>1</a:t>
-            </a:r>
-            <a:r>
-              <a:rPr lang="ja-JP" altLang="en-US" dirty="0"/>
-              <a:t>つにまとめたもの</a:t>
-            </a:r>
-            <a:endParaRPr lang="en-US" altLang="ja-JP" dirty="0"/>
-          </a:p>
-          <a:p>
-            <a:pPr lvl="1"/>
-            <a:r>
-              <a:rPr lang="ja-JP" altLang="en-US" dirty="0"/>
-              <a:t>ループなどを用いて複数のオブジェクトに一括処理をする場合に便利</a:t>
-            </a:r>
-            <a:endParaRPr lang="en-US" altLang="ja-JP" dirty="0"/>
-          </a:p>
-          <a:p>
-            <a:r>
-              <a:rPr lang="ja-JP" altLang="en-US" dirty="0"/>
-              <a:t>その他：行列、配列など</a:t>
-            </a:r>
-            <a:r>
-              <a:rPr lang="en-US" altLang="ja-JP" dirty="0"/>
-              <a:t>…</a:t>
-            </a:r>
-          </a:p>
-          <a:p>
-            <a:endParaRPr kumimoji="1" lang="ja-JP" altLang="en-US" dirty="0"/>
-          </a:p>
-        </p:txBody>
-      </p:sp>
-      <p:sp>
-        <p:nvSpPr>
-          <p:cNvPr id="4" name="スライド番号プレースホルダー 3">
-            <a:extLst>
-              <a:ext uri="{FF2B5EF4-FFF2-40B4-BE49-F238E27FC236}">
-                <a16:creationId xmlns:a16="http://schemas.microsoft.com/office/drawing/2014/main" id="{8A398FB1-1C13-E5F4-2944-D1AFAD6D490E}"/>
-              </a:ext>
-            </a:extLst>
-          </p:cNvPr>
-          <p:cNvSpPr>
-            <a:spLocks noGrp="1"/>
-          </p:cNvSpPr>
-          <p:nvPr>
-            <p:ph type="sldNum" sz="quarter" idx="12"/>
-          </p:nvPr>
-        </p:nvSpPr>
-        <p:spPr/>
-        <p:txBody>
-          <a:bodyPr/>
-          <a:lstStyle/>
-          <a:p>
-            <a:fld id="{C46B5F8E-405A-41C5-91DD-ABB74B733BFC}" type="slidenum">
-              <a:rPr kumimoji="1" lang="ja-JP" altLang="en-US" smtClean="0"/>
-              <a:t>11</a:t>
-            </a:fld>
-            <a:endParaRPr kumimoji="1" lang="ja-JP" altLang="en-US" dirty="0"/>
-          </a:p>
-        </p:txBody>
-      </p:sp>
-      <p:sp>
-        <p:nvSpPr>
-          <p:cNvPr id="5" name="フッター プレースホルダー 4">
-            <a:extLst>
-              <a:ext uri="{FF2B5EF4-FFF2-40B4-BE49-F238E27FC236}">
-                <a16:creationId xmlns:a16="http://schemas.microsoft.com/office/drawing/2014/main" id="{390791D4-E148-2850-CDB9-811C13271224}"/>
-              </a:ext>
-            </a:extLst>
-          </p:cNvPr>
-          <p:cNvSpPr>
-            <a:spLocks noGrp="1"/>
-          </p:cNvSpPr>
-          <p:nvPr>
-            <p:ph type="ftr" sz="quarter" idx="3"/>
-          </p:nvPr>
-        </p:nvSpPr>
-        <p:spPr/>
-        <p:txBody>
-          <a:bodyPr/>
-          <a:lstStyle/>
-          <a:p>
-            <a:r>
-              <a:rPr kumimoji="1" lang="ja-JP" altLang="en-US"/>
-              <a:t>　</a:t>
-            </a:r>
-            <a:r>
-              <a:rPr kumimoji="1" lang="en-US" altLang="ja-JP"/>
-              <a:t>RA</a:t>
-            </a:r>
-            <a:r>
-              <a:rPr kumimoji="1" lang="ja-JP" altLang="en-US"/>
-              <a:t>ブートキャンプ　事前レクチャー</a:t>
-            </a:r>
-            <a:endParaRPr kumimoji="1" lang="ja-JP" altLang="en-US" dirty="0"/>
-          </a:p>
-        </p:txBody>
-      </p:sp>
-      <p:sp>
-        <p:nvSpPr>
-          <p:cNvPr id="6" name="日付プレースホルダー 5">
-            <a:extLst>
-              <a:ext uri="{FF2B5EF4-FFF2-40B4-BE49-F238E27FC236}">
-                <a16:creationId xmlns:a16="http://schemas.microsoft.com/office/drawing/2014/main" id="{FF614EF0-6BB1-AAFF-F797-F67239BA6F5D}"/>
-              </a:ext>
-            </a:extLst>
-          </p:cNvPr>
-          <p:cNvSpPr>
-            <a:spLocks noGrp="1"/>
-          </p:cNvSpPr>
-          <p:nvPr>
-            <p:ph type="dt" sz="half" idx="2"/>
-          </p:nvPr>
-        </p:nvSpPr>
-        <p:spPr/>
-        <p:txBody>
-          <a:bodyPr/>
-          <a:lstStyle/>
-          <a:p>
-            <a:r>
-              <a:rPr kumimoji="1" lang="en-US" altLang="ja-JP"/>
-              <a:t>2025/8/12</a:t>
-            </a:r>
-            <a:endParaRPr kumimoji="1" lang="ja-JP" altLang="en-US" dirty="0"/>
-          </a:p>
-        </p:txBody>
-      </p:sp>
-      <p:sp>
-        <p:nvSpPr>
-          <p:cNvPr id="7" name="テキスト プレースホルダー 6">
-            <a:extLst>
-              <a:ext uri="{FF2B5EF4-FFF2-40B4-BE49-F238E27FC236}">
-                <a16:creationId xmlns:a16="http://schemas.microsoft.com/office/drawing/2014/main" id="{B2620C09-492F-4985-981F-6BC39815B51C}"/>
-              </a:ext>
-            </a:extLst>
-          </p:cNvPr>
-          <p:cNvSpPr>
-            <a:spLocks noGrp="1"/>
-          </p:cNvSpPr>
-          <p:nvPr>
-            <p:ph type="body" sz="quarter" idx="13"/>
-          </p:nvPr>
-        </p:nvSpPr>
-        <p:spPr/>
-        <p:txBody>
-          <a:bodyPr/>
-          <a:lstStyle/>
-          <a:p>
-            <a:r>
-              <a:rPr kumimoji="1" lang="ja-JP" altLang="en-US" dirty="0"/>
-              <a:t>　クリーニング</a:t>
-            </a:r>
-          </a:p>
-        </p:txBody>
-      </p:sp>
-    </p:spTree>
-    <p:extLst>
-      <p:ext uri="{BB962C8B-B14F-4D97-AF65-F5344CB8AC3E}">
-        <p14:creationId xmlns:p14="http://schemas.microsoft.com/office/powerpoint/2010/main" val="98827348"/>
-      </p:ext>
-    </p:extLst>
-  </p:cSld>
-  <p:clrMapOvr>
-    <a:masterClrMapping/>
-  </p:clrMapOvr>
-</p:sld>
-</file>
-
 <file path=ppt/slides/slide12.xml><?xml version="1.0" encoding="utf-8"?>
 <p:sld xmlns:a="http://schemas.openxmlformats.org/drawingml/2006/main" xmlns:r="http://schemas.openxmlformats.org/officeDocument/2006/relationships" xmlns:p="http://schemas.openxmlformats.org/presentationml/2006/main">
   <p:cSld>
@@ -8407,7 +8244,7 @@
           <p:cNvPr id="2" name="タイトル 1">
             <a:extLst>
               <a:ext uri="{FF2B5EF4-FFF2-40B4-BE49-F238E27FC236}">
-                <a16:creationId xmlns:a16="http://schemas.microsoft.com/office/drawing/2014/main" id="{A3A50A63-3D53-4A7D-7969-334A82483807}"/>
+                <a16:creationId xmlns:a16="http://schemas.microsoft.com/office/drawing/2014/main" id="{0867BCFC-9BF1-DA51-467A-4FD6969FE62A}"/>
               </a:ext>
             </a:extLst>
           </p:cNvPr>
@@ -8425,8 +8262,162 @@
           <a:p>
             <a:r>
               <a:rPr kumimoji="1" lang="ja-JP" altLang="en-US" dirty="0"/>
-              <a:t>　オブジェクトの例</a:t>
-            </a:r>
+              <a:t>　よく利用するオブジェクト（データ構造）</a:t>
+            </a:r>
+          </a:p>
+        </p:txBody>
+      </p:sp>
+      <p:sp>
+        <p:nvSpPr>
+          <p:cNvPr id="3" name="コンテンツ プレースホルダー 2">
+            <a:extLst>
+              <a:ext uri="{FF2B5EF4-FFF2-40B4-BE49-F238E27FC236}">
+                <a16:creationId xmlns:a16="http://schemas.microsoft.com/office/drawing/2014/main" id="{34B1360C-26EA-79B6-A8DF-3216EC6C2F52}"/>
+              </a:ext>
+            </a:extLst>
+          </p:cNvPr>
+          <p:cNvSpPr>
+            <a:spLocks noGrp="1"/>
+          </p:cNvSpPr>
+          <p:nvPr>
+            <p:ph idx="1"/>
+          </p:nvPr>
+        </p:nvSpPr>
+        <p:spPr/>
+        <p:txBody>
+          <a:bodyPr>
+            <a:normAutofit fontScale="85000" lnSpcReduction="10000"/>
+          </a:bodyPr>
+          <a:lstStyle/>
+          <a:p>
+            <a:r>
+              <a:rPr lang="ja-JP" altLang="en-US" dirty="0"/>
+              <a:t>ベクトル（</a:t>
+            </a:r>
+            <a:r>
+              <a:rPr lang="en-US" altLang="ja-JP" dirty="0"/>
+              <a:t>vector</a:t>
+            </a:r>
+            <a:r>
+              <a:rPr lang="ja-JP" altLang="en-US" dirty="0"/>
+              <a:t>）</a:t>
+            </a:r>
+            <a:endParaRPr lang="en-US" altLang="ja-JP" dirty="0"/>
+          </a:p>
+          <a:p>
+            <a:pPr lvl="1"/>
+            <a:r>
+              <a:rPr kumimoji="1" lang="ja-JP" altLang="en-US" dirty="0"/>
+              <a:t>データ構造の最小単位、同じデータ型の要素が</a:t>
+            </a:r>
+            <a:r>
+              <a:rPr kumimoji="1" lang="en-US" altLang="ja-JP" dirty="0"/>
+              <a:t>1</a:t>
+            </a:r>
+            <a:r>
+              <a:rPr kumimoji="1" lang="ja-JP" altLang="en-US" dirty="0"/>
+              <a:t>つ以上格納されたもの</a:t>
+            </a:r>
+            <a:endParaRPr kumimoji="1" lang="en-US" altLang="ja-JP" dirty="0"/>
+          </a:p>
+          <a:p>
+            <a:pPr lvl="1"/>
+            <a:r>
+              <a:rPr kumimoji="1" lang="ja-JP" altLang="en-US" dirty="0"/>
+              <a:t>値が</a:t>
+            </a:r>
+            <a:r>
+              <a:rPr kumimoji="1" lang="en-US" altLang="ja-JP" dirty="0"/>
+              <a:t>1</a:t>
+            </a:r>
+            <a:r>
+              <a:rPr kumimoji="1" lang="ja-JP" altLang="en-US" dirty="0"/>
+              <a:t>つの場合も含む</a:t>
+            </a:r>
+            <a:endParaRPr kumimoji="1" lang="en-US" altLang="ja-JP" dirty="0"/>
+          </a:p>
+          <a:p>
+            <a:r>
+              <a:rPr kumimoji="1" lang="ja-JP" altLang="en-US" dirty="0"/>
+              <a:t>データフレーム（</a:t>
+            </a:r>
+            <a:r>
+              <a:rPr kumimoji="1" lang="en-US" altLang="ja-JP" dirty="0" err="1"/>
+              <a:t>df</a:t>
+            </a:r>
+            <a:r>
+              <a:rPr kumimoji="1" lang="ja-JP" altLang="en-US" dirty="0"/>
+              <a:t>）</a:t>
+            </a:r>
+            <a:endParaRPr kumimoji="1" lang="en-US" altLang="ja-JP" dirty="0"/>
+          </a:p>
+          <a:p>
+            <a:pPr lvl="1"/>
+            <a:r>
+              <a:rPr kumimoji="1" lang="ja-JP" altLang="en-US" dirty="0"/>
+              <a:t>異なるデータ型の縦ベクトルを横に並べたもの</a:t>
+            </a:r>
+            <a:endParaRPr kumimoji="1" lang="en-US" altLang="ja-JP" dirty="0"/>
+          </a:p>
+          <a:p>
+            <a:pPr lvl="1"/>
+            <a:r>
+              <a:rPr lang="ja-JP" altLang="en-US" dirty="0"/>
+              <a:t>データ分析において最も一般的に用いられる</a:t>
+            </a:r>
+            <a:endParaRPr kumimoji="1" lang="en-US" altLang="ja-JP" dirty="0"/>
+          </a:p>
+          <a:p>
+            <a:r>
+              <a:rPr lang="ja-JP" altLang="en-US" dirty="0"/>
+              <a:t>リスト（</a:t>
+            </a:r>
+            <a:r>
+              <a:rPr lang="en-US" altLang="ja-JP" dirty="0"/>
+              <a:t>list</a:t>
+            </a:r>
+            <a:r>
+              <a:rPr lang="ja-JP" altLang="en-US" dirty="0"/>
+              <a:t>）</a:t>
+            </a:r>
+            <a:endParaRPr lang="en-US" altLang="ja-JP" dirty="0"/>
+          </a:p>
+          <a:p>
+            <a:pPr lvl="1"/>
+            <a:r>
+              <a:rPr lang="ja-JP" altLang="en-US" dirty="0"/>
+              <a:t>複数のオブジェクトを</a:t>
+            </a:r>
+            <a:r>
+              <a:rPr lang="en-US" altLang="ja-JP" dirty="0"/>
+              <a:t>1</a:t>
+            </a:r>
+            <a:r>
+              <a:rPr lang="ja-JP" altLang="en-US" dirty="0"/>
+              <a:t>つにまとめたもの</a:t>
+            </a:r>
+            <a:endParaRPr lang="en-US" altLang="ja-JP" dirty="0"/>
+          </a:p>
+          <a:p>
+            <a:pPr lvl="1"/>
+            <a:r>
+              <a:rPr lang="ja-JP" altLang="en-US" dirty="0"/>
+              <a:t>ループなどを用いて複数のオブジェクトに一括処理をする場合に便利</a:t>
+            </a:r>
+            <a:endParaRPr lang="en-US" altLang="ja-JP" dirty="0"/>
+          </a:p>
+          <a:p>
+            <a:r>
+              <a:rPr lang="ja-JP" altLang="en-US" dirty="0"/>
+              <a:t>その他：行列、配列など</a:t>
+            </a:r>
+            <a:r>
+              <a:rPr lang="en-US" altLang="ja-JP" dirty="0"/>
+              <a:t>…</a:t>
+            </a:r>
+          </a:p>
+          <a:p>
+            <a:endParaRPr kumimoji="1" lang="ja-JP" altLang="en-US" dirty="0"/>
           </a:p>
         </p:txBody>
       </p:sp>
@@ -8435,7 +8426,7 @@
           <p:cNvPr id="4" name="スライド番号プレースホルダー 3">
             <a:extLst>
               <a:ext uri="{FF2B5EF4-FFF2-40B4-BE49-F238E27FC236}">
-                <a16:creationId xmlns:a16="http://schemas.microsoft.com/office/drawing/2014/main" id="{C9508E97-DF58-87A2-1E2F-5CDEAAC2E382}"/>
+                <a16:creationId xmlns:a16="http://schemas.microsoft.com/office/drawing/2014/main" id="{8A398FB1-1C13-E5F4-2944-D1AFAD6D490E}"/>
               </a:ext>
             </a:extLst>
           </p:cNvPr>
@@ -8454,6 +8445,187 @@
             <a:fld id="{C46B5F8E-405A-41C5-91DD-ABB74B733BFC}" type="slidenum">
               <a:rPr kumimoji="1" lang="ja-JP" altLang="en-US" smtClean="0"/>
               <a:t>12</a:t>
+            </a:fld>
+            <a:endParaRPr kumimoji="1" lang="ja-JP" altLang="en-US" dirty="0"/>
+          </a:p>
+        </p:txBody>
+      </p:sp>
+      <p:sp>
+        <p:nvSpPr>
+          <p:cNvPr id="5" name="フッター プレースホルダー 4">
+            <a:extLst>
+              <a:ext uri="{FF2B5EF4-FFF2-40B4-BE49-F238E27FC236}">
+                <a16:creationId xmlns:a16="http://schemas.microsoft.com/office/drawing/2014/main" id="{390791D4-E148-2850-CDB9-811C13271224}"/>
+              </a:ext>
+            </a:extLst>
+          </p:cNvPr>
+          <p:cNvSpPr>
+            <a:spLocks noGrp="1"/>
+          </p:cNvSpPr>
+          <p:nvPr>
+            <p:ph type="ftr" sz="quarter" idx="3"/>
+          </p:nvPr>
+        </p:nvSpPr>
+        <p:spPr/>
+        <p:txBody>
+          <a:bodyPr/>
+          <a:lstStyle/>
+          <a:p>
+            <a:r>
+              <a:rPr kumimoji="1" lang="ja-JP" altLang="en-US"/>
+              <a:t>　</a:t>
+            </a:r>
+            <a:r>
+              <a:rPr kumimoji="1" lang="en-US" altLang="ja-JP"/>
+              <a:t>RA</a:t>
+            </a:r>
+            <a:r>
+              <a:rPr kumimoji="1" lang="ja-JP" altLang="en-US"/>
+              <a:t>ブートキャンプ　事前レクチャー</a:t>
+            </a:r>
+            <a:endParaRPr kumimoji="1" lang="ja-JP" altLang="en-US" dirty="0"/>
+          </a:p>
+        </p:txBody>
+      </p:sp>
+      <p:sp>
+        <p:nvSpPr>
+          <p:cNvPr id="6" name="日付プレースホルダー 5">
+            <a:extLst>
+              <a:ext uri="{FF2B5EF4-FFF2-40B4-BE49-F238E27FC236}">
+                <a16:creationId xmlns:a16="http://schemas.microsoft.com/office/drawing/2014/main" id="{FF614EF0-6BB1-AAFF-F797-F67239BA6F5D}"/>
+              </a:ext>
+            </a:extLst>
+          </p:cNvPr>
+          <p:cNvSpPr>
+            <a:spLocks noGrp="1"/>
+          </p:cNvSpPr>
+          <p:nvPr>
+            <p:ph type="dt" sz="half" idx="2"/>
+          </p:nvPr>
+        </p:nvSpPr>
+        <p:spPr/>
+        <p:txBody>
+          <a:bodyPr/>
+          <a:lstStyle/>
+          <a:p>
+            <a:r>
+              <a:rPr kumimoji="1" lang="en-US" altLang="ja-JP"/>
+              <a:t>2025/8/12</a:t>
+            </a:r>
+            <a:endParaRPr kumimoji="1" lang="ja-JP" altLang="en-US" dirty="0"/>
+          </a:p>
+        </p:txBody>
+      </p:sp>
+      <p:sp>
+        <p:nvSpPr>
+          <p:cNvPr id="7" name="テキスト プレースホルダー 6">
+            <a:extLst>
+              <a:ext uri="{FF2B5EF4-FFF2-40B4-BE49-F238E27FC236}">
+                <a16:creationId xmlns:a16="http://schemas.microsoft.com/office/drawing/2014/main" id="{B2620C09-492F-4985-981F-6BC39815B51C}"/>
+              </a:ext>
+            </a:extLst>
+          </p:cNvPr>
+          <p:cNvSpPr>
+            <a:spLocks noGrp="1"/>
+          </p:cNvSpPr>
+          <p:nvPr>
+            <p:ph type="body" sz="quarter" idx="13"/>
+          </p:nvPr>
+        </p:nvSpPr>
+        <p:spPr/>
+        <p:txBody>
+          <a:bodyPr/>
+          <a:lstStyle/>
+          <a:p>
+            <a:r>
+              <a:rPr kumimoji="1" lang="ja-JP" altLang="en-US" dirty="0"/>
+              <a:t>　クリーニング</a:t>
+            </a:r>
+          </a:p>
+        </p:txBody>
+      </p:sp>
+    </p:spTree>
+    <p:extLst>
+      <p:ext uri="{BB962C8B-B14F-4D97-AF65-F5344CB8AC3E}">
+        <p14:creationId xmlns:p14="http://schemas.microsoft.com/office/powerpoint/2010/main" val="98827348"/>
+      </p:ext>
+    </p:extLst>
+  </p:cSld>
+  <p:clrMapOvr>
+    <a:masterClrMapping/>
+  </p:clrMapOvr>
+</p:sld>
+</file>
+
+<file path=ppt/slides/slide13.xml><?xml version="1.0" encoding="utf-8"?>
+<p:sld xmlns:a="http://schemas.openxmlformats.org/drawingml/2006/main" xmlns:r="http://schemas.openxmlformats.org/officeDocument/2006/relationships" xmlns:p="http://schemas.openxmlformats.org/presentationml/2006/main">
+  <p:cSld>
+    <p:spTree>
+      <p:nvGrpSpPr>
+        <p:cNvPr id="1" name=""/>
+        <p:cNvGrpSpPr/>
+        <p:nvPr/>
+      </p:nvGrpSpPr>
+      <p:grpSpPr>
+        <a:xfrm>
+          <a:off x="0" y="0"/>
+          <a:ext cx="0" cy="0"/>
+          <a:chOff x="0" y="0"/>
+          <a:chExt cx="0" cy="0"/>
+        </a:xfrm>
+      </p:grpSpPr>
+      <p:sp>
+        <p:nvSpPr>
+          <p:cNvPr id="2" name="タイトル 1">
+            <a:extLst>
+              <a:ext uri="{FF2B5EF4-FFF2-40B4-BE49-F238E27FC236}">
+                <a16:creationId xmlns:a16="http://schemas.microsoft.com/office/drawing/2014/main" id="{A3A50A63-3D53-4A7D-7969-334A82483807}"/>
+              </a:ext>
+            </a:extLst>
+          </p:cNvPr>
+          <p:cNvSpPr>
+            <a:spLocks noGrp="1"/>
+          </p:cNvSpPr>
+          <p:nvPr>
+            <p:ph type="title"/>
+          </p:nvPr>
+        </p:nvSpPr>
+        <p:spPr/>
+        <p:txBody>
+          <a:bodyPr/>
+          <a:lstStyle/>
+          <a:p>
+            <a:r>
+              <a:rPr kumimoji="1" lang="ja-JP" altLang="en-US" dirty="0"/>
+              <a:t>　オブジェクトの例</a:t>
+            </a:r>
+          </a:p>
+        </p:txBody>
+      </p:sp>
+      <p:sp>
+        <p:nvSpPr>
+          <p:cNvPr id="4" name="スライド番号プレースホルダー 3">
+            <a:extLst>
+              <a:ext uri="{FF2B5EF4-FFF2-40B4-BE49-F238E27FC236}">
+                <a16:creationId xmlns:a16="http://schemas.microsoft.com/office/drawing/2014/main" id="{C9508E97-DF58-87A2-1E2F-5CDEAAC2E382}"/>
+              </a:ext>
+            </a:extLst>
+          </p:cNvPr>
+          <p:cNvSpPr>
+            <a:spLocks noGrp="1"/>
+          </p:cNvSpPr>
+          <p:nvPr>
+            <p:ph type="sldNum" sz="quarter" idx="12"/>
+          </p:nvPr>
+        </p:nvSpPr>
+        <p:spPr/>
+        <p:txBody>
+          <a:bodyPr/>
+          <a:lstStyle/>
+          <a:p>
+            <a:fld id="{C46B5F8E-405A-41C5-91DD-ABB74B733BFC}" type="slidenum">
+              <a:rPr kumimoji="1" lang="ja-JP" altLang="en-US" smtClean="0"/>
+              <a:t>13</a:t>
             </a:fld>
             <a:endParaRPr kumimoji="1" lang="ja-JP" altLang="en-US" dirty="0"/>
           </a:p>
@@ -9103,7 +9275,7 @@
 </p:sld>
 </file>
 
-<file path=ppt/slides/slide13.xml><?xml version="1.0" encoding="utf-8"?>
+<file path=ppt/slides/slide14.xml><?xml version="1.0" encoding="utf-8"?>
 <p:sld xmlns:a="http://schemas.openxmlformats.org/drawingml/2006/main" xmlns:r="http://schemas.openxmlformats.org/officeDocument/2006/relationships" xmlns:p="http://schemas.openxmlformats.org/presentationml/2006/main">
   <p:cSld>
     <p:spTree>
@@ -9312,7 +9484,7 @@
           <a:p>
             <a:fld id="{C46B5F8E-405A-41C5-91DD-ABB74B733BFC}" type="slidenum">
               <a:rPr kumimoji="1" lang="ja-JP" altLang="en-US" smtClean="0"/>
-              <a:t>13</a:t>
+              <a:t>14</a:t>
             </a:fld>
             <a:endParaRPr kumimoji="1" lang="ja-JP" altLang="en-US" dirty="0"/>
           </a:p>
@@ -9425,7 +9597,7 @@
 </p:sld>
 </file>
 
-<file path=ppt/slides/slide14.xml><?xml version="1.0" encoding="utf-8"?>
+<file path=ppt/slides/slide15.xml><?xml version="1.0" encoding="utf-8"?>
 <p:sld xmlns:a="http://schemas.openxmlformats.org/drawingml/2006/main" xmlns:r="http://schemas.openxmlformats.org/officeDocument/2006/relationships" xmlns:p="http://schemas.openxmlformats.org/presentationml/2006/main">
   <p:cSld>
     <p:spTree>
@@ -9603,7 +9775,7 @@
           <a:p>
             <a:fld id="{C46B5F8E-405A-41C5-91DD-ABB74B733BFC}" type="slidenum">
               <a:rPr kumimoji="1" lang="ja-JP" altLang="en-US" smtClean="0"/>
-              <a:t>14</a:t>
+              <a:t>15</a:t>
             </a:fld>
             <a:endParaRPr kumimoji="1" lang="ja-JP" altLang="en-US" dirty="0"/>
           </a:p>
@@ -9707,284 +9879,6 @@
     <p:extLst>
       <p:ext uri="{BB962C8B-B14F-4D97-AF65-F5344CB8AC3E}">
         <p14:creationId xmlns:p14="http://schemas.microsoft.com/office/powerpoint/2010/main" val="2291759215"/>
-      </p:ext>
-    </p:extLst>
-  </p:cSld>
-  <p:clrMapOvr>
-    <a:masterClrMapping/>
-  </p:clrMapOvr>
-</p:sld>
-</file>
-
-<file path=ppt/slides/slide15.xml><?xml version="1.0" encoding="utf-8"?>
-<p:sld xmlns:a="http://schemas.openxmlformats.org/drawingml/2006/main" xmlns:r="http://schemas.openxmlformats.org/officeDocument/2006/relationships" xmlns:p="http://schemas.openxmlformats.org/presentationml/2006/main">
-  <p:cSld>
-    <p:spTree>
-      <p:nvGrpSpPr>
-        <p:cNvPr id="1" name=""/>
-        <p:cNvGrpSpPr/>
-        <p:nvPr/>
-      </p:nvGrpSpPr>
-      <p:grpSpPr>
-        <a:xfrm>
-          <a:off x="0" y="0"/>
-          <a:ext cx="0" cy="0"/>
-          <a:chOff x="0" y="0"/>
-          <a:chExt cx="0" cy="0"/>
-        </a:xfrm>
-      </p:grpSpPr>
-      <p:sp>
-        <p:nvSpPr>
-          <p:cNvPr id="2" name="タイトル 1">
-            <a:extLst>
-              <a:ext uri="{FF2B5EF4-FFF2-40B4-BE49-F238E27FC236}">
-                <a16:creationId xmlns:a16="http://schemas.microsoft.com/office/drawing/2014/main" id="{DC3C914A-F276-A83B-DE97-1639BBE436DF}"/>
-              </a:ext>
-            </a:extLst>
-          </p:cNvPr>
-          <p:cNvSpPr>
-            <a:spLocks noGrp="1"/>
-          </p:cNvSpPr>
-          <p:nvPr>
-            <p:ph type="title"/>
-          </p:nvPr>
-        </p:nvSpPr>
-        <p:spPr/>
-        <p:txBody>
-          <a:bodyPr/>
-          <a:lstStyle/>
-          <a:p>
-            <a:r>
-              <a:rPr kumimoji="1" lang="ja-JP" altLang="en-US" dirty="0"/>
-              <a:t>　データ型③</a:t>
-            </a:r>
-          </a:p>
-        </p:txBody>
-      </p:sp>
-      <p:sp>
-        <p:nvSpPr>
-          <p:cNvPr id="3" name="コンテンツ プレースホルダー 2">
-            <a:extLst>
-              <a:ext uri="{FF2B5EF4-FFF2-40B4-BE49-F238E27FC236}">
-                <a16:creationId xmlns:a16="http://schemas.microsoft.com/office/drawing/2014/main" id="{4872788E-ED21-9C68-43AF-13D61B94D6CC}"/>
-              </a:ext>
-            </a:extLst>
-          </p:cNvPr>
-          <p:cNvSpPr>
-            <a:spLocks noGrp="1"/>
-          </p:cNvSpPr>
-          <p:nvPr>
-            <p:ph idx="1"/>
-          </p:nvPr>
-        </p:nvSpPr>
-        <p:spPr/>
-        <p:txBody>
-          <a:bodyPr/>
-          <a:lstStyle/>
-          <a:p>
-            <a:r>
-              <a:rPr lang="ja-JP" altLang="en-US" dirty="0"/>
-              <a:t>いろいろな「ない」</a:t>
-            </a:r>
-            <a:endParaRPr lang="en-US" altLang="ja-JP" dirty="0"/>
-          </a:p>
-          <a:p>
-            <a:pPr lvl="1"/>
-            <a:r>
-              <a:rPr lang="en-US" altLang="ja-JP" dirty="0"/>
-              <a:t>NA</a:t>
-            </a:r>
-            <a:r>
-              <a:rPr lang="ja-JP" altLang="en-US" dirty="0"/>
-              <a:t>（欠損値）</a:t>
-            </a:r>
-            <a:endParaRPr lang="en-US" altLang="ja-JP" dirty="0"/>
-          </a:p>
-          <a:p>
-            <a:pPr lvl="2"/>
-            <a:r>
-              <a:rPr lang="ja-JP" altLang="en-US" dirty="0"/>
-              <a:t>本来あるべきデータがない状態を示す</a:t>
-            </a:r>
-            <a:endParaRPr lang="en-US" altLang="ja-JP" dirty="0"/>
-          </a:p>
-          <a:p>
-            <a:pPr lvl="1"/>
-            <a:r>
-              <a:rPr lang="en-US" altLang="ja-JP" dirty="0"/>
-              <a:t>NULL</a:t>
-            </a:r>
-          </a:p>
-          <a:p>
-            <a:pPr lvl="2"/>
-            <a:r>
-              <a:rPr lang="ja-JP" altLang="en-US" dirty="0"/>
-              <a:t>データが存在しないことを示す</a:t>
-            </a:r>
-            <a:endParaRPr lang="en-US" altLang="ja-JP" dirty="0"/>
-          </a:p>
-          <a:p>
-            <a:pPr lvl="1"/>
-            <a:r>
-              <a:rPr lang="en-US" altLang="ja-JP" dirty="0" err="1"/>
-              <a:t>NaN</a:t>
-            </a:r>
-            <a:endParaRPr lang="en-US" altLang="ja-JP" dirty="0"/>
-          </a:p>
-          <a:p>
-            <a:pPr lvl="2"/>
-            <a:r>
-              <a:rPr lang="ja-JP" altLang="en-US" dirty="0"/>
-              <a:t>数値型の一種で、計算できない値を示す</a:t>
-            </a:r>
-            <a:endParaRPr lang="en-US" altLang="ja-JP" dirty="0"/>
-          </a:p>
-          <a:p>
-            <a:pPr lvl="1"/>
-            <a:r>
-              <a:rPr lang="en-US" altLang="ja-JP" dirty="0"/>
-              <a:t>Inf</a:t>
-            </a:r>
-          </a:p>
-          <a:p>
-            <a:pPr lvl="2"/>
-            <a:r>
-              <a:rPr lang="ja-JP" altLang="en-US" dirty="0"/>
-              <a:t>数値型の一種で、無限大を示す</a:t>
-            </a:r>
-          </a:p>
-          <a:p>
-            <a:endParaRPr kumimoji="1" lang="ja-JP" altLang="en-US" dirty="0"/>
-          </a:p>
-        </p:txBody>
-      </p:sp>
-      <p:sp>
-        <p:nvSpPr>
-          <p:cNvPr id="4" name="スライド番号プレースホルダー 3">
-            <a:extLst>
-              <a:ext uri="{FF2B5EF4-FFF2-40B4-BE49-F238E27FC236}">
-                <a16:creationId xmlns:a16="http://schemas.microsoft.com/office/drawing/2014/main" id="{6A5B588A-A8FF-7693-EA63-AA94921F7FA6}"/>
-              </a:ext>
-            </a:extLst>
-          </p:cNvPr>
-          <p:cNvSpPr>
-            <a:spLocks noGrp="1"/>
-          </p:cNvSpPr>
-          <p:nvPr>
-            <p:ph type="sldNum" sz="quarter" idx="12"/>
-          </p:nvPr>
-        </p:nvSpPr>
-        <p:spPr/>
-        <p:txBody>
-          <a:bodyPr/>
-          <a:lstStyle/>
-          <a:p>
-            <a:fld id="{C46B5F8E-405A-41C5-91DD-ABB74B733BFC}" type="slidenum">
-              <a:rPr kumimoji="1" lang="ja-JP" altLang="en-US" smtClean="0"/>
-              <a:t>15</a:t>
-            </a:fld>
-            <a:endParaRPr kumimoji="1" lang="ja-JP" altLang="en-US" dirty="0"/>
-          </a:p>
-        </p:txBody>
-      </p:sp>
-      <p:sp>
-        <p:nvSpPr>
-          <p:cNvPr id="5" name="フッター プレースホルダー 4">
-            <a:extLst>
-              <a:ext uri="{FF2B5EF4-FFF2-40B4-BE49-F238E27FC236}">
-                <a16:creationId xmlns:a16="http://schemas.microsoft.com/office/drawing/2014/main" id="{C5BED840-E561-3957-EC66-FC6634446016}"/>
-              </a:ext>
-            </a:extLst>
-          </p:cNvPr>
-          <p:cNvSpPr>
-            <a:spLocks noGrp="1"/>
-          </p:cNvSpPr>
-          <p:nvPr>
-            <p:ph type="ftr" sz="quarter" idx="3"/>
-          </p:nvPr>
-        </p:nvSpPr>
-        <p:spPr/>
-        <p:txBody>
-          <a:bodyPr/>
-          <a:lstStyle/>
-          <a:p>
-            <a:r>
-              <a:rPr kumimoji="1" lang="ja-JP" altLang="en-US"/>
-              <a:t>　</a:t>
-            </a:r>
-            <a:r>
-              <a:rPr kumimoji="1" lang="en-US" altLang="ja-JP"/>
-              <a:t>RA</a:t>
-            </a:r>
-            <a:r>
-              <a:rPr kumimoji="1" lang="ja-JP" altLang="en-US"/>
-              <a:t>ブートキャンプ　事前レクチャー</a:t>
-            </a:r>
-            <a:endParaRPr kumimoji="1" lang="ja-JP" altLang="en-US" dirty="0"/>
-          </a:p>
-        </p:txBody>
-      </p:sp>
-      <p:sp>
-        <p:nvSpPr>
-          <p:cNvPr id="6" name="日付プレースホルダー 5">
-            <a:extLst>
-              <a:ext uri="{FF2B5EF4-FFF2-40B4-BE49-F238E27FC236}">
-                <a16:creationId xmlns:a16="http://schemas.microsoft.com/office/drawing/2014/main" id="{4B9D21C8-0508-E3A8-B5E1-EF6BFC0169AC}"/>
-              </a:ext>
-            </a:extLst>
-          </p:cNvPr>
-          <p:cNvSpPr>
-            <a:spLocks noGrp="1"/>
-          </p:cNvSpPr>
-          <p:nvPr>
-            <p:ph type="dt" sz="half" idx="2"/>
-          </p:nvPr>
-        </p:nvSpPr>
-        <p:spPr/>
-        <p:txBody>
-          <a:bodyPr/>
-          <a:lstStyle/>
-          <a:p>
-            <a:r>
-              <a:rPr kumimoji="1" lang="en-US" altLang="ja-JP"/>
-              <a:t>2025/8/12</a:t>
-            </a:r>
-            <a:endParaRPr kumimoji="1" lang="ja-JP" altLang="en-US" dirty="0"/>
-          </a:p>
-        </p:txBody>
-      </p:sp>
-      <p:sp>
-        <p:nvSpPr>
-          <p:cNvPr id="7" name="テキスト プレースホルダー 6">
-            <a:extLst>
-              <a:ext uri="{FF2B5EF4-FFF2-40B4-BE49-F238E27FC236}">
-                <a16:creationId xmlns:a16="http://schemas.microsoft.com/office/drawing/2014/main" id="{263DC947-5FED-7634-742D-451CA509D6FE}"/>
-              </a:ext>
-            </a:extLst>
-          </p:cNvPr>
-          <p:cNvSpPr>
-            <a:spLocks noGrp="1"/>
-          </p:cNvSpPr>
-          <p:nvPr>
-            <p:ph type="body" sz="quarter" idx="13"/>
-          </p:nvPr>
-        </p:nvSpPr>
-        <p:spPr/>
-        <p:txBody>
-          <a:bodyPr/>
-          <a:lstStyle/>
-          <a:p>
-            <a:r>
-              <a:rPr kumimoji="1" lang="ja-JP" altLang="en-US" dirty="0"/>
-              <a:t>　クリーニング</a:t>
-            </a:r>
-          </a:p>
-        </p:txBody>
-      </p:sp>
-    </p:spTree>
-    <p:extLst>
-      <p:ext uri="{BB962C8B-B14F-4D97-AF65-F5344CB8AC3E}">
-        <p14:creationId xmlns:p14="http://schemas.microsoft.com/office/powerpoint/2010/main" val="3184654911"/>
       </p:ext>
     </p:extLst>
   </p:cSld>
@@ -10016,7 +9910,7 @@
           <p:cNvPr id="2" name="タイトル 1">
             <a:extLst>
               <a:ext uri="{FF2B5EF4-FFF2-40B4-BE49-F238E27FC236}">
-                <a16:creationId xmlns:a16="http://schemas.microsoft.com/office/drawing/2014/main" id="{390AC779-443D-4508-8C26-8AB582C0D850}"/>
+                <a16:creationId xmlns:a16="http://schemas.microsoft.com/office/drawing/2014/main" id="{DC3C914A-F276-A83B-DE97-1639BBE436DF}"/>
               </a:ext>
             </a:extLst>
           </p:cNvPr>
@@ -10034,7 +9928,7 @@
           <a:p>
             <a:r>
               <a:rPr kumimoji="1" lang="ja-JP" altLang="en-US" dirty="0"/>
-              <a:t>　頻出関数の紹介</a:t>
+              <a:t>　データ型③</a:t>
             </a:r>
           </a:p>
         </p:txBody>
@@ -10044,7 +9938,7 @@
           <p:cNvPr id="3" name="コンテンツ プレースホルダー 2">
             <a:extLst>
               <a:ext uri="{FF2B5EF4-FFF2-40B4-BE49-F238E27FC236}">
-                <a16:creationId xmlns:a16="http://schemas.microsoft.com/office/drawing/2014/main" id="{374B4401-F3DB-EED7-921F-D7851869CAD1}"/>
+                <a16:creationId xmlns:a16="http://schemas.microsoft.com/office/drawing/2014/main" id="{4872788E-ED21-9C68-43AF-13D61B94D6CC}"/>
               </a:ext>
             </a:extLst>
           </p:cNvPr>
@@ -10062,17 +9956,74 @@
           <a:p>
             <a:r>
               <a:rPr lang="ja-JP" altLang="en-US" dirty="0"/>
-              <a:t>別紙「</a:t>
-            </a:r>
+              <a:t>いろいろな「ない」</a:t>
+            </a:r>
+            <a:endParaRPr lang="en-US" altLang="ja-JP" dirty="0"/>
+          </a:p>
+          <a:p>
+            <a:pPr lvl="1"/>
             <a:r>
               <a:rPr lang="en-US" altLang="ja-JP" dirty="0"/>
-              <a:t>R_cheat_sheet.pdf</a:t>
+              <a:t>NA</a:t>
             </a:r>
             <a:r>
               <a:rPr lang="ja-JP" altLang="en-US" dirty="0"/>
-              <a:t>」参照</a:t>
-            </a:r>
-            <a:endParaRPr kumimoji="1" lang="en-US" altLang="ja-JP" dirty="0"/>
+              <a:t>（欠損値）</a:t>
+            </a:r>
+            <a:endParaRPr lang="en-US" altLang="ja-JP" dirty="0"/>
+          </a:p>
+          <a:p>
+            <a:pPr lvl="2"/>
+            <a:r>
+              <a:rPr lang="ja-JP" altLang="en-US" dirty="0"/>
+              <a:t>本来あるべきデータがない状態を示す</a:t>
+            </a:r>
+            <a:endParaRPr lang="en-US" altLang="ja-JP" dirty="0"/>
+          </a:p>
+          <a:p>
+            <a:pPr lvl="1"/>
+            <a:r>
+              <a:rPr lang="en-US" altLang="ja-JP" dirty="0"/>
+              <a:t>NULL</a:t>
+            </a:r>
+          </a:p>
+          <a:p>
+            <a:pPr lvl="2"/>
+            <a:r>
+              <a:rPr lang="ja-JP" altLang="en-US" dirty="0"/>
+              <a:t>データが存在しないことを示す</a:t>
+            </a:r>
+            <a:endParaRPr lang="en-US" altLang="ja-JP" dirty="0"/>
+          </a:p>
+          <a:p>
+            <a:pPr lvl="1"/>
+            <a:r>
+              <a:rPr lang="en-US" altLang="ja-JP" dirty="0" err="1"/>
+              <a:t>NaN</a:t>
+            </a:r>
+            <a:endParaRPr lang="en-US" altLang="ja-JP" dirty="0"/>
+          </a:p>
+          <a:p>
+            <a:pPr lvl="2"/>
+            <a:r>
+              <a:rPr lang="ja-JP" altLang="en-US" dirty="0"/>
+              <a:t>数値型の一種で、計算できない値を示す</a:t>
+            </a:r>
+            <a:endParaRPr lang="en-US" altLang="ja-JP" dirty="0"/>
+          </a:p>
+          <a:p>
+            <a:pPr lvl="1"/>
+            <a:r>
+              <a:rPr lang="en-US" altLang="ja-JP" dirty="0"/>
+              <a:t>Inf</a:t>
+            </a:r>
+          </a:p>
+          <a:p>
+            <a:pPr lvl="2"/>
+            <a:r>
+              <a:rPr lang="ja-JP" altLang="en-US" dirty="0"/>
+              <a:t>数値型の一種で、無限大を示す</a:t>
+            </a:r>
           </a:p>
           <a:p>
             <a:endParaRPr kumimoji="1" lang="ja-JP" altLang="en-US" dirty="0"/>
@@ -10084,7 +10035,7 @@
           <p:cNvPr id="4" name="スライド番号プレースホルダー 3">
             <a:extLst>
               <a:ext uri="{FF2B5EF4-FFF2-40B4-BE49-F238E27FC236}">
-                <a16:creationId xmlns:a16="http://schemas.microsoft.com/office/drawing/2014/main" id="{2076EE5B-FCF6-1585-C047-CEE4BD155F44}"/>
+                <a16:creationId xmlns:a16="http://schemas.microsoft.com/office/drawing/2014/main" id="{6A5B588A-A8FF-7693-EA63-AA94921F7FA6}"/>
               </a:ext>
             </a:extLst>
           </p:cNvPr>
@@ -10113,7 +10064,7 @@
           <p:cNvPr id="5" name="フッター プレースホルダー 4">
             <a:extLst>
               <a:ext uri="{FF2B5EF4-FFF2-40B4-BE49-F238E27FC236}">
-                <a16:creationId xmlns:a16="http://schemas.microsoft.com/office/drawing/2014/main" id="{B4596881-B302-45FC-056E-0A3A4D398785}"/>
+                <a16:creationId xmlns:a16="http://schemas.microsoft.com/office/drawing/2014/main" id="{C5BED840-E561-3957-EC66-FC6634446016}"/>
               </a:ext>
             </a:extLst>
           </p:cNvPr>
@@ -10150,7 +10101,7 @@
           <p:cNvPr id="6" name="日付プレースホルダー 5">
             <a:extLst>
               <a:ext uri="{FF2B5EF4-FFF2-40B4-BE49-F238E27FC236}">
-                <a16:creationId xmlns:a16="http://schemas.microsoft.com/office/drawing/2014/main" id="{51AA0238-F956-57ED-CB35-548375A52580}"/>
+                <a16:creationId xmlns:a16="http://schemas.microsoft.com/office/drawing/2014/main" id="{4B9D21C8-0508-E3A8-B5E1-EF6BFC0169AC}"/>
               </a:ext>
             </a:extLst>
           </p:cNvPr>
@@ -10179,7 +10130,7 @@
           <p:cNvPr id="7" name="テキスト プレースホルダー 6">
             <a:extLst>
               <a:ext uri="{FF2B5EF4-FFF2-40B4-BE49-F238E27FC236}">
-                <a16:creationId xmlns:a16="http://schemas.microsoft.com/office/drawing/2014/main" id="{43EBEABC-8C5D-7B06-2788-3C13BE8AE21A}"/>
+                <a16:creationId xmlns:a16="http://schemas.microsoft.com/office/drawing/2014/main" id="{263DC947-5FED-7634-742D-451CA509D6FE}"/>
               </a:ext>
             </a:extLst>
           </p:cNvPr>
@@ -10205,7 +10156,7 @@
     </p:spTree>
     <p:extLst>
       <p:ext uri="{BB962C8B-B14F-4D97-AF65-F5344CB8AC3E}">
-        <p14:creationId xmlns:p14="http://schemas.microsoft.com/office/powerpoint/2010/main" val="3498492661"/>
+        <p14:creationId xmlns:p14="http://schemas.microsoft.com/office/powerpoint/2010/main" val="3184654911"/>
       </p:ext>
     </p:extLst>
   </p:cSld>
@@ -10237,7 +10188,7 @@
           <p:cNvPr id="2" name="タイトル 1">
             <a:extLst>
               <a:ext uri="{FF2B5EF4-FFF2-40B4-BE49-F238E27FC236}">
-                <a16:creationId xmlns:a16="http://schemas.microsoft.com/office/drawing/2014/main" id="{0421A6FB-03C0-2995-886D-74BCD1768140}"/>
+                <a16:creationId xmlns:a16="http://schemas.microsoft.com/office/drawing/2014/main" id="{390AC779-443D-4508-8C26-8AB582C0D850}"/>
               </a:ext>
             </a:extLst>
           </p:cNvPr>
@@ -10255,7 +10206,7 @@
           <a:p>
             <a:r>
               <a:rPr kumimoji="1" lang="ja-JP" altLang="en-US" dirty="0"/>
-              <a:t>　データの接続</a:t>
+              <a:t>　頻出関数の紹介</a:t>
             </a:r>
           </a:p>
         </p:txBody>
@@ -10265,7 +10216,7 @@
           <p:cNvPr id="3" name="コンテンツ プレースホルダー 2">
             <a:extLst>
               <a:ext uri="{FF2B5EF4-FFF2-40B4-BE49-F238E27FC236}">
-                <a16:creationId xmlns:a16="http://schemas.microsoft.com/office/drawing/2014/main" id="{BBDA2970-A3E3-B86D-B4B0-2193EB46C445}"/>
+                <a16:creationId xmlns:a16="http://schemas.microsoft.com/office/drawing/2014/main" id="{374B4401-F3DB-EED7-921F-D7851869CAD1}"/>
               </a:ext>
             </a:extLst>
           </p:cNvPr>
@@ -10276,132 +10227,27 @@
             <p:ph idx="1"/>
           </p:nvPr>
         </p:nvSpPr>
-        <p:spPr>
-          <a:xfrm>
-            <a:off x="628649" y="1825625"/>
-            <a:ext cx="8049683" cy="4351338"/>
-          </a:xfrm>
-        </p:spPr>
+        <p:spPr/>
         <p:txBody>
           <a:bodyPr/>
           <a:lstStyle/>
           <a:p>
             <a:r>
-              <a:rPr kumimoji="1" lang="en-US" altLang="ja-JP" dirty="0" err="1"/>
-              <a:t>bind_rows</a:t>
-            </a:r>
-            <a:r>
-              <a:rPr kumimoji="1" lang="ja-JP" altLang="en-US" dirty="0"/>
-              <a:t>による</a:t>
-            </a:r>
-            <a:r>
               <a:rPr lang="ja-JP" altLang="en-US" dirty="0"/>
-              <a:t>接続</a:t>
-            </a:r>
-            <a:endParaRPr lang="en-US" altLang="ja-JP" dirty="0"/>
-          </a:p>
-          <a:p>
-            <a:pPr lvl="1"/>
-            <a:r>
-              <a:rPr lang="en-US" altLang="ja-JP" dirty="0" err="1"/>
-              <a:t>d</a:t>
-            </a:r>
-            <a:r>
-              <a:rPr kumimoji="1" lang="en-US" altLang="ja-JP" dirty="0" err="1"/>
-              <a:t>f</a:t>
-            </a:r>
-            <a:r>
-              <a:rPr kumimoji="1" lang="ja-JP" altLang="en-US" dirty="0"/>
-              <a:t>を縦に積み上げたいときに使用</a:t>
+              <a:t>別紙「</a:t>
+            </a:r>
+            <a:r>
+              <a:rPr lang="en-US" altLang="ja-JP" dirty="0"/>
+              <a:t>R_cheat_sheet.pdf</a:t>
+            </a:r>
+            <a:r>
+              <a:rPr lang="ja-JP" altLang="en-US" dirty="0"/>
+              <a:t>」参照</a:t>
             </a:r>
             <a:endParaRPr kumimoji="1" lang="en-US" altLang="ja-JP" dirty="0"/>
           </a:p>
           <a:p>
-            <a:pPr lvl="1"/>
-            <a:r>
-              <a:rPr lang="ja-JP" altLang="en-US" dirty="0"/>
-              <a:t>自動的に変数名をキーにして接続</a:t>
-            </a:r>
-            <a:endParaRPr lang="en-US" altLang="ja-JP" dirty="0"/>
-          </a:p>
-          <a:p>
-            <a:r>
-              <a:rPr lang="en-US" altLang="ja-JP" dirty="0" err="1"/>
-              <a:t>l</a:t>
-            </a:r>
-            <a:r>
-              <a:rPr kumimoji="1" lang="en-US" altLang="ja-JP" dirty="0" err="1"/>
-              <a:t>eft_join</a:t>
-            </a:r>
-            <a:r>
-              <a:rPr kumimoji="1" lang="ja-JP" altLang="en-US" dirty="0"/>
-              <a:t>による接続</a:t>
-            </a:r>
-            <a:endParaRPr kumimoji="1" lang="en-US" altLang="ja-JP" dirty="0"/>
-          </a:p>
-          <a:p>
-            <a:pPr lvl="1"/>
-            <a:r>
-              <a:rPr lang="en-US" altLang="ja-JP" dirty="0" err="1"/>
-              <a:t>df</a:t>
-            </a:r>
-            <a:r>
-              <a:rPr lang="ja-JP" altLang="en-US" dirty="0"/>
-              <a:t>を横につなげたい（マッチさせたい）ときに使用</a:t>
-            </a:r>
-            <a:endParaRPr lang="en-US" altLang="ja-JP" dirty="0"/>
-          </a:p>
-          <a:p>
-            <a:pPr lvl="1"/>
-            <a:r>
-              <a:rPr lang="ja-JP" altLang="en-US" dirty="0"/>
-              <a:t>マッチさせるデータを一意に定めるために必要な変数名の組み合わせを指定して接続</a:t>
-            </a:r>
-            <a:endParaRPr lang="en-US" altLang="ja-JP" dirty="0"/>
-          </a:p>
-          <a:p>
-            <a:pPr lvl="1"/>
-            <a:r>
-              <a:rPr lang="ja-JP" altLang="en-US" dirty="0"/>
-              <a:t>マッチさせるとき左側にある</a:t>
-            </a:r>
-            <a:r>
-              <a:rPr lang="en-US" altLang="ja-JP" dirty="0" err="1"/>
-              <a:t>df</a:t>
-            </a:r>
-            <a:r>
-              <a:rPr lang="ja-JP" altLang="en-US" dirty="0"/>
-              <a:t>内の</a:t>
-            </a:r>
-            <a:r>
-              <a:rPr lang="en-US" altLang="ja-JP" dirty="0"/>
-              <a:t>observation</a:t>
-            </a:r>
-            <a:r>
-              <a:rPr lang="ja-JP" altLang="en-US" dirty="0"/>
-              <a:t>はすべて保持され、右側にある</a:t>
-            </a:r>
-            <a:r>
-              <a:rPr lang="en-US" altLang="ja-JP" dirty="0" err="1"/>
-              <a:t>df</a:t>
-            </a:r>
-            <a:r>
-              <a:rPr lang="ja-JP" altLang="en-US" dirty="0"/>
-              <a:t>内の</a:t>
-            </a:r>
-            <a:r>
-              <a:rPr lang="en-US" altLang="ja-JP" dirty="0"/>
-              <a:t>observation</a:t>
-            </a:r>
-            <a:r>
-              <a:rPr lang="ja-JP" altLang="en-US" dirty="0"/>
-              <a:t>はマッチ先がない場合には消える</a:t>
-            </a:r>
-            <a:endParaRPr lang="en-US" altLang="ja-JP" dirty="0"/>
-          </a:p>
-          <a:p>
-            <a:pPr lvl="1"/>
-            <a:endParaRPr lang="en-US" altLang="ja-JP" dirty="0"/>
+            <a:endParaRPr kumimoji="1" lang="ja-JP" altLang="en-US" dirty="0"/>
           </a:p>
         </p:txBody>
       </p:sp>
@@ -10410,7 +10256,7 @@
           <p:cNvPr id="4" name="スライド番号プレースホルダー 3">
             <a:extLst>
               <a:ext uri="{FF2B5EF4-FFF2-40B4-BE49-F238E27FC236}">
-                <a16:creationId xmlns:a16="http://schemas.microsoft.com/office/drawing/2014/main" id="{FC5BA8D8-9E54-07C0-169D-18678241BEE2}"/>
+                <a16:creationId xmlns:a16="http://schemas.microsoft.com/office/drawing/2014/main" id="{2076EE5B-FCF6-1585-C047-CEE4BD155F44}"/>
               </a:ext>
             </a:extLst>
           </p:cNvPr>
@@ -10439,7 +10285,7 @@
           <p:cNvPr id="5" name="フッター プレースホルダー 4">
             <a:extLst>
               <a:ext uri="{FF2B5EF4-FFF2-40B4-BE49-F238E27FC236}">
-                <a16:creationId xmlns:a16="http://schemas.microsoft.com/office/drawing/2014/main" id="{244DB2FB-B829-89C9-A33E-CEAEF2556985}"/>
+                <a16:creationId xmlns:a16="http://schemas.microsoft.com/office/drawing/2014/main" id="{B4596881-B302-45FC-056E-0A3A4D398785}"/>
               </a:ext>
             </a:extLst>
           </p:cNvPr>
@@ -10476,7 +10322,7 @@
           <p:cNvPr id="6" name="日付プレースホルダー 5">
             <a:extLst>
               <a:ext uri="{FF2B5EF4-FFF2-40B4-BE49-F238E27FC236}">
-                <a16:creationId xmlns:a16="http://schemas.microsoft.com/office/drawing/2014/main" id="{9D368E9E-AC8D-81AD-7D09-8D2F6A93639C}"/>
+                <a16:creationId xmlns:a16="http://schemas.microsoft.com/office/drawing/2014/main" id="{51AA0238-F956-57ED-CB35-548375A52580}"/>
               </a:ext>
             </a:extLst>
           </p:cNvPr>
@@ -10505,7 +10351,7 @@
           <p:cNvPr id="7" name="テキスト プレースホルダー 6">
             <a:extLst>
               <a:ext uri="{FF2B5EF4-FFF2-40B4-BE49-F238E27FC236}">
-                <a16:creationId xmlns:a16="http://schemas.microsoft.com/office/drawing/2014/main" id="{05E55294-F8A7-3E61-E439-8A7062B34924}"/>
+                <a16:creationId xmlns:a16="http://schemas.microsoft.com/office/drawing/2014/main" id="{43EBEABC-8C5D-7B06-2788-3C13BE8AE21A}"/>
               </a:ext>
             </a:extLst>
           </p:cNvPr>
@@ -10531,7 +10377,7 @@
     </p:spTree>
     <p:extLst>
       <p:ext uri="{BB962C8B-B14F-4D97-AF65-F5344CB8AC3E}">
-        <p14:creationId xmlns:p14="http://schemas.microsoft.com/office/powerpoint/2010/main" val="2602616442"/>
+        <p14:creationId xmlns:p14="http://schemas.microsoft.com/office/powerpoint/2010/main" val="3498492661"/>
       </p:ext>
     </p:extLst>
   </p:cSld>
@@ -10563,7 +10409,7 @@
           <p:cNvPr id="2" name="タイトル 1">
             <a:extLst>
               <a:ext uri="{FF2B5EF4-FFF2-40B4-BE49-F238E27FC236}">
-                <a16:creationId xmlns:a16="http://schemas.microsoft.com/office/drawing/2014/main" id="{997ED337-CBBE-4349-0667-1E2F4385A5F0}"/>
+                <a16:creationId xmlns:a16="http://schemas.microsoft.com/office/drawing/2014/main" id="{0421A6FB-03C0-2995-886D-74BCD1768140}"/>
               </a:ext>
             </a:extLst>
           </p:cNvPr>
@@ -10581,21 +10427,153 @@
           <a:p>
             <a:r>
               <a:rPr kumimoji="1" lang="ja-JP" altLang="en-US" dirty="0"/>
-              <a:t>　</a:t>
-            </a:r>
+              <a:t>　データの接続</a:t>
+            </a:r>
+          </a:p>
+        </p:txBody>
+      </p:sp>
+      <p:sp>
+        <p:nvSpPr>
+          <p:cNvPr id="3" name="コンテンツ プレースホルダー 2">
+            <a:extLst>
+              <a:ext uri="{FF2B5EF4-FFF2-40B4-BE49-F238E27FC236}">
+                <a16:creationId xmlns:a16="http://schemas.microsoft.com/office/drawing/2014/main" id="{BBDA2970-A3E3-B86D-B4B0-2193EB46C445}"/>
+              </a:ext>
+            </a:extLst>
+          </p:cNvPr>
+          <p:cNvSpPr>
+            <a:spLocks noGrp="1"/>
+          </p:cNvSpPr>
+          <p:nvPr>
+            <p:ph idx="1"/>
+          </p:nvPr>
+        </p:nvSpPr>
+        <p:spPr>
+          <a:xfrm>
+            <a:off x="628649" y="1825625"/>
+            <a:ext cx="8049683" cy="4351338"/>
+          </a:xfrm>
+        </p:spPr>
+        <p:txBody>
+          <a:bodyPr/>
+          <a:lstStyle/>
+          <a:p>
             <a:r>
               <a:rPr kumimoji="1" lang="en-US" altLang="ja-JP" dirty="0" err="1"/>
               <a:t>bind_rows</a:t>
             </a:r>
             <a:r>
               <a:rPr kumimoji="1" lang="ja-JP" altLang="en-US" dirty="0"/>
-              <a:t>と</a:t>
+              <a:t>による</a:t>
+            </a:r>
+            <a:r>
+              <a:rPr lang="ja-JP" altLang="en-US" dirty="0"/>
+              <a:t>接続</a:t>
+            </a:r>
+            <a:endParaRPr lang="en-US" altLang="ja-JP" dirty="0"/>
+          </a:p>
+          <a:p>
+            <a:pPr lvl="1"/>
+            <a:r>
+              <a:rPr lang="en-US" altLang="ja-JP" dirty="0" err="1"/>
+              <a:t>d</a:t>
             </a:r>
             <a:r>
               <a:rPr kumimoji="1" lang="en-US" altLang="ja-JP" dirty="0" err="1"/>
-              <a:t>left_join</a:t>
-            </a:r>
-            <a:endParaRPr kumimoji="1" lang="ja-JP" altLang="en-US" dirty="0"/>
+              <a:t>f</a:t>
+            </a:r>
+            <a:r>
+              <a:rPr kumimoji="1" lang="ja-JP" altLang="en-US" dirty="0"/>
+              <a:t>を縦に積み上げたいときに使用</a:t>
+            </a:r>
+            <a:endParaRPr kumimoji="1" lang="en-US" altLang="ja-JP" dirty="0"/>
+          </a:p>
+          <a:p>
+            <a:pPr lvl="1"/>
+            <a:r>
+              <a:rPr lang="ja-JP" altLang="en-US" dirty="0"/>
+              <a:t>自動的に変数名をキーにして接続</a:t>
+            </a:r>
+            <a:endParaRPr lang="en-US" altLang="ja-JP" dirty="0"/>
+          </a:p>
+          <a:p>
+            <a:r>
+              <a:rPr lang="en-US" altLang="ja-JP" dirty="0" err="1"/>
+              <a:t>l</a:t>
+            </a:r>
+            <a:r>
+              <a:rPr kumimoji="1" lang="en-US" altLang="ja-JP" dirty="0" err="1"/>
+              <a:t>eft_join</a:t>
+            </a:r>
+            <a:r>
+              <a:rPr kumimoji="1" lang="ja-JP" altLang="en-US" dirty="0"/>
+              <a:t>による接続</a:t>
+            </a:r>
+            <a:endParaRPr kumimoji="1" lang="en-US" altLang="ja-JP" dirty="0"/>
+          </a:p>
+          <a:p>
+            <a:pPr lvl="1"/>
+            <a:r>
+              <a:rPr lang="en-US" altLang="ja-JP" dirty="0" err="1"/>
+              <a:t>df</a:t>
+            </a:r>
+            <a:r>
+              <a:rPr lang="ja-JP" altLang="en-US" dirty="0"/>
+              <a:t>を横につなげたい（マッチさせたい）ときに使用</a:t>
+            </a:r>
+            <a:endParaRPr lang="en-US" altLang="ja-JP" dirty="0"/>
+          </a:p>
+          <a:p>
+            <a:pPr lvl="1"/>
+            <a:r>
+              <a:rPr lang="ja-JP" altLang="en-US" dirty="0"/>
+              <a:t>マッチさせるデータを一意に定めるために必要な変数名の組み合わせを指定して接続</a:t>
+            </a:r>
+            <a:endParaRPr lang="en-US" altLang="ja-JP" dirty="0"/>
+          </a:p>
+          <a:p>
+            <a:pPr lvl="1"/>
+            <a:r>
+              <a:rPr lang="ja-JP" altLang="en-US" dirty="0"/>
+              <a:t>マッチさせるとき左側にある</a:t>
+            </a:r>
+            <a:r>
+              <a:rPr lang="en-US" altLang="ja-JP" dirty="0" err="1"/>
+              <a:t>df</a:t>
+            </a:r>
+            <a:r>
+              <a:rPr lang="ja-JP" altLang="en-US" dirty="0"/>
+              <a:t>内の</a:t>
+            </a:r>
+            <a:r>
+              <a:rPr lang="en-US" altLang="ja-JP" dirty="0"/>
+              <a:t>observation</a:t>
+            </a:r>
+            <a:r>
+              <a:rPr lang="ja-JP" altLang="en-US" dirty="0"/>
+              <a:t>はすべて保持され、右側にある</a:t>
+            </a:r>
+            <a:r>
+              <a:rPr lang="en-US" altLang="ja-JP" dirty="0" err="1"/>
+              <a:t>df</a:t>
+            </a:r>
+            <a:r>
+              <a:rPr lang="ja-JP" altLang="en-US" dirty="0"/>
+              <a:t>内の</a:t>
+            </a:r>
+            <a:r>
+              <a:rPr lang="en-US" altLang="ja-JP" dirty="0"/>
+              <a:t>observation</a:t>
+            </a:r>
+            <a:r>
+              <a:rPr lang="ja-JP" altLang="en-US" dirty="0"/>
+              <a:t>はマッチ先がない場合には消える</a:t>
+            </a:r>
+            <a:endParaRPr lang="en-US" altLang="ja-JP" dirty="0"/>
+          </a:p>
+          <a:p>
+            <a:pPr lvl="1"/>
+            <a:endParaRPr lang="en-US" altLang="ja-JP" dirty="0"/>
           </a:p>
         </p:txBody>
       </p:sp>
@@ -10604,7 +10582,7 @@
           <p:cNvPr id="4" name="スライド番号プレースホルダー 3">
             <a:extLst>
               <a:ext uri="{FF2B5EF4-FFF2-40B4-BE49-F238E27FC236}">
-                <a16:creationId xmlns:a16="http://schemas.microsoft.com/office/drawing/2014/main" id="{C3AF0C7D-7F90-654C-A966-3F6520E8A54D}"/>
+                <a16:creationId xmlns:a16="http://schemas.microsoft.com/office/drawing/2014/main" id="{FC5BA8D8-9E54-07C0-169D-18678241BEE2}"/>
               </a:ext>
             </a:extLst>
           </p:cNvPr>
@@ -10623,6 +10601,200 @@
             <a:fld id="{C46B5F8E-405A-41C5-91DD-ABB74B733BFC}" type="slidenum">
               <a:rPr kumimoji="1" lang="ja-JP" altLang="en-US" smtClean="0"/>
               <a:t>18</a:t>
+            </a:fld>
+            <a:endParaRPr kumimoji="1" lang="ja-JP" altLang="en-US" dirty="0"/>
+          </a:p>
+        </p:txBody>
+      </p:sp>
+      <p:sp>
+        <p:nvSpPr>
+          <p:cNvPr id="5" name="フッター プレースホルダー 4">
+            <a:extLst>
+              <a:ext uri="{FF2B5EF4-FFF2-40B4-BE49-F238E27FC236}">
+                <a16:creationId xmlns:a16="http://schemas.microsoft.com/office/drawing/2014/main" id="{244DB2FB-B829-89C9-A33E-CEAEF2556985}"/>
+              </a:ext>
+            </a:extLst>
+          </p:cNvPr>
+          <p:cNvSpPr>
+            <a:spLocks noGrp="1"/>
+          </p:cNvSpPr>
+          <p:nvPr>
+            <p:ph type="ftr" sz="quarter" idx="3"/>
+          </p:nvPr>
+        </p:nvSpPr>
+        <p:spPr/>
+        <p:txBody>
+          <a:bodyPr/>
+          <a:lstStyle/>
+          <a:p>
+            <a:r>
+              <a:rPr kumimoji="1" lang="ja-JP" altLang="en-US"/>
+              <a:t>　</a:t>
+            </a:r>
+            <a:r>
+              <a:rPr kumimoji="1" lang="en-US" altLang="ja-JP"/>
+              <a:t>RA</a:t>
+            </a:r>
+            <a:r>
+              <a:rPr kumimoji="1" lang="ja-JP" altLang="en-US"/>
+              <a:t>ブートキャンプ　事前レクチャー</a:t>
+            </a:r>
+            <a:endParaRPr kumimoji="1" lang="ja-JP" altLang="en-US" dirty="0"/>
+          </a:p>
+        </p:txBody>
+      </p:sp>
+      <p:sp>
+        <p:nvSpPr>
+          <p:cNvPr id="6" name="日付プレースホルダー 5">
+            <a:extLst>
+              <a:ext uri="{FF2B5EF4-FFF2-40B4-BE49-F238E27FC236}">
+                <a16:creationId xmlns:a16="http://schemas.microsoft.com/office/drawing/2014/main" id="{9D368E9E-AC8D-81AD-7D09-8D2F6A93639C}"/>
+              </a:ext>
+            </a:extLst>
+          </p:cNvPr>
+          <p:cNvSpPr>
+            <a:spLocks noGrp="1"/>
+          </p:cNvSpPr>
+          <p:nvPr>
+            <p:ph type="dt" sz="half" idx="2"/>
+          </p:nvPr>
+        </p:nvSpPr>
+        <p:spPr/>
+        <p:txBody>
+          <a:bodyPr/>
+          <a:lstStyle/>
+          <a:p>
+            <a:r>
+              <a:rPr kumimoji="1" lang="en-US" altLang="ja-JP"/>
+              <a:t>2025/8/12</a:t>
+            </a:r>
+            <a:endParaRPr kumimoji="1" lang="ja-JP" altLang="en-US" dirty="0"/>
+          </a:p>
+        </p:txBody>
+      </p:sp>
+      <p:sp>
+        <p:nvSpPr>
+          <p:cNvPr id="7" name="テキスト プレースホルダー 6">
+            <a:extLst>
+              <a:ext uri="{FF2B5EF4-FFF2-40B4-BE49-F238E27FC236}">
+                <a16:creationId xmlns:a16="http://schemas.microsoft.com/office/drawing/2014/main" id="{05E55294-F8A7-3E61-E439-8A7062B34924}"/>
+              </a:ext>
+            </a:extLst>
+          </p:cNvPr>
+          <p:cNvSpPr>
+            <a:spLocks noGrp="1"/>
+          </p:cNvSpPr>
+          <p:nvPr>
+            <p:ph type="body" sz="quarter" idx="13"/>
+          </p:nvPr>
+        </p:nvSpPr>
+        <p:spPr/>
+        <p:txBody>
+          <a:bodyPr/>
+          <a:lstStyle/>
+          <a:p>
+            <a:r>
+              <a:rPr kumimoji="1" lang="ja-JP" altLang="en-US" dirty="0"/>
+              <a:t>　クリーニング</a:t>
+            </a:r>
+          </a:p>
+        </p:txBody>
+      </p:sp>
+    </p:spTree>
+    <p:extLst>
+      <p:ext uri="{BB962C8B-B14F-4D97-AF65-F5344CB8AC3E}">
+        <p14:creationId xmlns:p14="http://schemas.microsoft.com/office/powerpoint/2010/main" val="2602616442"/>
+      </p:ext>
+    </p:extLst>
+  </p:cSld>
+  <p:clrMapOvr>
+    <a:masterClrMapping/>
+  </p:clrMapOvr>
+</p:sld>
+</file>
+
+<file path=ppt/slides/slide19.xml><?xml version="1.0" encoding="utf-8"?>
+<p:sld xmlns:a="http://schemas.openxmlformats.org/drawingml/2006/main" xmlns:r="http://schemas.openxmlformats.org/officeDocument/2006/relationships" xmlns:p="http://schemas.openxmlformats.org/presentationml/2006/main">
+  <p:cSld>
+    <p:spTree>
+      <p:nvGrpSpPr>
+        <p:cNvPr id="1" name=""/>
+        <p:cNvGrpSpPr/>
+        <p:nvPr/>
+      </p:nvGrpSpPr>
+      <p:grpSpPr>
+        <a:xfrm>
+          <a:off x="0" y="0"/>
+          <a:ext cx="0" cy="0"/>
+          <a:chOff x="0" y="0"/>
+          <a:chExt cx="0" cy="0"/>
+        </a:xfrm>
+      </p:grpSpPr>
+      <p:sp>
+        <p:nvSpPr>
+          <p:cNvPr id="2" name="タイトル 1">
+            <a:extLst>
+              <a:ext uri="{FF2B5EF4-FFF2-40B4-BE49-F238E27FC236}">
+                <a16:creationId xmlns:a16="http://schemas.microsoft.com/office/drawing/2014/main" id="{997ED337-CBBE-4349-0667-1E2F4385A5F0}"/>
+              </a:ext>
+            </a:extLst>
+          </p:cNvPr>
+          <p:cNvSpPr>
+            <a:spLocks noGrp="1"/>
+          </p:cNvSpPr>
+          <p:nvPr>
+            <p:ph type="title"/>
+          </p:nvPr>
+        </p:nvSpPr>
+        <p:spPr/>
+        <p:txBody>
+          <a:bodyPr/>
+          <a:lstStyle/>
+          <a:p>
+            <a:r>
+              <a:rPr kumimoji="1" lang="ja-JP" altLang="en-US" dirty="0"/>
+              <a:t>　</a:t>
+            </a:r>
+            <a:r>
+              <a:rPr kumimoji="1" lang="en-US" altLang="ja-JP" dirty="0" err="1"/>
+              <a:t>bind_rows</a:t>
+            </a:r>
+            <a:r>
+              <a:rPr kumimoji="1" lang="ja-JP" altLang="en-US" dirty="0"/>
+              <a:t>と</a:t>
+            </a:r>
+            <a:r>
+              <a:rPr kumimoji="1" lang="en-US" altLang="ja-JP" dirty="0" err="1"/>
+              <a:t>left_join</a:t>
+            </a:r>
+            <a:endParaRPr kumimoji="1" lang="ja-JP" altLang="en-US" dirty="0"/>
+          </a:p>
+        </p:txBody>
+      </p:sp>
+      <p:sp>
+        <p:nvSpPr>
+          <p:cNvPr id="4" name="スライド番号プレースホルダー 3">
+            <a:extLst>
+              <a:ext uri="{FF2B5EF4-FFF2-40B4-BE49-F238E27FC236}">
+                <a16:creationId xmlns:a16="http://schemas.microsoft.com/office/drawing/2014/main" id="{C3AF0C7D-7F90-654C-A966-3F6520E8A54D}"/>
+              </a:ext>
+            </a:extLst>
+          </p:cNvPr>
+          <p:cNvSpPr>
+            <a:spLocks noGrp="1"/>
+          </p:cNvSpPr>
+          <p:nvPr>
+            <p:ph type="sldNum" sz="quarter" idx="12"/>
+          </p:nvPr>
+        </p:nvSpPr>
+        <p:spPr/>
+        <p:txBody>
+          <a:bodyPr/>
+          <a:lstStyle/>
+          <a:p>
+            <a:fld id="{C46B5F8E-405A-41C5-91DD-ABB74B733BFC}" type="slidenum">
+              <a:rPr kumimoji="1" lang="ja-JP" altLang="en-US" smtClean="0"/>
+              <a:t>19</a:t>
             </a:fld>
             <a:endParaRPr kumimoji="1" lang="ja-JP" altLang="en-US" dirty="0"/>
           </a:p>
@@ -11293,279 +11465,6 @@
 </p:sld>
 </file>
 
-<file path=ppt/slides/slide19.xml><?xml version="1.0" encoding="utf-8"?>
-<p:sld xmlns:a="http://schemas.openxmlformats.org/drawingml/2006/main" xmlns:r="http://schemas.openxmlformats.org/officeDocument/2006/relationships" xmlns:p="http://schemas.openxmlformats.org/presentationml/2006/main">
-  <p:cSld>
-    <p:spTree>
-      <p:nvGrpSpPr>
-        <p:cNvPr id="1" name=""/>
-        <p:cNvGrpSpPr/>
-        <p:nvPr/>
-      </p:nvGrpSpPr>
-      <p:grpSpPr>
-        <a:xfrm>
-          <a:off x="0" y="0"/>
-          <a:ext cx="0" cy="0"/>
-          <a:chOff x="0" y="0"/>
-          <a:chExt cx="0" cy="0"/>
-        </a:xfrm>
-      </p:grpSpPr>
-      <p:sp>
-        <p:nvSpPr>
-          <p:cNvPr id="2" name="タイトル 1">
-            <a:extLst>
-              <a:ext uri="{FF2B5EF4-FFF2-40B4-BE49-F238E27FC236}">
-                <a16:creationId xmlns:a16="http://schemas.microsoft.com/office/drawing/2014/main" id="{B7C0B9A1-4942-CD13-00C3-3756A215832C}"/>
-              </a:ext>
-            </a:extLst>
-          </p:cNvPr>
-          <p:cNvSpPr>
-            <a:spLocks noGrp="1"/>
-          </p:cNvSpPr>
-          <p:nvPr>
-            <p:ph type="title"/>
-          </p:nvPr>
-        </p:nvSpPr>
-        <p:spPr/>
-        <p:txBody>
-          <a:bodyPr/>
-          <a:lstStyle/>
-          <a:p>
-            <a:r>
-              <a:rPr kumimoji="1" lang="ja-JP" altLang="en-US" dirty="0"/>
-              <a:t>　</a:t>
-            </a:r>
-            <a:r>
-              <a:rPr kumimoji="1" lang="en-US" altLang="ja-JP" dirty="0" err="1"/>
-              <a:t>df</a:t>
-            </a:r>
-            <a:r>
-              <a:rPr lang="ja-JP" altLang="en-US" dirty="0"/>
-              <a:t>の縦横変形</a:t>
-            </a:r>
-            <a:endParaRPr kumimoji="1" lang="ja-JP" altLang="en-US" dirty="0"/>
-          </a:p>
-        </p:txBody>
-      </p:sp>
-      <p:sp>
-        <p:nvSpPr>
-          <p:cNvPr id="4" name="スライド番号プレースホルダー 3">
-            <a:extLst>
-              <a:ext uri="{FF2B5EF4-FFF2-40B4-BE49-F238E27FC236}">
-                <a16:creationId xmlns:a16="http://schemas.microsoft.com/office/drawing/2014/main" id="{C2FB2E17-41B1-AF88-558B-3536B8031A0C}"/>
-              </a:ext>
-            </a:extLst>
-          </p:cNvPr>
-          <p:cNvSpPr>
-            <a:spLocks noGrp="1"/>
-          </p:cNvSpPr>
-          <p:nvPr>
-            <p:ph type="sldNum" sz="quarter" idx="12"/>
-          </p:nvPr>
-        </p:nvSpPr>
-        <p:spPr/>
-        <p:txBody>
-          <a:bodyPr/>
-          <a:lstStyle/>
-          <a:p>
-            <a:fld id="{C46B5F8E-405A-41C5-91DD-ABB74B733BFC}" type="slidenum">
-              <a:rPr kumimoji="1" lang="ja-JP" altLang="en-US" smtClean="0"/>
-              <a:t>19</a:t>
-            </a:fld>
-            <a:endParaRPr kumimoji="1" lang="ja-JP" altLang="en-US" dirty="0"/>
-          </a:p>
-        </p:txBody>
-      </p:sp>
-      <p:sp>
-        <p:nvSpPr>
-          <p:cNvPr id="5" name="フッター プレースホルダー 4">
-            <a:extLst>
-              <a:ext uri="{FF2B5EF4-FFF2-40B4-BE49-F238E27FC236}">
-                <a16:creationId xmlns:a16="http://schemas.microsoft.com/office/drawing/2014/main" id="{6305C40E-8634-0F89-AE90-F23519E6E503}"/>
-              </a:ext>
-            </a:extLst>
-          </p:cNvPr>
-          <p:cNvSpPr>
-            <a:spLocks noGrp="1"/>
-          </p:cNvSpPr>
-          <p:nvPr>
-            <p:ph type="ftr" sz="quarter" idx="3"/>
-          </p:nvPr>
-        </p:nvSpPr>
-        <p:spPr/>
-        <p:txBody>
-          <a:bodyPr/>
-          <a:lstStyle/>
-          <a:p>
-            <a:r>
-              <a:rPr kumimoji="1" lang="ja-JP" altLang="en-US"/>
-              <a:t>　</a:t>
-            </a:r>
-            <a:r>
-              <a:rPr kumimoji="1" lang="en-US" altLang="ja-JP"/>
-              <a:t>RA</a:t>
-            </a:r>
-            <a:r>
-              <a:rPr kumimoji="1" lang="ja-JP" altLang="en-US"/>
-              <a:t>ブートキャンプ　事前レクチャー</a:t>
-            </a:r>
-            <a:endParaRPr kumimoji="1" lang="ja-JP" altLang="en-US" dirty="0"/>
-          </a:p>
-        </p:txBody>
-      </p:sp>
-      <p:sp>
-        <p:nvSpPr>
-          <p:cNvPr id="6" name="日付プレースホルダー 5">
-            <a:extLst>
-              <a:ext uri="{FF2B5EF4-FFF2-40B4-BE49-F238E27FC236}">
-                <a16:creationId xmlns:a16="http://schemas.microsoft.com/office/drawing/2014/main" id="{AC59445B-EE0C-BB9A-CA0C-F8F1606D8D1E}"/>
-              </a:ext>
-            </a:extLst>
-          </p:cNvPr>
-          <p:cNvSpPr>
-            <a:spLocks noGrp="1"/>
-          </p:cNvSpPr>
-          <p:nvPr>
-            <p:ph type="dt" sz="half" idx="2"/>
-          </p:nvPr>
-        </p:nvSpPr>
-        <p:spPr/>
-        <p:txBody>
-          <a:bodyPr/>
-          <a:lstStyle/>
-          <a:p>
-            <a:r>
-              <a:rPr kumimoji="1" lang="en-US" altLang="ja-JP"/>
-              <a:t>2025/8/12</a:t>
-            </a:r>
-            <a:endParaRPr kumimoji="1" lang="ja-JP" altLang="en-US" dirty="0"/>
-          </a:p>
-        </p:txBody>
-      </p:sp>
-      <p:sp>
-        <p:nvSpPr>
-          <p:cNvPr id="7" name="テキスト プレースホルダー 6">
-            <a:extLst>
-              <a:ext uri="{FF2B5EF4-FFF2-40B4-BE49-F238E27FC236}">
-                <a16:creationId xmlns:a16="http://schemas.microsoft.com/office/drawing/2014/main" id="{B21194DC-C1F3-3076-0A6A-4004E177D530}"/>
-              </a:ext>
-            </a:extLst>
-          </p:cNvPr>
-          <p:cNvSpPr>
-            <a:spLocks noGrp="1"/>
-          </p:cNvSpPr>
-          <p:nvPr>
-            <p:ph type="body" sz="quarter" idx="13"/>
-          </p:nvPr>
-        </p:nvSpPr>
-        <p:spPr/>
-        <p:txBody>
-          <a:bodyPr/>
-          <a:lstStyle/>
-          <a:p>
-            <a:r>
-              <a:rPr kumimoji="1" lang="ja-JP" altLang="en-US" dirty="0"/>
-              <a:t>　クリーニング</a:t>
-            </a:r>
-          </a:p>
-        </p:txBody>
-      </p:sp>
-      <p:pic>
-        <p:nvPicPr>
-          <p:cNvPr id="1026" name="Picture 2">
-            <a:extLst>
-              <a:ext uri="{FF2B5EF4-FFF2-40B4-BE49-F238E27FC236}">
-                <a16:creationId xmlns:a16="http://schemas.microsoft.com/office/drawing/2014/main" id="{53817FFE-D2B6-4E9B-BCE3-013A627EE92F}"/>
-              </a:ext>
-            </a:extLst>
-          </p:cNvPr>
-          <p:cNvPicPr>
-            <a:picLocks noChangeAspect="1" noChangeArrowheads="1"/>
-          </p:cNvPicPr>
-          <p:nvPr/>
-        </p:nvPicPr>
-        <p:blipFill>
-          <a:blip r:embed="rId2">
-            <a:extLst>
-              <a:ext uri="{28A0092B-C50C-407E-A947-70E740481C1C}">
-                <a14:useLocalDpi xmlns:a14="http://schemas.microsoft.com/office/drawing/2010/main" val="0"/>
-              </a:ext>
-            </a:extLst>
-          </a:blip>
-          <a:srcRect/>
-          <a:stretch>
-            <a:fillRect/>
-          </a:stretch>
-        </p:blipFill>
-        <p:spPr bwMode="auto">
-          <a:xfrm>
-            <a:off x="1068016" y="1666673"/>
-            <a:ext cx="7007968" cy="3941982"/>
-          </a:xfrm>
-          <a:prstGeom prst="rect">
-            <a:avLst/>
-          </a:prstGeom>
-          <a:noFill/>
-          <a:extLst>
-            <a:ext uri="{909E8E84-426E-40DD-AFC4-6F175D3DCCD1}">
-              <a14:hiddenFill xmlns:a14="http://schemas.microsoft.com/office/drawing/2010/main">
-                <a:solidFill>
-                  <a:srgbClr val="FFFFFF"/>
-                </a:solidFill>
-              </a14:hiddenFill>
-            </a:ext>
-          </a:extLst>
-        </p:spPr>
-      </p:pic>
-      <p:sp>
-        <p:nvSpPr>
-          <p:cNvPr id="8" name="テキスト ボックス 7">
-            <a:extLst>
-              <a:ext uri="{FF2B5EF4-FFF2-40B4-BE49-F238E27FC236}">
-                <a16:creationId xmlns:a16="http://schemas.microsoft.com/office/drawing/2014/main" id="{D53B16E9-D49E-BF63-FC1D-68FD967FC31C}"/>
-              </a:ext>
-            </a:extLst>
-          </p:cNvPr>
-          <p:cNvSpPr txBox="1"/>
-          <p:nvPr/>
-        </p:nvSpPr>
-        <p:spPr>
-          <a:xfrm>
-            <a:off x="1068016" y="5843081"/>
-            <a:ext cx="6577924" cy="307777"/>
-          </a:xfrm>
-          <a:prstGeom prst="rect">
-            <a:avLst/>
-          </a:prstGeom>
-          <a:noFill/>
-        </p:spPr>
-        <p:txBody>
-          <a:bodyPr wrap="square" rtlCol="0">
-            <a:spAutoFit/>
-          </a:bodyPr>
-          <a:lstStyle/>
-          <a:p>
-            <a:pPr algn="r"/>
-            <a:r>
-              <a:rPr kumimoji="1" lang="ja-JP" altLang="en-US" sz="1400" dirty="0"/>
-              <a:t>（出所）データサイエンスの道標より引用</a:t>
-            </a:r>
-          </a:p>
-        </p:txBody>
-      </p:sp>
-    </p:spTree>
-    <p:extLst>
-      <p:ext uri="{BB962C8B-B14F-4D97-AF65-F5344CB8AC3E}">
-        <p14:creationId xmlns:p14="http://schemas.microsoft.com/office/powerpoint/2010/main" val="2369658609"/>
-      </p:ext>
-    </p:extLst>
-  </p:cSld>
-  <p:clrMapOvr>
-    <a:masterClrMapping/>
-  </p:clrMapOvr>
-</p:sld>
-</file>
-
 <file path=ppt/slides/slide2.xml><?xml version="1.0" encoding="utf-8"?>
 <p:sld xmlns:a="http://schemas.openxmlformats.org/drawingml/2006/main" xmlns:r="http://schemas.openxmlformats.org/officeDocument/2006/relationships" xmlns:p="http://schemas.openxmlformats.org/presentationml/2006/main">
   <p:cSld>
@@ -11851,6 +11750,279 @@
       </p:grpSpPr>
       <p:sp>
         <p:nvSpPr>
+          <p:cNvPr id="2" name="タイトル 1">
+            <a:extLst>
+              <a:ext uri="{FF2B5EF4-FFF2-40B4-BE49-F238E27FC236}">
+                <a16:creationId xmlns:a16="http://schemas.microsoft.com/office/drawing/2014/main" id="{B7C0B9A1-4942-CD13-00C3-3756A215832C}"/>
+              </a:ext>
+            </a:extLst>
+          </p:cNvPr>
+          <p:cNvSpPr>
+            <a:spLocks noGrp="1"/>
+          </p:cNvSpPr>
+          <p:nvPr>
+            <p:ph type="title"/>
+          </p:nvPr>
+        </p:nvSpPr>
+        <p:spPr/>
+        <p:txBody>
+          <a:bodyPr/>
+          <a:lstStyle/>
+          <a:p>
+            <a:r>
+              <a:rPr kumimoji="1" lang="ja-JP" altLang="en-US" dirty="0"/>
+              <a:t>　</a:t>
+            </a:r>
+            <a:r>
+              <a:rPr kumimoji="1" lang="en-US" altLang="ja-JP" dirty="0" err="1"/>
+              <a:t>df</a:t>
+            </a:r>
+            <a:r>
+              <a:rPr lang="ja-JP" altLang="en-US" dirty="0"/>
+              <a:t>の縦横変形</a:t>
+            </a:r>
+            <a:endParaRPr kumimoji="1" lang="ja-JP" altLang="en-US" dirty="0"/>
+          </a:p>
+        </p:txBody>
+      </p:sp>
+      <p:sp>
+        <p:nvSpPr>
+          <p:cNvPr id="4" name="スライド番号プレースホルダー 3">
+            <a:extLst>
+              <a:ext uri="{FF2B5EF4-FFF2-40B4-BE49-F238E27FC236}">
+                <a16:creationId xmlns:a16="http://schemas.microsoft.com/office/drawing/2014/main" id="{C2FB2E17-41B1-AF88-558B-3536B8031A0C}"/>
+              </a:ext>
+            </a:extLst>
+          </p:cNvPr>
+          <p:cNvSpPr>
+            <a:spLocks noGrp="1"/>
+          </p:cNvSpPr>
+          <p:nvPr>
+            <p:ph type="sldNum" sz="quarter" idx="12"/>
+          </p:nvPr>
+        </p:nvSpPr>
+        <p:spPr/>
+        <p:txBody>
+          <a:bodyPr/>
+          <a:lstStyle/>
+          <a:p>
+            <a:fld id="{C46B5F8E-405A-41C5-91DD-ABB74B733BFC}" type="slidenum">
+              <a:rPr kumimoji="1" lang="ja-JP" altLang="en-US" smtClean="0"/>
+              <a:t>20</a:t>
+            </a:fld>
+            <a:endParaRPr kumimoji="1" lang="ja-JP" altLang="en-US" dirty="0"/>
+          </a:p>
+        </p:txBody>
+      </p:sp>
+      <p:sp>
+        <p:nvSpPr>
+          <p:cNvPr id="5" name="フッター プレースホルダー 4">
+            <a:extLst>
+              <a:ext uri="{FF2B5EF4-FFF2-40B4-BE49-F238E27FC236}">
+                <a16:creationId xmlns:a16="http://schemas.microsoft.com/office/drawing/2014/main" id="{6305C40E-8634-0F89-AE90-F23519E6E503}"/>
+              </a:ext>
+            </a:extLst>
+          </p:cNvPr>
+          <p:cNvSpPr>
+            <a:spLocks noGrp="1"/>
+          </p:cNvSpPr>
+          <p:nvPr>
+            <p:ph type="ftr" sz="quarter" idx="3"/>
+          </p:nvPr>
+        </p:nvSpPr>
+        <p:spPr/>
+        <p:txBody>
+          <a:bodyPr/>
+          <a:lstStyle/>
+          <a:p>
+            <a:r>
+              <a:rPr kumimoji="1" lang="ja-JP" altLang="en-US"/>
+              <a:t>　</a:t>
+            </a:r>
+            <a:r>
+              <a:rPr kumimoji="1" lang="en-US" altLang="ja-JP"/>
+              <a:t>RA</a:t>
+            </a:r>
+            <a:r>
+              <a:rPr kumimoji="1" lang="ja-JP" altLang="en-US"/>
+              <a:t>ブートキャンプ　事前レクチャー</a:t>
+            </a:r>
+            <a:endParaRPr kumimoji="1" lang="ja-JP" altLang="en-US" dirty="0"/>
+          </a:p>
+        </p:txBody>
+      </p:sp>
+      <p:sp>
+        <p:nvSpPr>
+          <p:cNvPr id="6" name="日付プレースホルダー 5">
+            <a:extLst>
+              <a:ext uri="{FF2B5EF4-FFF2-40B4-BE49-F238E27FC236}">
+                <a16:creationId xmlns:a16="http://schemas.microsoft.com/office/drawing/2014/main" id="{AC59445B-EE0C-BB9A-CA0C-F8F1606D8D1E}"/>
+              </a:ext>
+            </a:extLst>
+          </p:cNvPr>
+          <p:cNvSpPr>
+            <a:spLocks noGrp="1"/>
+          </p:cNvSpPr>
+          <p:nvPr>
+            <p:ph type="dt" sz="half" idx="2"/>
+          </p:nvPr>
+        </p:nvSpPr>
+        <p:spPr/>
+        <p:txBody>
+          <a:bodyPr/>
+          <a:lstStyle/>
+          <a:p>
+            <a:r>
+              <a:rPr kumimoji="1" lang="en-US" altLang="ja-JP"/>
+              <a:t>2025/8/12</a:t>
+            </a:r>
+            <a:endParaRPr kumimoji="1" lang="ja-JP" altLang="en-US" dirty="0"/>
+          </a:p>
+        </p:txBody>
+      </p:sp>
+      <p:sp>
+        <p:nvSpPr>
+          <p:cNvPr id="7" name="テキスト プレースホルダー 6">
+            <a:extLst>
+              <a:ext uri="{FF2B5EF4-FFF2-40B4-BE49-F238E27FC236}">
+                <a16:creationId xmlns:a16="http://schemas.microsoft.com/office/drawing/2014/main" id="{B21194DC-C1F3-3076-0A6A-4004E177D530}"/>
+              </a:ext>
+            </a:extLst>
+          </p:cNvPr>
+          <p:cNvSpPr>
+            <a:spLocks noGrp="1"/>
+          </p:cNvSpPr>
+          <p:nvPr>
+            <p:ph type="body" sz="quarter" idx="13"/>
+          </p:nvPr>
+        </p:nvSpPr>
+        <p:spPr/>
+        <p:txBody>
+          <a:bodyPr/>
+          <a:lstStyle/>
+          <a:p>
+            <a:r>
+              <a:rPr kumimoji="1" lang="ja-JP" altLang="en-US" dirty="0"/>
+              <a:t>　クリーニング</a:t>
+            </a:r>
+          </a:p>
+        </p:txBody>
+      </p:sp>
+      <p:pic>
+        <p:nvPicPr>
+          <p:cNvPr id="1026" name="Picture 2">
+            <a:extLst>
+              <a:ext uri="{FF2B5EF4-FFF2-40B4-BE49-F238E27FC236}">
+                <a16:creationId xmlns:a16="http://schemas.microsoft.com/office/drawing/2014/main" id="{53817FFE-D2B6-4E9B-BCE3-013A627EE92F}"/>
+              </a:ext>
+            </a:extLst>
+          </p:cNvPr>
+          <p:cNvPicPr>
+            <a:picLocks noChangeAspect="1" noChangeArrowheads="1"/>
+          </p:cNvPicPr>
+          <p:nvPr/>
+        </p:nvPicPr>
+        <p:blipFill>
+          <a:blip r:embed="rId2">
+            <a:extLst>
+              <a:ext uri="{28A0092B-C50C-407E-A947-70E740481C1C}">
+                <a14:useLocalDpi xmlns:a14="http://schemas.microsoft.com/office/drawing/2010/main" val="0"/>
+              </a:ext>
+            </a:extLst>
+          </a:blip>
+          <a:srcRect/>
+          <a:stretch>
+            <a:fillRect/>
+          </a:stretch>
+        </p:blipFill>
+        <p:spPr bwMode="auto">
+          <a:xfrm>
+            <a:off x="1068016" y="1666673"/>
+            <a:ext cx="7007968" cy="3941982"/>
+          </a:xfrm>
+          <a:prstGeom prst="rect">
+            <a:avLst/>
+          </a:prstGeom>
+          <a:noFill/>
+          <a:extLst>
+            <a:ext uri="{909E8E84-426E-40DD-AFC4-6F175D3DCCD1}">
+              <a14:hiddenFill xmlns:a14="http://schemas.microsoft.com/office/drawing/2010/main">
+                <a:solidFill>
+                  <a:srgbClr val="FFFFFF"/>
+                </a:solidFill>
+              </a14:hiddenFill>
+            </a:ext>
+          </a:extLst>
+        </p:spPr>
+      </p:pic>
+      <p:sp>
+        <p:nvSpPr>
+          <p:cNvPr id="8" name="テキスト ボックス 7">
+            <a:extLst>
+              <a:ext uri="{FF2B5EF4-FFF2-40B4-BE49-F238E27FC236}">
+                <a16:creationId xmlns:a16="http://schemas.microsoft.com/office/drawing/2014/main" id="{D53B16E9-D49E-BF63-FC1D-68FD967FC31C}"/>
+              </a:ext>
+            </a:extLst>
+          </p:cNvPr>
+          <p:cNvSpPr txBox="1"/>
+          <p:nvPr/>
+        </p:nvSpPr>
+        <p:spPr>
+          <a:xfrm>
+            <a:off x="1068016" y="5843081"/>
+            <a:ext cx="6577924" cy="307777"/>
+          </a:xfrm>
+          <a:prstGeom prst="rect">
+            <a:avLst/>
+          </a:prstGeom>
+          <a:noFill/>
+        </p:spPr>
+        <p:txBody>
+          <a:bodyPr wrap="square" rtlCol="0">
+            <a:spAutoFit/>
+          </a:bodyPr>
+          <a:lstStyle/>
+          <a:p>
+            <a:pPr algn="r"/>
+            <a:r>
+              <a:rPr kumimoji="1" lang="ja-JP" altLang="en-US" sz="1400" dirty="0"/>
+              <a:t>（出所）データサイエンスの道標より引用</a:t>
+            </a:r>
+          </a:p>
+        </p:txBody>
+      </p:sp>
+    </p:spTree>
+    <p:extLst>
+      <p:ext uri="{BB962C8B-B14F-4D97-AF65-F5344CB8AC3E}">
+        <p14:creationId xmlns:p14="http://schemas.microsoft.com/office/powerpoint/2010/main" val="2369658609"/>
+      </p:ext>
+    </p:extLst>
+  </p:cSld>
+  <p:clrMapOvr>
+    <a:masterClrMapping/>
+  </p:clrMapOvr>
+</p:sld>
+</file>
+
+<file path=ppt/slides/slide21.xml><?xml version="1.0" encoding="utf-8"?>
+<p:sld xmlns:a="http://schemas.openxmlformats.org/drawingml/2006/main" xmlns:r="http://schemas.openxmlformats.org/officeDocument/2006/relationships" xmlns:p="http://schemas.openxmlformats.org/presentationml/2006/main">
+  <p:cSld>
+    <p:spTree>
+      <p:nvGrpSpPr>
+        <p:cNvPr id="1" name=""/>
+        <p:cNvGrpSpPr/>
+        <p:nvPr/>
+      </p:nvGrpSpPr>
+      <p:grpSpPr>
+        <a:xfrm>
+          <a:off x="0" y="0"/>
+          <a:ext cx="0" cy="0"/>
+          <a:chOff x="0" y="0"/>
+          <a:chExt cx="0" cy="0"/>
+        </a:xfrm>
+      </p:grpSpPr>
+      <p:sp>
+        <p:nvSpPr>
           <p:cNvPr id="3" name="コンテンツ プレースホルダー 2">
             <a:extLst>
               <a:ext uri="{FF2B5EF4-FFF2-40B4-BE49-F238E27FC236}">
@@ -11958,7 +12130,7 @@
           <a:p>
             <a:fld id="{C46B5F8E-405A-41C5-91DD-ABB74B733BFC}" type="slidenum">
               <a:rPr kumimoji="1" lang="ja-JP" altLang="en-US" smtClean="0"/>
-              <a:t>20</a:t>
+              <a:t>21</a:t>
             </a:fld>
             <a:endParaRPr kumimoji="1" lang="ja-JP" altLang="en-US" dirty="0"/>
           </a:p>
@@ -12617,7 +12789,7 @@
 </p:sld>
 </file>
 
-<file path=ppt/slides/slide21.xml><?xml version="1.0" encoding="utf-8"?>
+<file path=ppt/slides/slide22.xml><?xml version="1.0" encoding="utf-8"?>
 <p:sld xmlns:a="http://schemas.openxmlformats.org/drawingml/2006/main" xmlns:r="http://schemas.openxmlformats.org/officeDocument/2006/relationships" xmlns:p="http://schemas.openxmlformats.org/presentationml/2006/main">
   <p:cSld>
     <p:spTree>
@@ -12767,7 +12939,7 @@
           <a:p>
             <a:fld id="{C46B5F8E-405A-41C5-91DD-ABB74B733BFC}" type="slidenum">
               <a:rPr kumimoji="1" lang="ja-JP" altLang="en-US" smtClean="0"/>
-              <a:t>21</a:t>
+              <a:t>22</a:t>
             </a:fld>
             <a:endParaRPr kumimoji="1" lang="ja-JP" altLang="en-US" dirty="0"/>
           </a:p>
@@ -13347,7 +13519,7 @@
 </p:sld>
 </file>
 
-<file path=ppt/slides/slide22.xml><?xml version="1.0" encoding="utf-8"?>
+<file path=ppt/slides/slide23.xml><?xml version="1.0" encoding="utf-8"?>
 <p:sld xmlns:a="http://schemas.openxmlformats.org/drawingml/2006/main" xmlns:r="http://schemas.openxmlformats.org/officeDocument/2006/relationships" xmlns:p="http://schemas.openxmlformats.org/presentationml/2006/main">
   <p:cSld>
     <p:spTree>
@@ -13482,7 +13654,7 @@
           <a:p>
             <a:fld id="{C46B5F8E-405A-41C5-91DD-ABB74B733BFC}" type="slidenum">
               <a:rPr kumimoji="1" lang="ja-JP" altLang="en-US" smtClean="0"/>
-              <a:t>22</a:t>
+              <a:t>23</a:t>
             </a:fld>
             <a:endParaRPr kumimoji="1" lang="ja-JP" altLang="en-US"/>
           </a:p>
@@ -13649,7 +13821,7 @@
 </p:sld>
 </file>
 
-<file path=ppt/slides/slide23.xml><?xml version="1.0" encoding="utf-8"?>
+<file path=ppt/slides/slide24.xml><?xml version="1.0" encoding="utf-8"?>
 <p:sld xmlns:a="http://schemas.openxmlformats.org/drawingml/2006/main" xmlns:r="http://schemas.openxmlformats.org/officeDocument/2006/relationships" xmlns:p="http://schemas.openxmlformats.org/presentationml/2006/main">
   <p:cSld>
     <p:spTree>
@@ -13789,7 +13961,7 @@
           <a:p>
             <a:fld id="{C46B5F8E-405A-41C5-91DD-ABB74B733BFC}" type="slidenum">
               <a:rPr kumimoji="1" lang="ja-JP" altLang="en-US" smtClean="0"/>
-              <a:t>23</a:t>
+              <a:t>24</a:t>
             </a:fld>
             <a:endParaRPr kumimoji="1" lang="ja-JP" altLang="en-US"/>
           </a:p>
@@ -13956,323 +14128,6 @@
 </p:sld>
 </file>
 
-<file path=ppt/slides/slide24.xml><?xml version="1.0" encoding="utf-8"?>
-<p:sld xmlns:a="http://schemas.openxmlformats.org/drawingml/2006/main" xmlns:r="http://schemas.openxmlformats.org/officeDocument/2006/relationships" xmlns:p="http://schemas.openxmlformats.org/presentationml/2006/main">
-  <p:cSld>
-    <p:spTree>
-      <p:nvGrpSpPr>
-        <p:cNvPr id="1" name=""/>
-        <p:cNvGrpSpPr/>
-        <p:nvPr/>
-      </p:nvGrpSpPr>
-      <p:grpSpPr>
-        <a:xfrm>
-          <a:off x="0" y="0"/>
-          <a:ext cx="0" cy="0"/>
-          <a:chOff x="0" y="0"/>
-          <a:chExt cx="0" cy="0"/>
-        </a:xfrm>
-      </p:grpSpPr>
-      <p:sp>
-        <p:nvSpPr>
-          <p:cNvPr id="2" name="タイトル 1">
-            <a:extLst>
-              <a:ext uri="{FF2B5EF4-FFF2-40B4-BE49-F238E27FC236}">
-                <a16:creationId xmlns:a16="http://schemas.microsoft.com/office/drawing/2014/main" id="{F979FF85-ACA5-329F-9344-901B39A6DD1A}"/>
-              </a:ext>
-            </a:extLst>
-          </p:cNvPr>
-          <p:cNvSpPr>
-            <a:spLocks noGrp="1"/>
-          </p:cNvSpPr>
-          <p:nvPr>
-            <p:ph type="title"/>
-          </p:nvPr>
-        </p:nvSpPr>
-        <p:spPr/>
-        <p:txBody>
-          <a:bodyPr/>
-          <a:lstStyle/>
-          <a:p>
-            <a:r>
-              <a:rPr kumimoji="1" lang="ja-JP" altLang="en-US" dirty="0"/>
-              <a:t>　</a:t>
-            </a:r>
-            <a:r>
-              <a:rPr lang="en-US" altLang="ja-JP" dirty="0"/>
-              <a:t> </a:t>
-            </a:r>
-            <a:r>
-              <a:rPr kumimoji="1" lang="ja-JP" altLang="en-US" dirty="0"/>
-              <a:t>表の出力</a:t>
-            </a:r>
-          </a:p>
-        </p:txBody>
-      </p:sp>
-      <p:sp>
-        <p:nvSpPr>
-          <p:cNvPr id="3" name="コンテンツ プレースホルダー 2">
-            <a:extLst>
-              <a:ext uri="{FF2B5EF4-FFF2-40B4-BE49-F238E27FC236}">
-                <a16:creationId xmlns:a16="http://schemas.microsoft.com/office/drawing/2014/main" id="{6FF040E6-450C-42FD-DE45-E3DAD23C7FBF}"/>
-              </a:ext>
-            </a:extLst>
-          </p:cNvPr>
-          <p:cNvSpPr>
-            <a:spLocks noGrp="1"/>
-          </p:cNvSpPr>
-          <p:nvPr>
-            <p:ph idx="1"/>
-          </p:nvPr>
-        </p:nvSpPr>
-        <p:spPr/>
-        <p:txBody>
-          <a:bodyPr>
-            <a:normAutofit lnSpcReduction="10000"/>
-          </a:bodyPr>
-          <a:lstStyle/>
-          <a:p>
-            <a:r>
-              <a:rPr lang="en-US" altLang="ja-JP" dirty="0" err="1"/>
-              <a:t>gt</a:t>
-            </a:r>
-            <a:r>
-              <a:rPr lang="ja-JP" altLang="en-US" dirty="0"/>
-              <a:t>パッケージを追加で読み込む</a:t>
-            </a:r>
-            <a:endParaRPr lang="en-US" altLang="ja-JP" dirty="0"/>
-          </a:p>
-          <a:p>
-            <a:r>
-              <a:rPr lang="en-US" altLang="ja-JP" dirty="0" err="1"/>
-              <a:t>g</a:t>
-            </a:r>
-            <a:r>
-              <a:rPr kumimoji="1" lang="en-US" altLang="ja-JP" dirty="0" err="1"/>
-              <a:t>t</a:t>
-            </a:r>
-            <a:r>
-              <a:rPr kumimoji="1" lang="ja-JP" altLang="en-US" dirty="0"/>
-              <a:t>関数</a:t>
-            </a:r>
-            <a:r>
-              <a:rPr lang="ja-JP" altLang="en-US" dirty="0"/>
-              <a:t>に</a:t>
-            </a:r>
-            <a:r>
-              <a:rPr lang="en-US" altLang="ja-JP" dirty="0" err="1"/>
-              <a:t>df</a:t>
-            </a:r>
-            <a:r>
-              <a:rPr lang="ja-JP" altLang="en-US" dirty="0"/>
-              <a:t>を渡すことできれいな表を作成可能</a:t>
-            </a:r>
-            <a:endParaRPr lang="en-US" altLang="ja-JP" dirty="0"/>
-          </a:p>
-          <a:p>
-            <a:r>
-              <a:rPr kumimoji="1" lang="ja-JP" altLang="en-US" dirty="0"/>
-              <a:t>オプションによりグループ分けやタイトル・注釈の追加、数値の表記変換など柔軟に操作可能</a:t>
-            </a:r>
-            <a:endParaRPr kumimoji="1" lang="en-US" altLang="ja-JP" dirty="0"/>
-          </a:p>
-          <a:p>
-            <a:r>
-              <a:rPr lang="en-US" altLang="ja-JP" dirty="0" err="1"/>
-              <a:t>gtsave</a:t>
-            </a:r>
-            <a:r>
-              <a:rPr lang="ja-JP" altLang="en-US" dirty="0"/>
-              <a:t>関数により</a:t>
-            </a:r>
-            <a:r>
-              <a:rPr lang="en-US" altLang="ja-JP" dirty="0"/>
-              <a:t>pdf</a:t>
-            </a:r>
-            <a:r>
-              <a:rPr lang="ja-JP" altLang="en-US" dirty="0"/>
-              <a:t>や</a:t>
-            </a:r>
-            <a:r>
-              <a:rPr lang="en-US" altLang="ja-JP" dirty="0"/>
-              <a:t>latex</a:t>
-            </a:r>
-            <a:r>
-              <a:rPr lang="ja-JP" altLang="en-US" dirty="0"/>
-              <a:t>など様々な形で出力可能</a:t>
-            </a:r>
-            <a:endParaRPr lang="en-US" altLang="ja-JP" dirty="0"/>
-          </a:p>
-          <a:p>
-            <a:r>
-              <a:rPr lang="ja-JP" altLang="en-US" dirty="0"/>
-              <a:t>様々なサンプル</a:t>
-            </a:r>
-            <a:endParaRPr lang="en-US" altLang="ja-JP" dirty="0"/>
-          </a:p>
-          <a:p>
-            <a:pPr lvl="1"/>
-            <a:r>
-              <a:rPr lang="en-US" altLang="ja-JP" dirty="0">
-                <a:hlinkClick r:id="rId2"/>
-              </a:rPr>
-              <a:t>https://themockup.blog/posts/2022-06-13-gtextras-cran/</a:t>
-            </a:r>
-            <a:endParaRPr lang="en-US" altLang="ja-JP" dirty="0"/>
-          </a:p>
-          <a:p>
-            <a:r>
-              <a:rPr lang="ja-JP" altLang="en-US" dirty="0"/>
-              <a:t>同様の作業は</a:t>
-            </a:r>
-            <a:r>
-              <a:rPr lang="en-US" altLang="ja-JP" dirty="0" err="1"/>
-              <a:t>kableExtra</a:t>
-            </a:r>
-            <a:r>
-              <a:rPr lang="ja-JP" altLang="en-US" dirty="0"/>
-              <a:t>パッケージでも可能</a:t>
-            </a:r>
-            <a:endParaRPr kumimoji="1" lang="ja-JP" altLang="en-US" dirty="0"/>
-          </a:p>
-        </p:txBody>
-      </p:sp>
-      <p:sp>
-        <p:nvSpPr>
-          <p:cNvPr id="4" name="スライド番号プレースホルダー 3">
-            <a:extLst>
-              <a:ext uri="{FF2B5EF4-FFF2-40B4-BE49-F238E27FC236}">
-                <a16:creationId xmlns:a16="http://schemas.microsoft.com/office/drawing/2014/main" id="{9361BA3D-71C3-47E0-BB26-E80E4F1FCAA7}"/>
-              </a:ext>
-            </a:extLst>
-          </p:cNvPr>
-          <p:cNvSpPr>
-            <a:spLocks noGrp="1"/>
-          </p:cNvSpPr>
-          <p:nvPr>
-            <p:ph type="sldNum" sz="quarter" idx="12"/>
-          </p:nvPr>
-        </p:nvSpPr>
-        <p:spPr/>
-        <p:txBody>
-          <a:bodyPr/>
-          <a:lstStyle/>
-          <a:p>
-            <a:fld id="{C46B5F8E-405A-41C5-91DD-ABB74B733BFC}" type="slidenum">
-              <a:rPr kumimoji="1" lang="ja-JP" altLang="en-US" smtClean="0"/>
-              <a:t>24</a:t>
-            </a:fld>
-            <a:endParaRPr kumimoji="1" lang="ja-JP" altLang="en-US" dirty="0"/>
-          </a:p>
-        </p:txBody>
-      </p:sp>
-      <p:sp>
-        <p:nvSpPr>
-          <p:cNvPr id="5" name="フッター プレースホルダー 4">
-            <a:extLst>
-              <a:ext uri="{FF2B5EF4-FFF2-40B4-BE49-F238E27FC236}">
-                <a16:creationId xmlns:a16="http://schemas.microsoft.com/office/drawing/2014/main" id="{C09EE8F3-9FA9-89B1-6C2D-AED6AF57F2CF}"/>
-              </a:ext>
-            </a:extLst>
-          </p:cNvPr>
-          <p:cNvSpPr>
-            <a:spLocks noGrp="1"/>
-          </p:cNvSpPr>
-          <p:nvPr>
-            <p:ph type="ftr" sz="quarter" idx="3"/>
-          </p:nvPr>
-        </p:nvSpPr>
-        <p:spPr/>
-        <p:txBody>
-          <a:bodyPr/>
-          <a:lstStyle/>
-          <a:p>
-            <a:r>
-              <a:rPr kumimoji="1" lang="ja-JP" altLang="en-US"/>
-              <a:t>　</a:t>
-            </a:r>
-            <a:r>
-              <a:rPr kumimoji="1" lang="en-US" altLang="ja-JP"/>
-              <a:t>RA</a:t>
-            </a:r>
-            <a:r>
-              <a:rPr kumimoji="1" lang="ja-JP" altLang="en-US"/>
-              <a:t>ブートキャンプ　事前レクチャー</a:t>
-            </a:r>
-            <a:endParaRPr kumimoji="1" lang="ja-JP" altLang="en-US" dirty="0"/>
-          </a:p>
-        </p:txBody>
-      </p:sp>
-      <p:sp>
-        <p:nvSpPr>
-          <p:cNvPr id="6" name="日付プレースホルダー 5">
-            <a:extLst>
-              <a:ext uri="{FF2B5EF4-FFF2-40B4-BE49-F238E27FC236}">
-                <a16:creationId xmlns:a16="http://schemas.microsoft.com/office/drawing/2014/main" id="{C8E64DE3-1FE6-D392-533A-234E140010D6}"/>
-              </a:ext>
-            </a:extLst>
-          </p:cNvPr>
-          <p:cNvSpPr>
-            <a:spLocks noGrp="1"/>
-          </p:cNvSpPr>
-          <p:nvPr>
-            <p:ph type="dt" sz="half" idx="2"/>
-          </p:nvPr>
-        </p:nvSpPr>
-        <p:spPr/>
-        <p:txBody>
-          <a:bodyPr/>
-          <a:lstStyle/>
-          <a:p>
-            <a:r>
-              <a:rPr kumimoji="1" lang="en-US" altLang="ja-JP"/>
-              <a:t>2025/8/12</a:t>
-            </a:r>
-            <a:endParaRPr kumimoji="1" lang="ja-JP" altLang="en-US" dirty="0"/>
-          </a:p>
-        </p:txBody>
-      </p:sp>
-      <p:sp>
-        <p:nvSpPr>
-          <p:cNvPr id="7" name="テキスト プレースホルダー 6">
-            <a:extLst>
-              <a:ext uri="{FF2B5EF4-FFF2-40B4-BE49-F238E27FC236}">
-                <a16:creationId xmlns:a16="http://schemas.microsoft.com/office/drawing/2014/main" id="{CD8D773C-2BDE-9491-04E3-757AB9AAC5E6}"/>
-              </a:ext>
-            </a:extLst>
-          </p:cNvPr>
-          <p:cNvSpPr>
-            <a:spLocks noGrp="1"/>
-          </p:cNvSpPr>
-          <p:nvPr>
-            <p:ph type="body" sz="quarter" idx="13"/>
-          </p:nvPr>
-        </p:nvSpPr>
-        <p:spPr/>
-        <p:txBody>
-          <a:bodyPr/>
-          <a:lstStyle/>
-          <a:p>
-            <a:r>
-              <a:rPr kumimoji="1" lang="ja-JP" altLang="en-US" dirty="0"/>
-              <a:t>　可視化</a:t>
-            </a:r>
-          </a:p>
-        </p:txBody>
-      </p:sp>
-    </p:spTree>
-    <p:extLst>
-      <p:ext uri="{BB962C8B-B14F-4D97-AF65-F5344CB8AC3E}">
-        <p14:creationId xmlns:p14="http://schemas.microsoft.com/office/powerpoint/2010/main" val="4079320506"/>
-      </p:ext>
-    </p:extLst>
-  </p:cSld>
-  <p:clrMapOvr>
-    <a:masterClrMapping/>
-  </p:clrMapOvr>
-</p:sld>
-</file>
-
 <file path=ppt/slides/slide25.xml><?xml version="1.0" encoding="utf-8"?>
 <p:sld xmlns:a="http://schemas.openxmlformats.org/drawingml/2006/main" xmlns:r="http://schemas.openxmlformats.org/officeDocument/2006/relationships" xmlns:p="http://schemas.openxmlformats.org/presentationml/2006/main">
   <p:cSld>
@@ -14295,7 +14150,7 @@
           <p:cNvPr id="2" name="タイトル 1">
             <a:extLst>
               <a:ext uri="{FF2B5EF4-FFF2-40B4-BE49-F238E27FC236}">
-                <a16:creationId xmlns:a16="http://schemas.microsoft.com/office/drawing/2014/main" id="{F6DE385A-6883-43A4-06BD-68A5350FD30A}"/>
+                <a16:creationId xmlns:a16="http://schemas.microsoft.com/office/drawing/2014/main" id="{F979FF85-ACA5-329F-9344-901B39A6DD1A}"/>
               </a:ext>
             </a:extLst>
           </p:cNvPr>
@@ -14313,7 +14168,15 @@
           <a:p>
             <a:r>
               <a:rPr kumimoji="1" lang="ja-JP" altLang="en-US" dirty="0"/>
-              <a:t>　記述統計表の作成</a:t>
+              <a:t>　</a:t>
+            </a:r>
+            <a:r>
+              <a:rPr lang="en-US" altLang="ja-JP" dirty="0"/>
+              <a:t> </a:t>
+            </a:r>
+            <a:r>
+              <a:rPr kumimoji="1" lang="ja-JP" altLang="en-US" dirty="0"/>
+              <a:t>表の出力</a:t>
             </a:r>
           </a:p>
         </p:txBody>
@@ -14323,7 +14186,7 @@
           <p:cNvPr id="3" name="コンテンツ プレースホルダー 2">
             <a:extLst>
               <a:ext uri="{FF2B5EF4-FFF2-40B4-BE49-F238E27FC236}">
-                <a16:creationId xmlns:a16="http://schemas.microsoft.com/office/drawing/2014/main" id="{D8B74654-5AEE-1A09-CBBD-6971C2850FE1}"/>
+                <a16:creationId xmlns:a16="http://schemas.microsoft.com/office/drawing/2014/main" id="{6FF040E6-450C-42FD-DE45-E3DAD23C7FBF}"/>
               </a:ext>
             </a:extLst>
           </p:cNvPr>
@@ -14334,15 +14197,23 @@
             <p:ph idx="1"/>
           </p:nvPr>
         </p:nvSpPr>
-        <p:spPr>
-          <a:xfrm>
-            <a:off x="628649" y="1825625"/>
-            <a:ext cx="8049683" cy="4351338"/>
-          </a:xfrm>
-        </p:spPr>
-        <p:txBody>
-          <a:bodyPr/>
-          <a:lstStyle/>
+        <p:spPr/>
+        <p:txBody>
+          <a:bodyPr>
+            <a:normAutofit lnSpcReduction="10000"/>
+          </a:bodyPr>
+          <a:lstStyle/>
+          <a:p>
+            <a:r>
+              <a:rPr lang="en-US" altLang="ja-JP" dirty="0" err="1"/>
+              <a:t>gt</a:t>
+            </a:r>
+            <a:r>
+              <a:rPr lang="ja-JP" altLang="en-US" dirty="0"/>
+              <a:t>パッケージを追加で読み込む</a:t>
+            </a:r>
+            <a:endParaRPr lang="en-US" altLang="ja-JP" dirty="0"/>
+          </a:p>
           <a:p>
             <a:r>
               <a:rPr lang="en-US" altLang="ja-JP" dirty="0" err="1"/>
@@ -14350,22 +14221,15 @@
             </a:r>
             <a:r>
               <a:rPr kumimoji="1" lang="en-US" altLang="ja-JP" dirty="0" err="1"/>
-              <a:t>tsummary</a:t>
+              <a:t>t</a:t>
             </a:r>
             <a:r>
               <a:rPr kumimoji="1" lang="ja-JP" altLang="en-US" dirty="0"/>
-              <a:t>パッケージを追加で読み込む</a:t>
-            </a:r>
-            <a:endParaRPr kumimoji="1" lang="en-US" altLang="ja-JP" dirty="0"/>
-          </a:p>
-          <a:p>
-            <a:r>
-              <a:rPr lang="en-US" altLang="ja-JP" dirty="0" err="1"/>
-              <a:t>tbl_summary</a:t>
+              <a:t>関数</a:t>
             </a:r>
             <a:r>
               <a:rPr lang="ja-JP" altLang="en-US" dirty="0"/>
-              <a:t>関数に</a:t>
+              <a:t>に</a:t>
             </a:r>
             <a:r>
               <a:rPr lang="en-US" altLang="ja-JP" dirty="0" err="1"/>
@@ -14373,45 +14237,74 @@
             </a:r>
             <a:r>
               <a:rPr lang="ja-JP" altLang="en-US" dirty="0"/>
-              <a:t>を渡すことで記述統計表を作成</a:t>
+              <a:t>を渡すことできれいな表を作成可能</a:t>
             </a:r>
             <a:endParaRPr lang="en-US" altLang="ja-JP" dirty="0"/>
           </a:p>
           <a:p>
             <a:r>
+              <a:rPr kumimoji="1" lang="ja-JP" altLang="en-US" dirty="0"/>
+              <a:t>オプションによりグループ分けやタイトル・注釈の追加、数値の表記変換など柔軟に操作可能</a:t>
+            </a:r>
+            <a:endParaRPr kumimoji="1" lang="en-US" altLang="ja-JP" dirty="0"/>
+          </a:p>
+          <a:p>
+            <a:r>
+              <a:rPr lang="en-US" altLang="ja-JP" dirty="0" err="1"/>
+              <a:t>gtsave</a:t>
+            </a:r>
+            <a:r>
               <a:rPr lang="ja-JP" altLang="en-US" dirty="0"/>
-              <a:t>オプションによりグループ別の値の算出や、計算する統計量の指定、変数の差の</a:t>
+              <a:t>関数により</a:t>
             </a:r>
             <a:r>
               <a:rPr lang="en-US" altLang="ja-JP" dirty="0"/>
-              <a:t>t</a:t>
+              <a:t>pdf</a:t>
             </a:r>
             <a:r>
               <a:rPr lang="ja-JP" altLang="en-US" dirty="0"/>
-              <a:t>検定などが可能</a:t>
+              <a:t>や</a:t>
+            </a:r>
+            <a:r>
+              <a:rPr lang="en-US" altLang="ja-JP" dirty="0"/>
+              <a:t>latex</a:t>
+            </a:r>
+            <a:r>
+              <a:rPr lang="ja-JP" altLang="en-US" dirty="0"/>
+              <a:t>など様々な形で出力可能</a:t>
             </a:r>
             <a:endParaRPr lang="en-US" altLang="ja-JP" dirty="0"/>
           </a:p>
           <a:p>
             <a:r>
+              <a:rPr lang="ja-JP" altLang="en-US" dirty="0"/>
+              <a:t>様々なサンプル</a:t>
+            </a:r>
+            <a:endParaRPr lang="en-US" altLang="ja-JP" dirty="0"/>
+          </a:p>
+          <a:p>
+            <a:pPr lvl="1"/>
+            <a:r>
+              <a:rPr lang="en-US" altLang="ja-JP" dirty="0">
+                <a:hlinkClick r:id="rId2"/>
+              </a:rPr>
+              <a:t>https://themockup.blog/posts/2022-06-13-gtextras-cran/</a:t>
+            </a:r>
+            <a:endParaRPr lang="en-US" altLang="ja-JP" dirty="0"/>
+          </a:p>
+          <a:p>
+            <a:r>
+              <a:rPr lang="ja-JP" altLang="en-US" dirty="0"/>
+              <a:t>同様の作業は</a:t>
+            </a:r>
+            <a:r>
               <a:rPr lang="en-US" altLang="ja-JP" dirty="0" err="1"/>
-              <a:t>summarise</a:t>
+              <a:t>kableExtra</a:t>
             </a:r>
             <a:r>
               <a:rPr lang="ja-JP" altLang="en-US" dirty="0"/>
-              <a:t>関数でデータフレームを加工し、</a:t>
-            </a:r>
-            <a:r>
-              <a:rPr lang="en-US" altLang="ja-JP" dirty="0" err="1"/>
-              <a:t>gt</a:t>
-            </a:r>
-            <a:r>
-              <a:rPr lang="ja-JP" altLang="en-US" dirty="0"/>
-              <a:t>で表を作成することも可能</a:t>
-            </a:r>
-            <a:endParaRPr lang="en-US" altLang="ja-JP" dirty="0"/>
-          </a:p>
-          <a:p>
+              <a:t>パッケージでも可能</a:t>
+            </a:r>
             <a:endParaRPr kumimoji="1" lang="ja-JP" altLang="en-US" dirty="0"/>
           </a:p>
         </p:txBody>
@@ -14421,7 +14314,7 @@
           <p:cNvPr id="4" name="スライド番号プレースホルダー 3">
             <a:extLst>
               <a:ext uri="{FF2B5EF4-FFF2-40B4-BE49-F238E27FC236}">
-                <a16:creationId xmlns:a16="http://schemas.microsoft.com/office/drawing/2014/main" id="{E299FB20-D395-D3C9-C5D5-FBADCB21B1F2}"/>
+                <a16:creationId xmlns:a16="http://schemas.microsoft.com/office/drawing/2014/main" id="{9361BA3D-71C3-47E0-BB26-E80E4F1FCAA7}"/>
               </a:ext>
             </a:extLst>
           </p:cNvPr>
@@ -14450,7 +14343,7 @@
           <p:cNvPr id="5" name="フッター プレースホルダー 4">
             <a:extLst>
               <a:ext uri="{FF2B5EF4-FFF2-40B4-BE49-F238E27FC236}">
-                <a16:creationId xmlns:a16="http://schemas.microsoft.com/office/drawing/2014/main" id="{F3BD4714-5FF7-F350-A91A-8A11D6246F3E}"/>
+                <a16:creationId xmlns:a16="http://schemas.microsoft.com/office/drawing/2014/main" id="{C09EE8F3-9FA9-89B1-6C2D-AED6AF57F2CF}"/>
               </a:ext>
             </a:extLst>
           </p:cNvPr>
@@ -14487,7 +14380,7 @@
           <p:cNvPr id="6" name="日付プレースホルダー 5">
             <a:extLst>
               <a:ext uri="{FF2B5EF4-FFF2-40B4-BE49-F238E27FC236}">
-                <a16:creationId xmlns:a16="http://schemas.microsoft.com/office/drawing/2014/main" id="{3F5F52C2-4511-D3E2-B952-F5138604939E}"/>
+                <a16:creationId xmlns:a16="http://schemas.microsoft.com/office/drawing/2014/main" id="{C8E64DE3-1FE6-D392-533A-234E140010D6}"/>
               </a:ext>
             </a:extLst>
           </p:cNvPr>
@@ -14516,7 +14409,7 @@
           <p:cNvPr id="7" name="テキスト プレースホルダー 6">
             <a:extLst>
               <a:ext uri="{FF2B5EF4-FFF2-40B4-BE49-F238E27FC236}">
-                <a16:creationId xmlns:a16="http://schemas.microsoft.com/office/drawing/2014/main" id="{80B16DD7-BD85-9DA0-B437-22C7CE76E88F}"/>
+                <a16:creationId xmlns:a16="http://schemas.microsoft.com/office/drawing/2014/main" id="{CD8D773C-2BDE-9491-04E3-757AB9AAC5E6}"/>
               </a:ext>
             </a:extLst>
           </p:cNvPr>
@@ -14533,17 +14426,16 @@
           <a:lstStyle/>
           <a:p>
             <a:r>
-              <a:rPr lang="ja-JP" altLang="en-US" dirty="0"/>
+              <a:rPr kumimoji="1" lang="ja-JP" altLang="en-US" dirty="0"/>
               <a:t>　可視化</a:t>
             </a:r>
-            <a:endParaRPr kumimoji="1" lang="ja-JP" altLang="en-US" dirty="0"/>
           </a:p>
         </p:txBody>
       </p:sp>
     </p:spTree>
     <p:extLst>
       <p:ext uri="{BB962C8B-B14F-4D97-AF65-F5344CB8AC3E}">
-        <p14:creationId xmlns:p14="http://schemas.microsoft.com/office/powerpoint/2010/main" val="3590036358"/>
+        <p14:creationId xmlns:p14="http://schemas.microsoft.com/office/powerpoint/2010/main" val="4079320506"/>
       </p:ext>
     </p:extLst>
   </p:cSld>
@@ -14575,7 +14467,7 @@
           <p:cNvPr id="2" name="タイトル 1">
             <a:extLst>
               <a:ext uri="{FF2B5EF4-FFF2-40B4-BE49-F238E27FC236}">
-                <a16:creationId xmlns:a16="http://schemas.microsoft.com/office/drawing/2014/main" id="{1659B406-1FEA-27CC-50D4-2A1DE4CDC2BE}"/>
+                <a16:creationId xmlns:a16="http://schemas.microsoft.com/office/drawing/2014/main" id="{F6DE385A-6883-43A4-06BD-68A5350FD30A}"/>
               </a:ext>
             </a:extLst>
           </p:cNvPr>
@@ -14593,52 +14485,106 @@
           <a:p>
             <a:r>
               <a:rPr kumimoji="1" lang="ja-JP" altLang="en-US" dirty="0"/>
-              <a:t>　</a:t>
-            </a:r>
-            <a:r>
-              <a:rPr kumimoji="1" lang="en-US" altLang="ja-JP" dirty="0"/>
-              <a:t>ggplot2</a:t>
+              <a:t>　記述統計表の作成</a:t>
+            </a:r>
+          </a:p>
+        </p:txBody>
+      </p:sp>
+      <p:sp>
+        <p:nvSpPr>
+          <p:cNvPr id="3" name="コンテンツ プレースホルダー 2">
+            <a:extLst>
+              <a:ext uri="{FF2B5EF4-FFF2-40B4-BE49-F238E27FC236}">
+                <a16:creationId xmlns:a16="http://schemas.microsoft.com/office/drawing/2014/main" id="{D8B74654-5AEE-1A09-CBBD-6971C2850FE1}"/>
+              </a:ext>
+            </a:extLst>
+          </p:cNvPr>
+          <p:cNvSpPr>
+            <a:spLocks noGrp="1"/>
+          </p:cNvSpPr>
+          <p:nvPr>
+            <p:ph idx="1"/>
+          </p:nvPr>
+        </p:nvSpPr>
+        <p:spPr>
+          <a:xfrm>
+            <a:off x="628649" y="1825625"/>
+            <a:ext cx="8049683" cy="4351338"/>
+          </a:xfrm>
+        </p:spPr>
+        <p:txBody>
+          <a:bodyPr/>
+          <a:lstStyle/>
+          <a:p>
+            <a:r>
+              <a:rPr lang="en-US" altLang="ja-JP" dirty="0" err="1"/>
+              <a:t>g</a:t>
+            </a:r>
+            <a:r>
+              <a:rPr kumimoji="1" lang="en-US" altLang="ja-JP" dirty="0" err="1"/>
+              <a:t>tsummary</a:t>
             </a:r>
             <a:r>
               <a:rPr kumimoji="1" lang="ja-JP" altLang="en-US" dirty="0"/>
-              <a:t>の基本的な考え方</a:t>
-            </a:r>
-          </a:p>
-        </p:txBody>
-      </p:sp>
-      <p:sp>
-        <p:nvSpPr>
-          <p:cNvPr id="3" name="コンテンツ プレースホルダー 2">
-            <a:extLst>
-              <a:ext uri="{FF2B5EF4-FFF2-40B4-BE49-F238E27FC236}">
-                <a16:creationId xmlns:a16="http://schemas.microsoft.com/office/drawing/2014/main" id="{B63817C8-06CC-4890-23D0-0DD0A23E40C0}"/>
-              </a:ext>
-            </a:extLst>
-          </p:cNvPr>
-          <p:cNvSpPr>
-            <a:spLocks noGrp="1"/>
-          </p:cNvSpPr>
-          <p:nvPr>
-            <p:ph idx="1"/>
-          </p:nvPr>
-        </p:nvSpPr>
-        <p:spPr/>
-        <p:txBody>
-          <a:bodyPr/>
-          <a:lstStyle/>
-          <a:p>
-            <a:r>
-              <a:rPr kumimoji="1" lang="ja-JP" altLang="en-US" dirty="0"/>
-              <a:t>キャンバスの上にグラフを重ねて</a:t>
-            </a:r>
-            <a:r>
-              <a:rPr kumimoji="1" lang="en-US" altLang="ja-JP" dirty="0"/>
-              <a:t>1</a:t>
-            </a:r>
-            <a:r>
-              <a:rPr kumimoji="1" lang="ja-JP" altLang="en-US" dirty="0"/>
-              <a:t>枚の絵にする</a:t>
-            </a:r>
+              <a:t>パッケージを追加で読み込む</a:t>
+            </a:r>
+            <a:endParaRPr kumimoji="1" lang="en-US" altLang="ja-JP" dirty="0"/>
+          </a:p>
+          <a:p>
+            <a:r>
+              <a:rPr lang="en-US" altLang="ja-JP" dirty="0" err="1"/>
+              <a:t>tbl_summary</a:t>
+            </a:r>
+            <a:r>
+              <a:rPr lang="ja-JP" altLang="en-US" dirty="0"/>
+              <a:t>関数に</a:t>
+            </a:r>
+            <a:r>
+              <a:rPr lang="en-US" altLang="ja-JP" dirty="0" err="1"/>
+              <a:t>df</a:t>
+            </a:r>
+            <a:r>
+              <a:rPr lang="ja-JP" altLang="en-US" dirty="0"/>
+              <a:t>を渡すことで記述統計表を作成</a:t>
+            </a:r>
+            <a:endParaRPr lang="en-US" altLang="ja-JP" dirty="0"/>
+          </a:p>
+          <a:p>
+            <a:r>
+              <a:rPr lang="ja-JP" altLang="en-US" dirty="0"/>
+              <a:t>オプションによりグループ別の値の算出や、計算する統計量の指定、変数の差の</a:t>
+            </a:r>
+            <a:r>
+              <a:rPr lang="en-US" altLang="ja-JP" dirty="0"/>
+              <a:t>t</a:t>
+            </a:r>
+            <a:r>
+              <a:rPr lang="ja-JP" altLang="en-US" dirty="0"/>
+              <a:t>検定などが可能</a:t>
+            </a:r>
+            <a:endParaRPr lang="en-US" altLang="ja-JP" dirty="0"/>
+          </a:p>
+          <a:p>
+            <a:r>
+              <a:rPr lang="en-US" altLang="ja-JP" dirty="0" err="1"/>
+              <a:t>summarise</a:t>
+            </a:r>
+            <a:r>
+              <a:rPr lang="ja-JP" altLang="en-US" dirty="0"/>
+              <a:t>関数でデータフレームを加工し、</a:t>
+            </a:r>
+            <a:r>
+              <a:rPr lang="en-US" altLang="ja-JP" dirty="0" err="1"/>
+              <a:t>gt</a:t>
+            </a:r>
+            <a:r>
+              <a:rPr lang="ja-JP" altLang="en-US" dirty="0"/>
+              <a:t>で表を作成することも可能</a:t>
+            </a:r>
+            <a:endParaRPr lang="en-US" altLang="ja-JP" dirty="0"/>
+          </a:p>
+          <a:p>
+            <a:endParaRPr kumimoji="1" lang="ja-JP" altLang="en-US" dirty="0"/>
           </a:p>
         </p:txBody>
       </p:sp>
@@ -14647,7 +14593,7 @@
           <p:cNvPr id="4" name="スライド番号プレースホルダー 3">
             <a:extLst>
               <a:ext uri="{FF2B5EF4-FFF2-40B4-BE49-F238E27FC236}">
-                <a16:creationId xmlns:a16="http://schemas.microsoft.com/office/drawing/2014/main" id="{2E03AB8A-6997-1C9D-B434-95B9281FEBA2}"/>
+                <a16:creationId xmlns:a16="http://schemas.microsoft.com/office/drawing/2014/main" id="{E299FB20-D395-D3C9-C5D5-FBADCB21B1F2}"/>
               </a:ext>
             </a:extLst>
           </p:cNvPr>
@@ -14676,7 +14622,7 @@
           <p:cNvPr id="5" name="フッター プレースホルダー 4">
             <a:extLst>
               <a:ext uri="{FF2B5EF4-FFF2-40B4-BE49-F238E27FC236}">
-                <a16:creationId xmlns:a16="http://schemas.microsoft.com/office/drawing/2014/main" id="{4F244571-CA65-D1AF-D0D1-F521DC0134C0}"/>
+                <a16:creationId xmlns:a16="http://schemas.microsoft.com/office/drawing/2014/main" id="{F3BD4714-5FF7-F350-A91A-8A11D6246F3E}"/>
               </a:ext>
             </a:extLst>
           </p:cNvPr>
@@ -14713,7 +14659,7 @@
           <p:cNvPr id="6" name="日付プレースホルダー 5">
             <a:extLst>
               <a:ext uri="{FF2B5EF4-FFF2-40B4-BE49-F238E27FC236}">
-                <a16:creationId xmlns:a16="http://schemas.microsoft.com/office/drawing/2014/main" id="{FAA97B63-24FD-A97F-5C83-5C61EE76CB99}"/>
+                <a16:creationId xmlns:a16="http://schemas.microsoft.com/office/drawing/2014/main" id="{3F5F52C2-4511-D3E2-B952-F5138604939E}"/>
               </a:ext>
             </a:extLst>
           </p:cNvPr>
@@ -14742,7 +14688,7 @@
           <p:cNvPr id="7" name="テキスト プレースホルダー 6">
             <a:extLst>
               <a:ext uri="{FF2B5EF4-FFF2-40B4-BE49-F238E27FC236}">
-                <a16:creationId xmlns:a16="http://schemas.microsoft.com/office/drawing/2014/main" id="{7E4E469A-0DA7-867C-8AB4-0F14928EBAEE}"/>
+                <a16:creationId xmlns:a16="http://schemas.microsoft.com/office/drawing/2014/main" id="{80B16DD7-BD85-9DA0-B437-22C7CE76E88F}"/>
               </a:ext>
             </a:extLst>
           </p:cNvPr>
@@ -14759,82 +14705,8 @@
           <a:lstStyle/>
           <a:p>
             <a:r>
-              <a:rPr kumimoji="1" lang="ja-JP" altLang="en-US" dirty="0"/>
+              <a:rPr lang="ja-JP" altLang="en-US" dirty="0"/>
               <a:t>　可視化</a:t>
-            </a:r>
-          </a:p>
-        </p:txBody>
-      </p:sp>
-      <p:pic>
-        <p:nvPicPr>
-          <p:cNvPr id="9" name="図 8">
-            <a:extLst>
-              <a:ext uri="{FF2B5EF4-FFF2-40B4-BE49-F238E27FC236}">
-                <a16:creationId xmlns:a16="http://schemas.microsoft.com/office/drawing/2014/main" id="{B09683A3-D654-C415-27A7-DD9D75E624B7}"/>
-              </a:ext>
-            </a:extLst>
-          </p:cNvPr>
-          <p:cNvPicPr>
-            <a:picLocks noChangeAspect="1"/>
-          </p:cNvPicPr>
-          <p:nvPr/>
-        </p:nvPicPr>
-        <p:blipFill>
-          <a:blip r:embed="rId2"/>
-          <a:stretch>
-            <a:fillRect/>
-          </a:stretch>
-        </p:blipFill>
-        <p:spPr>
-          <a:xfrm>
-            <a:off x="1600200" y="2685470"/>
-            <a:ext cx="5811061" cy="3057952"/>
-          </a:xfrm>
-          <a:prstGeom prst="rect">
-            <a:avLst/>
-          </a:prstGeom>
-        </p:spPr>
-      </p:pic>
-      <p:sp>
-        <p:nvSpPr>
-          <p:cNvPr id="10" name="テキスト ボックス 9">
-            <a:extLst>
-              <a:ext uri="{FF2B5EF4-FFF2-40B4-BE49-F238E27FC236}">
-                <a16:creationId xmlns:a16="http://schemas.microsoft.com/office/drawing/2014/main" id="{A88C4978-C3F8-256E-3265-5DAF3CBC721C}"/>
-              </a:ext>
-            </a:extLst>
-          </p:cNvPr>
-          <p:cNvSpPr txBox="1"/>
-          <p:nvPr/>
-        </p:nvSpPr>
-        <p:spPr>
-          <a:xfrm>
-            <a:off x="1913790" y="5946224"/>
-            <a:ext cx="5183879" cy="307777"/>
-          </a:xfrm>
-          <a:prstGeom prst="rect">
-            <a:avLst/>
-          </a:prstGeom>
-          <a:noFill/>
-        </p:spPr>
-        <p:txBody>
-          <a:bodyPr wrap="square" rtlCol="0">
-            <a:spAutoFit/>
-          </a:bodyPr>
-          <a:lstStyle/>
-          <a:p>
-            <a:pPr algn="r"/>
-            <a:r>
-              <a:rPr kumimoji="1" lang="ja-JP" altLang="en-US" sz="1400" dirty="0"/>
-              <a:t>（出所）私たちの</a:t>
-            </a:r>
-            <a:r>
-              <a:rPr kumimoji="1" lang="en-US" altLang="ja-JP" sz="1400" dirty="0"/>
-              <a:t>R</a:t>
-            </a:r>
-            <a:r>
-              <a:rPr kumimoji="1" lang="ja-JP" altLang="en-US" sz="1400" dirty="0"/>
-              <a:t>より引用</a:t>
             </a:r>
             <a:endParaRPr kumimoji="1" lang="ja-JP" altLang="en-US" dirty="0"/>
           </a:p>
@@ -14843,7 +14715,7 @@
     </p:spTree>
     <p:extLst>
       <p:ext uri="{BB962C8B-B14F-4D97-AF65-F5344CB8AC3E}">
-        <p14:creationId xmlns:p14="http://schemas.microsoft.com/office/powerpoint/2010/main" val="2589013712"/>
+        <p14:creationId xmlns:p14="http://schemas.microsoft.com/office/powerpoint/2010/main" val="3590036358"/>
       </p:ext>
     </p:extLst>
   </p:cSld>
@@ -14875,6 +14747,306 @@
           <p:cNvPr id="2" name="タイトル 1">
             <a:extLst>
               <a:ext uri="{FF2B5EF4-FFF2-40B4-BE49-F238E27FC236}">
+                <a16:creationId xmlns:a16="http://schemas.microsoft.com/office/drawing/2014/main" id="{1659B406-1FEA-27CC-50D4-2A1DE4CDC2BE}"/>
+              </a:ext>
+            </a:extLst>
+          </p:cNvPr>
+          <p:cNvSpPr>
+            <a:spLocks noGrp="1"/>
+          </p:cNvSpPr>
+          <p:nvPr>
+            <p:ph type="title"/>
+          </p:nvPr>
+        </p:nvSpPr>
+        <p:spPr/>
+        <p:txBody>
+          <a:bodyPr/>
+          <a:lstStyle/>
+          <a:p>
+            <a:r>
+              <a:rPr kumimoji="1" lang="ja-JP" altLang="en-US" dirty="0"/>
+              <a:t>　</a:t>
+            </a:r>
+            <a:r>
+              <a:rPr kumimoji="1" lang="en-US" altLang="ja-JP" dirty="0"/>
+              <a:t>ggplot2</a:t>
+            </a:r>
+            <a:r>
+              <a:rPr kumimoji="1" lang="ja-JP" altLang="en-US" dirty="0"/>
+              <a:t>の基本的な考え方</a:t>
+            </a:r>
+          </a:p>
+        </p:txBody>
+      </p:sp>
+      <p:sp>
+        <p:nvSpPr>
+          <p:cNvPr id="3" name="コンテンツ プレースホルダー 2">
+            <a:extLst>
+              <a:ext uri="{FF2B5EF4-FFF2-40B4-BE49-F238E27FC236}">
+                <a16:creationId xmlns:a16="http://schemas.microsoft.com/office/drawing/2014/main" id="{B63817C8-06CC-4890-23D0-0DD0A23E40C0}"/>
+              </a:ext>
+            </a:extLst>
+          </p:cNvPr>
+          <p:cNvSpPr>
+            <a:spLocks noGrp="1"/>
+          </p:cNvSpPr>
+          <p:nvPr>
+            <p:ph idx="1"/>
+          </p:nvPr>
+        </p:nvSpPr>
+        <p:spPr/>
+        <p:txBody>
+          <a:bodyPr/>
+          <a:lstStyle/>
+          <a:p>
+            <a:r>
+              <a:rPr kumimoji="1" lang="ja-JP" altLang="en-US" dirty="0"/>
+              <a:t>キャンバスの上にグラフを重ねて</a:t>
+            </a:r>
+            <a:r>
+              <a:rPr kumimoji="1" lang="en-US" altLang="ja-JP" dirty="0"/>
+              <a:t>1</a:t>
+            </a:r>
+            <a:r>
+              <a:rPr kumimoji="1" lang="ja-JP" altLang="en-US" dirty="0"/>
+              <a:t>枚の絵にする</a:t>
+            </a:r>
+          </a:p>
+        </p:txBody>
+      </p:sp>
+      <p:sp>
+        <p:nvSpPr>
+          <p:cNvPr id="4" name="スライド番号プレースホルダー 3">
+            <a:extLst>
+              <a:ext uri="{FF2B5EF4-FFF2-40B4-BE49-F238E27FC236}">
+                <a16:creationId xmlns:a16="http://schemas.microsoft.com/office/drawing/2014/main" id="{2E03AB8A-6997-1C9D-B434-95B9281FEBA2}"/>
+              </a:ext>
+            </a:extLst>
+          </p:cNvPr>
+          <p:cNvSpPr>
+            <a:spLocks noGrp="1"/>
+          </p:cNvSpPr>
+          <p:nvPr>
+            <p:ph type="sldNum" sz="quarter" idx="12"/>
+          </p:nvPr>
+        </p:nvSpPr>
+        <p:spPr/>
+        <p:txBody>
+          <a:bodyPr/>
+          <a:lstStyle/>
+          <a:p>
+            <a:fld id="{C46B5F8E-405A-41C5-91DD-ABB74B733BFC}" type="slidenum">
+              <a:rPr kumimoji="1" lang="ja-JP" altLang="en-US" smtClean="0"/>
+              <a:t>27</a:t>
+            </a:fld>
+            <a:endParaRPr kumimoji="1" lang="ja-JP" altLang="en-US" dirty="0"/>
+          </a:p>
+        </p:txBody>
+      </p:sp>
+      <p:sp>
+        <p:nvSpPr>
+          <p:cNvPr id="5" name="フッター プレースホルダー 4">
+            <a:extLst>
+              <a:ext uri="{FF2B5EF4-FFF2-40B4-BE49-F238E27FC236}">
+                <a16:creationId xmlns:a16="http://schemas.microsoft.com/office/drawing/2014/main" id="{4F244571-CA65-D1AF-D0D1-F521DC0134C0}"/>
+              </a:ext>
+            </a:extLst>
+          </p:cNvPr>
+          <p:cNvSpPr>
+            <a:spLocks noGrp="1"/>
+          </p:cNvSpPr>
+          <p:nvPr>
+            <p:ph type="ftr" sz="quarter" idx="3"/>
+          </p:nvPr>
+        </p:nvSpPr>
+        <p:spPr/>
+        <p:txBody>
+          <a:bodyPr/>
+          <a:lstStyle/>
+          <a:p>
+            <a:r>
+              <a:rPr kumimoji="1" lang="ja-JP" altLang="en-US"/>
+              <a:t>　</a:t>
+            </a:r>
+            <a:r>
+              <a:rPr kumimoji="1" lang="en-US" altLang="ja-JP"/>
+              <a:t>RA</a:t>
+            </a:r>
+            <a:r>
+              <a:rPr kumimoji="1" lang="ja-JP" altLang="en-US"/>
+              <a:t>ブートキャンプ　事前レクチャー</a:t>
+            </a:r>
+            <a:endParaRPr kumimoji="1" lang="ja-JP" altLang="en-US" dirty="0"/>
+          </a:p>
+        </p:txBody>
+      </p:sp>
+      <p:sp>
+        <p:nvSpPr>
+          <p:cNvPr id="6" name="日付プレースホルダー 5">
+            <a:extLst>
+              <a:ext uri="{FF2B5EF4-FFF2-40B4-BE49-F238E27FC236}">
+                <a16:creationId xmlns:a16="http://schemas.microsoft.com/office/drawing/2014/main" id="{FAA97B63-24FD-A97F-5C83-5C61EE76CB99}"/>
+              </a:ext>
+            </a:extLst>
+          </p:cNvPr>
+          <p:cNvSpPr>
+            <a:spLocks noGrp="1"/>
+          </p:cNvSpPr>
+          <p:nvPr>
+            <p:ph type="dt" sz="half" idx="2"/>
+          </p:nvPr>
+        </p:nvSpPr>
+        <p:spPr/>
+        <p:txBody>
+          <a:bodyPr/>
+          <a:lstStyle/>
+          <a:p>
+            <a:r>
+              <a:rPr kumimoji="1" lang="en-US" altLang="ja-JP"/>
+              <a:t>2025/8/12</a:t>
+            </a:r>
+            <a:endParaRPr kumimoji="1" lang="ja-JP" altLang="en-US" dirty="0"/>
+          </a:p>
+        </p:txBody>
+      </p:sp>
+      <p:sp>
+        <p:nvSpPr>
+          <p:cNvPr id="7" name="テキスト プレースホルダー 6">
+            <a:extLst>
+              <a:ext uri="{FF2B5EF4-FFF2-40B4-BE49-F238E27FC236}">
+                <a16:creationId xmlns:a16="http://schemas.microsoft.com/office/drawing/2014/main" id="{7E4E469A-0DA7-867C-8AB4-0F14928EBAEE}"/>
+              </a:ext>
+            </a:extLst>
+          </p:cNvPr>
+          <p:cNvSpPr>
+            <a:spLocks noGrp="1"/>
+          </p:cNvSpPr>
+          <p:nvPr>
+            <p:ph type="body" sz="quarter" idx="13"/>
+          </p:nvPr>
+        </p:nvSpPr>
+        <p:spPr/>
+        <p:txBody>
+          <a:bodyPr/>
+          <a:lstStyle/>
+          <a:p>
+            <a:r>
+              <a:rPr kumimoji="1" lang="ja-JP" altLang="en-US" dirty="0"/>
+              <a:t>　可視化</a:t>
+            </a:r>
+          </a:p>
+        </p:txBody>
+      </p:sp>
+      <p:pic>
+        <p:nvPicPr>
+          <p:cNvPr id="9" name="図 8">
+            <a:extLst>
+              <a:ext uri="{FF2B5EF4-FFF2-40B4-BE49-F238E27FC236}">
+                <a16:creationId xmlns:a16="http://schemas.microsoft.com/office/drawing/2014/main" id="{B09683A3-D654-C415-27A7-DD9D75E624B7}"/>
+              </a:ext>
+            </a:extLst>
+          </p:cNvPr>
+          <p:cNvPicPr>
+            <a:picLocks noChangeAspect="1"/>
+          </p:cNvPicPr>
+          <p:nvPr/>
+        </p:nvPicPr>
+        <p:blipFill>
+          <a:blip r:embed="rId2"/>
+          <a:stretch>
+            <a:fillRect/>
+          </a:stretch>
+        </p:blipFill>
+        <p:spPr>
+          <a:xfrm>
+            <a:off x="1600200" y="2685470"/>
+            <a:ext cx="5811061" cy="3057952"/>
+          </a:xfrm>
+          <a:prstGeom prst="rect">
+            <a:avLst/>
+          </a:prstGeom>
+        </p:spPr>
+      </p:pic>
+      <p:sp>
+        <p:nvSpPr>
+          <p:cNvPr id="10" name="テキスト ボックス 9">
+            <a:extLst>
+              <a:ext uri="{FF2B5EF4-FFF2-40B4-BE49-F238E27FC236}">
+                <a16:creationId xmlns:a16="http://schemas.microsoft.com/office/drawing/2014/main" id="{A88C4978-C3F8-256E-3265-5DAF3CBC721C}"/>
+              </a:ext>
+            </a:extLst>
+          </p:cNvPr>
+          <p:cNvSpPr txBox="1"/>
+          <p:nvPr/>
+        </p:nvSpPr>
+        <p:spPr>
+          <a:xfrm>
+            <a:off x="1913790" y="5946224"/>
+            <a:ext cx="5183879" cy="307777"/>
+          </a:xfrm>
+          <a:prstGeom prst="rect">
+            <a:avLst/>
+          </a:prstGeom>
+          <a:noFill/>
+        </p:spPr>
+        <p:txBody>
+          <a:bodyPr wrap="square" rtlCol="0">
+            <a:spAutoFit/>
+          </a:bodyPr>
+          <a:lstStyle/>
+          <a:p>
+            <a:pPr algn="r"/>
+            <a:r>
+              <a:rPr kumimoji="1" lang="ja-JP" altLang="en-US" sz="1400" dirty="0"/>
+              <a:t>（出所）私たちの</a:t>
+            </a:r>
+            <a:r>
+              <a:rPr kumimoji="1" lang="en-US" altLang="ja-JP" sz="1400" dirty="0"/>
+              <a:t>R</a:t>
+            </a:r>
+            <a:r>
+              <a:rPr kumimoji="1" lang="ja-JP" altLang="en-US" sz="1400" dirty="0"/>
+              <a:t>より引用</a:t>
+            </a:r>
+            <a:endParaRPr kumimoji="1" lang="ja-JP" altLang="en-US" dirty="0"/>
+          </a:p>
+        </p:txBody>
+      </p:sp>
+    </p:spTree>
+    <p:extLst>
+      <p:ext uri="{BB962C8B-B14F-4D97-AF65-F5344CB8AC3E}">
+        <p14:creationId xmlns:p14="http://schemas.microsoft.com/office/powerpoint/2010/main" val="2589013712"/>
+      </p:ext>
+    </p:extLst>
+  </p:cSld>
+  <p:clrMapOvr>
+    <a:masterClrMapping/>
+  </p:clrMapOvr>
+</p:sld>
+</file>
+
+<file path=ppt/slides/slide28.xml><?xml version="1.0" encoding="utf-8"?>
+<p:sld xmlns:a="http://schemas.openxmlformats.org/drawingml/2006/main" xmlns:r="http://schemas.openxmlformats.org/officeDocument/2006/relationships" xmlns:p="http://schemas.openxmlformats.org/presentationml/2006/main">
+  <p:cSld>
+    <p:spTree>
+      <p:nvGrpSpPr>
+        <p:cNvPr id="1" name=""/>
+        <p:cNvGrpSpPr/>
+        <p:nvPr/>
+      </p:nvGrpSpPr>
+      <p:grpSpPr>
+        <a:xfrm>
+          <a:off x="0" y="0"/>
+          <a:ext cx="0" cy="0"/>
+          <a:chOff x="0" y="0"/>
+          <a:chExt cx="0" cy="0"/>
+        </a:xfrm>
+      </p:grpSpPr>
+      <p:sp>
+        <p:nvSpPr>
+          <p:cNvPr id="2" name="タイトル 1">
+            <a:extLst>
+              <a:ext uri="{FF2B5EF4-FFF2-40B4-BE49-F238E27FC236}">
                 <a16:creationId xmlns:a16="http://schemas.microsoft.com/office/drawing/2014/main" id="{55612964-E6A3-8B0E-9AA1-4B341641B62E}"/>
               </a:ext>
             </a:extLst>
@@ -15036,7 +15208,7 @@
           <a:p>
             <a:fld id="{C46B5F8E-405A-41C5-91DD-ABB74B733BFC}" type="slidenum">
               <a:rPr kumimoji="1" lang="ja-JP" altLang="en-US" smtClean="0"/>
-              <a:t>27</a:t>
+              <a:t>28</a:t>
             </a:fld>
             <a:endParaRPr kumimoji="1" lang="ja-JP" altLang="en-US" dirty="0"/>
           </a:p>
@@ -15545,336 +15717,6 @@
 </p:sld>
 </file>
 
-<file path=ppt/slides/slide28.xml><?xml version="1.0" encoding="utf-8"?>
-<p:sld xmlns:a="http://schemas.openxmlformats.org/drawingml/2006/main" xmlns:r="http://schemas.openxmlformats.org/officeDocument/2006/relationships" xmlns:p="http://schemas.openxmlformats.org/presentationml/2006/main">
-  <p:cSld>
-    <p:spTree>
-      <p:nvGrpSpPr>
-        <p:cNvPr id="1" name=""/>
-        <p:cNvGrpSpPr/>
-        <p:nvPr/>
-      </p:nvGrpSpPr>
-      <p:grpSpPr>
-        <a:xfrm>
-          <a:off x="0" y="0"/>
-          <a:ext cx="0" cy="0"/>
-          <a:chOff x="0" y="0"/>
-          <a:chExt cx="0" cy="0"/>
-        </a:xfrm>
-      </p:grpSpPr>
-      <p:sp>
-        <p:nvSpPr>
-          <p:cNvPr id="2" name="タイトル 1">
-            <a:extLst>
-              <a:ext uri="{FF2B5EF4-FFF2-40B4-BE49-F238E27FC236}">
-                <a16:creationId xmlns:a16="http://schemas.microsoft.com/office/drawing/2014/main" id="{ADCF54D2-B3CB-8792-FC40-14CF16723A83}"/>
-              </a:ext>
-            </a:extLst>
-          </p:cNvPr>
-          <p:cNvSpPr>
-            <a:spLocks noGrp="1"/>
-          </p:cNvSpPr>
-          <p:nvPr>
-            <p:ph type="title"/>
-          </p:nvPr>
-        </p:nvSpPr>
-        <p:spPr/>
-        <p:txBody>
-          <a:bodyPr/>
-          <a:lstStyle/>
-          <a:p>
-            <a:r>
-              <a:rPr kumimoji="1" lang="ja-JP" altLang="en-US" dirty="0"/>
-              <a:t>　</a:t>
-            </a:r>
-            <a:r>
-              <a:rPr kumimoji="1" lang="en-US" altLang="ja-JP" dirty="0"/>
-              <a:t>ggplot2</a:t>
-            </a:r>
-            <a:r>
-              <a:rPr kumimoji="1" lang="ja-JP" altLang="en-US" dirty="0"/>
-              <a:t>による様々なグラフ</a:t>
-            </a:r>
-          </a:p>
-        </p:txBody>
-      </p:sp>
-      <p:sp>
-        <p:nvSpPr>
-          <p:cNvPr id="3" name="コンテンツ プレースホルダー 2">
-            <a:extLst>
-              <a:ext uri="{FF2B5EF4-FFF2-40B4-BE49-F238E27FC236}">
-                <a16:creationId xmlns:a16="http://schemas.microsoft.com/office/drawing/2014/main" id="{6E3E6D07-A710-3D64-1057-7727F1A21121}"/>
-              </a:ext>
-            </a:extLst>
-          </p:cNvPr>
-          <p:cNvSpPr>
-            <a:spLocks noGrp="1"/>
-          </p:cNvSpPr>
-          <p:nvPr>
-            <p:ph idx="1"/>
-          </p:nvPr>
-        </p:nvSpPr>
-        <p:spPr/>
-        <p:txBody>
-          <a:bodyPr/>
-          <a:lstStyle/>
-          <a:p>
-            <a:r>
-              <a:rPr kumimoji="1" lang="ja-JP" altLang="en-US" dirty="0"/>
-              <a:t>主な幾何オブジェクト（</a:t>
-            </a:r>
-            <a:r>
-              <a:rPr kumimoji="1" lang="en-US" altLang="ja-JP" dirty="0"/>
-              <a:t>geometry object</a:t>
-            </a:r>
-            <a:r>
-              <a:rPr kumimoji="1" lang="ja-JP" altLang="en-US" dirty="0"/>
-              <a:t>）</a:t>
-            </a:r>
-            <a:endParaRPr kumimoji="1" lang="en-US" altLang="ja-JP" dirty="0"/>
-          </a:p>
-          <a:p>
-            <a:pPr lvl="1"/>
-            <a:r>
-              <a:rPr lang="en-US" altLang="ja-JP" dirty="0" err="1"/>
-              <a:t>geom_histogram</a:t>
-            </a:r>
-            <a:r>
-              <a:rPr lang="en-US" altLang="ja-JP" dirty="0"/>
-              <a:t>	…</a:t>
-            </a:r>
-            <a:r>
-              <a:rPr lang="ja-JP" altLang="en-US" dirty="0"/>
-              <a:t>　ヒストグラム</a:t>
-            </a:r>
-            <a:endParaRPr lang="en-US" altLang="ja-JP" dirty="0"/>
-          </a:p>
-          <a:p>
-            <a:pPr lvl="1"/>
-            <a:r>
-              <a:rPr lang="en-US" altLang="ja-JP" dirty="0" err="1"/>
-              <a:t>geom_density</a:t>
-            </a:r>
-            <a:r>
-              <a:rPr lang="en-US" altLang="ja-JP" dirty="0"/>
-              <a:t>	…</a:t>
-            </a:r>
-            <a:r>
-              <a:rPr lang="ja-JP" altLang="en-US" dirty="0"/>
-              <a:t>　密度曲線</a:t>
-            </a:r>
-            <a:endParaRPr lang="en-US" altLang="ja-JP" dirty="0"/>
-          </a:p>
-          <a:p>
-            <a:pPr lvl="1"/>
-            <a:r>
-              <a:rPr lang="en-US" altLang="ja-JP" dirty="0" err="1"/>
-              <a:t>geom_point</a:t>
-            </a:r>
-            <a:r>
-              <a:rPr lang="en-US" altLang="ja-JP" dirty="0"/>
-              <a:t>	…</a:t>
-            </a:r>
-            <a:r>
-              <a:rPr lang="ja-JP" altLang="en-US" dirty="0"/>
-              <a:t>　散布図</a:t>
-            </a:r>
-            <a:endParaRPr lang="en-US" altLang="ja-JP" dirty="0"/>
-          </a:p>
-          <a:p>
-            <a:pPr lvl="1"/>
-            <a:r>
-              <a:rPr lang="en-US" altLang="ja-JP" dirty="0" err="1"/>
-              <a:t>g</a:t>
-            </a:r>
-            <a:r>
-              <a:rPr kumimoji="1" lang="en-US" altLang="ja-JP" dirty="0" err="1"/>
-              <a:t>eom_line</a:t>
-            </a:r>
-            <a:r>
-              <a:rPr kumimoji="1" lang="en-US" altLang="ja-JP" dirty="0"/>
-              <a:t>	…</a:t>
-            </a:r>
-            <a:r>
-              <a:rPr kumimoji="1" lang="ja-JP" altLang="en-US" dirty="0"/>
-              <a:t>　折れ線グラフ</a:t>
-            </a:r>
-            <a:endParaRPr kumimoji="1" lang="en-US" altLang="ja-JP" dirty="0"/>
-          </a:p>
-          <a:p>
-            <a:pPr lvl="1"/>
-            <a:r>
-              <a:rPr lang="en-US" altLang="ja-JP" dirty="0" err="1"/>
-              <a:t>geom_bar</a:t>
-            </a:r>
-            <a:r>
-              <a:rPr lang="en-US" altLang="ja-JP" dirty="0"/>
-              <a:t>		…</a:t>
-            </a:r>
-            <a:r>
-              <a:rPr lang="ja-JP" altLang="en-US" dirty="0"/>
-              <a:t>　棒グラフ</a:t>
-            </a:r>
-            <a:endParaRPr lang="en-US" altLang="ja-JP" dirty="0"/>
-          </a:p>
-          <a:p>
-            <a:pPr lvl="1"/>
-            <a:r>
-              <a:rPr lang="en-US" altLang="ja-JP" dirty="0" err="1"/>
-              <a:t>g</a:t>
-            </a:r>
-            <a:r>
-              <a:rPr kumimoji="1" lang="en-US" altLang="ja-JP" dirty="0" err="1"/>
-              <a:t>eom_smooth</a:t>
-            </a:r>
-            <a:r>
-              <a:rPr kumimoji="1" lang="en-US" altLang="ja-JP" dirty="0"/>
-              <a:t>	…</a:t>
-            </a:r>
-            <a:r>
-              <a:rPr kumimoji="1" lang="ja-JP" altLang="en-US" dirty="0"/>
-              <a:t>　近似曲線</a:t>
-            </a:r>
-            <a:endParaRPr kumimoji="1" lang="en-US" altLang="ja-JP" dirty="0"/>
-          </a:p>
-        </p:txBody>
-      </p:sp>
-      <p:sp>
-        <p:nvSpPr>
-          <p:cNvPr id="4" name="スライド番号プレースホルダー 3">
-            <a:extLst>
-              <a:ext uri="{FF2B5EF4-FFF2-40B4-BE49-F238E27FC236}">
-                <a16:creationId xmlns:a16="http://schemas.microsoft.com/office/drawing/2014/main" id="{C43150AE-F34B-0D5B-C72A-95E037543A2A}"/>
-              </a:ext>
-            </a:extLst>
-          </p:cNvPr>
-          <p:cNvSpPr>
-            <a:spLocks noGrp="1"/>
-          </p:cNvSpPr>
-          <p:nvPr>
-            <p:ph type="sldNum" sz="quarter" idx="12"/>
-          </p:nvPr>
-        </p:nvSpPr>
-        <p:spPr/>
-        <p:txBody>
-          <a:bodyPr/>
-          <a:lstStyle/>
-          <a:p>
-            <a:fld id="{C46B5F8E-405A-41C5-91DD-ABB74B733BFC}" type="slidenum">
-              <a:rPr kumimoji="1" lang="ja-JP" altLang="en-US" smtClean="0"/>
-              <a:t>28</a:t>
-            </a:fld>
-            <a:endParaRPr kumimoji="1" lang="ja-JP" altLang="en-US" dirty="0"/>
-          </a:p>
-        </p:txBody>
-      </p:sp>
-      <p:sp>
-        <p:nvSpPr>
-          <p:cNvPr id="5" name="フッター プレースホルダー 4">
-            <a:extLst>
-              <a:ext uri="{FF2B5EF4-FFF2-40B4-BE49-F238E27FC236}">
-                <a16:creationId xmlns:a16="http://schemas.microsoft.com/office/drawing/2014/main" id="{2E338DEF-67FD-2041-E95D-5F87D9247FBB}"/>
-              </a:ext>
-            </a:extLst>
-          </p:cNvPr>
-          <p:cNvSpPr>
-            <a:spLocks noGrp="1"/>
-          </p:cNvSpPr>
-          <p:nvPr>
-            <p:ph type="ftr" sz="quarter" idx="3"/>
-          </p:nvPr>
-        </p:nvSpPr>
-        <p:spPr/>
-        <p:txBody>
-          <a:bodyPr/>
-          <a:lstStyle/>
-          <a:p>
-            <a:r>
-              <a:rPr kumimoji="1" lang="ja-JP" altLang="en-US"/>
-              <a:t>　</a:t>
-            </a:r>
-            <a:r>
-              <a:rPr kumimoji="1" lang="en-US" altLang="ja-JP"/>
-              <a:t>RA</a:t>
-            </a:r>
-            <a:r>
-              <a:rPr kumimoji="1" lang="ja-JP" altLang="en-US"/>
-              <a:t>ブートキャンプ　事前レクチャー</a:t>
-            </a:r>
-            <a:endParaRPr kumimoji="1" lang="ja-JP" altLang="en-US" dirty="0"/>
-          </a:p>
-        </p:txBody>
-      </p:sp>
-      <p:sp>
-        <p:nvSpPr>
-          <p:cNvPr id="6" name="日付プレースホルダー 5">
-            <a:extLst>
-              <a:ext uri="{FF2B5EF4-FFF2-40B4-BE49-F238E27FC236}">
-                <a16:creationId xmlns:a16="http://schemas.microsoft.com/office/drawing/2014/main" id="{F1B2CBE4-24C7-8AF9-473E-573F3F4B044A}"/>
-              </a:ext>
-            </a:extLst>
-          </p:cNvPr>
-          <p:cNvSpPr>
-            <a:spLocks noGrp="1"/>
-          </p:cNvSpPr>
-          <p:nvPr>
-            <p:ph type="dt" sz="half" idx="2"/>
-          </p:nvPr>
-        </p:nvSpPr>
-        <p:spPr/>
-        <p:txBody>
-          <a:bodyPr/>
-          <a:lstStyle/>
-          <a:p>
-            <a:r>
-              <a:rPr kumimoji="1" lang="en-US" altLang="ja-JP"/>
-              <a:t>2025/8/12</a:t>
-            </a:r>
-            <a:endParaRPr kumimoji="1" lang="ja-JP" altLang="en-US" dirty="0"/>
-          </a:p>
-        </p:txBody>
-      </p:sp>
-      <p:sp>
-        <p:nvSpPr>
-          <p:cNvPr id="7" name="テキスト プレースホルダー 6">
-            <a:extLst>
-              <a:ext uri="{FF2B5EF4-FFF2-40B4-BE49-F238E27FC236}">
-                <a16:creationId xmlns:a16="http://schemas.microsoft.com/office/drawing/2014/main" id="{566DAA07-ABBB-26A4-8F53-185C866746E5}"/>
-              </a:ext>
-            </a:extLst>
-          </p:cNvPr>
-          <p:cNvSpPr>
-            <a:spLocks noGrp="1"/>
-          </p:cNvSpPr>
-          <p:nvPr>
-            <p:ph type="body" sz="quarter" idx="13"/>
-          </p:nvPr>
-        </p:nvSpPr>
-        <p:spPr/>
-        <p:txBody>
-          <a:bodyPr/>
-          <a:lstStyle/>
-          <a:p>
-            <a:r>
-              <a:rPr kumimoji="1" lang="ja-JP" altLang="en-US" dirty="0"/>
-              <a:t>　可視化</a:t>
-            </a:r>
-          </a:p>
-        </p:txBody>
-      </p:sp>
-    </p:spTree>
-    <p:extLst>
-      <p:ext uri="{BB962C8B-B14F-4D97-AF65-F5344CB8AC3E}">
-        <p14:creationId xmlns:p14="http://schemas.microsoft.com/office/powerpoint/2010/main" val="2766573722"/>
-      </p:ext>
-    </p:extLst>
-  </p:cSld>
-  <p:clrMapOvr>
-    <a:masterClrMapping/>
-  </p:clrMapOvr>
-</p:sld>
-</file>
-
 <file path=ppt/slides/slide29.xml><?xml version="1.0" encoding="utf-8"?>
 <p:sld xmlns:a="http://schemas.openxmlformats.org/drawingml/2006/main" xmlns:r="http://schemas.openxmlformats.org/officeDocument/2006/relationships" xmlns:p="http://schemas.openxmlformats.org/presentationml/2006/main">
   <p:cSld>
@@ -15897,7 +15739,7 @@
           <p:cNvPr id="2" name="タイトル 1">
             <a:extLst>
               <a:ext uri="{FF2B5EF4-FFF2-40B4-BE49-F238E27FC236}">
-                <a16:creationId xmlns:a16="http://schemas.microsoft.com/office/drawing/2014/main" id="{445ECA7C-E6D9-0439-D47F-72E5D1AFF3A9}"/>
+                <a16:creationId xmlns:a16="http://schemas.microsoft.com/office/drawing/2014/main" id="{ADCF54D2-B3CB-8792-FC40-14CF16723A83}"/>
               </a:ext>
             </a:extLst>
           </p:cNvPr>
@@ -15918,175 +15760,155 @@
               <a:t>　</a:t>
             </a:r>
             <a:r>
+              <a:rPr kumimoji="1" lang="en-US" altLang="ja-JP" dirty="0"/>
+              <a:t>ggplot2</a:t>
+            </a:r>
+            <a:r>
+              <a:rPr kumimoji="1" lang="ja-JP" altLang="en-US" dirty="0"/>
+              <a:t>による様々なグラフ</a:t>
+            </a:r>
+          </a:p>
+        </p:txBody>
+      </p:sp>
+      <p:sp>
+        <p:nvSpPr>
+          <p:cNvPr id="3" name="コンテンツ プレースホルダー 2">
+            <a:extLst>
+              <a:ext uri="{FF2B5EF4-FFF2-40B4-BE49-F238E27FC236}">
+                <a16:creationId xmlns:a16="http://schemas.microsoft.com/office/drawing/2014/main" id="{6E3E6D07-A710-3D64-1057-7727F1A21121}"/>
+              </a:ext>
+            </a:extLst>
+          </p:cNvPr>
+          <p:cNvSpPr>
+            <a:spLocks noGrp="1"/>
+          </p:cNvSpPr>
+          <p:nvPr>
+            <p:ph idx="1"/>
+          </p:nvPr>
+        </p:nvSpPr>
+        <p:spPr/>
+        <p:txBody>
+          <a:bodyPr/>
+          <a:lstStyle/>
+          <a:p>
+            <a:r>
+              <a:rPr kumimoji="1" lang="ja-JP" altLang="en-US" dirty="0"/>
+              <a:t>主な幾何オブジェクト（</a:t>
+            </a:r>
+            <a:r>
+              <a:rPr kumimoji="1" lang="en-US" altLang="ja-JP" dirty="0"/>
+              <a:t>geometry object</a:t>
+            </a:r>
+            <a:r>
+              <a:rPr kumimoji="1" lang="ja-JP" altLang="en-US" dirty="0"/>
+              <a:t>）</a:t>
+            </a:r>
+            <a:endParaRPr kumimoji="1" lang="en-US" altLang="ja-JP" dirty="0"/>
+          </a:p>
+          <a:p>
+            <a:pPr lvl="1"/>
+            <a:r>
+              <a:rPr lang="en-US" altLang="ja-JP" dirty="0" err="1"/>
+              <a:t>geom_histogram</a:t>
+            </a:r>
+            <a:r>
+              <a:rPr lang="en-US" altLang="ja-JP" dirty="0"/>
+              <a:t>	…</a:t>
+            </a:r>
+            <a:r>
               <a:rPr lang="ja-JP" altLang="en-US" dirty="0"/>
-              <a:t>わかりやすい</a:t>
+              <a:t>　ヒストグラム</a:t>
+            </a:r>
+            <a:endParaRPr lang="en-US" altLang="ja-JP" dirty="0"/>
+          </a:p>
+          <a:p>
+            <a:pPr lvl="1"/>
+            <a:r>
+              <a:rPr lang="en-US" altLang="ja-JP" dirty="0" err="1"/>
+              <a:t>geom_density</a:t>
+            </a:r>
+            <a:r>
+              <a:rPr lang="en-US" altLang="ja-JP" dirty="0"/>
+              <a:t>	…</a:t>
+            </a:r>
+            <a:r>
+              <a:rPr lang="ja-JP" altLang="en-US" dirty="0"/>
+              <a:t>　密度曲線</a:t>
+            </a:r>
+            <a:endParaRPr lang="en-US" altLang="ja-JP" dirty="0"/>
+          </a:p>
+          <a:p>
+            <a:pPr lvl="1"/>
+            <a:r>
+              <a:rPr lang="en-US" altLang="ja-JP" dirty="0" err="1"/>
+              <a:t>geom_point</a:t>
+            </a:r>
+            <a:r>
+              <a:rPr lang="en-US" altLang="ja-JP" dirty="0"/>
+              <a:t>	…</a:t>
+            </a:r>
+            <a:r>
+              <a:rPr lang="ja-JP" altLang="en-US" dirty="0"/>
+              <a:t>　散布図</a:t>
+            </a:r>
+            <a:endParaRPr lang="en-US" altLang="ja-JP" dirty="0"/>
+          </a:p>
+          <a:p>
+            <a:pPr lvl="1"/>
+            <a:r>
+              <a:rPr lang="en-US" altLang="ja-JP" dirty="0" err="1"/>
+              <a:t>g</a:t>
+            </a:r>
+            <a:r>
+              <a:rPr kumimoji="1" lang="en-US" altLang="ja-JP" dirty="0" err="1"/>
+              <a:t>eom_line</a:t>
+            </a:r>
+            <a:r>
+              <a:rPr kumimoji="1" lang="en-US" altLang="ja-JP" dirty="0"/>
+              <a:t>	…</a:t>
             </a:r>
             <a:r>
               <a:rPr kumimoji="1" lang="ja-JP" altLang="en-US" dirty="0"/>
-              <a:t>作図のために</a:t>
-            </a:r>
-          </a:p>
-        </p:txBody>
-      </p:sp>
-      <p:sp>
-        <p:nvSpPr>
-          <p:cNvPr id="3" name="コンテンツ プレースホルダー 2">
-            <a:extLst>
-              <a:ext uri="{FF2B5EF4-FFF2-40B4-BE49-F238E27FC236}">
-                <a16:creationId xmlns:a16="http://schemas.microsoft.com/office/drawing/2014/main" id="{E93B0DA2-5F4E-BD05-9FED-7D7DE52C6DBC}"/>
-              </a:ext>
-            </a:extLst>
-          </p:cNvPr>
-          <p:cNvSpPr>
-            <a:spLocks noGrp="1"/>
-          </p:cNvSpPr>
-          <p:nvPr>
-            <p:ph idx="1"/>
-          </p:nvPr>
-        </p:nvSpPr>
-        <p:spPr/>
-        <p:txBody>
-          <a:bodyPr>
-            <a:normAutofit lnSpcReduction="10000"/>
-          </a:bodyPr>
-          <a:lstStyle/>
-          <a:p>
+              <a:t>　折れ線グラフ</a:t>
+            </a:r>
+            <a:endParaRPr kumimoji="1" lang="en-US" altLang="ja-JP" dirty="0"/>
+          </a:p>
+          <a:p>
+            <a:pPr lvl="1"/>
+            <a:r>
+              <a:rPr lang="en-US" altLang="ja-JP" dirty="0" err="1"/>
+              <a:t>geom_bar</a:t>
+            </a:r>
             <a:r>
               <a:rPr lang="en-US" altLang="ja-JP" dirty="0"/>
+              <a:t>		…</a:t>
+            </a:r>
+            <a:r>
+              <a:rPr lang="ja-JP" altLang="en-US" dirty="0"/>
+              <a:t>　棒グラフ</a:t>
+            </a:r>
+            <a:endParaRPr lang="en-US" altLang="ja-JP" dirty="0"/>
+          </a:p>
+          <a:p>
+            <a:pPr lvl="1"/>
+            <a:r>
+              <a:rPr lang="en-US" altLang="ja-JP" dirty="0" err="1"/>
               <a:t>g</a:t>
             </a:r>
             <a:r>
+              <a:rPr kumimoji="1" lang="en-US" altLang="ja-JP" dirty="0" err="1"/>
+              <a:t>eom_smooth</a:t>
+            </a:r>
+            <a:r>
               <a:rPr kumimoji="1" lang="en-US" altLang="ja-JP" dirty="0"/>
-              <a:t>gplot2</a:t>
+              <a:t>	…</a:t>
             </a:r>
             <a:r>
               <a:rPr kumimoji="1" lang="ja-JP" altLang="en-US" dirty="0"/>
-              <a:t>では様々なオプションを指定することでグラフを</a:t>
-            </a:r>
-            <a:br>
-              <a:rPr kumimoji="1" lang="en-US" altLang="ja-JP" dirty="0"/>
-            </a:br>
-            <a:r>
-              <a:rPr kumimoji="1" lang="ja-JP" altLang="en-US" dirty="0"/>
-              <a:t>カスタム可能</a:t>
+              <a:t>　近似曲線</a:t>
             </a:r>
             <a:endParaRPr kumimoji="1" lang="en-US" altLang="ja-JP" dirty="0"/>
           </a:p>
-          <a:p>
-            <a:r>
-              <a:rPr kumimoji="1" lang="ja-JP" altLang="en-US" dirty="0"/>
-              <a:t>主なオプション</a:t>
-            </a:r>
-            <a:endParaRPr kumimoji="1" lang="en-US" altLang="ja-JP" dirty="0"/>
-          </a:p>
-          <a:p>
-            <a:pPr lvl="1"/>
-            <a:r>
-              <a:rPr lang="en-US" altLang="ja-JP" dirty="0"/>
-              <a:t>color	</a:t>
-            </a:r>
-            <a:r>
-              <a:rPr lang="ja-JP" altLang="en-US" dirty="0"/>
-              <a:t>色の指定、指定した変数ごとにグループ化して色分け</a:t>
-            </a:r>
-            <a:endParaRPr lang="en-US" altLang="ja-JP" dirty="0"/>
-          </a:p>
-          <a:p>
-            <a:pPr lvl="1"/>
-            <a:r>
-              <a:rPr kumimoji="1" lang="en-US" altLang="ja-JP" dirty="0"/>
-              <a:t>scale_*_continuous </a:t>
-            </a:r>
-            <a:r>
-              <a:rPr kumimoji="1" lang="ja-JP" altLang="en-US" dirty="0"/>
-              <a:t>軸の設定</a:t>
-            </a:r>
-            <a:endParaRPr kumimoji="1" lang="en-US" altLang="ja-JP" dirty="0"/>
-          </a:p>
-          <a:p>
-            <a:pPr lvl="1"/>
-            <a:r>
-              <a:rPr lang="en-US" altLang="ja-JP" dirty="0" err="1"/>
-              <a:t>c</a:t>
-            </a:r>
-            <a:r>
-              <a:rPr kumimoji="1" lang="en-US" altLang="ja-JP" dirty="0" err="1"/>
-              <a:t>oord_cartesian</a:t>
-            </a:r>
-            <a:r>
-              <a:rPr kumimoji="1" lang="en-US" altLang="ja-JP" dirty="0"/>
-              <a:t>	</a:t>
-            </a:r>
-            <a:r>
-              <a:rPr kumimoji="1" lang="ja-JP" altLang="en-US" dirty="0"/>
-              <a:t>グラフの範囲の指定</a:t>
-            </a:r>
-            <a:endParaRPr kumimoji="1" lang="en-US" altLang="ja-JP" dirty="0"/>
-          </a:p>
-          <a:p>
-            <a:pPr lvl="1"/>
-            <a:r>
-              <a:rPr lang="en-US" altLang="ja-JP" dirty="0"/>
-              <a:t>labs		</a:t>
-            </a:r>
-            <a:r>
-              <a:rPr lang="ja-JP" altLang="en-US" dirty="0"/>
-              <a:t>グラフにタイトルや軸ラベルを付与</a:t>
-            </a:r>
-            <a:endParaRPr lang="en-US" altLang="ja-JP" dirty="0"/>
-          </a:p>
-          <a:p>
-            <a:pPr lvl="1"/>
-            <a:r>
-              <a:rPr lang="en-US" altLang="ja-JP" dirty="0"/>
-              <a:t>theme_**		</a:t>
-            </a:r>
-            <a:r>
-              <a:rPr lang="ja-JP" altLang="en-US" dirty="0"/>
-              <a:t>グラフのテーマを変更</a:t>
-            </a:r>
-            <a:endParaRPr lang="en-US" altLang="ja-JP" dirty="0"/>
-          </a:p>
-          <a:p>
-            <a:pPr lvl="1"/>
-            <a:r>
-              <a:rPr lang="en-US" altLang="ja-JP" dirty="0"/>
-              <a:t>patchwork::</a:t>
-            </a:r>
-            <a:r>
-              <a:rPr kumimoji="1" lang="en-US" altLang="ja-JP" dirty="0" err="1"/>
-              <a:t>w</a:t>
-            </a:r>
-            <a:r>
-              <a:rPr lang="en-US" altLang="ja-JP" dirty="0" err="1"/>
-              <a:t>r</a:t>
-            </a:r>
-            <a:r>
-              <a:rPr kumimoji="1" lang="en-US" altLang="ja-JP" dirty="0" err="1"/>
-              <a:t>ap_plots</a:t>
-            </a:r>
-            <a:r>
-              <a:rPr kumimoji="1" lang="en-US" altLang="ja-JP" dirty="0"/>
-              <a:t>	</a:t>
-            </a:r>
-            <a:r>
-              <a:rPr kumimoji="1" lang="ja-JP" altLang="en-US" dirty="0"/>
-              <a:t>複数のグラフを</a:t>
-            </a:r>
-            <a:r>
-              <a:rPr kumimoji="1" lang="en-US" altLang="ja-JP" dirty="0"/>
-              <a:t>1</a:t>
-            </a:r>
-            <a:r>
-              <a:rPr kumimoji="1" lang="ja-JP" altLang="en-US" dirty="0"/>
-              <a:t>枚にまとめる</a:t>
-            </a:r>
-            <a:endParaRPr kumimoji="1" lang="en-US" altLang="ja-JP" dirty="0"/>
-          </a:p>
-          <a:p>
-            <a:pPr lvl="1"/>
-            <a:endParaRPr kumimoji="1" lang="ja-JP" altLang="en-US" dirty="0"/>
-          </a:p>
         </p:txBody>
       </p:sp>
       <p:sp>
@@ -16094,7 +15916,7 @@
           <p:cNvPr id="4" name="スライド番号プレースホルダー 3">
             <a:extLst>
               <a:ext uri="{FF2B5EF4-FFF2-40B4-BE49-F238E27FC236}">
-                <a16:creationId xmlns:a16="http://schemas.microsoft.com/office/drawing/2014/main" id="{43224912-FEBA-D3A2-29E5-294C8E57D5BA}"/>
+                <a16:creationId xmlns:a16="http://schemas.microsoft.com/office/drawing/2014/main" id="{C43150AE-F34B-0D5B-C72A-95E037543A2A}"/>
               </a:ext>
             </a:extLst>
           </p:cNvPr>
@@ -16123,7 +15945,7 @@
           <p:cNvPr id="5" name="フッター プレースホルダー 4">
             <a:extLst>
               <a:ext uri="{FF2B5EF4-FFF2-40B4-BE49-F238E27FC236}">
-                <a16:creationId xmlns:a16="http://schemas.microsoft.com/office/drawing/2014/main" id="{EFD2F43B-4BE5-6080-064A-6C68706689B6}"/>
+                <a16:creationId xmlns:a16="http://schemas.microsoft.com/office/drawing/2014/main" id="{2E338DEF-67FD-2041-E95D-5F87D9247FBB}"/>
               </a:ext>
             </a:extLst>
           </p:cNvPr>
@@ -16160,7 +15982,7 @@
           <p:cNvPr id="6" name="日付プレースホルダー 5">
             <a:extLst>
               <a:ext uri="{FF2B5EF4-FFF2-40B4-BE49-F238E27FC236}">
-                <a16:creationId xmlns:a16="http://schemas.microsoft.com/office/drawing/2014/main" id="{5E32FFAA-6047-7D80-3192-483F962F5070}"/>
+                <a16:creationId xmlns:a16="http://schemas.microsoft.com/office/drawing/2014/main" id="{F1B2CBE4-24C7-8AF9-473E-573F3F4B044A}"/>
               </a:ext>
             </a:extLst>
           </p:cNvPr>
@@ -16189,7 +16011,7 @@
           <p:cNvPr id="7" name="テキスト プレースホルダー 6">
             <a:extLst>
               <a:ext uri="{FF2B5EF4-FFF2-40B4-BE49-F238E27FC236}">
-                <a16:creationId xmlns:a16="http://schemas.microsoft.com/office/drawing/2014/main" id="{6A93B0C3-4536-ACED-3C29-75FF6FCE8F10}"/>
+                <a16:creationId xmlns:a16="http://schemas.microsoft.com/office/drawing/2014/main" id="{566DAA07-ABBB-26A4-8F53-185C866746E5}"/>
               </a:ext>
             </a:extLst>
           </p:cNvPr>
@@ -16215,7 +16037,7 @@
     </p:spTree>
     <p:extLst>
       <p:ext uri="{BB962C8B-B14F-4D97-AF65-F5344CB8AC3E}">
-        <p14:creationId xmlns:p14="http://schemas.microsoft.com/office/powerpoint/2010/main" val="2452703291"/>
+        <p14:creationId xmlns:p14="http://schemas.microsoft.com/office/powerpoint/2010/main" val="2766573722"/>
       </p:ext>
     </p:extLst>
   </p:cSld>
@@ -16289,7 +16111,7 @@
         <p:spPr/>
         <p:txBody>
           <a:bodyPr>
-            <a:normAutofit lnSpcReduction="10000"/>
+            <a:normAutofit fontScale="92500" lnSpcReduction="20000"/>
           </a:bodyPr>
           <a:lstStyle/>
           <a:p>
@@ -16396,7 +16218,15 @@
             </a:r>
             <a:r>
               <a:rPr lang="ja-JP" altLang="en-US" sz="1400" dirty="0"/>
-              <a:t>作図事前課題</a:t>
+              <a:t>作図</a:t>
+            </a:r>
+            <a:endParaRPr lang="en-US" altLang="ja-JP" sz="1400" dirty="0"/>
+          </a:p>
+          <a:p>
+            <a:pPr lvl="1"/>
+            <a:r>
+              <a:rPr lang="ja-JP" altLang="en-US" sz="1400" dirty="0"/>
+              <a:t>事前課題</a:t>
             </a:r>
             <a:r>
               <a:rPr lang="en-US" altLang="ja-JP" sz="1400" dirty="0"/>
@@ -16579,7 +16409,7 @@
           <p:cNvPr id="2" name="タイトル 1">
             <a:extLst>
               <a:ext uri="{FF2B5EF4-FFF2-40B4-BE49-F238E27FC236}">
-                <a16:creationId xmlns:a16="http://schemas.microsoft.com/office/drawing/2014/main" id="{558D66CF-7FBC-5FA0-0BA1-A1A6B2991A92}"/>
+                <a16:creationId xmlns:a16="http://schemas.microsoft.com/office/drawing/2014/main" id="{445ECA7C-E6D9-0439-D47F-72E5D1AFF3A9}"/>
               </a:ext>
             </a:extLst>
           </p:cNvPr>
@@ -16600,122 +16430,183 @@
               <a:t>　</a:t>
             </a:r>
             <a:r>
+              <a:rPr lang="ja-JP" altLang="en-US" dirty="0"/>
+              <a:t>わかりやすい</a:t>
+            </a:r>
+            <a:r>
+              <a:rPr kumimoji="1" lang="ja-JP" altLang="en-US" dirty="0"/>
+              <a:t>作図のために</a:t>
+            </a:r>
+          </a:p>
+        </p:txBody>
+      </p:sp>
+      <p:sp>
+        <p:nvSpPr>
+          <p:cNvPr id="3" name="コンテンツ プレースホルダー 2">
+            <a:extLst>
+              <a:ext uri="{FF2B5EF4-FFF2-40B4-BE49-F238E27FC236}">
+                <a16:creationId xmlns:a16="http://schemas.microsoft.com/office/drawing/2014/main" id="{E93B0DA2-5F4E-BD05-9FED-7D7DE52C6DBC}"/>
+              </a:ext>
+            </a:extLst>
+          </p:cNvPr>
+          <p:cNvSpPr>
+            <a:spLocks noGrp="1"/>
+          </p:cNvSpPr>
+          <p:nvPr>
+            <p:ph idx="1"/>
+          </p:nvPr>
+        </p:nvSpPr>
+        <p:spPr/>
+        <p:txBody>
+          <a:bodyPr>
+            <a:normAutofit lnSpcReduction="10000"/>
+          </a:bodyPr>
+          <a:lstStyle/>
+          <a:p>
+            <a:r>
+              <a:rPr lang="en-US" altLang="ja-JP" dirty="0"/>
+              <a:t>g</a:t>
+            </a:r>
+            <a:r>
               <a:rPr kumimoji="1" lang="en-US" altLang="ja-JP" dirty="0"/>
-              <a:t>tips</a:t>
-            </a:r>
+              <a:t>gplot2</a:t>
+            </a:r>
+            <a:r>
+              <a:rPr kumimoji="1" lang="ja-JP" altLang="en-US" dirty="0"/>
+              <a:t>では様々なオプションを指定することでグラフを</a:t>
+            </a:r>
+            <a:br>
+              <a:rPr kumimoji="1" lang="en-US" altLang="ja-JP" dirty="0"/>
+            </a:br>
+            <a:r>
+              <a:rPr kumimoji="1" lang="ja-JP" altLang="en-US" dirty="0"/>
+              <a:t>カスタム可能</a:t>
+            </a:r>
+            <a:endParaRPr kumimoji="1" lang="en-US" altLang="ja-JP" dirty="0"/>
+          </a:p>
+          <a:p>
+            <a:r>
+              <a:rPr kumimoji="1" lang="ja-JP" altLang="en-US" dirty="0"/>
+              <a:t>主なオプション</a:t>
+            </a:r>
+            <a:endParaRPr kumimoji="1" lang="en-US" altLang="ja-JP" dirty="0"/>
+          </a:p>
+          <a:p>
+            <a:pPr lvl="1"/>
+            <a:r>
+              <a:rPr lang="en-US" altLang="ja-JP" dirty="0"/>
+              <a:t>color	</a:t>
+            </a:r>
+            <a:r>
+              <a:rPr lang="ja-JP" altLang="en-US" dirty="0"/>
+              <a:t>色の指定、指定した変数ごとにグループ化して色分け</a:t>
+            </a:r>
+            <a:endParaRPr lang="en-US" altLang="ja-JP" dirty="0"/>
+          </a:p>
+          <a:p>
+            <a:pPr lvl="1"/>
+            <a:r>
+              <a:rPr kumimoji="1" lang="en-US" altLang="ja-JP" dirty="0"/>
+              <a:t>scale_*_continuous </a:t>
+            </a:r>
+            <a:r>
+              <a:rPr kumimoji="1" lang="ja-JP" altLang="en-US" dirty="0"/>
+              <a:t>軸の設定</a:t>
+            </a:r>
+            <a:endParaRPr kumimoji="1" lang="en-US" altLang="ja-JP" dirty="0"/>
+          </a:p>
+          <a:p>
+            <a:pPr lvl="1"/>
+            <a:r>
+              <a:rPr lang="en-US" altLang="ja-JP" dirty="0" err="1"/>
+              <a:t>c</a:t>
+            </a:r>
+            <a:r>
+              <a:rPr kumimoji="1" lang="en-US" altLang="ja-JP" dirty="0" err="1"/>
+              <a:t>oord_cartesian</a:t>
+            </a:r>
+            <a:r>
+              <a:rPr kumimoji="1" lang="en-US" altLang="ja-JP" dirty="0"/>
+              <a:t>	</a:t>
+            </a:r>
+            <a:r>
+              <a:rPr kumimoji="1" lang="ja-JP" altLang="en-US" dirty="0"/>
+              <a:t>グラフの範囲の指定</a:t>
+            </a:r>
+            <a:endParaRPr kumimoji="1" lang="en-US" altLang="ja-JP" dirty="0"/>
+          </a:p>
+          <a:p>
+            <a:pPr lvl="1"/>
+            <a:r>
+              <a:rPr lang="en-US" altLang="ja-JP" dirty="0"/>
+              <a:t>labs		</a:t>
+            </a:r>
+            <a:r>
+              <a:rPr lang="ja-JP" altLang="en-US" dirty="0"/>
+              <a:t>グラフにタイトルや軸ラベルを付与</a:t>
+            </a:r>
+            <a:endParaRPr lang="en-US" altLang="ja-JP" dirty="0"/>
+          </a:p>
+          <a:p>
+            <a:pPr lvl="1"/>
+            <a:r>
+              <a:rPr lang="en-US" altLang="ja-JP" dirty="0"/>
+              <a:t>theme_**		</a:t>
+            </a:r>
+            <a:r>
+              <a:rPr lang="ja-JP" altLang="en-US" dirty="0"/>
+              <a:t>グラフのテーマを変更</a:t>
+            </a:r>
+            <a:endParaRPr lang="en-US" altLang="ja-JP" dirty="0"/>
+          </a:p>
+          <a:p>
+            <a:pPr lvl="1"/>
+            <a:r>
+              <a:rPr lang="en-US" altLang="ja-JP" dirty="0"/>
+              <a:t>patchwork::</a:t>
+            </a:r>
+            <a:r>
+              <a:rPr kumimoji="1" lang="en-US" altLang="ja-JP" dirty="0" err="1"/>
+              <a:t>w</a:t>
+            </a:r>
+            <a:r>
+              <a:rPr lang="en-US" altLang="ja-JP" dirty="0" err="1"/>
+              <a:t>r</a:t>
+            </a:r>
+            <a:r>
+              <a:rPr kumimoji="1" lang="en-US" altLang="ja-JP" dirty="0" err="1"/>
+              <a:t>ap_plots</a:t>
+            </a:r>
+            <a:r>
+              <a:rPr kumimoji="1" lang="en-US" altLang="ja-JP" dirty="0"/>
+              <a:t>	</a:t>
+            </a:r>
+            <a:r>
+              <a:rPr kumimoji="1" lang="ja-JP" altLang="en-US" dirty="0"/>
+              <a:t>複数のグラフを</a:t>
+            </a:r>
+            <a:r>
+              <a:rPr kumimoji="1" lang="en-US" altLang="ja-JP" dirty="0"/>
+              <a:t>1</a:t>
+            </a:r>
+            <a:r>
+              <a:rPr kumimoji="1" lang="ja-JP" altLang="en-US" dirty="0"/>
+              <a:t>枚にまとめる</a:t>
+            </a:r>
+            <a:endParaRPr kumimoji="1" lang="en-US" altLang="ja-JP" dirty="0"/>
+          </a:p>
+          <a:p>
+            <a:pPr lvl="1"/>
             <a:endParaRPr kumimoji="1" lang="ja-JP" altLang="en-US" dirty="0"/>
           </a:p>
         </p:txBody>
       </p:sp>
       <p:sp>
         <p:nvSpPr>
-          <p:cNvPr id="3" name="コンテンツ プレースホルダー 2">
-            <a:extLst>
-              <a:ext uri="{FF2B5EF4-FFF2-40B4-BE49-F238E27FC236}">
-                <a16:creationId xmlns:a16="http://schemas.microsoft.com/office/drawing/2014/main" id="{5E0E4E84-489C-DC11-DB2E-2B87BDC57AEA}"/>
-              </a:ext>
-            </a:extLst>
-          </p:cNvPr>
-          <p:cNvSpPr>
-            <a:spLocks noGrp="1"/>
-          </p:cNvSpPr>
-          <p:nvPr>
-            <p:ph idx="1"/>
-          </p:nvPr>
-        </p:nvSpPr>
-        <p:spPr/>
-        <p:txBody>
-          <a:bodyPr/>
-          <a:lstStyle/>
-          <a:p>
-            <a:r>
-              <a:rPr lang="ja-JP" altLang="en-US" dirty="0"/>
-              <a:t>フォルダ名に番号をつけて整列（</a:t>
-            </a:r>
-            <a:r>
-              <a:rPr lang="en-US" altLang="ja-JP" dirty="0"/>
-              <a:t>01_data, 02_code ...</a:t>
-            </a:r>
-            <a:r>
-              <a:rPr lang="ja-JP" altLang="en-US" dirty="0"/>
-              <a:t>）</a:t>
-            </a:r>
-            <a:endParaRPr lang="en-US" altLang="ja-JP" dirty="0"/>
-          </a:p>
-          <a:p>
-            <a:r>
-              <a:rPr lang="ja-JP" altLang="en-US" dirty="0"/>
-              <a:t>オブジェクト命名のルール設定</a:t>
-            </a:r>
-            <a:endParaRPr lang="en-US" altLang="ja-JP" dirty="0"/>
-          </a:p>
-          <a:p>
-            <a:r>
-              <a:rPr lang="ja-JP" altLang="en-US" dirty="0"/>
-              <a:t>コメントを残す、コードのコメントアウト</a:t>
-            </a:r>
-            <a:endParaRPr lang="en-US" altLang="ja-JP" dirty="0"/>
-          </a:p>
-          <a:p>
-            <a:r>
-              <a:rPr lang="ja-JP" altLang="en-US" dirty="0"/>
-              <a:t>セクションの挿入</a:t>
-            </a:r>
-            <a:endParaRPr lang="en-US" altLang="ja-JP" dirty="0"/>
-          </a:p>
-          <a:p>
-            <a:r>
-              <a:rPr lang="ja-JP" altLang="en-US" dirty="0"/>
-              <a:t>適切な改行とインデント</a:t>
-            </a:r>
-            <a:endParaRPr lang="en-US" altLang="ja-JP" dirty="0"/>
-          </a:p>
-          <a:p>
-            <a:r>
-              <a:rPr lang="en-US" altLang="ja-JP" dirty="0"/>
-              <a:t>here</a:t>
-            </a:r>
-            <a:r>
-              <a:rPr lang="ja-JP" altLang="en-US" dirty="0"/>
-              <a:t>関数による柔軟なパス表記</a:t>
-            </a:r>
-            <a:endParaRPr lang="en-US" altLang="ja-JP" dirty="0"/>
-          </a:p>
-          <a:p>
-            <a:r>
-              <a:rPr lang="en-US" altLang="ja-JP" dirty="0"/>
-              <a:t>Quarto</a:t>
-            </a:r>
-            <a:r>
-              <a:rPr lang="ja-JP" altLang="en-US" dirty="0"/>
-              <a:t>や</a:t>
-            </a:r>
-            <a:r>
-              <a:rPr lang="en-US" altLang="ja-JP" dirty="0"/>
-              <a:t>R</a:t>
-            </a:r>
-            <a:r>
-              <a:rPr lang="ja-JP" altLang="en-US" dirty="0"/>
-              <a:t> </a:t>
-            </a:r>
-            <a:r>
-              <a:rPr lang="en-US" altLang="ja-JP" dirty="0"/>
-              <a:t>Markdown</a:t>
-            </a:r>
-            <a:r>
-              <a:rPr lang="ja-JP" altLang="en-US" dirty="0"/>
-              <a:t>を利用したレポート作成</a:t>
-            </a:r>
-            <a:endParaRPr lang="en-US" altLang="ja-JP" dirty="0"/>
-          </a:p>
-        </p:txBody>
-      </p:sp>
-      <p:sp>
-        <p:nvSpPr>
           <p:cNvPr id="4" name="スライド番号プレースホルダー 3">
             <a:extLst>
               <a:ext uri="{FF2B5EF4-FFF2-40B4-BE49-F238E27FC236}">
-                <a16:creationId xmlns:a16="http://schemas.microsoft.com/office/drawing/2014/main" id="{FF0A4930-2ADF-688A-FBCE-12DDFFDF2FBE}"/>
+                <a16:creationId xmlns:a16="http://schemas.microsoft.com/office/drawing/2014/main" id="{43224912-FEBA-D3A2-29E5-294C8E57D5BA}"/>
               </a:ext>
             </a:extLst>
           </p:cNvPr>
@@ -16734,6 +16625,295 @@
             <a:fld id="{C46B5F8E-405A-41C5-91DD-ABB74B733BFC}" type="slidenum">
               <a:rPr kumimoji="1" lang="ja-JP" altLang="en-US" smtClean="0"/>
               <a:t>30</a:t>
+            </a:fld>
+            <a:endParaRPr kumimoji="1" lang="ja-JP" altLang="en-US" dirty="0"/>
+          </a:p>
+        </p:txBody>
+      </p:sp>
+      <p:sp>
+        <p:nvSpPr>
+          <p:cNvPr id="5" name="フッター プレースホルダー 4">
+            <a:extLst>
+              <a:ext uri="{FF2B5EF4-FFF2-40B4-BE49-F238E27FC236}">
+                <a16:creationId xmlns:a16="http://schemas.microsoft.com/office/drawing/2014/main" id="{EFD2F43B-4BE5-6080-064A-6C68706689B6}"/>
+              </a:ext>
+            </a:extLst>
+          </p:cNvPr>
+          <p:cNvSpPr>
+            <a:spLocks noGrp="1"/>
+          </p:cNvSpPr>
+          <p:nvPr>
+            <p:ph type="ftr" sz="quarter" idx="3"/>
+          </p:nvPr>
+        </p:nvSpPr>
+        <p:spPr/>
+        <p:txBody>
+          <a:bodyPr/>
+          <a:lstStyle/>
+          <a:p>
+            <a:r>
+              <a:rPr kumimoji="1" lang="ja-JP" altLang="en-US"/>
+              <a:t>　</a:t>
+            </a:r>
+            <a:r>
+              <a:rPr kumimoji="1" lang="en-US" altLang="ja-JP"/>
+              <a:t>RA</a:t>
+            </a:r>
+            <a:r>
+              <a:rPr kumimoji="1" lang="ja-JP" altLang="en-US"/>
+              <a:t>ブートキャンプ　事前レクチャー</a:t>
+            </a:r>
+            <a:endParaRPr kumimoji="1" lang="ja-JP" altLang="en-US" dirty="0"/>
+          </a:p>
+        </p:txBody>
+      </p:sp>
+      <p:sp>
+        <p:nvSpPr>
+          <p:cNvPr id="6" name="日付プレースホルダー 5">
+            <a:extLst>
+              <a:ext uri="{FF2B5EF4-FFF2-40B4-BE49-F238E27FC236}">
+                <a16:creationId xmlns:a16="http://schemas.microsoft.com/office/drawing/2014/main" id="{5E32FFAA-6047-7D80-3192-483F962F5070}"/>
+              </a:ext>
+            </a:extLst>
+          </p:cNvPr>
+          <p:cNvSpPr>
+            <a:spLocks noGrp="1"/>
+          </p:cNvSpPr>
+          <p:nvPr>
+            <p:ph type="dt" sz="half" idx="2"/>
+          </p:nvPr>
+        </p:nvSpPr>
+        <p:spPr/>
+        <p:txBody>
+          <a:bodyPr/>
+          <a:lstStyle/>
+          <a:p>
+            <a:r>
+              <a:rPr kumimoji="1" lang="en-US" altLang="ja-JP"/>
+              <a:t>2025/8/12</a:t>
+            </a:r>
+            <a:endParaRPr kumimoji="1" lang="ja-JP" altLang="en-US" dirty="0"/>
+          </a:p>
+        </p:txBody>
+      </p:sp>
+      <p:sp>
+        <p:nvSpPr>
+          <p:cNvPr id="7" name="テキスト プレースホルダー 6">
+            <a:extLst>
+              <a:ext uri="{FF2B5EF4-FFF2-40B4-BE49-F238E27FC236}">
+                <a16:creationId xmlns:a16="http://schemas.microsoft.com/office/drawing/2014/main" id="{6A93B0C3-4536-ACED-3C29-75FF6FCE8F10}"/>
+              </a:ext>
+            </a:extLst>
+          </p:cNvPr>
+          <p:cNvSpPr>
+            <a:spLocks noGrp="1"/>
+          </p:cNvSpPr>
+          <p:nvPr>
+            <p:ph type="body" sz="quarter" idx="13"/>
+          </p:nvPr>
+        </p:nvSpPr>
+        <p:spPr/>
+        <p:txBody>
+          <a:bodyPr/>
+          <a:lstStyle/>
+          <a:p>
+            <a:r>
+              <a:rPr kumimoji="1" lang="ja-JP" altLang="en-US" dirty="0"/>
+              <a:t>　可視化</a:t>
+            </a:r>
+          </a:p>
+        </p:txBody>
+      </p:sp>
+    </p:spTree>
+    <p:extLst>
+      <p:ext uri="{BB962C8B-B14F-4D97-AF65-F5344CB8AC3E}">
+        <p14:creationId xmlns:p14="http://schemas.microsoft.com/office/powerpoint/2010/main" val="2452703291"/>
+      </p:ext>
+    </p:extLst>
+  </p:cSld>
+  <p:clrMapOvr>
+    <a:masterClrMapping/>
+  </p:clrMapOvr>
+</p:sld>
+</file>
+
+<file path=ppt/slides/slide31.xml><?xml version="1.0" encoding="utf-8"?>
+<p:sld xmlns:a="http://schemas.openxmlformats.org/drawingml/2006/main" xmlns:r="http://schemas.openxmlformats.org/officeDocument/2006/relationships" xmlns:p="http://schemas.openxmlformats.org/presentationml/2006/main">
+  <p:cSld>
+    <p:spTree>
+      <p:nvGrpSpPr>
+        <p:cNvPr id="1" name=""/>
+        <p:cNvGrpSpPr/>
+        <p:nvPr/>
+      </p:nvGrpSpPr>
+      <p:grpSpPr>
+        <a:xfrm>
+          <a:off x="0" y="0"/>
+          <a:ext cx="0" cy="0"/>
+          <a:chOff x="0" y="0"/>
+          <a:chExt cx="0" cy="0"/>
+        </a:xfrm>
+      </p:grpSpPr>
+      <p:sp>
+        <p:nvSpPr>
+          <p:cNvPr id="2" name="タイトル 1">
+            <a:extLst>
+              <a:ext uri="{FF2B5EF4-FFF2-40B4-BE49-F238E27FC236}">
+                <a16:creationId xmlns:a16="http://schemas.microsoft.com/office/drawing/2014/main" id="{558D66CF-7FBC-5FA0-0BA1-A1A6B2991A92}"/>
+              </a:ext>
+            </a:extLst>
+          </p:cNvPr>
+          <p:cNvSpPr>
+            <a:spLocks noGrp="1"/>
+          </p:cNvSpPr>
+          <p:nvPr>
+            <p:ph type="title"/>
+          </p:nvPr>
+        </p:nvSpPr>
+        <p:spPr/>
+        <p:txBody>
+          <a:bodyPr/>
+          <a:lstStyle/>
+          <a:p>
+            <a:r>
+              <a:rPr kumimoji="1" lang="ja-JP" altLang="en-US" dirty="0"/>
+              <a:t>　</a:t>
+            </a:r>
+            <a:r>
+              <a:rPr kumimoji="1" lang="en-US" altLang="ja-JP" dirty="0"/>
+              <a:t>tips</a:t>
+            </a:r>
+            <a:endParaRPr kumimoji="1" lang="ja-JP" altLang="en-US" dirty="0"/>
+          </a:p>
+        </p:txBody>
+      </p:sp>
+      <p:sp>
+        <p:nvSpPr>
+          <p:cNvPr id="3" name="コンテンツ プレースホルダー 2">
+            <a:extLst>
+              <a:ext uri="{FF2B5EF4-FFF2-40B4-BE49-F238E27FC236}">
+                <a16:creationId xmlns:a16="http://schemas.microsoft.com/office/drawing/2014/main" id="{5E0E4E84-489C-DC11-DB2E-2B87BDC57AEA}"/>
+              </a:ext>
+            </a:extLst>
+          </p:cNvPr>
+          <p:cNvSpPr>
+            <a:spLocks noGrp="1"/>
+          </p:cNvSpPr>
+          <p:nvPr>
+            <p:ph idx="1"/>
+          </p:nvPr>
+        </p:nvSpPr>
+        <p:spPr/>
+        <p:txBody>
+          <a:bodyPr/>
+          <a:lstStyle/>
+          <a:p>
+            <a:r>
+              <a:rPr lang="ja-JP" altLang="en-US" dirty="0"/>
+              <a:t>フォルダ名に番号をつけて整列（</a:t>
+            </a:r>
+            <a:r>
+              <a:rPr lang="en-US" altLang="ja-JP" dirty="0"/>
+              <a:t>01_data, 02_code ...</a:t>
+            </a:r>
+            <a:r>
+              <a:rPr lang="ja-JP" altLang="en-US" dirty="0"/>
+              <a:t>）</a:t>
+            </a:r>
+            <a:endParaRPr lang="en-US" altLang="ja-JP" dirty="0"/>
+          </a:p>
+          <a:p>
+            <a:r>
+              <a:rPr lang="ja-JP" altLang="en-US" dirty="0"/>
+              <a:t>オブジェクト命名のルール設定</a:t>
+            </a:r>
+            <a:endParaRPr lang="en-US" altLang="ja-JP" dirty="0"/>
+          </a:p>
+          <a:p>
+            <a:r>
+              <a:rPr lang="ja-JP" altLang="en-US" dirty="0"/>
+              <a:t>コメントを残す、コードのコメントアウト</a:t>
+            </a:r>
+            <a:endParaRPr lang="en-US" altLang="ja-JP" dirty="0"/>
+          </a:p>
+          <a:p>
+            <a:r>
+              <a:rPr lang="ja-JP" altLang="en-US" dirty="0"/>
+              <a:t>セクションの挿入</a:t>
+            </a:r>
+            <a:endParaRPr lang="en-US" altLang="ja-JP" dirty="0"/>
+          </a:p>
+          <a:p>
+            <a:r>
+              <a:rPr lang="ja-JP" altLang="en-US" dirty="0"/>
+              <a:t>適切な改行とインデント</a:t>
+            </a:r>
+            <a:endParaRPr lang="en-US" altLang="ja-JP" dirty="0"/>
+          </a:p>
+          <a:p>
+            <a:r>
+              <a:rPr lang="en-US" altLang="ja-JP" dirty="0"/>
+              <a:t>here</a:t>
+            </a:r>
+            <a:r>
+              <a:rPr lang="ja-JP" altLang="en-US" dirty="0"/>
+              <a:t>関数による柔軟なパス表記</a:t>
+            </a:r>
+            <a:endParaRPr lang="en-US" altLang="ja-JP" dirty="0"/>
+          </a:p>
+          <a:p>
+            <a:r>
+              <a:rPr lang="en-US" altLang="ja-JP" dirty="0"/>
+              <a:t>Quarto</a:t>
+            </a:r>
+            <a:r>
+              <a:rPr lang="ja-JP" altLang="en-US" dirty="0"/>
+              <a:t>や</a:t>
+            </a:r>
+            <a:r>
+              <a:rPr lang="en-US" altLang="ja-JP" dirty="0"/>
+              <a:t>R</a:t>
+            </a:r>
+            <a:r>
+              <a:rPr lang="ja-JP" altLang="en-US" dirty="0"/>
+              <a:t> </a:t>
+            </a:r>
+            <a:r>
+              <a:rPr lang="en-US" altLang="ja-JP" dirty="0"/>
+              <a:t>Markdown</a:t>
+            </a:r>
+            <a:r>
+              <a:rPr lang="ja-JP" altLang="en-US" dirty="0"/>
+              <a:t>を利用したレポート作成</a:t>
+            </a:r>
+            <a:endParaRPr lang="en-US" altLang="ja-JP" dirty="0"/>
+          </a:p>
+        </p:txBody>
+      </p:sp>
+      <p:sp>
+        <p:nvSpPr>
+          <p:cNvPr id="4" name="スライド番号プレースホルダー 3">
+            <a:extLst>
+              <a:ext uri="{FF2B5EF4-FFF2-40B4-BE49-F238E27FC236}">
+                <a16:creationId xmlns:a16="http://schemas.microsoft.com/office/drawing/2014/main" id="{FF0A4930-2ADF-688A-FBCE-12DDFFDF2FBE}"/>
+              </a:ext>
+            </a:extLst>
+          </p:cNvPr>
+          <p:cNvSpPr>
+            <a:spLocks noGrp="1"/>
+          </p:cNvSpPr>
+          <p:nvPr>
+            <p:ph type="sldNum" sz="quarter" idx="12"/>
+          </p:nvPr>
+        </p:nvSpPr>
+        <p:spPr/>
+        <p:txBody>
+          <a:bodyPr/>
+          <a:lstStyle/>
+          <a:p>
+            <a:fld id="{C46B5F8E-405A-41C5-91DD-ABB74B733BFC}" type="slidenum">
+              <a:rPr kumimoji="1" lang="ja-JP" altLang="en-US" smtClean="0"/>
+              <a:t>31</a:t>
             </a:fld>
             <a:endParaRPr kumimoji="1" lang="ja-JP" altLang="en-US" dirty="0"/>
           </a:p>
@@ -16846,7 +17026,7 @@
 </p:sld>
 </file>
 
-<file path=ppt/slides/slide31.xml><?xml version="1.0" encoding="utf-8"?>
+<file path=ppt/slides/slide32.xml><?xml version="1.0" encoding="utf-8"?>
 <p:sld xmlns:a="http://schemas.openxmlformats.org/drawingml/2006/main" xmlns:r="http://schemas.openxmlformats.org/officeDocument/2006/relationships" xmlns:p="http://schemas.openxmlformats.org/presentationml/2006/main">
   <p:cSld>
     <p:spTree>
@@ -16987,7 +17167,7 @@
           <a:p>
             <a:fld id="{C46B5F8E-405A-41C5-91DD-ABB74B733BFC}" type="slidenum">
               <a:rPr kumimoji="1" lang="ja-JP" altLang="en-US" smtClean="0"/>
-              <a:t>31</a:t>
+              <a:t>32</a:t>
             </a:fld>
             <a:endParaRPr kumimoji="1" lang="ja-JP" altLang="en-US"/>
           </a:p>
@@ -17154,7 +17334,7 @@
 </p:sld>
 </file>
 
-<file path=ppt/slides/slide32.xml><?xml version="1.0" encoding="utf-8"?>
+<file path=ppt/slides/slide33.xml><?xml version="1.0" encoding="utf-8"?>
 <p:sld xmlns:a="http://schemas.openxmlformats.org/drawingml/2006/main" xmlns:r="http://schemas.openxmlformats.org/officeDocument/2006/relationships" xmlns:p="http://schemas.openxmlformats.org/presentationml/2006/main">
   <p:cSld>
     <p:spTree>
@@ -17294,7 +17474,7 @@
           <a:p>
             <a:fld id="{C46B5F8E-405A-41C5-91DD-ABB74B733BFC}" type="slidenum">
               <a:rPr kumimoji="1" lang="ja-JP" altLang="en-US" smtClean="0"/>
-              <a:t>32</a:t>
+              <a:t>33</a:t>
             </a:fld>
             <a:endParaRPr kumimoji="1" lang="ja-JP" altLang="en-US"/>
           </a:p>
@@ -17461,7 +17641,7 @@
 </p:sld>
 </file>
 
-<file path=ppt/slides/slide33.xml><?xml version="1.0" encoding="utf-8"?>
+<file path=ppt/slides/slide34.xml><?xml version="1.0" encoding="utf-8"?>
 <p:sld xmlns:a="http://schemas.openxmlformats.org/drawingml/2006/main" xmlns:r="http://schemas.openxmlformats.org/officeDocument/2006/relationships" xmlns:p="http://schemas.openxmlformats.org/presentationml/2006/main">
   <p:cSld>
     <p:spTree>
@@ -17585,7 +17765,7 @@
           <a:p>
             <a:fld id="{C46B5F8E-405A-41C5-91DD-ABB74B733BFC}" type="slidenum">
               <a:rPr kumimoji="1" lang="ja-JP" altLang="en-US" smtClean="0"/>
-              <a:t>33</a:t>
+              <a:t>34</a:t>
             </a:fld>
             <a:endParaRPr kumimoji="1" lang="ja-JP" altLang="en-US" dirty="0"/>
           </a:p>
@@ -19954,6 +20134,227 @@
           <p:cNvPr id="2" name="タイトル 1">
             <a:extLst>
               <a:ext uri="{FF2B5EF4-FFF2-40B4-BE49-F238E27FC236}">
+                <a16:creationId xmlns:a16="http://schemas.microsoft.com/office/drawing/2014/main" id="{691C8450-77F9-D78E-7946-B2DB273C44B6}"/>
+              </a:ext>
+            </a:extLst>
+          </p:cNvPr>
+          <p:cNvSpPr>
+            <a:spLocks noGrp="1"/>
+          </p:cNvSpPr>
+          <p:nvPr>
+            <p:ph type="title"/>
+          </p:nvPr>
+        </p:nvSpPr>
+        <p:spPr/>
+        <p:txBody>
+          <a:bodyPr/>
+          <a:lstStyle/>
+          <a:p>
+            <a:r>
+              <a:rPr kumimoji="1" lang="ja-JP" altLang="en-US" dirty="0"/>
+              <a:t>　クリーニングとは（追加）</a:t>
+            </a:r>
+          </a:p>
+        </p:txBody>
+      </p:sp>
+      <p:sp>
+        <p:nvSpPr>
+          <p:cNvPr id="3" name="コンテンツ プレースホルダー 2">
+            <a:extLst>
+              <a:ext uri="{FF2B5EF4-FFF2-40B4-BE49-F238E27FC236}">
+                <a16:creationId xmlns:a16="http://schemas.microsoft.com/office/drawing/2014/main" id="{501F15B2-31E2-06E9-4541-7BF7F3097125}"/>
+              </a:ext>
+            </a:extLst>
+          </p:cNvPr>
+          <p:cNvSpPr>
+            <a:spLocks noGrp="1"/>
+          </p:cNvSpPr>
+          <p:nvPr>
+            <p:ph idx="1"/>
+          </p:nvPr>
+        </p:nvSpPr>
+        <p:spPr/>
+        <p:txBody>
+          <a:bodyPr/>
+          <a:lstStyle/>
+          <a:p>
+            <a:r>
+              <a:rPr kumimoji="1" lang="ja-JP" altLang="en-US" dirty="0"/>
+              <a:t>ローデータを分析できる形に整形するプロセス</a:t>
+            </a:r>
+            <a:endParaRPr kumimoji="1" lang="en-US" altLang="ja-JP" dirty="0"/>
+          </a:p>
+          <a:p>
+            <a:r>
+              <a:rPr lang="ja-JP" altLang="en-US" dirty="0"/>
+              <a:t>ローデータ（入手した状態のデータ）はそのままでは分析できないことが多い</a:t>
+            </a:r>
+            <a:r>
+              <a:rPr lang="en-US" altLang="ja-JP" dirty="0"/>
+              <a:t>…</a:t>
+            </a:r>
+            <a:endParaRPr kumimoji="1" lang="ja-JP" altLang="en-US" dirty="0"/>
+          </a:p>
+        </p:txBody>
+      </p:sp>
+      <p:sp>
+        <p:nvSpPr>
+          <p:cNvPr id="4" name="スライド番号プレースホルダー 3">
+            <a:extLst>
+              <a:ext uri="{FF2B5EF4-FFF2-40B4-BE49-F238E27FC236}">
+                <a16:creationId xmlns:a16="http://schemas.microsoft.com/office/drawing/2014/main" id="{79581625-FC4A-7A64-FA8F-842E777EE83B}"/>
+              </a:ext>
+            </a:extLst>
+          </p:cNvPr>
+          <p:cNvSpPr>
+            <a:spLocks noGrp="1"/>
+          </p:cNvSpPr>
+          <p:nvPr>
+            <p:ph type="sldNum" sz="quarter" idx="12"/>
+          </p:nvPr>
+        </p:nvSpPr>
+        <p:spPr/>
+        <p:txBody>
+          <a:bodyPr/>
+          <a:lstStyle/>
+          <a:p>
+            <a:fld id="{C46B5F8E-405A-41C5-91DD-ABB74B733BFC}" type="slidenum">
+              <a:rPr kumimoji="1" lang="ja-JP" altLang="en-US" smtClean="0"/>
+              <a:t>8</a:t>
+            </a:fld>
+            <a:endParaRPr kumimoji="1" lang="ja-JP" altLang="en-US" dirty="0"/>
+          </a:p>
+        </p:txBody>
+      </p:sp>
+      <p:sp>
+        <p:nvSpPr>
+          <p:cNvPr id="5" name="フッター プレースホルダー 4">
+            <a:extLst>
+              <a:ext uri="{FF2B5EF4-FFF2-40B4-BE49-F238E27FC236}">
+                <a16:creationId xmlns:a16="http://schemas.microsoft.com/office/drawing/2014/main" id="{60C6FA78-B4AC-3D7C-0E01-90A6E45F0B1D}"/>
+              </a:ext>
+            </a:extLst>
+          </p:cNvPr>
+          <p:cNvSpPr>
+            <a:spLocks noGrp="1"/>
+          </p:cNvSpPr>
+          <p:nvPr>
+            <p:ph type="ftr" sz="quarter" idx="3"/>
+          </p:nvPr>
+        </p:nvSpPr>
+        <p:spPr/>
+        <p:txBody>
+          <a:bodyPr/>
+          <a:lstStyle/>
+          <a:p>
+            <a:r>
+              <a:rPr kumimoji="1" lang="ja-JP" altLang="en-US"/>
+              <a:t>　</a:t>
+            </a:r>
+            <a:r>
+              <a:rPr kumimoji="1" lang="en-US" altLang="ja-JP"/>
+              <a:t>RA</a:t>
+            </a:r>
+            <a:r>
+              <a:rPr kumimoji="1" lang="ja-JP" altLang="en-US"/>
+              <a:t>ブートキャンプ　事前レクチャー</a:t>
+            </a:r>
+            <a:endParaRPr kumimoji="1" lang="ja-JP" altLang="en-US" dirty="0"/>
+          </a:p>
+        </p:txBody>
+      </p:sp>
+      <p:sp>
+        <p:nvSpPr>
+          <p:cNvPr id="6" name="日付プレースホルダー 5">
+            <a:extLst>
+              <a:ext uri="{FF2B5EF4-FFF2-40B4-BE49-F238E27FC236}">
+                <a16:creationId xmlns:a16="http://schemas.microsoft.com/office/drawing/2014/main" id="{94370808-EF92-C411-8669-6E0960A3F22C}"/>
+              </a:ext>
+            </a:extLst>
+          </p:cNvPr>
+          <p:cNvSpPr>
+            <a:spLocks noGrp="1"/>
+          </p:cNvSpPr>
+          <p:nvPr>
+            <p:ph type="dt" sz="half" idx="2"/>
+          </p:nvPr>
+        </p:nvSpPr>
+        <p:spPr/>
+        <p:txBody>
+          <a:bodyPr/>
+          <a:lstStyle/>
+          <a:p>
+            <a:r>
+              <a:rPr kumimoji="1" lang="en-US" altLang="ja-JP"/>
+              <a:t>2025/8/12</a:t>
+            </a:r>
+            <a:endParaRPr kumimoji="1" lang="ja-JP" altLang="en-US" dirty="0"/>
+          </a:p>
+        </p:txBody>
+      </p:sp>
+      <p:sp>
+        <p:nvSpPr>
+          <p:cNvPr id="7" name="テキスト プレースホルダー 6">
+            <a:extLst>
+              <a:ext uri="{FF2B5EF4-FFF2-40B4-BE49-F238E27FC236}">
+                <a16:creationId xmlns:a16="http://schemas.microsoft.com/office/drawing/2014/main" id="{533704B0-AEA3-C9C0-01B5-EF1C72342A45}"/>
+              </a:ext>
+            </a:extLst>
+          </p:cNvPr>
+          <p:cNvSpPr>
+            <a:spLocks noGrp="1"/>
+          </p:cNvSpPr>
+          <p:nvPr>
+            <p:ph type="body" sz="quarter" idx="13"/>
+          </p:nvPr>
+        </p:nvSpPr>
+        <p:spPr/>
+        <p:txBody>
+          <a:bodyPr/>
+          <a:lstStyle/>
+          <a:p>
+            <a:r>
+              <a:rPr kumimoji="1" lang="ja-JP" altLang="en-US" dirty="0"/>
+              <a:t>　クリーニング</a:t>
+            </a:r>
+          </a:p>
+        </p:txBody>
+      </p:sp>
+    </p:spTree>
+    <p:extLst>
+      <p:ext uri="{BB962C8B-B14F-4D97-AF65-F5344CB8AC3E}">
+        <p14:creationId xmlns:p14="http://schemas.microsoft.com/office/powerpoint/2010/main" val="3231024277"/>
+      </p:ext>
+    </p:extLst>
+  </p:cSld>
+  <p:clrMapOvr>
+    <a:masterClrMapping/>
+  </p:clrMapOvr>
+</p:sld>
+</file>
+
+<file path=ppt/slides/slide9.xml><?xml version="1.0" encoding="utf-8"?>
+<p:sld xmlns:a="http://schemas.openxmlformats.org/drawingml/2006/main" xmlns:r="http://schemas.openxmlformats.org/officeDocument/2006/relationships" xmlns:p="http://schemas.openxmlformats.org/presentationml/2006/main">
+  <p:cSld>
+    <p:spTree>
+      <p:nvGrpSpPr>
+        <p:cNvPr id="1" name=""/>
+        <p:cNvGrpSpPr/>
+        <p:nvPr/>
+      </p:nvGrpSpPr>
+      <p:grpSpPr>
+        <a:xfrm>
+          <a:off x="0" y="0"/>
+          <a:ext cx="0" cy="0"/>
+          <a:chOff x="0" y="0"/>
+          <a:chExt cx="0" cy="0"/>
+        </a:xfrm>
+      </p:grpSpPr>
+      <p:sp>
+        <p:nvSpPr>
+          <p:cNvPr id="2" name="タイトル 1">
+            <a:extLst>
+              <a:ext uri="{FF2B5EF4-FFF2-40B4-BE49-F238E27FC236}">
                 <a16:creationId xmlns:a16="http://schemas.microsoft.com/office/drawing/2014/main" id="{9AF14CE0-F539-348B-7BA8-CF8A35B05029}"/>
               </a:ext>
             </a:extLst>
@@ -20086,7 +20487,7 @@
           <a:p>
             <a:fld id="{C46B5F8E-405A-41C5-91DD-ABB74B733BFC}" type="slidenum">
               <a:rPr kumimoji="1" lang="ja-JP" altLang="en-US" smtClean="0"/>
-              <a:t>8</a:t>
+              <a:t>9</a:t>
             </a:fld>
             <a:endParaRPr kumimoji="1" lang="ja-JP" altLang="en-US" dirty="0"/>
           </a:p>
@@ -21331,306 +21732,6 @@
     <p:extLst>
       <p:ext uri="{BB962C8B-B14F-4D97-AF65-F5344CB8AC3E}">
         <p14:creationId xmlns:p14="http://schemas.microsoft.com/office/powerpoint/2010/main" val="2843076964"/>
-      </p:ext>
-    </p:extLst>
-  </p:cSld>
-  <p:clrMapOvr>
-    <a:masterClrMapping/>
-  </p:clrMapOvr>
-</p:sld>
-</file>
-
-<file path=ppt/slides/slide9.xml><?xml version="1.0" encoding="utf-8"?>
-<p:sld xmlns:a="http://schemas.openxmlformats.org/drawingml/2006/main" xmlns:r="http://schemas.openxmlformats.org/officeDocument/2006/relationships" xmlns:p="http://schemas.openxmlformats.org/presentationml/2006/main">
-  <p:cSld>
-    <p:spTree>
-      <p:nvGrpSpPr>
-        <p:cNvPr id="1" name=""/>
-        <p:cNvGrpSpPr/>
-        <p:nvPr/>
-      </p:nvGrpSpPr>
-      <p:grpSpPr>
-        <a:xfrm>
-          <a:off x="0" y="0"/>
-          <a:ext cx="0" cy="0"/>
-          <a:chOff x="0" y="0"/>
-          <a:chExt cx="0" cy="0"/>
-        </a:xfrm>
-      </p:grpSpPr>
-      <p:sp>
-        <p:nvSpPr>
-          <p:cNvPr id="2" name="タイトル 1">
-            <a:extLst>
-              <a:ext uri="{FF2B5EF4-FFF2-40B4-BE49-F238E27FC236}">
-                <a16:creationId xmlns:a16="http://schemas.microsoft.com/office/drawing/2014/main" id="{E2125510-5FA7-7A34-C346-DEC5B387F9C0}"/>
-              </a:ext>
-            </a:extLst>
-          </p:cNvPr>
-          <p:cNvSpPr>
-            <a:spLocks noGrp="1"/>
-          </p:cNvSpPr>
-          <p:nvPr>
-            <p:ph type="title"/>
-          </p:nvPr>
-        </p:nvSpPr>
-        <p:spPr/>
-        <p:txBody>
-          <a:bodyPr/>
-          <a:lstStyle/>
-          <a:p>
-            <a:r>
-              <a:rPr kumimoji="1" lang="ja-JP" altLang="en-US" dirty="0"/>
-              <a:t>　段階を</a:t>
-            </a:r>
-            <a:r>
-              <a:rPr lang="ja-JP" altLang="en-US" dirty="0"/>
-              <a:t>踏む</a:t>
-            </a:r>
-            <a:r>
-              <a:rPr kumimoji="1" lang="ja-JP" altLang="en-US" dirty="0"/>
-              <a:t>意味</a:t>
-            </a:r>
-          </a:p>
-        </p:txBody>
-      </p:sp>
-      <p:sp>
-        <p:nvSpPr>
-          <p:cNvPr id="3" name="コンテンツ プレースホルダー 2">
-            <a:extLst>
-              <a:ext uri="{FF2B5EF4-FFF2-40B4-BE49-F238E27FC236}">
-                <a16:creationId xmlns:a16="http://schemas.microsoft.com/office/drawing/2014/main" id="{FC886630-4260-F926-DE0D-0EA9346ACEBD}"/>
-              </a:ext>
-            </a:extLst>
-          </p:cNvPr>
-          <p:cNvSpPr>
-            <a:spLocks noGrp="1"/>
-          </p:cNvSpPr>
-          <p:nvPr>
-            <p:ph idx="1"/>
-          </p:nvPr>
-        </p:nvSpPr>
-        <p:spPr>
-          <a:xfrm>
-            <a:off x="628649" y="1825625"/>
-            <a:ext cx="8049683" cy="4351338"/>
-          </a:xfrm>
-        </p:spPr>
-        <p:txBody>
-          <a:bodyPr>
-            <a:normAutofit fontScale="92500" lnSpcReduction="10000"/>
-          </a:bodyPr>
-          <a:lstStyle/>
-          <a:p>
-            <a:r>
-              <a:rPr kumimoji="1" lang="ja-JP" altLang="en-US" dirty="0"/>
-              <a:t>ローデータの保持</a:t>
-            </a:r>
-            <a:endParaRPr kumimoji="1" lang="en-US" altLang="ja-JP" dirty="0"/>
-          </a:p>
-          <a:p>
-            <a:pPr lvl="1"/>
-            <a:r>
-              <a:rPr kumimoji="1" lang="ja-JP" altLang="en-US" dirty="0"/>
-              <a:t>ローデータを加工するとミスの追跡が困難に</a:t>
-            </a:r>
-            <a:r>
-              <a:rPr kumimoji="1" lang="en-US" altLang="ja-JP" dirty="0"/>
-              <a:t>…</a:t>
-            </a:r>
-          </a:p>
-          <a:p>
-            <a:r>
-              <a:rPr lang="ja-JP" altLang="en-US" dirty="0"/>
-              <a:t>コードの可読性・デバッグ可能性の向上</a:t>
-            </a:r>
-            <a:endParaRPr lang="en-US" altLang="ja-JP" dirty="0"/>
-          </a:p>
-          <a:p>
-            <a:pPr lvl="1"/>
-            <a:r>
-              <a:rPr lang="ja-JP" altLang="en-US" dirty="0"/>
-              <a:t>汚いデータの場合処理が複雑に⇒コードが長くなり読みにくい</a:t>
-            </a:r>
-            <a:endParaRPr lang="en-US" altLang="ja-JP" dirty="0"/>
-          </a:p>
-          <a:p>
-            <a:pPr lvl="1"/>
-            <a:r>
-              <a:rPr lang="ja-JP" altLang="en-US" dirty="0"/>
-              <a:t>ミスが見つかった場合に中間生成物を確認することでミスを発見しやすい</a:t>
-            </a:r>
-            <a:endParaRPr lang="en-US" altLang="ja-JP" dirty="0"/>
-          </a:p>
-          <a:p>
-            <a:r>
-              <a:rPr lang="ja-JP" altLang="en-US" dirty="0"/>
-              <a:t>中間データの再利用可能性向上</a:t>
-            </a:r>
-            <a:endParaRPr lang="en-US" altLang="ja-JP" dirty="0"/>
-          </a:p>
-          <a:p>
-            <a:pPr lvl="1"/>
-            <a:r>
-              <a:rPr lang="ja-JP" altLang="en-US" dirty="0"/>
-              <a:t>途中のデータが欲しい</a:t>
-            </a:r>
-            <a:r>
-              <a:rPr lang="en-US" altLang="ja-JP" dirty="0"/>
-              <a:t>…</a:t>
-            </a:r>
-            <a:r>
-              <a:rPr lang="ja-JP" altLang="en-US" dirty="0"/>
-              <a:t>という場面も</a:t>
-            </a:r>
-            <a:endParaRPr lang="en-US" altLang="ja-JP" dirty="0"/>
-          </a:p>
-          <a:p>
-            <a:r>
-              <a:rPr lang="ja-JP" altLang="en-US" dirty="0"/>
-              <a:t>処理時間の節約</a:t>
-            </a:r>
-            <a:endParaRPr lang="en-US" altLang="ja-JP" dirty="0"/>
-          </a:p>
-          <a:p>
-            <a:pPr lvl="1"/>
-            <a:r>
-              <a:rPr lang="ja-JP" altLang="en-US" dirty="0"/>
-              <a:t>コードを修正した場合すべてを回し直すのは手間がかかる</a:t>
-            </a:r>
-            <a:endParaRPr lang="en-US" altLang="ja-JP" dirty="0"/>
-          </a:p>
-          <a:p>
-            <a:endParaRPr kumimoji="1" lang="ja-JP" altLang="en-US" dirty="0"/>
-          </a:p>
-        </p:txBody>
-      </p:sp>
-      <p:sp>
-        <p:nvSpPr>
-          <p:cNvPr id="4" name="スライド番号プレースホルダー 3">
-            <a:extLst>
-              <a:ext uri="{FF2B5EF4-FFF2-40B4-BE49-F238E27FC236}">
-                <a16:creationId xmlns:a16="http://schemas.microsoft.com/office/drawing/2014/main" id="{BAA594B3-0F02-DE00-F5B8-81FD9729606C}"/>
-              </a:ext>
-            </a:extLst>
-          </p:cNvPr>
-          <p:cNvSpPr>
-            <a:spLocks noGrp="1"/>
-          </p:cNvSpPr>
-          <p:nvPr>
-            <p:ph type="sldNum" sz="quarter" idx="12"/>
-          </p:nvPr>
-        </p:nvSpPr>
-        <p:spPr/>
-        <p:txBody>
-          <a:bodyPr/>
-          <a:lstStyle/>
-          <a:p>
-            <a:fld id="{C46B5F8E-405A-41C5-91DD-ABB74B733BFC}" type="slidenum">
-              <a:rPr kumimoji="1" lang="ja-JP" altLang="en-US" smtClean="0"/>
-              <a:t>9</a:t>
-            </a:fld>
-            <a:endParaRPr kumimoji="1" lang="ja-JP" altLang="en-US" dirty="0"/>
-          </a:p>
-        </p:txBody>
-      </p:sp>
-      <p:sp>
-        <p:nvSpPr>
-          <p:cNvPr id="5" name="フッター プレースホルダー 4">
-            <a:extLst>
-              <a:ext uri="{FF2B5EF4-FFF2-40B4-BE49-F238E27FC236}">
-                <a16:creationId xmlns:a16="http://schemas.microsoft.com/office/drawing/2014/main" id="{CA416993-2169-459A-D00E-7884014242E2}"/>
-              </a:ext>
-            </a:extLst>
-          </p:cNvPr>
-          <p:cNvSpPr>
-            <a:spLocks noGrp="1"/>
-          </p:cNvSpPr>
-          <p:nvPr>
-            <p:ph type="ftr" sz="quarter" idx="3"/>
-          </p:nvPr>
-        </p:nvSpPr>
-        <p:spPr/>
-        <p:txBody>
-          <a:bodyPr/>
-          <a:lstStyle/>
-          <a:p>
-            <a:r>
-              <a:rPr kumimoji="1" lang="ja-JP" altLang="en-US"/>
-              <a:t>　</a:t>
-            </a:r>
-            <a:r>
-              <a:rPr kumimoji="1" lang="en-US" altLang="ja-JP"/>
-              <a:t>RA</a:t>
-            </a:r>
-            <a:r>
-              <a:rPr kumimoji="1" lang="ja-JP" altLang="en-US"/>
-              <a:t>ブートキャンプ　事前レクチャー</a:t>
-            </a:r>
-            <a:endParaRPr kumimoji="1" lang="ja-JP" altLang="en-US" dirty="0"/>
-          </a:p>
-        </p:txBody>
-      </p:sp>
-      <p:sp>
-        <p:nvSpPr>
-          <p:cNvPr id="6" name="日付プレースホルダー 5">
-            <a:extLst>
-              <a:ext uri="{FF2B5EF4-FFF2-40B4-BE49-F238E27FC236}">
-                <a16:creationId xmlns:a16="http://schemas.microsoft.com/office/drawing/2014/main" id="{00B50F90-6965-EA79-09FD-2579652BCC4A}"/>
-              </a:ext>
-            </a:extLst>
-          </p:cNvPr>
-          <p:cNvSpPr>
-            <a:spLocks noGrp="1"/>
-          </p:cNvSpPr>
-          <p:nvPr>
-            <p:ph type="dt" sz="half" idx="2"/>
-          </p:nvPr>
-        </p:nvSpPr>
-        <p:spPr/>
-        <p:txBody>
-          <a:bodyPr/>
-          <a:lstStyle/>
-          <a:p>
-            <a:r>
-              <a:rPr kumimoji="1" lang="en-US" altLang="ja-JP"/>
-              <a:t>2025/8/12</a:t>
-            </a:r>
-            <a:endParaRPr kumimoji="1" lang="ja-JP" altLang="en-US" dirty="0"/>
-          </a:p>
-        </p:txBody>
-      </p:sp>
-      <p:sp>
-        <p:nvSpPr>
-          <p:cNvPr id="7" name="テキスト プレースホルダー 6">
-            <a:extLst>
-              <a:ext uri="{FF2B5EF4-FFF2-40B4-BE49-F238E27FC236}">
-                <a16:creationId xmlns:a16="http://schemas.microsoft.com/office/drawing/2014/main" id="{B07A92B3-5071-D702-362E-E435091D5437}"/>
-              </a:ext>
-            </a:extLst>
-          </p:cNvPr>
-          <p:cNvSpPr>
-            <a:spLocks noGrp="1"/>
-          </p:cNvSpPr>
-          <p:nvPr>
-            <p:ph type="body" sz="quarter" idx="13"/>
-          </p:nvPr>
-        </p:nvSpPr>
-        <p:spPr/>
-        <p:txBody>
-          <a:bodyPr/>
-          <a:lstStyle/>
-          <a:p>
-            <a:r>
-              <a:rPr kumimoji="1" lang="ja-JP" altLang="en-US" dirty="0"/>
-              <a:t>　クリーニング</a:t>
-            </a:r>
-          </a:p>
-        </p:txBody>
-      </p:sp>
-    </p:spTree>
-    <p:extLst>
-      <p:ext uri="{BB962C8B-B14F-4D97-AF65-F5344CB8AC3E}">
-        <p14:creationId xmlns:p14="http://schemas.microsoft.com/office/powerpoint/2010/main" val="3976483614"/>
       </p:ext>
     </p:extLst>
   </p:cSld>

--- a/事前レクチャー_スライド.pptx
+++ b/事前レクチャー_スライド.pptx
@@ -151,7 +151,7 @@
 <file path=ppt/revisionInfo.xml><?xml version="1.0" encoding="utf-8"?>
 <p1510:revInfo xmlns:a="http://schemas.openxmlformats.org/drawingml/2006/main" xmlns:r="http://schemas.openxmlformats.org/officeDocument/2006/relationships" xmlns:p1510="http://schemas.microsoft.com/office/powerpoint/2015/10/main">
   <p1510:revLst>
-    <p1510:client id="{54E4F011-C27E-4586-9098-82EB89E0B39E}" v="2319" dt="2025-08-10T12:29:40.647"/>
+    <p1510:client id="{54E4F011-C27E-4586-9098-82EB89E0B39E}" v="2320" dt="2025-08-11T02:12:25.335"/>
   </p1510:revLst>
 </p1510:revInfo>
 </file>
@@ -161,7 +161,7 @@
   <pc:docChgLst>
     <pc:chgData name="Keisuke Tsugumi" userId="6e4a72d90fa3675d" providerId="LiveId" clId="{54E4F011-C27E-4586-9098-82EB89E0B39E}"/>
     <pc:docChg chg="undo custSel addSld delSld modSld sldOrd modMainMaster">
-      <pc:chgData name="Keisuke Tsugumi" userId="6e4a72d90fa3675d" providerId="LiveId" clId="{54E4F011-C27E-4586-9098-82EB89E0B39E}" dt="2025-08-10T12:29:40.646" v="15769"/>
+      <pc:chgData name="Keisuke Tsugumi" userId="6e4a72d90fa3675d" providerId="LiveId" clId="{54E4F011-C27E-4586-9098-82EB89E0B39E}" dt="2025-08-11T02:12:32.261" v="15771" actId="1076"/>
       <pc:docMkLst>
         <pc:docMk/>
       </pc:docMkLst>
@@ -1421,7 +1421,7 @@
         </pc:spChg>
       </pc:sldChg>
       <pc:sldChg chg="addSp delSp modSp new mod">
-        <pc:chgData name="Keisuke Tsugumi" userId="6e4a72d90fa3675d" providerId="LiveId" clId="{54E4F011-C27E-4586-9098-82EB89E0B39E}" dt="2025-08-08T11:47:31.055" v="15542" actId="478"/>
+        <pc:chgData name="Keisuke Tsugumi" userId="6e4a72d90fa3675d" providerId="LiveId" clId="{54E4F011-C27E-4586-9098-82EB89E0B39E}" dt="2025-08-11T02:12:32.261" v="15771" actId="1076"/>
         <pc:sldMkLst>
           <pc:docMk/>
           <pc:sldMk cId="870584933" sldId="281"/>
@@ -1459,7 +1459,7 @@
           </ac:spMkLst>
         </pc:spChg>
         <pc:spChg chg="add mod">
-          <ac:chgData name="Keisuke Tsugumi" userId="6e4a72d90fa3675d" providerId="LiveId" clId="{54E4F011-C27E-4586-9098-82EB89E0B39E}" dt="2025-07-30T01:02:26.475" v="7350" actId="14100"/>
+          <ac:chgData name="Keisuke Tsugumi" userId="6e4a72d90fa3675d" providerId="LiveId" clId="{54E4F011-C27E-4586-9098-82EB89E0B39E}" dt="2025-08-11T02:12:25.328" v="15770" actId="164"/>
           <ac:spMkLst>
             <pc:docMk/>
             <pc:sldMk cId="870584933" sldId="281"/>
@@ -1467,7 +1467,7 @@
           </ac:spMkLst>
         </pc:spChg>
         <pc:spChg chg="add mod">
-          <ac:chgData name="Keisuke Tsugumi" userId="6e4a72d90fa3675d" providerId="LiveId" clId="{54E4F011-C27E-4586-9098-82EB89E0B39E}" dt="2025-07-30T01:03:12.682" v="7369" actId="14100"/>
+          <ac:chgData name="Keisuke Tsugumi" userId="6e4a72d90fa3675d" providerId="LiveId" clId="{54E4F011-C27E-4586-9098-82EB89E0B39E}" dt="2025-08-11T02:12:25.328" v="15770" actId="164"/>
           <ac:spMkLst>
             <pc:docMk/>
             <pc:sldMk cId="870584933" sldId="281"/>
@@ -1475,7 +1475,15 @@
           </ac:spMkLst>
         </pc:spChg>
         <pc:grpChg chg="add mod">
-          <ac:chgData name="Keisuke Tsugumi" userId="6e4a72d90fa3675d" providerId="LiveId" clId="{54E4F011-C27E-4586-9098-82EB89E0B39E}" dt="2025-07-30T01:03:56.075" v="7370" actId="1076"/>
+          <ac:chgData name="Keisuke Tsugumi" userId="6e4a72d90fa3675d" providerId="LiveId" clId="{54E4F011-C27E-4586-9098-82EB89E0B39E}" dt="2025-08-11T02:12:32.261" v="15771" actId="1076"/>
+          <ac:grpSpMkLst>
+            <pc:docMk/>
+            <pc:sldMk cId="870584933" sldId="281"/>
+            <ac:grpSpMk id="8" creationId="{282FAA12-DF0C-6081-92FC-BDCC64D0C5B8}"/>
+          </ac:grpSpMkLst>
+        </pc:grpChg>
+        <pc:grpChg chg="add mod">
+          <ac:chgData name="Keisuke Tsugumi" userId="6e4a72d90fa3675d" providerId="LiveId" clId="{54E4F011-C27E-4586-9098-82EB89E0B39E}" dt="2025-08-11T02:12:25.328" v="15770" actId="164"/>
           <ac:grpSpMkLst>
             <pc:docMk/>
             <pc:sldMk cId="870584933" sldId="281"/>
@@ -1483,7 +1491,7 @@
           </ac:grpSpMkLst>
         </pc:grpChg>
         <pc:picChg chg="add mod">
-          <ac:chgData name="Keisuke Tsugumi" userId="6e4a72d90fa3675d" providerId="LiveId" clId="{54E4F011-C27E-4586-9098-82EB89E0B39E}" dt="2025-07-30T00:59:50.687" v="7318" actId="1076"/>
+          <ac:chgData name="Keisuke Tsugumi" userId="6e4a72d90fa3675d" providerId="LiveId" clId="{54E4F011-C27E-4586-9098-82EB89E0B39E}" dt="2025-08-11T02:12:25.328" v="15770" actId="164"/>
           <ac:picMkLst>
             <pc:docMk/>
             <pc:sldMk cId="870584933" sldId="281"/>
@@ -1499,7 +1507,7 @@
           </ac:cxnSpMkLst>
         </pc:cxnChg>
         <pc:cxnChg chg="add mod">
-          <ac:chgData name="Keisuke Tsugumi" userId="6e4a72d90fa3675d" providerId="LiveId" clId="{54E4F011-C27E-4586-9098-82EB89E0B39E}" dt="2025-07-30T01:02:26.475" v="7350" actId="14100"/>
+          <ac:chgData name="Keisuke Tsugumi" userId="6e4a72d90fa3675d" providerId="LiveId" clId="{54E4F011-C27E-4586-9098-82EB89E0B39E}" dt="2025-08-11T02:12:25.328" v="15770" actId="164"/>
           <ac:cxnSpMkLst>
             <pc:docMk/>
             <pc:sldMk cId="870584933" sldId="281"/>
@@ -1507,7 +1515,7 @@
           </ac:cxnSpMkLst>
         </pc:cxnChg>
         <pc:cxnChg chg="add mod">
-          <ac:chgData name="Keisuke Tsugumi" userId="6e4a72d90fa3675d" providerId="LiveId" clId="{54E4F011-C27E-4586-9098-82EB89E0B39E}" dt="2025-07-30T01:02:26.475" v="7350" actId="14100"/>
+          <ac:chgData name="Keisuke Tsugumi" userId="6e4a72d90fa3675d" providerId="LiveId" clId="{54E4F011-C27E-4586-9098-82EB89E0B39E}" dt="2025-08-11T02:12:25.328" v="15770" actId="164"/>
           <ac:cxnSpMkLst>
             <pc:docMk/>
             <pc:sldMk cId="870584933" sldId="281"/>
@@ -1515,7 +1523,7 @@
           </ac:cxnSpMkLst>
         </pc:cxnChg>
         <pc:cxnChg chg="add mod">
-          <ac:chgData name="Keisuke Tsugumi" userId="6e4a72d90fa3675d" providerId="LiveId" clId="{54E4F011-C27E-4586-9098-82EB89E0B39E}" dt="2025-07-30T01:03:12.682" v="7369" actId="14100"/>
+          <ac:chgData name="Keisuke Tsugumi" userId="6e4a72d90fa3675d" providerId="LiveId" clId="{54E4F011-C27E-4586-9098-82EB89E0B39E}" dt="2025-08-11T02:12:25.328" v="15770" actId="164"/>
           <ac:cxnSpMkLst>
             <pc:docMk/>
             <pc:sldMk cId="870584933" sldId="281"/>
@@ -1523,7 +1531,7 @@
           </ac:cxnSpMkLst>
         </pc:cxnChg>
         <pc:cxnChg chg="add mod">
-          <ac:chgData name="Keisuke Tsugumi" userId="6e4a72d90fa3675d" providerId="LiveId" clId="{54E4F011-C27E-4586-9098-82EB89E0B39E}" dt="2025-07-30T01:03:12.682" v="7369" actId="14100"/>
+          <ac:chgData name="Keisuke Tsugumi" userId="6e4a72d90fa3675d" providerId="LiveId" clId="{54E4F011-C27E-4586-9098-82EB89E0B39E}" dt="2025-08-11T02:12:25.328" v="15770" actId="164"/>
           <ac:cxnSpMkLst>
             <pc:docMk/>
             <pc:sldMk cId="870584933" sldId="281"/>
@@ -15308,49 +15316,12 @@
           </a:p>
         </p:txBody>
       </p:sp>
-      <p:pic>
-        <p:nvPicPr>
-          <p:cNvPr id="9" name="図 8">
-            <a:extLst>
-              <a:ext uri="{FF2B5EF4-FFF2-40B4-BE49-F238E27FC236}">
-                <a16:creationId xmlns:a16="http://schemas.microsoft.com/office/drawing/2014/main" id="{EAC78524-C9FF-DF55-B1AA-85EA88988006}"/>
-              </a:ext>
-            </a:extLst>
-          </p:cNvPr>
-          <p:cNvPicPr>
-            <a:picLocks noChangeAspect="1"/>
-          </p:cNvPicPr>
-          <p:nvPr/>
-        </p:nvPicPr>
-        <p:blipFill>
-          <a:blip r:embed="rId2"/>
-          <a:stretch>
-            <a:fillRect/>
-          </a:stretch>
-        </p:blipFill>
-        <p:spPr>
-          <a:xfrm>
-            <a:off x="1662017" y="4131799"/>
-            <a:ext cx="5819966" cy="1802996"/>
-          </a:xfrm>
-          <a:prstGeom prst="rect">
-            <a:avLst/>
-          </a:prstGeom>
-          <a:ln>
-            <a:solidFill>
-              <a:schemeClr val="bg2">
-                <a:lumMod val="50000"/>
-              </a:schemeClr>
-            </a:solidFill>
-          </a:ln>
-        </p:spPr>
-      </p:pic>
       <p:grpSp>
         <p:nvGrpSpPr>
-          <p:cNvPr id="12" name="グループ化 11">
-            <a:extLst>
-              <a:ext uri="{FF2B5EF4-FFF2-40B4-BE49-F238E27FC236}">
-                <a16:creationId xmlns:a16="http://schemas.microsoft.com/office/drawing/2014/main" id="{CB444F64-3BB3-CD95-9DEE-74A3C1ACBCB5}"/>
+          <p:cNvPr id="8" name="グループ化 7">
+            <a:extLst>
+              <a:ext uri="{FF2B5EF4-FFF2-40B4-BE49-F238E27FC236}">
+                <a16:creationId xmlns:a16="http://schemas.microsoft.com/office/drawing/2014/main" id="{282FAA12-DF0C-6081-92FC-BDCC64D0C5B8}"/>
               </a:ext>
             </a:extLst>
           </p:cNvPr>
@@ -15359,31 +15330,171 @@
         </p:nvGrpSpPr>
         <p:grpSpPr>
           <a:xfrm>
-            <a:off x="258540" y="4064589"/>
-            <a:ext cx="1694705" cy="550302"/>
-            <a:chOff x="143923" y="3977911"/>
-            <a:chExt cx="1694705" cy="550302"/>
+            <a:off x="373399" y="4243997"/>
+            <a:ext cx="7304809" cy="1870206"/>
+            <a:chOff x="177174" y="4064589"/>
+            <a:chExt cx="7304809" cy="1870206"/>
           </a:xfrm>
         </p:grpSpPr>
+        <p:pic>
+          <p:nvPicPr>
+            <p:cNvPr id="9" name="図 8">
+              <a:extLst>
+                <a:ext uri="{FF2B5EF4-FFF2-40B4-BE49-F238E27FC236}">
+                  <a16:creationId xmlns:a16="http://schemas.microsoft.com/office/drawing/2014/main" id="{EAC78524-C9FF-DF55-B1AA-85EA88988006}"/>
+                </a:ext>
+              </a:extLst>
+            </p:cNvPr>
+            <p:cNvPicPr>
+              <a:picLocks noChangeAspect="1"/>
+            </p:cNvPicPr>
+            <p:nvPr/>
+          </p:nvPicPr>
+          <p:blipFill>
+            <a:blip r:embed="rId2"/>
+            <a:stretch>
+              <a:fillRect/>
+            </a:stretch>
+          </p:blipFill>
+          <p:spPr>
+            <a:xfrm>
+              <a:off x="1662017" y="4131799"/>
+              <a:ext cx="5819966" cy="1802996"/>
+            </a:xfrm>
+            <a:prstGeom prst="rect">
+              <a:avLst/>
+            </a:prstGeom>
+            <a:ln>
+              <a:solidFill>
+                <a:schemeClr val="bg2">
+                  <a:lumMod val="50000"/>
+                </a:schemeClr>
+              </a:solidFill>
+            </a:ln>
+          </p:spPr>
+        </p:pic>
+        <p:grpSp>
+          <p:nvGrpSpPr>
+            <p:cNvPr id="12" name="グループ化 11">
+              <a:extLst>
+                <a:ext uri="{FF2B5EF4-FFF2-40B4-BE49-F238E27FC236}">
+                  <a16:creationId xmlns:a16="http://schemas.microsoft.com/office/drawing/2014/main" id="{CB444F64-3BB3-CD95-9DEE-74A3C1ACBCB5}"/>
+                </a:ext>
+              </a:extLst>
+            </p:cNvPr>
+            <p:cNvGrpSpPr/>
+            <p:nvPr/>
+          </p:nvGrpSpPr>
+          <p:grpSpPr>
+            <a:xfrm>
+              <a:off x="258540" y="4064589"/>
+              <a:ext cx="1694705" cy="550302"/>
+              <a:chOff x="143923" y="3977911"/>
+              <a:chExt cx="1694705" cy="550302"/>
+            </a:xfrm>
+          </p:grpSpPr>
+          <p:cxnSp>
+            <p:nvCxnSpPr>
+              <p:cNvPr id="10" name="直線コネクタ 9">
+                <a:extLst>
+                  <a:ext uri="{FF2B5EF4-FFF2-40B4-BE49-F238E27FC236}">
+                    <a16:creationId xmlns:a16="http://schemas.microsoft.com/office/drawing/2014/main" id="{E0887BEF-FFA1-BFFB-464A-80B3EEFDE351}"/>
+                  </a:ext>
+                </a:extLst>
+              </p:cNvPr>
+              <p:cNvCxnSpPr>
+                <a:cxnSpLocks/>
+                <a:endCxn id="11" idx="2"/>
+              </p:cNvCxnSpPr>
+              <p:nvPr/>
+            </p:nvCxnSpPr>
+            <p:spPr>
+              <a:xfrm flipH="1" flipV="1">
+                <a:off x="825804" y="4285688"/>
+                <a:ext cx="1012824" cy="242525"/>
+              </a:xfrm>
+              <a:prstGeom prst="line">
+                <a:avLst/>
+              </a:prstGeom>
+              <a:ln>
+                <a:solidFill>
+                  <a:schemeClr val="accent3">
+                    <a:lumMod val="75000"/>
+                  </a:schemeClr>
+                </a:solidFill>
+              </a:ln>
+            </p:spPr>
+            <p:style>
+              <a:lnRef idx="3">
+                <a:schemeClr val="dk1"/>
+              </a:lnRef>
+              <a:fillRef idx="0">
+                <a:schemeClr val="dk1"/>
+              </a:fillRef>
+              <a:effectRef idx="2">
+                <a:schemeClr val="dk1"/>
+              </a:effectRef>
+              <a:fontRef idx="minor">
+                <a:schemeClr val="tx1"/>
+              </a:fontRef>
+            </p:style>
+          </p:cxnSp>
+          <p:sp>
+            <p:nvSpPr>
+              <p:cNvPr id="11" name="テキスト ボックス 10">
+                <a:extLst>
+                  <a:ext uri="{FF2B5EF4-FFF2-40B4-BE49-F238E27FC236}">
+                    <a16:creationId xmlns:a16="http://schemas.microsoft.com/office/drawing/2014/main" id="{EA9A3B21-43B5-9940-9099-26C03A4913DC}"/>
+                  </a:ext>
+                </a:extLst>
+              </p:cNvPr>
+              <p:cNvSpPr txBox="1"/>
+              <p:nvPr/>
+            </p:nvSpPr>
+            <p:spPr>
+              <a:xfrm>
+                <a:off x="143923" y="3977911"/>
+                <a:ext cx="1363762" cy="307777"/>
+              </a:xfrm>
+              <a:prstGeom prst="rect">
+                <a:avLst/>
+              </a:prstGeom>
+              <a:noFill/>
+            </p:spPr>
+            <p:txBody>
+              <a:bodyPr wrap="square" rtlCol="0">
+                <a:spAutoFit/>
+              </a:bodyPr>
+              <a:lstStyle/>
+              <a:p>
+                <a:r>
+                  <a:rPr kumimoji="1" lang="ja-JP" altLang="en-US" sz="1400" dirty="0"/>
+                  <a:t>キャンバス</a:t>
+                </a:r>
+                <a:endParaRPr kumimoji="1" lang="ja-JP" altLang="en-US" dirty="0"/>
+              </a:p>
+            </p:txBody>
+          </p:sp>
+        </p:grpSp>
         <p:cxnSp>
           <p:nvCxnSpPr>
-            <p:cNvPr id="10" name="直線コネクタ 9">
+            <p:cNvPr id="13" name="直線コネクタ 12">
               <a:extLst>
                 <a:ext uri="{FF2B5EF4-FFF2-40B4-BE49-F238E27FC236}">
-                  <a16:creationId xmlns:a16="http://schemas.microsoft.com/office/drawing/2014/main" id="{E0887BEF-FFA1-BFFB-464A-80B3EEFDE351}"/>
+                  <a16:creationId xmlns:a16="http://schemas.microsoft.com/office/drawing/2014/main" id="{25D211A9-FD95-D2AF-5A08-6B0AC0D975EC}"/>
                 </a:ext>
               </a:extLst>
             </p:cNvPr>
             <p:cNvCxnSpPr>
               <a:cxnSpLocks/>
-              <a:endCxn id="11" idx="2"/>
+              <a:endCxn id="14" idx="3"/>
             </p:cNvCxnSpPr>
             <p:nvPr/>
           </p:nvCxnSpPr>
           <p:spPr>
-            <a:xfrm flipH="1" flipV="1">
-              <a:off x="825804" y="4285688"/>
-              <a:ext cx="1012824" cy="242525"/>
+            <a:xfrm flipH="1">
+              <a:off x="914419" y="4861814"/>
+              <a:ext cx="1043721" cy="242525"/>
             </a:xfrm>
             <a:prstGeom prst="line">
               <a:avLst/>
@@ -15413,10 +15524,10 @@
         </p:cxnSp>
         <p:sp>
           <p:nvSpPr>
-            <p:cNvPr id="11" name="テキスト ボックス 10">
+            <p:cNvPr id="14" name="テキスト ボックス 13">
               <a:extLst>
                 <a:ext uri="{FF2B5EF4-FFF2-40B4-BE49-F238E27FC236}">
-                  <a16:creationId xmlns:a16="http://schemas.microsoft.com/office/drawing/2014/main" id="{EA9A3B21-43B5-9940-9099-26C03A4913DC}"/>
+                  <a16:creationId xmlns:a16="http://schemas.microsoft.com/office/drawing/2014/main" id="{F47A4614-B92A-4A6C-23D6-326417CD34A0}"/>
                 </a:ext>
               </a:extLst>
             </p:cNvPr>
@@ -15425,8 +15536,8 @@
           </p:nvSpPr>
           <p:spPr>
             <a:xfrm>
-              <a:off x="143923" y="3977911"/>
-              <a:ext cx="1363762" cy="307777"/>
+              <a:off x="177175" y="4950450"/>
+              <a:ext cx="737244" cy="307777"/>
             </a:xfrm>
             <a:prstGeom prst="rect">
               <a:avLst/>
@@ -15441,269 +15552,187 @@
             <a:p>
               <a:r>
                 <a:rPr kumimoji="1" lang="ja-JP" altLang="en-US" sz="1400" dirty="0"/>
-                <a:t>キャンバス</a:t>
+                <a:t>グラフ</a:t>
               </a:r>
               <a:endParaRPr kumimoji="1" lang="ja-JP" altLang="en-US" dirty="0"/>
             </a:p>
           </p:txBody>
         </p:sp>
+        <p:cxnSp>
+          <p:nvCxnSpPr>
+            <p:cNvPr id="15" name="直線コネクタ 14">
+              <a:extLst>
+                <a:ext uri="{FF2B5EF4-FFF2-40B4-BE49-F238E27FC236}">
+                  <a16:creationId xmlns:a16="http://schemas.microsoft.com/office/drawing/2014/main" id="{BE784560-C066-2DBD-CE01-F272A08A724B}"/>
+                </a:ext>
+              </a:extLst>
+            </p:cNvPr>
+            <p:cNvCxnSpPr>
+              <a:cxnSpLocks/>
+              <a:endCxn id="14" idx="3"/>
+            </p:cNvCxnSpPr>
+            <p:nvPr/>
+          </p:nvCxnSpPr>
+          <p:spPr>
+            <a:xfrm flipH="1" flipV="1">
+              <a:off x="914419" y="5104339"/>
+              <a:ext cx="1043721" cy="54575"/>
+            </a:xfrm>
+            <a:prstGeom prst="line">
+              <a:avLst/>
+            </a:prstGeom>
+            <a:ln>
+              <a:solidFill>
+                <a:schemeClr val="accent3">
+                  <a:lumMod val="75000"/>
+                </a:schemeClr>
+              </a:solidFill>
+            </a:ln>
+          </p:spPr>
+          <p:style>
+            <a:lnRef idx="3">
+              <a:schemeClr val="dk1"/>
+            </a:lnRef>
+            <a:fillRef idx="0">
+              <a:schemeClr val="dk1"/>
+            </a:fillRef>
+            <a:effectRef idx="2">
+              <a:schemeClr val="dk1"/>
+            </a:effectRef>
+            <a:fontRef idx="minor">
+              <a:schemeClr val="tx1"/>
+            </a:fontRef>
+          </p:style>
+        </p:cxnSp>
+        <p:cxnSp>
+          <p:nvCxnSpPr>
+            <p:cNvPr id="18" name="直線コネクタ 17">
+              <a:extLst>
+                <a:ext uri="{FF2B5EF4-FFF2-40B4-BE49-F238E27FC236}">
+                  <a16:creationId xmlns:a16="http://schemas.microsoft.com/office/drawing/2014/main" id="{C1F51E9B-3A8F-5723-81F1-CADD7AC85C22}"/>
+                </a:ext>
+              </a:extLst>
+            </p:cNvPr>
+            <p:cNvCxnSpPr>
+              <a:cxnSpLocks/>
+              <a:endCxn id="19" idx="3"/>
+            </p:cNvCxnSpPr>
+            <p:nvPr/>
+          </p:nvCxnSpPr>
+          <p:spPr>
+            <a:xfrm flipH="1">
+              <a:off x="1394847" y="5355908"/>
+              <a:ext cx="563293" cy="242525"/>
+            </a:xfrm>
+            <a:prstGeom prst="line">
+              <a:avLst/>
+            </a:prstGeom>
+            <a:ln>
+              <a:solidFill>
+                <a:schemeClr val="accent3">
+                  <a:lumMod val="75000"/>
+                </a:schemeClr>
+              </a:solidFill>
+            </a:ln>
+          </p:spPr>
+          <p:style>
+            <a:lnRef idx="3">
+              <a:schemeClr val="dk1"/>
+            </a:lnRef>
+            <a:fillRef idx="0">
+              <a:schemeClr val="dk1"/>
+            </a:fillRef>
+            <a:effectRef idx="2">
+              <a:schemeClr val="dk1"/>
+            </a:effectRef>
+            <a:fontRef idx="minor">
+              <a:schemeClr val="tx1"/>
+            </a:fontRef>
+          </p:style>
+        </p:cxnSp>
+        <p:sp>
+          <p:nvSpPr>
+            <p:cNvPr id="19" name="テキスト ボックス 18">
+              <a:extLst>
+                <a:ext uri="{FF2B5EF4-FFF2-40B4-BE49-F238E27FC236}">
+                  <a16:creationId xmlns:a16="http://schemas.microsoft.com/office/drawing/2014/main" id="{2E81AFA0-B1EE-678A-5CD1-64E86AAE128F}"/>
+                </a:ext>
+              </a:extLst>
+            </p:cNvPr>
+            <p:cNvSpPr txBox="1"/>
+            <p:nvPr/>
+          </p:nvSpPr>
+          <p:spPr>
+            <a:xfrm>
+              <a:off x="177174" y="5444544"/>
+              <a:ext cx="1217673" cy="307777"/>
+            </a:xfrm>
+            <a:prstGeom prst="rect">
+              <a:avLst/>
+            </a:prstGeom>
+            <a:noFill/>
+          </p:spPr>
+          <p:txBody>
+            <a:bodyPr wrap="square" rtlCol="0">
+              <a:spAutoFit/>
+            </a:bodyPr>
+            <a:lstStyle/>
+            <a:p>
+              <a:r>
+                <a:rPr kumimoji="1" lang="ja-JP" altLang="en-US" sz="1400" dirty="0"/>
+                <a:t>オプション</a:t>
+              </a:r>
+              <a:endParaRPr kumimoji="1" lang="ja-JP" altLang="en-US" dirty="0"/>
+            </a:p>
+          </p:txBody>
+        </p:sp>
+        <p:cxnSp>
+          <p:nvCxnSpPr>
+            <p:cNvPr id="20" name="直線コネクタ 19">
+              <a:extLst>
+                <a:ext uri="{FF2B5EF4-FFF2-40B4-BE49-F238E27FC236}">
+                  <a16:creationId xmlns:a16="http://schemas.microsoft.com/office/drawing/2014/main" id="{5BA4834E-ABC5-D303-3372-3D462D679D84}"/>
+                </a:ext>
+              </a:extLst>
+            </p:cNvPr>
+            <p:cNvCxnSpPr>
+              <a:cxnSpLocks/>
+              <a:endCxn id="19" idx="3"/>
+            </p:cNvCxnSpPr>
+            <p:nvPr/>
+          </p:nvCxnSpPr>
+          <p:spPr>
+            <a:xfrm flipH="1" flipV="1">
+              <a:off x="1394847" y="5598433"/>
+              <a:ext cx="563293" cy="54575"/>
+            </a:xfrm>
+            <a:prstGeom prst="line">
+              <a:avLst/>
+            </a:prstGeom>
+            <a:ln>
+              <a:solidFill>
+                <a:schemeClr val="accent3">
+                  <a:lumMod val="75000"/>
+                </a:schemeClr>
+              </a:solidFill>
+            </a:ln>
+          </p:spPr>
+          <p:style>
+            <a:lnRef idx="3">
+              <a:schemeClr val="dk1"/>
+            </a:lnRef>
+            <a:fillRef idx="0">
+              <a:schemeClr val="dk1"/>
+            </a:fillRef>
+            <a:effectRef idx="2">
+              <a:schemeClr val="dk1"/>
+            </a:effectRef>
+            <a:fontRef idx="minor">
+              <a:schemeClr val="tx1"/>
+            </a:fontRef>
+          </p:style>
+        </p:cxnSp>
       </p:grpSp>
-      <p:cxnSp>
-        <p:nvCxnSpPr>
-          <p:cNvPr id="13" name="直線コネクタ 12">
-            <a:extLst>
-              <a:ext uri="{FF2B5EF4-FFF2-40B4-BE49-F238E27FC236}">
-                <a16:creationId xmlns:a16="http://schemas.microsoft.com/office/drawing/2014/main" id="{25D211A9-FD95-D2AF-5A08-6B0AC0D975EC}"/>
-              </a:ext>
-            </a:extLst>
-          </p:cNvPr>
-          <p:cNvCxnSpPr>
-            <a:cxnSpLocks/>
-            <a:endCxn id="14" idx="3"/>
-          </p:cNvCxnSpPr>
-          <p:nvPr/>
-        </p:nvCxnSpPr>
-        <p:spPr>
-          <a:xfrm flipH="1">
-            <a:off x="914419" y="4861814"/>
-            <a:ext cx="1043721" cy="242525"/>
-          </a:xfrm>
-          <a:prstGeom prst="line">
-            <a:avLst/>
-          </a:prstGeom>
-          <a:ln>
-            <a:solidFill>
-              <a:schemeClr val="accent3">
-                <a:lumMod val="75000"/>
-              </a:schemeClr>
-            </a:solidFill>
-          </a:ln>
-        </p:spPr>
-        <p:style>
-          <a:lnRef idx="3">
-            <a:schemeClr val="dk1"/>
-          </a:lnRef>
-          <a:fillRef idx="0">
-            <a:schemeClr val="dk1"/>
-          </a:fillRef>
-          <a:effectRef idx="2">
-            <a:schemeClr val="dk1"/>
-          </a:effectRef>
-          <a:fontRef idx="minor">
-            <a:schemeClr val="tx1"/>
-          </a:fontRef>
-        </p:style>
-      </p:cxnSp>
-      <p:sp>
-        <p:nvSpPr>
-          <p:cNvPr id="14" name="テキスト ボックス 13">
-            <a:extLst>
-              <a:ext uri="{FF2B5EF4-FFF2-40B4-BE49-F238E27FC236}">
-                <a16:creationId xmlns:a16="http://schemas.microsoft.com/office/drawing/2014/main" id="{F47A4614-B92A-4A6C-23D6-326417CD34A0}"/>
-              </a:ext>
-            </a:extLst>
-          </p:cNvPr>
-          <p:cNvSpPr txBox="1"/>
-          <p:nvPr/>
-        </p:nvSpPr>
-        <p:spPr>
-          <a:xfrm>
-            <a:off x="177175" y="4950450"/>
-            <a:ext cx="737244" cy="307777"/>
-          </a:xfrm>
-          <a:prstGeom prst="rect">
-            <a:avLst/>
-          </a:prstGeom>
-          <a:noFill/>
-        </p:spPr>
-        <p:txBody>
-          <a:bodyPr wrap="square" rtlCol="0">
-            <a:spAutoFit/>
-          </a:bodyPr>
-          <a:lstStyle/>
-          <a:p>
-            <a:r>
-              <a:rPr kumimoji="1" lang="ja-JP" altLang="en-US" sz="1400" dirty="0"/>
-              <a:t>グラフ</a:t>
-            </a:r>
-            <a:endParaRPr kumimoji="1" lang="ja-JP" altLang="en-US" dirty="0"/>
-          </a:p>
-        </p:txBody>
-      </p:sp>
-      <p:cxnSp>
-        <p:nvCxnSpPr>
-          <p:cNvPr id="15" name="直線コネクタ 14">
-            <a:extLst>
-              <a:ext uri="{FF2B5EF4-FFF2-40B4-BE49-F238E27FC236}">
-                <a16:creationId xmlns:a16="http://schemas.microsoft.com/office/drawing/2014/main" id="{BE784560-C066-2DBD-CE01-F272A08A724B}"/>
-              </a:ext>
-            </a:extLst>
-          </p:cNvPr>
-          <p:cNvCxnSpPr>
-            <a:cxnSpLocks/>
-            <a:endCxn id="14" idx="3"/>
-          </p:cNvCxnSpPr>
-          <p:nvPr/>
-        </p:nvCxnSpPr>
-        <p:spPr>
-          <a:xfrm flipH="1" flipV="1">
-            <a:off x="914419" y="5104339"/>
-            <a:ext cx="1043721" cy="54575"/>
-          </a:xfrm>
-          <a:prstGeom prst="line">
-            <a:avLst/>
-          </a:prstGeom>
-          <a:ln>
-            <a:solidFill>
-              <a:schemeClr val="accent3">
-                <a:lumMod val="75000"/>
-              </a:schemeClr>
-            </a:solidFill>
-          </a:ln>
-        </p:spPr>
-        <p:style>
-          <a:lnRef idx="3">
-            <a:schemeClr val="dk1"/>
-          </a:lnRef>
-          <a:fillRef idx="0">
-            <a:schemeClr val="dk1"/>
-          </a:fillRef>
-          <a:effectRef idx="2">
-            <a:schemeClr val="dk1"/>
-          </a:effectRef>
-          <a:fontRef idx="minor">
-            <a:schemeClr val="tx1"/>
-          </a:fontRef>
-        </p:style>
-      </p:cxnSp>
-      <p:cxnSp>
-        <p:nvCxnSpPr>
-          <p:cNvPr id="18" name="直線コネクタ 17">
-            <a:extLst>
-              <a:ext uri="{FF2B5EF4-FFF2-40B4-BE49-F238E27FC236}">
-                <a16:creationId xmlns:a16="http://schemas.microsoft.com/office/drawing/2014/main" id="{C1F51E9B-3A8F-5723-81F1-CADD7AC85C22}"/>
-              </a:ext>
-            </a:extLst>
-          </p:cNvPr>
-          <p:cNvCxnSpPr>
-            <a:cxnSpLocks/>
-            <a:endCxn id="19" idx="3"/>
-          </p:cNvCxnSpPr>
-          <p:nvPr/>
-        </p:nvCxnSpPr>
-        <p:spPr>
-          <a:xfrm flipH="1">
-            <a:off x="1394847" y="5355908"/>
-            <a:ext cx="563293" cy="242525"/>
-          </a:xfrm>
-          <a:prstGeom prst="line">
-            <a:avLst/>
-          </a:prstGeom>
-          <a:ln>
-            <a:solidFill>
-              <a:schemeClr val="accent3">
-                <a:lumMod val="75000"/>
-              </a:schemeClr>
-            </a:solidFill>
-          </a:ln>
-        </p:spPr>
-        <p:style>
-          <a:lnRef idx="3">
-            <a:schemeClr val="dk1"/>
-          </a:lnRef>
-          <a:fillRef idx="0">
-            <a:schemeClr val="dk1"/>
-          </a:fillRef>
-          <a:effectRef idx="2">
-            <a:schemeClr val="dk1"/>
-          </a:effectRef>
-          <a:fontRef idx="minor">
-            <a:schemeClr val="tx1"/>
-          </a:fontRef>
-        </p:style>
-      </p:cxnSp>
-      <p:sp>
-        <p:nvSpPr>
-          <p:cNvPr id="19" name="テキスト ボックス 18">
-            <a:extLst>
-              <a:ext uri="{FF2B5EF4-FFF2-40B4-BE49-F238E27FC236}">
-                <a16:creationId xmlns:a16="http://schemas.microsoft.com/office/drawing/2014/main" id="{2E81AFA0-B1EE-678A-5CD1-64E86AAE128F}"/>
-              </a:ext>
-            </a:extLst>
-          </p:cNvPr>
-          <p:cNvSpPr txBox="1"/>
-          <p:nvPr/>
-        </p:nvSpPr>
-        <p:spPr>
-          <a:xfrm>
-            <a:off x="177174" y="5444544"/>
-            <a:ext cx="1217673" cy="307777"/>
-          </a:xfrm>
-          <a:prstGeom prst="rect">
-            <a:avLst/>
-          </a:prstGeom>
-          <a:noFill/>
-        </p:spPr>
-        <p:txBody>
-          <a:bodyPr wrap="square" rtlCol="0">
-            <a:spAutoFit/>
-          </a:bodyPr>
-          <a:lstStyle/>
-          <a:p>
-            <a:r>
-              <a:rPr kumimoji="1" lang="ja-JP" altLang="en-US" sz="1400" dirty="0"/>
-              <a:t>オプション</a:t>
-            </a:r>
-            <a:endParaRPr kumimoji="1" lang="ja-JP" altLang="en-US" dirty="0"/>
-          </a:p>
-        </p:txBody>
-      </p:sp>
-      <p:cxnSp>
-        <p:nvCxnSpPr>
-          <p:cNvPr id="20" name="直線コネクタ 19">
-            <a:extLst>
-              <a:ext uri="{FF2B5EF4-FFF2-40B4-BE49-F238E27FC236}">
-                <a16:creationId xmlns:a16="http://schemas.microsoft.com/office/drawing/2014/main" id="{5BA4834E-ABC5-D303-3372-3D462D679D84}"/>
-              </a:ext>
-            </a:extLst>
-          </p:cNvPr>
-          <p:cNvCxnSpPr>
-            <a:cxnSpLocks/>
-            <a:endCxn id="19" idx="3"/>
-          </p:cNvCxnSpPr>
-          <p:nvPr/>
-        </p:nvCxnSpPr>
-        <p:spPr>
-          <a:xfrm flipH="1" flipV="1">
-            <a:off x="1394847" y="5598433"/>
-            <a:ext cx="563293" cy="54575"/>
-          </a:xfrm>
-          <a:prstGeom prst="line">
-            <a:avLst/>
-          </a:prstGeom>
-          <a:ln>
-            <a:solidFill>
-              <a:schemeClr val="accent3">
-                <a:lumMod val="75000"/>
-              </a:schemeClr>
-            </a:solidFill>
-          </a:ln>
-        </p:spPr>
-        <p:style>
-          <a:lnRef idx="3">
-            <a:schemeClr val="dk1"/>
-          </a:lnRef>
-          <a:fillRef idx="0">
-            <a:schemeClr val="dk1"/>
-          </a:fillRef>
-          <a:effectRef idx="2">
-            <a:schemeClr val="dk1"/>
-          </a:effectRef>
-          <a:fontRef idx="minor">
-            <a:schemeClr val="tx1"/>
-          </a:fontRef>
-        </p:style>
-      </p:cxnSp>
     </p:spTree>
     <p:extLst>
       <p:ext uri="{BB962C8B-B14F-4D97-AF65-F5344CB8AC3E}">

--- a/事前レクチャー_スライド.pptx
+++ b/事前レクチャー_スライド.pptx
@@ -152,7 +152,7 @@
 <file path=ppt/revisionInfo.xml><?xml version="1.0" encoding="utf-8"?>
 <p1510:revInfo xmlns:a="http://schemas.openxmlformats.org/drawingml/2006/main" xmlns:r="http://schemas.openxmlformats.org/officeDocument/2006/relationships" xmlns:p1510="http://schemas.microsoft.com/office/powerpoint/2015/10/main">
   <p1510:revLst>
-    <p1510:client id="{54E4F011-C27E-4586-9098-82EB89E0B39E}" v="2407" dt="2025-08-12T01:22:24.443"/>
+    <p1510:client id="{54E4F011-C27E-4586-9098-82EB89E0B39E}" v="2416" dt="2025-08-12T06:35:41.656"/>
   </p1510:revLst>
 </p1510:revInfo>
 </file>
@@ -162,7 +162,7 @@
   <pc:docChgLst>
     <pc:chgData name="Keisuke Tsugumi" userId="6e4a72d90fa3675d" providerId="LiveId" clId="{54E4F011-C27E-4586-9098-82EB89E0B39E}"/>
     <pc:docChg chg="undo custSel addSld delSld modSld sldOrd modMainMaster">
-      <pc:chgData name="Keisuke Tsugumi" userId="6e4a72d90fa3675d" providerId="LiveId" clId="{54E4F011-C27E-4586-9098-82EB89E0B39E}" dt="2025-08-12T01:22:47.339" v="16246"/>
+      <pc:chgData name="Keisuke Tsugumi" userId="6e4a72d90fa3675d" providerId="LiveId" clId="{54E4F011-C27E-4586-9098-82EB89E0B39E}" dt="2025-08-12T06:39:32.835" v="16297" actId="20577"/>
       <pc:docMkLst>
         <pc:docMk/>
       </pc:docMkLst>
@@ -773,7 +773,7 @@
         </pc:spChg>
       </pc:sldChg>
       <pc:sldChg chg="addSp delSp modSp new mod ord">
-        <pc:chgData name="Keisuke Tsugumi" userId="6e4a72d90fa3675d" providerId="LiveId" clId="{54E4F011-C27E-4586-9098-82EB89E0B39E}" dt="2025-08-08T11:28:22.927" v="14832" actId="478"/>
+        <pc:chgData name="Keisuke Tsugumi" userId="6e4a72d90fa3675d" providerId="LiveId" clId="{54E4F011-C27E-4586-9098-82EB89E0B39E}" dt="2025-08-12T02:21:04.707" v="16284"/>
         <pc:sldMkLst>
           <pc:docMk/>
           <pc:sldMk cId="98827348" sldId="266"/>
@@ -787,7 +787,7 @@
           </ac:spMkLst>
         </pc:spChg>
         <pc:spChg chg="mod">
-          <ac:chgData name="Keisuke Tsugumi" userId="6e4a72d90fa3675d" providerId="LiveId" clId="{54E4F011-C27E-4586-9098-82EB89E0B39E}" dt="2025-08-08T11:28:19.904" v="14831" actId="20577"/>
+          <ac:chgData name="Keisuke Tsugumi" userId="6e4a72d90fa3675d" providerId="LiveId" clId="{54E4F011-C27E-4586-9098-82EB89E0B39E}" dt="2025-08-12T02:21:04.707" v="16284"/>
           <ac:spMkLst>
             <pc:docMk/>
             <pc:sldMk cId="98827348" sldId="266"/>
@@ -2083,7 +2083,7 @@
         </pc:cxnChg>
       </pc:sldChg>
       <pc:sldChg chg="modSp new mod">
-        <pc:chgData name="Keisuke Tsugumi" userId="6e4a72d90fa3675d" providerId="LiveId" clId="{54E4F011-C27E-4586-9098-82EB89E0B39E}" dt="2025-08-10T12:29:40.646" v="15769"/>
+        <pc:chgData name="Keisuke Tsugumi" userId="6e4a72d90fa3675d" providerId="LiveId" clId="{54E4F011-C27E-4586-9098-82EB89E0B39E}" dt="2025-08-12T02:07:25.085" v="16258" actId="20577"/>
         <pc:sldMkLst>
           <pc:docMk/>
           <pc:sldMk cId="3231024277" sldId="292"/>
@@ -2097,7 +2097,7 @@
           </ac:spMkLst>
         </pc:spChg>
         <pc:spChg chg="mod">
-          <ac:chgData name="Keisuke Tsugumi" userId="6e4a72d90fa3675d" providerId="LiveId" clId="{54E4F011-C27E-4586-9098-82EB89E0B39E}" dt="2025-08-10T12:29:40.646" v="15769"/>
+          <ac:chgData name="Keisuke Tsugumi" userId="6e4a72d90fa3675d" providerId="LiveId" clId="{54E4F011-C27E-4586-9098-82EB89E0B39E}" dt="2025-08-12T02:07:25.085" v="16258" actId="20577"/>
           <ac:spMkLst>
             <pc:docMk/>
             <pc:sldMk cId="3231024277" sldId="292"/>
@@ -2121,7 +2121,7 @@
         </pc:sldMkLst>
       </pc:sldChg>
       <pc:sldChg chg="modSp new mod ord">
-        <pc:chgData name="Keisuke Tsugumi" userId="6e4a72d90fa3675d" providerId="LiveId" clId="{54E4F011-C27E-4586-9098-82EB89E0B39E}" dt="2025-08-12T01:22:47.339" v="16246"/>
+        <pc:chgData name="Keisuke Tsugumi" userId="6e4a72d90fa3675d" providerId="LiveId" clId="{54E4F011-C27E-4586-9098-82EB89E0B39E}" dt="2025-08-12T06:39:32.835" v="16297" actId="20577"/>
         <pc:sldMkLst>
           <pc:docMk/>
           <pc:sldMk cId="2937184713" sldId="293"/>
@@ -2135,7 +2135,7 @@
           </ac:spMkLst>
         </pc:spChg>
         <pc:spChg chg="mod">
-          <ac:chgData name="Keisuke Tsugumi" userId="6e4a72d90fa3675d" providerId="LiveId" clId="{54E4F011-C27E-4586-9098-82EB89E0B39E}" dt="2025-08-12T01:22:37.526" v="16244" actId="207"/>
+          <ac:chgData name="Keisuke Tsugumi" userId="6e4a72d90fa3675d" providerId="LiveId" clId="{54E4F011-C27E-4586-9098-82EB89E0B39E}" dt="2025-08-12T06:39:32.835" v="16297" actId="20577"/>
           <ac:spMkLst>
             <pc:docMk/>
             <pc:sldMk cId="2937184713" sldId="293"/>
@@ -7453,7 +7453,7 @@
                   <a:srgbClr val="FF0000"/>
                 </a:solidFill>
               </a:rPr>
-              <a:t>18</a:t>
+              <a:t>17</a:t>
             </a:r>
             <a:r>
               <a:rPr kumimoji="1" lang="ja-JP" altLang="en-US" dirty="0">
@@ -7464,12 +7464,12 @@
               <a:t>日　</a:t>
             </a:r>
             <a:r>
-              <a:rPr kumimoji="1" lang="en-US" altLang="ja-JP" dirty="0">
+              <a:rPr lang="en-US" altLang="ja-JP" dirty="0">
                 <a:solidFill>
                   <a:srgbClr val="FF0000"/>
                 </a:solidFill>
               </a:rPr>
-              <a:t>9</a:t>
+              <a:t>10</a:t>
             </a:r>
             <a:r>
               <a:rPr kumimoji="1" lang="ja-JP" altLang="en-US" dirty="0">
@@ -7493,7 +7493,7 @@
                   <a:srgbClr val="FF0000"/>
                 </a:solidFill>
               </a:rPr>
-              <a:t>～　  伊藤</a:t>
+              <a:t>～　伊藤</a:t>
             </a:r>
             <a:endParaRPr kumimoji="1" lang="en-US" altLang="ja-JP" dirty="0">
               <a:solidFill>
@@ -10013,7 +10013,7 @@
             <a:pPr lvl="1"/>
             <a:r>
               <a:rPr lang="ja-JP" altLang="en-US" dirty="0"/>
-              <a:t>データ分析において最も一般的に用いられる</a:t>
+              <a:t>データ分析において最も一般的に用いられる表形式のオブジェクト</a:t>
             </a:r>
             <a:endParaRPr kumimoji="1" lang="en-US" altLang="ja-JP" dirty="0"/>
           </a:p>
@@ -22177,6 +22177,20 @@
           <a:lstStyle/>
           <a:p>
             <a:r>
+              <a:rPr lang="ja-JP" altLang="en-US" dirty="0"/>
+              <a:t>データに含まれる誤り、重複、不整合などの問題を修正し、</a:t>
+            </a:r>
+            <a:br>
+              <a:rPr lang="en-US" altLang="ja-JP" dirty="0"/>
+            </a:br>
+            <a:r>
+              <a:rPr lang="ja-JP" altLang="en-US" dirty="0"/>
+              <a:t>データの品質を向上させるプロセス</a:t>
+            </a:r>
+            <a:endParaRPr kumimoji="1" lang="en-US" altLang="ja-JP" dirty="0"/>
+          </a:p>
+          <a:p>
+            <a:r>
               <a:rPr kumimoji="1" lang="ja-JP" altLang="en-US" dirty="0"/>
               <a:t>ローデータを分析できる形に整形するプロセス</a:t>
             </a:r>

--- a/事前レクチャー_スライド.pptx
+++ b/事前レクチャー_スライド.pptx
@@ -152,7 +152,7 @@
 <file path=ppt/revisionInfo.xml><?xml version="1.0" encoding="utf-8"?>
 <p1510:revInfo xmlns:a="http://schemas.openxmlformats.org/drawingml/2006/main" xmlns:r="http://schemas.openxmlformats.org/officeDocument/2006/relationships" xmlns:p1510="http://schemas.microsoft.com/office/powerpoint/2015/10/main">
   <p1510:revLst>
-    <p1510:client id="{54E4F011-C27E-4586-9098-82EB89E0B39E}" v="2416" dt="2025-08-12T06:35:41.656"/>
+    <p1510:client id="{54E4F011-C27E-4586-9098-82EB89E0B39E}" v="2423" dt="2025-08-12T07:30:36.878"/>
   </p1510:revLst>
 </p1510:revInfo>
 </file>
@@ -162,7 +162,7 @@
   <pc:docChgLst>
     <pc:chgData name="Keisuke Tsugumi" userId="6e4a72d90fa3675d" providerId="LiveId" clId="{54E4F011-C27E-4586-9098-82EB89E0B39E}"/>
     <pc:docChg chg="undo custSel addSld delSld modSld sldOrd modMainMaster">
-      <pc:chgData name="Keisuke Tsugumi" userId="6e4a72d90fa3675d" providerId="LiveId" clId="{54E4F011-C27E-4586-9098-82EB89E0B39E}" dt="2025-08-12T06:39:32.835" v="16297" actId="20577"/>
+      <pc:chgData name="Keisuke Tsugumi" userId="6e4a72d90fa3675d" providerId="LiveId" clId="{54E4F011-C27E-4586-9098-82EB89E0B39E}" dt="2025-08-12T07:31:09.910" v="16368" actId="27636"/>
       <pc:docMkLst>
         <pc:docMk/>
       </pc:docMkLst>
@@ -2121,13 +2121,13 @@
         </pc:sldMkLst>
       </pc:sldChg>
       <pc:sldChg chg="modSp new mod ord">
-        <pc:chgData name="Keisuke Tsugumi" userId="6e4a72d90fa3675d" providerId="LiveId" clId="{54E4F011-C27E-4586-9098-82EB89E0B39E}" dt="2025-08-12T06:39:32.835" v="16297" actId="20577"/>
+        <pc:chgData name="Keisuke Tsugumi" userId="6e4a72d90fa3675d" providerId="LiveId" clId="{54E4F011-C27E-4586-9098-82EB89E0B39E}" dt="2025-08-12T07:31:09.910" v="16368" actId="27636"/>
         <pc:sldMkLst>
           <pc:docMk/>
           <pc:sldMk cId="2937184713" sldId="293"/>
         </pc:sldMkLst>
         <pc:spChg chg="mod">
-          <ac:chgData name="Keisuke Tsugumi" userId="6e4a72d90fa3675d" providerId="LiveId" clId="{54E4F011-C27E-4586-9098-82EB89E0B39E}" dt="2025-08-12T01:15:24.817" v="15792"/>
+          <ac:chgData name="Keisuke Tsugumi" userId="6e4a72d90fa3675d" providerId="LiveId" clId="{54E4F011-C27E-4586-9098-82EB89E0B39E}" dt="2025-08-12T07:30:13.206" v="16319"/>
           <ac:spMkLst>
             <pc:docMk/>
             <pc:sldMk cId="2937184713" sldId="293"/>
@@ -2135,7 +2135,7 @@
           </ac:spMkLst>
         </pc:spChg>
         <pc:spChg chg="mod">
-          <ac:chgData name="Keisuke Tsugumi" userId="6e4a72d90fa3675d" providerId="LiveId" clId="{54E4F011-C27E-4586-9098-82EB89E0B39E}" dt="2025-08-12T06:39:32.835" v="16297" actId="20577"/>
+          <ac:chgData name="Keisuke Tsugumi" userId="6e4a72d90fa3675d" providerId="LiveId" clId="{54E4F011-C27E-4586-9098-82EB89E0B39E}" dt="2025-08-12T07:31:09.910" v="16368" actId="27636"/>
           <ac:spMkLst>
             <pc:docMk/>
             <pc:sldMk cId="2937184713" sldId="293"/>
@@ -7185,7 +7185,15 @@
           <a:p>
             <a:r>
               <a:rPr kumimoji="1" lang="ja-JP" altLang="en-US" dirty="0"/>
-              <a:t>　事務連絡</a:t>
+              <a:t>　</a:t>
+            </a:r>
+            <a:r>
+              <a:rPr lang="ja-JP" altLang="en-US" dirty="0"/>
+              <a:t>オフィスアワーに関する</a:t>
+            </a:r>
+            <a:r>
+              <a:rPr kumimoji="1" lang="ja-JP" altLang="en-US" dirty="0"/>
+              <a:t>連絡</a:t>
             </a:r>
           </a:p>
         </p:txBody>
@@ -7208,24 +7216,18 @@
         </p:nvSpPr>
         <p:spPr/>
         <p:txBody>
-          <a:bodyPr/>
-          <a:lstStyle/>
-          <a:p>
-            <a:r>
-              <a:rPr kumimoji="1" lang="ja-JP" altLang="en-US" dirty="0"/>
-              <a:t>オフィスアワーについて</a:t>
-            </a:r>
-            <a:endParaRPr kumimoji="1" lang="en-US" altLang="ja-JP" dirty="0"/>
-          </a:p>
-          <a:p>
-            <a:pPr lvl="1"/>
+          <a:bodyPr>
+            <a:normAutofit/>
+          </a:bodyPr>
+          <a:lstStyle/>
+          <a:p>
             <a:r>
               <a:rPr kumimoji="1" lang="ja-JP" altLang="en-US" dirty="0"/>
               <a:t>旧：</a:t>
             </a:r>
             <a:r>
               <a:rPr kumimoji="1" lang="en-US" altLang="ja-JP" dirty="0"/>
-              <a:t>8</a:t>
+              <a:t>	8</a:t>
             </a:r>
             <a:r>
               <a:rPr kumimoji="1" lang="ja-JP" altLang="en-US" dirty="0"/>
@@ -7255,23 +7257,15 @@
               <a:rPr kumimoji="1" lang="ja-JP" altLang="en-US" dirty="0"/>
               <a:t>～　伊藤</a:t>
             </a:r>
-            <a:endParaRPr kumimoji="1" lang="en-US" altLang="ja-JP" dirty="0"/>
-          </a:p>
-          <a:p>
-            <a:pPr marL="457200" lvl="1" indent="0">
+            <a:endParaRPr lang="en-US" altLang="ja-JP" dirty="0"/>
+          </a:p>
+          <a:p>
+            <a:pPr marL="0" indent="0">
               <a:buNone/>
             </a:pPr>
             <a:r>
               <a:rPr lang="en-US" altLang="ja-JP" dirty="0"/>
-              <a:t>	</a:t>
-            </a:r>
-            <a:r>
-              <a:rPr lang="ja-JP" altLang="en-US" dirty="0"/>
-              <a:t>　</a:t>
-            </a:r>
-            <a:r>
-              <a:rPr lang="en-US" altLang="ja-JP" dirty="0"/>
-              <a:t>8</a:t>
+              <a:t>	8</a:t>
             </a:r>
             <a:r>
               <a:rPr lang="ja-JP" altLang="en-US" dirty="0"/>
@@ -7310,14 +7304,13 @@
             <a:endParaRPr lang="en-US" altLang="ja-JP" dirty="0"/>
           </a:p>
           <a:p>
-            <a:pPr lvl="1"/>
             <a:r>
               <a:rPr kumimoji="1" lang="ja-JP" altLang="en-US" dirty="0"/>
               <a:t>新：</a:t>
             </a:r>
             <a:r>
               <a:rPr kumimoji="1" lang="en-US" altLang="ja-JP" dirty="0"/>
-              <a:t>8</a:t>
+              <a:t>	8</a:t>
             </a:r>
             <a:r>
               <a:rPr kumimoji="1" lang="ja-JP" altLang="en-US" dirty="0"/>
@@ -7362,20 +7355,12 @@
             </a:endParaRPr>
           </a:p>
           <a:p>
-            <a:pPr marL="457200" lvl="1" indent="0">
+            <a:pPr marL="0" indent="0">
               <a:buNone/>
             </a:pPr>
             <a:r>
               <a:rPr kumimoji="1" lang="en-US" altLang="ja-JP" dirty="0"/>
-              <a:t>	</a:t>
-            </a:r>
-            <a:r>
-              <a:rPr kumimoji="1" lang="ja-JP" altLang="en-US" dirty="0"/>
-              <a:t>　</a:t>
-            </a:r>
-            <a:r>
-              <a:rPr kumimoji="1" lang="en-US" altLang="ja-JP" dirty="0"/>
-              <a:t>8</a:t>
+              <a:t>	8</a:t>
             </a:r>
             <a:r>
               <a:rPr kumimoji="1" lang="ja-JP" altLang="en-US" dirty="0"/>
@@ -7420,24 +7405,16 @@
             </a:endParaRPr>
           </a:p>
           <a:p>
-            <a:pPr marL="457200" lvl="1" indent="0">
+            <a:pPr marL="0" indent="0">
               <a:buNone/>
             </a:pPr>
-            <a:r>
-              <a:rPr kumimoji="1" lang="en-US" altLang="ja-JP" dirty="0"/>
-              <a:t>	</a:t>
-            </a:r>
-            <a:r>
-              <a:rPr kumimoji="1" lang="ja-JP" altLang="en-US" dirty="0"/>
-              <a:t>　</a:t>
-            </a:r>
             <a:r>
               <a:rPr kumimoji="1" lang="en-US" altLang="ja-JP" dirty="0">
                 <a:solidFill>
                   <a:srgbClr val="FF0000"/>
                 </a:solidFill>
               </a:rPr>
-              <a:t>8</a:t>
+              <a:t>	8</a:t>
             </a:r>
             <a:r>
               <a:rPr kumimoji="1" lang="ja-JP" altLang="en-US" dirty="0">
@@ -7495,16 +7472,6 @@
               </a:rPr>
               <a:t>～　伊藤</a:t>
             </a:r>
-            <a:endParaRPr kumimoji="1" lang="en-US" altLang="ja-JP" dirty="0">
-              <a:solidFill>
-                <a:srgbClr val="FF0000"/>
-              </a:solidFill>
-            </a:endParaRPr>
-          </a:p>
-          <a:p>
-            <a:pPr marL="457200" lvl="1" indent="0">
-              <a:buNone/>
-            </a:pPr>
             <a:endParaRPr lang="en-US" altLang="ja-JP" dirty="0">
               <a:solidFill>
                 <a:srgbClr val="FF0000"/>
@@ -7512,16 +7479,24 @@
             </a:endParaRPr>
           </a:p>
           <a:p>
-            <a:pPr marL="457200" lvl="1" indent="0">
+            <a:pPr marL="0" indent="0">
               <a:buNone/>
             </a:pPr>
+            <a:r>
+              <a:rPr lang="ja-JP" altLang="en-US">
+                <a:solidFill>
+                  <a:schemeClr val="accent6"/>
+                </a:solidFill>
+              </a:rPr>
+              <a:t>リンク</a:t>
+            </a:r>
             <a:r>
               <a:rPr lang="ja-JP" altLang="en-US" dirty="0">
                 <a:solidFill>
                   <a:schemeClr val="accent6"/>
                 </a:solidFill>
               </a:rPr>
-              <a:t>リンクが変更になりますのでご注意ください</a:t>
+              <a:t>が変更になりますのでご注意ください</a:t>
             </a:r>
             <a:endParaRPr lang="en-US" altLang="ja-JP" dirty="0">
               <a:solidFill>
